--- a/Documents/CDR_Presentation.pptx
+++ b/Documents/CDR_Presentation.pptx
@@ -2,20 +2,22 @@
 <file path=ppt/presentation.xml><?xml version="1.0" encoding="utf-8"?>
 <p:presentation xmlns:a="http://schemas.openxmlformats.org/drawingml/2006/main" xmlns:r="http://schemas.openxmlformats.org/officeDocument/2006/relationships" xmlns:p="http://schemas.openxmlformats.org/presentationml/2006/main" saveSubsetFonts="1">
   <p:sldMasterIdLst>
-    <p:sldMasterId id="2147483648" r:id="rId1"/>
+    <p:sldMasterId id="2147483660" r:id="rId1"/>
   </p:sldMasterIdLst>
   <p:sldIdLst>
     <p:sldId id="256" r:id="rId2"/>
     <p:sldId id="257" r:id="rId3"/>
     <p:sldId id="258" r:id="rId4"/>
     <p:sldId id="259" r:id="rId5"/>
-    <p:sldId id="260" r:id="rId6"/>
-    <p:sldId id="264" r:id="rId7"/>
-    <p:sldId id="261" r:id="rId8"/>
-    <p:sldId id="262" r:id="rId9"/>
-    <p:sldId id="263" r:id="rId10"/>
-    <p:sldId id="265" r:id="rId11"/>
-    <p:sldId id="266" r:id="rId12"/>
+    <p:sldId id="267" r:id="rId6"/>
+    <p:sldId id="268" r:id="rId7"/>
+    <p:sldId id="260" r:id="rId8"/>
+    <p:sldId id="264" r:id="rId9"/>
+    <p:sldId id="261" r:id="rId10"/>
+    <p:sldId id="262" r:id="rId11"/>
+    <p:sldId id="263" r:id="rId12"/>
+    <p:sldId id="265" r:id="rId13"/>
+    <p:sldId id="266" r:id="rId14"/>
   </p:sldIdLst>
   <p:sldSz cx="12192000" cy="6858000"/>
   <p:notesSz cx="6858000" cy="9144000"/>
@@ -23,7 +25,7 @@
     <a:defPPr>
       <a:defRPr lang="en-US"/>
     </a:defPPr>
-    <a:lvl1pPr marL="0" algn="l" defTabSz="914400" rtl="0" eaLnBrk="1" latinLnBrk="0" hangingPunct="1">
+    <a:lvl1pPr marL="0" algn="l" defTabSz="457200" rtl="0" eaLnBrk="1" latinLnBrk="0" hangingPunct="1">
       <a:defRPr sz="1800" kern="1200">
         <a:solidFill>
           <a:schemeClr val="tx1"/>
@@ -33,7 +35,7 @@
         <a:cs typeface="+mn-cs"/>
       </a:defRPr>
     </a:lvl1pPr>
-    <a:lvl2pPr marL="457200" algn="l" defTabSz="914400" rtl="0" eaLnBrk="1" latinLnBrk="0" hangingPunct="1">
+    <a:lvl2pPr marL="457200" algn="l" defTabSz="457200" rtl="0" eaLnBrk="1" latinLnBrk="0" hangingPunct="1">
       <a:defRPr sz="1800" kern="1200">
         <a:solidFill>
           <a:schemeClr val="tx1"/>
@@ -43,7 +45,7 @@
         <a:cs typeface="+mn-cs"/>
       </a:defRPr>
     </a:lvl2pPr>
-    <a:lvl3pPr marL="914400" algn="l" defTabSz="914400" rtl="0" eaLnBrk="1" latinLnBrk="0" hangingPunct="1">
+    <a:lvl3pPr marL="914400" algn="l" defTabSz="457200" rtl="0" eaLnBrk="1" latinLnBrk="0" hangingPunct="1">
       <a:defRPr sz="1800" kern="1200">
         <a:solidFill>
           <a:schemeClr val="tx1"/>
@@ -53,7 +55,7 @@
         <a:cs typeface="+mn-cs"/>
       </a:defRPr>
     </a:lvl3pPr>
-    <a:lvl4pPr marL="1371600" algn="l" defTabSz="914400" rtl="0" eaLnBrk="1" latinLnBrk="0" hangingPunct="1">
+    <a:lvl4pPr marL="1371600" algn="l" defTabSz="457200" rtl="0" eaLnBrk="1" latinLnBrk="0" hangingPunct="1">
       <a:defRPr sz="1800" kern="1200">
         <a:solidFill>
           <a:schemeClr val="tx1"/>
@@ -63,7 +65,7 @@
         <a:cs typeface="+mn-cs"/>
       </a:defRPr>
     </a:lvl4pPr>
-    <a:lvl5pPr marL="1828800" algn="l" defTabSz="914400" rtl="0" eaLnBrk="1" latinLnBrk="0" hangingPunct="1">
+    <a:lvl5pPr marL="1828800" algn="l" defTabSz="457200" rtl="0" eaLnBrk="1" latinLnBrk="0" hangingPunct="1">
       <a:defRPr sz="1800" kern="1200">
         <a:solidFill>
           <a:schemeClr val="tx1"/>
@@ -73,7 +75,7 @@
         <a:cs typeface="+mn-cs"/>
       </a:defRPr>
     </a:lvl5pPr>
-    <a:lvl6pPr marL="2286000" algn="l" defTabSz="914400" rtl="0" eaLnBrk="1" latinLnBrk="0" hangingPunct="1">
+    <a:lvl6pPr marL="2286000" algn="l" defTabSz="457200" rtl="0" eaLnBrk="1" latinLnBrk="0" hangingPunct="1">
       <a:defRPr sz="1800" kern="1200">
         <a:solidFill>
           <a:schemeClr val="tx1"/>
@@ -83,7 +85,7 @@
         <a:cs typeface="+mn-cs"/>
       </a:defRPr>
     </a:lvl6pPr>
-    <a:lvl7pPr marL="2743200" algn="l" defTabSz="914400" rtl="0" eaLnBrk="1" latinLnBrk="0" hangingPunct="1">
+    <a:lvl7pPr marL="2743200" algn="l" defTabSz="457200" rtl="0" eaLnBrk="1" latinLnBrk="0" hangingPunct="1">
       <a:defRPr sz="1800" kern="1200">
         <a:solidFill>
           <a:schemeClr val="tx1"/>
@@ -93,7 +95,7 @@
         <a:cs typeface="+mn-cs"/>
       </a:defRPr>
     </a:lvl7pPr>
-    <a:lvl8pPr marL="3200400" algn="l" defTabSz="914400" rtl="0" eaLnBrk="1" latinLnBrk="0" hangingPunct="1">
+    <a:lvl8pPr marL="3200400" algn="l" defTabSz="457200" rtl="0" eaLnBrk="1" latinLnBrk="0" hangingPunct="1">
       <a:defRPr sz="1800" kern="1200">
         <a:solidFill>
           <a:schemeClr val="tx1"/>
@@ -103,7 +105,7 @@
         <a:cs typeface="+mn-cs"/>
       </a:defRPr>
     </a:lvl8pPr>
-    <a:lvl9pPr marL="3657600" algn="l" defTabSz="914400" rtl="0" eaLnBrk="1" latinLnBrk="0" hangingPunct="1">
+    <a:lvl9pPr marL="3657600" algn="l" defTabSz="457200" rtl="0" eaLnBrk="1" latinLnBrk="0" hangingPunct="1">
       <a:defRPr sz="1800" kern="1200">
         <a:solidFill>
           <a:schemeClr val="tx1"/>
@@ -114,12 +116,25 @@
       </a:defRPr>
     </a:lvl9pPr>
   </p:defaultTextStyle>
+  <p:extLst>
+    <p:ext uri="{EFAFB233-063F-42B5-8137-9DF3F51BA10A}">
+      <p15:sldGuideLst xmlns:p15="http://schemas.microsoft.com/office/powerpoint/2012/main"/>
+    </p:ext>
+  </p:extLst>
 </p:presentation>
 </file>
 
 <file path=ppt/slideLayouts/slideLayout1.xml><?xml version="1.0" encoding="utf-8"?>
 <p:sldLayout xmlns:a="http://schemas.openxmlformats.org/drawingml/2006/main" xmlns:r="http://schemas.openxmlformats.org/officeDocument/2006/relationships" xmlns:p="http://schemas.openxmlformats.org/presentationml/2006/main" type="title" preserve="1">
   <p:cSld name="Title Slide">
+    <p:bg>
+      <p:bgPr>
+        <a:solidFill>
+          <a:schemeClr val="accent2"/>
+        </a:solidFill>
+        <a:effectLst/>
+      </p:bgPr>
+    </p:bg>
     <p:spTree>
       <p:nvGrpSpPr>
         <p:cNvPr id="1" name=""/>
@@ -136,69 +151,82 @@
       </p:grpSpPr>
       <p:sp>
         <p:nvSpPr>
-          <p:cNvPr id="2" name="Title 1">
-            <a:extLst>
-              <a:ext uri="{FF2B5EF4-FFF2-40B4-BE49-F238E27FC236}">
-                <a16:creationId xmlns:a16="http://schemas.microsoft.com/office/drawing/2014/main" id="{16C6422C-3C4F-2CB7-1C4C-1AEB87ABE0E6}"/>
-              </a:ext>
-            </a:extLst>
-          </p:cNvPr>
+          <p:cNvPr id="2" name="Title 1"/>
           <p:cNvSpPr>
             <a:spLocks noGrp="1"/>
           </p:cNvSpPr>
           <p:nvPr>
             <p:ph type="ctrTitle"/>
+          </p:nvPr>
+        </p:nvSpPr>
+        <p:spPr bwMode="blackWhite">
+          <a:xfrm>
+            <a:off x="1600200" y="2386744"/>
+            <a:ext cx="8991600" cy="1645920"/>
+          </a:xfrm>
+          <a:solidFill>
+            <a:srgbClr val="FFFFFF"/>
+          </a:solidFill>
+          <a:ln w="38100">
+            <a:solidFill>
+              <a:srgbClr val="404040"/>
+            </a:solidFill>
+          </a:ln>
+        </p:spPr>
+        <p:txBody>
+          <a:bodyPr lIns="274320" rIns="274320" anchor="ctr" anchorCtr="1">
+            <a:normAutofit/>
+          </a:bodyPr>
+          <a:lstStyle>
+            <a:lvl1pPr algn="ctr">
+              <a:defRPr sz="3800">
+                <a:solidFill>
+                  <a:srgbClr val="262626"/>
+                </a:solidFill>
+              </a:defRPr>
+            </a:lvl1pPr>
+          </a:lstStyle>
+          <a:p>
+            <a:r>
+              <a:rPr lang="en-US"/>
+              <a:t>Click to edit Master title style</a:t>
+            </a:r>
+            <a:endParaRPr lang="en-US" dirty="0"/>
+          </a:p>
+        </p:txBody>
+      </p:sp>
+      <p:sp>
+        <p:nvSpPr>
+          <p:cNvPr id="3" name="Subtitle 2"/>
+          <p:cNvSpPr>
+            <a:spLocks noGrp="1"/>
+          </p:cNvSpPr>
+          <p:nvPr>
+            <p:ph type="subTitle" idx="1"/>
           </p:nvPr>
         </p:nvSpPr>
         <p:spPr>
           <a:xfrm>
-            <a:off x="1524000" y="1122363"/>
-            <a:ext cx="9144000" cy="2387600"/>
+            <a:off x="2695194" y="4352544"/>
+            <a:ext cx="6801612" cy="1239894"/>
           </a:xfrm>
+          <a:noFill/>
         </p:spPr>
         <p:txBody>
-          <a:bodyPr anchor="b"/>
-          <a:lstStyle>
-            <a:lvl1pPr algn="ctr">
-              <a:defRPr sz="6000"/>
-            </a:lvl1pPr>
-          </a:lstStyle>
-          <a:p>
-            <a:r>
-              <a:rPr lang="en-US"/>
-              <a:t>Click to edit Master title style</a:t>
-            </a:r>
-          </a:p>
-        </p:txBody>
-      </p:sp>
-      <p:sp>
-        <p:nvSpPr>
-          <p:cNvPr id="3" name="Subtitle 2">
-            <a:extLst>
-              <a:ext uri="{FF2B5EF4-FFF2-40B4-BE49-F238E27FC236}">
-                <a16:creationId xmlns:a16="http://schemas.microsoft.com/office/drawing/2014/main" id="{F0FB4D00-31E8-A76F-BF32-CBA9ED480979}"/>
-              </a:ext>
-            </a:extLst>
-          </p:cNvPr>
-          <p:cNvSpPr>
-            <a:spLocks noGrp="1"/>
-          </p:cNvSpPr>
-          <p:nvPr>
-            <p:ph type="subTitle" idx="1"/>
-          </p:nvPr>
-        </p:nvSpPr>
-        <p:spPr>
-          <a:xfrm>
-            <a:off x="1524000" y="3602038"/>
-            <a:ext cx="9144000" cy="1655762"/>
-          </a:xfrm>
-        </p:spPr>
-        <p:txBody>
-          <a:bodyPr/>
+          <a:bodyPr>
+            <a:normAutofit/>
+          </a:bodyPr>
           <a:lstStyle>
             <a:lvl1pPr marL="0" indent="0" algn="ctr">
               <a:buNone/>
-              <a:defRPr sz="2400"/>
+              <a:defRPr sz="2000">
+                <a:solidFill>
+                  <a:schemeClr val="tx1">
+                    <a:lumMod val="75000"/>
+                    <a:lumOff val="25000"/>
+                  </a:schemeClr>
+                </a:solidFill>
+              </a:defRPr>
             </a:lvl1pPr>
             <a:lvl2pPr marL="457200" indent="0" algn="ctr">
               <a:buNone/>
@@ -238,18 +266,13 @@
               <a:rPr lang="en-US"/>
               <a:t>Click to edit Master subtitle style</a:t>
             </a:r>
-          </a:p>
-        </p:txBody>
-      </p:sp>
-      <p:sp>
-        <p:nvSpPr>
-          <p:cNvPr id="4" name="Date Placeholder 3">
-            <a:extLst>
-              <a:ext uri="{FF2B5EF4-FFF2-40B4-BE49-F238E27FC236}">
-                <a16:creationId xmlns:a16="http://schemas.microsoft.com/office/drawing/2014/main" id="{462D2F19-BABA-E6BE-88B7-E60F724D81D3}"/>
-              </a:ext>
-            </a:extLst>
-          </p:cNvPr>
+            <a:endParaRPr lang="en-US" dirty="0"/>
+          </a:p>
+        </p:txBody>
+      </p:sp>
+      <p:sp>
+        <p:nvSpPr>
+          <p:cNvPr id="7" name="Date Placeholder 6"/>
           <p:cNvSpPr>
             <a:spLocks noGrp="1"/>
           </p:cNvSpPr>
@@ -264,7 +287,7 @@
           <a:p>
             <a:fld id="{D5928B3A-A674-4D02-AF5E-9C481E92C842}" type="datetimeFigureOut">
               <a:rPr lang="en-US" smtClean="0"/>
-              <a:t>1/16/2024</a:t>
+              <a:t>1/18/2024</a:t>
             </a:fld>
             <a:endParaRPr lang="en-US"/>
           </a:p>
@@ -272,13 +295,7 @@
       </p:sp>
       <p:sp>
         <p:nvSpPr>
-          <p:cNvPr id="5" name="Footer Placeholder 4">
-            <a:extLst>
-              <a:ext uri="{FF2B5EF4-FFF2-40B4-BE49-F238E27FC236}">
-                <a16:creationId xmlns:a16="http://schemas.microsoft.com/office/drawing/2014/main" id="{6DC523E5-B5DA-D0F3-7CA1-D695F99DBB13}"/>
-              </a:ext>
-            </a:extLst>
-          </p:cNvPr>
+          <p:cNvPr id="8" name="Footer Placeholder 7"/>
           <p:cNvSpPr>
             <a:spLocks noGrp="1"/>
           </p:cNvSpPr>
@@ -297,13 +314,7 @@
       </p:sp>
       <p:sp>
         <p:nvSpPr>
-          <p:cNvPr id="6" name="Slide Number Placeholder 5">
-            <a:extLst>
-              <a:ext uri="{FF2B5EF4-FFF2-40B4-BE49-F238E27FC236}">
-                <a16:creationId xmlns:a16="http://schemas.microsoft.com/office/drawing/2014/main" id="{284EF913-FEDE-E405-3AAF-B8DF0D944541}"/>
-              </a:ext>
-            </a:extLst>
-          </p:cNvPr>
+          <p:cNvPr id="9" name="Slide Number Placeholder 8"/>
           <p:cNvSpPr>
             <a:spLocks noGrp="1"/>
           </p:cNvSpPr>
@@ -327,12 +338,12 @@
     </p:spTree>
     <p:extLst>
       <p:ext uri="{BB962C8B-B14F-4D97-AF65-F5344CB8AC3E}">
-        <p14:creationId xmlns:p14="http://schemas.microsoft.com/office/powerpoint/2010/main" val="1450189221"/>
+        <p14:creationId xmlns:p14="http://schemas.microsoft.com/office/powerpoint/2010/main" val="2378504571"/>
       </p:ext>
     </p:extLst>
   </p:cSld>
   <p:clrMapOvr>
-    <a:masterClrMapping/>
+    <a:overrideClrMapping bg1="dk1" tx1="lt1" bg2="dk2" tx2="lt2" accent1="accent1" accent2="accent2" accent3="accent3" accent4="accent4" accent5="accent5" accent6="accent6" hlink="hlink" folHlink="folHlink"/>
   </p:clrMapOvr>
 </p:sldLayout>
 </file>
@@ -356,13 +367,7 @@
       </p:grpSpPr>
       <p:sp>
         <p:nvSpPr>
-          <p:cNvPr id="2" name="Title 1">
-            <a:extLst>
-              <a:ext uri="{FF2B5EF4-FFF2-40B4-BE49-F238E27FC236}">
-                <a16:creationId xmlns:a16="http://schemas.microsoft.com/office/drawing/2014/main" id="{58CBE3CB-C150-19BC-76A8-F34C134B3890}"/>
-              </a:ext>
-            </a:extLst>
-          </p:cNvPr>
+          <p:cNvPr id="2" name="Title 1"/>
           <p:cNvSpPr>
             <a:spLocks noGrp="1"/>
           </p:cNvSpPr>
@@ -379,18 +384,13 @@
               <a:rPr lang="en-US"/>
               <a:t>Click to edit Master title style</a:t>
             </a:r>
-          </a:p>
-        </p:txBody>
-      </p:sp>
-      <p:sp>
-        <p:nvSpPr>
-          <p:cNvPr id="3" name="Vertical Text Placeholder 2">
-            <a:extLst>
-              <a:ext uri="{FF2B5EF4-FFF2-40B4-BE49-F238E27FC236}">
-                <a16:creationId xmlns:a16="http://schemas.microsoft.com/office/drawing/2014/main" id="{55F7AE23-5831-282A-E119-CA8C149CC91F}"/>
-              </a:ext>
-            </a:extLst>
-          </p:cNvPr>
+            <a:endParaRPr lang="en-US" dirty="0"/>
+          </a:p>
+        </p:txBody>
+      </p:sp>
+      <p:sp>
+        <p:nvSpPr>
+          <p:cNvPr id="3" name="Vertical Text Placeholder 2"/>
           <p:cNvSpPr>
             <a:spLocks noGrp="1"/>
           </p:cNvSpPr>
@@ -436,18 +436,13 @@
               <a:rPr lang="en-US"/>
               <a:t>Fifth level</a:t>
             </a:r>
-          </a:p>
-        </p:txBody>
-      </p:sp>
-      <p:sp>
-        <p:nvSpPr>
-          <p:cNvPr id="4" name="Date Placeholder 3">
-            <a:extLst>
-              <a:ext uri="{FF2B5EF4-FFF2-40B4-BE49-F238E27FC236}">
-                <a16:creationId xmlns:a16="http://schemas.microsoft.com/office/drawing/2014/main" id="{C950A6A5-C335-2681-2F3D-B7F8282C24D4}"/>
-              </a:ext>
-            </a:extLst>
-          </p:cNvPr>
+            <a:endParaRPr lang="en-US" dirty="0"/>
+          </a:p>
+        </p:txBody>
+      </p:sp>
+      <p:sp>
+        <p:nvSpPr>
+          <p:cNvPr id="4" name="Date Placeholder 3"/>
           <p:cNvSpPr>
             <a:spLocks noGrp="1"/>
           </p:cNvSpPr>
@@ -462,7 +457,7 @@
           <a:p>
             <a:fld id="{D5928B3A-A674-4D02-AF5E-9C481E92C842}" type="datetimeFigureOut">
               <a:rPr lang="en-US" smtClean="0"/>
-              <a:t>1/16/2024</a:t>
+              <a:t>1/18/2024</a:t>
             </a:fld>
             <a:endParaRPr lang="en-US"/>
           </a:p>
@@ -470,13 +465,7 @@
       </p:sp>
       <p:sp>
         <p:nvSpPr>
-          <p:cNvPr id="5" name="Footer Placeholder 4">
-            <a:extLst>
-              <a:ext uri="{FF2B5EF4-FFF2-40B4-BE49-F238E27FC236}">
-                <a16:creationId xmlns:a16="http://schemas.microsoft.com/office/drawing/2014/main" id="{BA22BB34-00B5-5FDE-614B-BA89C634F7BB}"/>
-              </a:ext>
-            </a:extLst>
-          </p:cNvPr>
+          <p:cNvPr id="5" name="Footer Placeholder 4"/>
           <p:cNvSpPr>
             <a:spLocks noGrp="1"/>
           </p:cNvSpPr>
@@ -495,13 +484,7 @@
       </p:sp>
       <p:sp>
         <p:nvSpPr>
-          <p:cNvPr id="6" name="Slide Number Placeholder 5">
-            <a:extLst>
-              <a:ext uri="{FF2B5EF4-FFF2-40B4-BE49-F238E27FC236}">
-                <a16:creationId xmlns:a16="http://schemas.microsoft.com/office/drawing/2014/main" id="{006FF0D1-7538-CD27-5594-7869A3D37503}"/>
-              </a:ext>
-            </a:extLst>
-          </p:cNvPr>
+          <p:cNvPr id="6" name="Slide Number Placeholder 5"/>
           <p:cNvSpPr>
             <a:spLocks noGrp="1"/>
           </p:cNvSpPr>
@@ -525,7 +508,7 @@
     </p:spTree>
     <p:extLst>
       <p:ext uri="{BB962C8B-B14F-4D97-AF65-F5344CB8AC3E}">
-        <p14:creationId xmlns:p14="http://schemas.microsoft.com/office/powerpoint/2010/main" val="1891773292"/>
+        <p14:creationId xmlns:p14="http://schemas.microsoft.com/office/powerpoint/2010/main" val="1934337921"/>
       </p:ext>
     </p:extLst>
   </p:cSld>
@@ -554,13 +537,7 @@
       </p:grpSpPr>
       <p:sp>
         <p:nvSpPr>
-          <p:cNvPr id="2" name="Vertical Title 1">
-            <a:extLst>
-              <a:ext uri="{FF2B5EF4-FFF2-40B4-BE49-F238E27FC236}">
-                <a16:creationId xmlns:a16="http://schemas.microsoft.com/office/drawing/2014/main" id="{59F8C143-F060-AA2B-B013-A4AB30383548}"/>
-              </a:ext>
-            </a:extLst>
-          </p:cNvPr>
+          <p:cNvPr id="2" name="Vertical Title 1"/>
           <p:cNvSpPr>
             <a:spLocks noGrp="1"/>
           </p:cNvSpPr>
@@ -570,8 +547,8 @@
         </p:nvSpPr>
         <p:spPr>
           <a:xfrm>
-            <a:off x="8724900" y="365125"/>
-            <a:ext cx="2628900" cy="5811838"/>
+            <a:off x="8653112" y="937260"/>
+            <a:ext cx="1298608" cy="4983480"/>
           </a:xfrm>
         </p:spPr>
         <p:txBody>
@@ -582,18 +559,13 @@
               <a:rPr lang="en-US"/>
               <a:t>Click to edit Master title style</a:t>
             </a:r>
-          </a:p>
-        </p:txBody>
-      </p:sp>
-      <p:sp>
-        <p:nvSpPr>
-          <p:cNvPr id="3" name="Vertical Text Placeholder 2">
-            <a:extLst>
-              <a:ext uri="{FF2B5EF4-FFF2-40B4-BE49-F238E27FC236}">
-                <a16:creationId xmlns:a16="http://schemas.microsoft.com/office/drawing/2014/main" id="{13B7B5CD-7E67-E9FD-ABB0-86BA7949FCC0}"/>
-              </a:ext>
-            </a:extLst>
-          </p:cNvPr>
+            <a:endParaRPr lang="en-US" dirty="0"/>
+          </a:p>
+        </p:txBody>
+      </p:sp>
+      <p:sp>
+        <p:nvSpPr>
+          <p:cNvPr id="3" name="Vertical Text Placeholder 2"/>
           <p:cNvSpPr>
             <a:spLocks noGrp="1"/>
           </p:cNvSpPr>
@@ -603,8 +575,8 @@
         </p:nvSpPr>
         <p:spPr>
           <a:xfrm>
-            <a:off x="838200" y="365125"/>
-            <a:ext cx="7734300" cy="5811838"/>
+            <a:off x="2231136" y="937260"/>
+            <a:ext cx="6198489" cy="4983480"/>
           </a:xfrm>
         </p:spPr>
         <p:txBody>
@@ -644,18 +616,13 @@
               <a:rPr lang="en-US"/>
               <a:t>Fifth level</a:t>
             </a:r>
-          </a:p>
-        </p:txBody>
-      </p:sp>
-      <p:sp>
-        <p:nvSpPr>
-          <p:cNvPr id="4" name="Date Placeholder 3">
-            <a:extLst>
-              <a:ext uri="{FF2B5EF4-FFF2-40B4-BE49-F238E27FC236}">
-                <a16:creationId xmlns:a16="http://schemas.microsoft.com/office/drawing/2014/main" id="{DFB79F2D-8EAB-70EB-E7BE-6A974B333DF2}"/>
-              </a:ext>
-            </a:extLst>
-          </p:cNvPr>
+            <a:endParaRPr lang="en-US" dirty="0"/>
+          </a:p>
+        </p:txBody>
+      </p:sp>
+      <p:sp>
+        <p:nvSpPr>
+          <p:cNvPr id="4" name="Date Placeholder 3"/>
           <p:cNvSpPr>
             <a:spLocks noGrp="1"/>
           </p:cNvSpPr>
@@ -670,7 +637,7 @@
           <a:p>
             <a:fld id="{D5928B3A-A674-4D02-AF5E-9C481E92C842}" type="datetimeFigureOut">
               <a:rPr lang="en-US" smtClean="0"/>
-              <a:t>1/16/2024</a:t>
+              <a:t>1/18/2024</a:t>
             </a:fld>
             <a:endParaRPr lang="en-US"/>
           </a:p>
@@ -678,13 +645,7 @@
       </p:sp>
       <p:sp>
         <p:nvSpPr>
-          <p:cNvPr id="5" name="Footer Placeholder 4">
-            <a:extLst>
-              <a:ext uri="{FF2B5EF4-FFF2-40B4-BE49-F238E27FC236}">
-                <a16:creationId xmlns:a16="http://schemas.microsoft.com/office/drawing/2014/main" id="{17EB6D81-EAE3-EF8A-910F-FA202A1A89CC}"/>
-              </a:ext>
-            </a:extLst>
-          </p:cNvPr>
+          <p:cNvPr id="5" name="Footer Placeholder 4"/>
           <p:cNvSpPr>
             <a:spLocks noGrp="1"/>
           </p:cNvSpPr>
@@ -703,13 +664,7 @@
       </p:sp>
       <p:sp>
         <p:nvSpPr>
-          <p:cNvPr id="6" name="Slide Number Placeholder 5">
-            <a:extLst>
-              <a:ext uri="{FF2B5EF4-FFF2-40B4-BE49-F238E27FC236}">
-                <a16:creationId xmlns:a16="http://schemas.microsoft.com/office/drawing/2014/main" id="{70CB58E2-2C04-C75E-AE3F-3728D0D8D2F7}"/>
-              </a:ext>
-            </a:extLst>
-          </p:cNvPr>
+          <p:cNvPr id="6" name="Slide Number Placeholder 5"/>
           <p:cNvSpPr>
             <a:spLocks noGrp="1"/>
           </p:cNvSpPr>
@@ -733,7 +688,7 @@
     </p:spTree>
     <p:extLst>
       <p:ext uri="{BB962C8B-B14F-4D97-AF65-F5344CB8AC3E}">
-        <p14:creationId xmlns:p14="http://schemas.microsoft.com/office/powerpoint/2010/main" val="181567309"/>
+        <p14:creationId xmlns:p14="http://schemas.microsoft.com/office/powerpoint/2010/main" val="3552667973"/>
       </p:ext>
     </p:extLst>
   </p:cSld>
@@ -762,13 +717,7 @@
       </p:grpSpPr>
       <p:sp>
         <p:nvSpPr>
-          <p:cNvPr id="2" name="Title 1">
-            <a:extLst>
-              <a:ext uri="{FF2B5EF4-FFF2-40B4-BE49-F238E27FC236}">
-                <a16:creationId xmlns:a16="http://schemas.microsoft.com/office/drawing/2014/main" id="{7DCEDE99-2609-0D9C-DB19-051944C2DA12}"/>
-              </a:ext>
-            </a:extLst>
-          </p:cNvPr>
+          <p:cNvPr id="2" name="Title 1"/>
           <p:cNvSpPr>
             <a:spLocks noGrp="1"/>
           </p:cNvSpPr>
@@ -785,18 +734,13 @@
               <a:rPr lang="en-US"/>
               <a:t>Click to edit Master title style</a:t>
             </a:r>
-          </a:p>
-        </p:txBody>
-      </p:sp>
-      <p:sp>
-        <p:nvSpPr>
-          <p:cNvPr id="3" name="Content Placeholder 2">
-            <a:extLst>
-              <a:ext uri="{FF2B5EF4-FFF2-40B4-BE49-F238E27FC236}">
-                <a16:creationId xmlns:a16="http://schemas.microsoft.com/office/drawing/2014/main" id="{B217EA1C-EEA7-0946-2CEF-64780B160CD3}"/>
-              </a:ext>
-            </a:extLst>
-          </p:cNvPr>
+            <a:endParaRPr lang="en-US" dirty="0"/>
+          </a:p>
+        </p:txBody>
+      </p:sp>
+      <p:sp>
+        <p:nvSpPr>
+          <p:cNvPr id="3" name="Content Placeholder 2"/>
           <p:cNvSpPr>
             <a:spLocks noGrp="1"/>
           </p:cNvSpPr>
@@ -842,18 +786,13 @@
               <a:rPr lang="en-US"/>
               <a:t>Fifth level</a:t>
             </a:r>
-          </a:p>
-        </p:txBody>
-      </p:sp>
-      <p:sp>
-        <p:nvSpPr>
-          <p:cNvPr id="4" name="Date Placeholder 3">
-            <a:extLst>
-              <a:ext uri="{FF2B5EF4-FFF2-40B4-BE49-F238E27FC236}">
-                <a16:creationId xmlns:a16="http://schemas.microsoft.com/office/drawing/2014/main" id="{F79C2BA5-491A-AAE6-70E3-F332684E5297}"/>
-              </a:ext>
-            </a:extLst>
-          </p:cNvPr>
+            <a:endParaRPr lang="en-US" dirty="0"/>
+          </a:p>
+        </p:txBody>
+      </p:sp>
+      <p:sp>
+        <p:nvSpPr>
+          <p:cNvPr id="7" name="Date Placeholder 6"/>
           <p:cNvSpPr>
             <a:spLocks noGrp="1"/>
           </p:cNvSpPr>
@@ -868,7 +807,7 @@
           <a:p>
             <a:fld id="{D5928B3A-A674-4D02-AF5E-9C481E92C842}" type="datetimeFigureOut">
               <a:rPr lang="en-US" smtClean="0"/>
-              <a:t>1/16/2024</a:t>
+              <a:t>1/18/2024</a:t>
             </a:fld>
             <a:endParaRPr lang="en-US"/>
           </a:p>
@@ -876,13 +815,7 @@
       </p:sp>
       <p:sp>
         <p:nvSpPr>
-          <p:cNvPr id="5" name="Footer Placeholder 4">
-            <a:extLst>
-              <a:ext uri="{FF2B5EF4-FFF2-40B4-BE49-F238E27FC236}">
-                <a16:creationId xmlns:a16="http://schemas.microsoft.com/office/drawing/2014/main" id="{3BED0FCB-EFB7-450C-E9BF-D6C94FE3DC10}"/>
-              </a:ext>
-            </a:extLst>
-          </p:cNvPr>
+          <p:cNvPr id="8" name="Footer Placeholder 7"/>
           <p:cNvSpPr>
             <a:spLocks noGrp="1"/>
           </p:cNvSpPr>
@@ -901,13 +834,7 @@
       </p:sp>
       <p:sp>
         <p:nvSpPr>
-          <p:cNvPr id="6" name="Slide Number Placeholder 5">
-            <a:extLst>
-              <a:ext uri="{FF2B5EF4-FFF2-40B4-BE49-F238E27FC236}">
-                <a16:creationId xmlns:a16="http://schemas.microsoft.com/office/drawing/2014/main" id="{56374D56-88DB-365A-E0E3-B1B72CBCFA2C}"/>
-              </a:ext>
-            </a:extLst>
-          </p:cNvPr>
+          <p:cNvPr id="9" name="Slide Number Placeholder 8"/>
           <p:cNvSpPr>
             <a:spLocks noGrp="1"/>
           </p:cNvSpPr>
@@ -931,7 +858,7 @@
     </p:spTree>
     <p:extLst>
       <p:ext uri="{BB962C8B-B14F-4D97-AF65-F5344CB8AC3E}">
-        <p14:creationId xmlns:p14="http://schemas.microsoft.com/office/powerpoint/2010/main" val="1139841428"/>
+        <p14:creationId xmlns:p14="http://schemas.microsoft.com/office/powerpoint/2010/main" val="1391628322"/>
       </p:ext>
     </p:extLst>
   </p:cSld>
@@ -944,6 +871,14 @@
 <file path=ppt/slideLayouts/slideLayout3.xml><?xml version="1.0" encoding="utf-8"?>
 <p:sldLayout xmlns:a="http://schemas.openxmlformats.org/drawingml/2006/main" xmlns:r="http://schemas.openxmlformats.org/officeDocument/2006/relationships" xmlns:p="http://schemas.openxmlformats.org/presentationml/2006/main" type="secHead" preserve="1">
   <p:cSld name="Section Header">
+    <p:bg>
+      <p:bgPr>
+        <a:solidFill>
+          <a:schemeClr val="accent1"/>
+        </a:solidFill>
+        <a:effectLst/>
+      </p:bgPr>
+    </p:bg>
     <p:spTree>
       <p:nvGrpSpPr>
         <p:cNvPr id="1" name=""/>
@@ -960,73 +895,76 @@
       </p:grpSpPr>
       <p:sp>
         <p:nvSpPr>
-          <p:cNvPr id="2" name="Title 1">
-            <a:extLst>
-              <a:ext uri="{FF2B5EF4-FFF2-40B4-BE49-F238E27FC236}">
-                <a16:creationId xmlns:a16="http://schemas.microsoft.com/office/drawing/2014/main" id="{BA94B068-C03A-E018-3C01-2435AE406657}"/>
-              </a:ext>
-            </a:extLst>
-          </p:cNvPr>
+          <p:cNvPr id="2" name="Title 1"/>
           <p:cNvSpPr>
             <a:spLocks noGrp="1"/>
           </p:cNvSpPr>
           <p:nvPr>
             <p:ph type="title"/>
+          </p:nvPr>
+        </p:nvSpPr>
+        <p:spPr bwMode="blackWhite">
+          <a:xfrm>
+            <a:off x="1600200" y="2386744"/>
+            <a:ext cx="8991600" cy="1645920"/>
+          </a:xfrm>
+          <a:solidFill>
+            <a:srgbClr val="FFFFFF"/>
+          </a:solidFill>
+          <a:ln w="38100">
+            <a:solidFill>
+              <a:srgbClr val="404040"/>
+            </a:solidFill>
+          </a:ln>
+        </p:spPr>
+        <p:txBody>
+          <a:bodyPr lIns="274320" rIns="274320" anchor="ctr" anchorCtr="1">
+            <a:normAutofit/>
+          </a:bodyPr>
+          <a:lstStyle>
+            <a:lvl1pPr>
+              <a:defRPr sz="3800">
+                <a:solidFill>
+                  <a:srgbClr val="262626"/>
+                </a:solidFill>
+              </a:defRPr>
+            </a:lvl1pPr>
+          </a:lstStyle>
+          <a:p>
+            <a:r>
+              <a:rPr lang="en-US"/>
+              <a:t>Click to edit Master title style</a:t>
+            </a:r>
+            <a:endParaRPr lang="en-US" dirty="0"/>
+          </a:p>
+        </p:txBody>
+      </p:sp>
+      <p:sp>
+        <p:nvSpPr>
+          <p:cNvPr id="3" name="Text Placeholder 2"/>
+          <p:cNvSpPr>
+            <a:spLocks noGrp="1"/>
+          </p:cNvSpPr>
+          <p:nvPr>
+            <p:ph type="body" idx="1"/>
           </p:nvPr>
         </p:nvSpPr>
         <p:spPr>
           <a:xfrm>
-            <a:off x="831850" y="1709738"/>
-            <a:ext cx="10515600" cy="2852737"/>
+            <a:off x="2695194" y="4352465"/>
+            <a:ext cx="6801612" cy="1265082"/>
           </a:xfrm>
         </p:spPr>
         <p:txBody>
-          <a:bodyPr anchor="b"/>
-          <a:lstStyle>
-            <a:lvl1pPr>
-              <a:defRPr sz="6000"/>
-            </a:lvl1pPr>
-          </a:lstStyle>
-          <a:p>
-            <a:r>
-              <a:rPr lang="en-US"/>
-              <a:t>Click to edit Master title style</a:t>
-            </a:r>
-          </a:p>
-        </p:txBody>
-      </p:sp>
-      <p:sp>
-        <p:nvSpPr>
-          <p:cNvPr id="3" name="Text Placeholder 2">
-            <a:extLst>
-              <a:ext uri="{FF2B5EF4-FFF2-40B4-BE49-F238E27FC236}">
-                <a16:creationId xmlns:a16="http://schemas.microsoft.com/office/drawing/2014/main" id="{92DCB263-344D-7C1F-E701-40B23DB2EC1A}"/>
-              </a:ext>
-            </a:extLst>
-          </p:cNvPr>
-          <p:cNvSpPr>
-            <a:spLocks noGrp="1"/>
-          </p:cNvSpPr>
-          <p:nvPr>
-            <p:ph type="body" idx="1"/>
-          </p:nvPr>
-        </p:nvSpPr>
-        <p:spPr>
-          <a:xfrm>
-            <a:off x="831850" y="4589463"/>
-            <a:ext cx="10515600" cy="1500187"/>
-          </a:xfrm>
-        </p:spPr>
-        <p:txBody>
-          <a:bodyPr/>
+          <a:bodyPr anchor="t" anchorCtr="1">
+            <a:normAutofit/>
+          </a:bodyPr>
           <a:lstStyle>
             <a:lvl1pPr marL="0" indent="0">
               <a:buNone/>
-              <a:defRPr sz="2400">
+              <a:defRPr sz="2000">
                 <a:solidFill>
-                  <a:schemeClr val="tx1">
-                    <a:tint val="75000"/>
-                  </a:schemeClr>
+                  <a:schemeClr val="tx1"/>
                 </a:solidFill>
               </a:defRPr>
             </a:lvl1pPr>
@@ -1122,13 +1060,7 @@
       </p:sp>
       <p:sp>
         <p:nvSpPr>
-          <p:cNvPr id="4" name="Date Placeholder 3">
-            <a:extLst>
-              <a:ext uri="{FF2B5EF4-FFF2-40B4-BE49-F238E27FC236}">
-                <a16:creationId xmlns:a16="http://schemas.microsoft.com/office/drawing/2014/main" id="{80189229-19E4-3973-580C-CD5DF145F9FE}"/>
-              </a:ext>
-            </a:extLst>
-          </p:cNvPr>
+          <p:cNvPr id="7" name="Date Placeholder 6"/>
           <p:cNvSpPr>
             <a:spLocks noGrp="1"/>
           </p:cNvSpPr>
@@ -1143,7 +1075,7 @@
           <a:p>
             <a:fld id="{D5928B3A-A674-4D02-AF5E-9C481E92C842}" type="datetimeFigureOut">
               <a:rPr lang="en-US" smtClean="0"/>
-              <a:t>1/16/2024</a:t>
+              <a:t>1/18/2024</a:t>
             </a:fld>
             <a:endParaRPr lang="en-US"/>
           </a:p>
@@ -1151,13 +1083,7 @@
       </p:sp>
       <p:sp>
         <p:nvSpPr>
-          <p:cNvPr id="5" name="Footer Placeholder 4">
-            <a:extLst>
-              <a:ext uri="{FF2B5EF4-FFF2-40B4-BE49-F238E27FC236}">
-                <a16:creationId xmlns:a16="http://schemas.microsoft.com/office/drawing/2014/main" id="{98568907-A350-CC88-86A2-8B487297C646}"/>
-              </a:ext>
-            </a:extLst>
-          </p:cNvPr>
+          <p:cNvPr id="8" name="Footer Placeholder 7"/>
           <p:cNvSpPr>
             <a:spLocks noGrp="1"/>
           </p:cNvSpPr>
@@ -1176,13 +1102,7 @@
       </p:sp>
       <p:sp>
         <p:nvSpPr>
-          <p:cNvPr id="6" name="Slide Number Placeholder 5">
-            <a:extLst>
-              <a:ext uri="{FF2B5EF4-FFF2-40B4-BE49-F238E27FC236}">
-                <a16:creationId xmlns:a16="http://schemas.microsoft.com/office/drawing/2014/main" id="{E8997FB0-014C-9711-E09C-526CEA85AB29}"/>
-              </a:ext>
-            </a:extLst>
-          </p:cNvPr>
+          <p:cNvPr id="9" name="Slide Number Placeholder 8"/>
           <p:cNvSpPr>
             <a:spLocks noGrp="1"/>
           </p:cNvSpPr>
@@ -1206,12 +1126,12 @@
     </p:spTree>
     <p:extLst>
       <p:ext uri="{BB962C8B-B14F-4D97-AF65-F5344CB8AC3E}">
-        <p14:creationId xmlns:p14="http://schemas.microsoft.com/office/powerpoint/2010/main" val="2444247867"/>
+        <p14:creationId xmlns:p14="http://schemas.microsoft.com/office/powerpoint/2010/main" val="3281997665"/>
       </p:ext>
     </p:extLst>
   </p:cSld>
   <p:clrMapOvr>
-    <a:masterClrMapping/>
+    <a:overrideClrMapping bg1="dk1" tx1="lt1" bg2="dk2" tx2="lt2" accent1="accent1" accent2="accent2" accent3="accent3" accent4="accent4" accent5="accent5" accent6="accent6" hlink="hlink" folHlink="folHlink"/>
   </p:clrMapOvr>
 </p:sldLayout>
 </file>
@@ -1235,13 +1155,7 @@
       </p:grpSpPr>
       <p:sp>
         <p:nvSpPr>
-          <p:cNvPr id="2" name="Title 1">
-            <a:extLst>
-              <a:ext uri="{FF2B5EF4-FFF2-40B4-BE49-F238E27FC236}">
-                <a16:creationId xmlns:a16="http://schemas.microsoft.com/office/drawing/2014/main" id="{7C2C942B-EB5B-93C6-5E69-7F77D948215A}"/>
-              </a:ext>
-            </a:extLst>
-          </p:cNvPr>
+          <p:cNvPr id="2" name="Title 1"/>
           <p:cNvSpPr>
             <a:spLocks noGrp="1"/>
           </p:cNvSpPr>
@@ -1258,18 +1172,13 @@
               <a:rPr lang="en-US"/>
               <a:t>Click to edit Master title style</a:t>
             </a:r>
-          </a:p>
-        </p:txBody>
-      </p:sp>
-      <p:sp>
-        <p:nvSpPr>
-          <p:cNvPr id="3" name="Content Placeholder 2">
-            <a:extLst>
-              <a:ext uri="{FF2B5EF4-FFF2-40B4-BE49-F238E27FC236}">
-                <a16:creationId xmlns:a16="http://schemas.microsoft.com/office/drawing/2014/main" id="{8693C4AA-7E74-A2BC-6712-6751E9473CC6}"/>
-              </a:ext>
-            </a:extLst>
-          </p:cNvPr>
+            <a:endParaRPr lang="en-US" dirty="0"/>
+          </a:p>
+        </p:txBody>
+      </p:sp>
+      <p:sp>
+        <p:nvSpPr>
+          <p:cNvPr id="3" name="Content Placeholder 2"/>
           <p:cNvSpPr>
             <a:spLocks noGrp="1"/>
           </p:cNvSpPr>
@@ -1279,8 +1188,8 @@
         </p:nvSpPr>
         <p:spPr>
           <a:xfrm>
-            <a:off x="838200" y="1825625"/>
-            <a:ext cx="5181600" cy="4351338"/>
+            <a:off x="1581912" y="2638044"/>
+            <a:ext cx="4271771" cy="3101982"/>
           </a:xfrm>
         </p:spPr>
         <p:txBody>
@@ -1320,18 +1229,13 @@
               <a:rPr lang="en-US"/>
               <a:t>Fifth level</a:t>
             </a:r>
-          </a:p>
-        </p:txBody>
-      </p:sp>
-      <p:sp>
-        <p:nvSpPr>
-          <p:cNvPr id="4" name="Content Placeholder 3">
-            <a:extLst>
-              <a:ext uri="{FF2B5EF4-FFF2-40B4-BE49-F238E27FC236}">
-                <a16:creationId xmlns:a16="http://schemas.microsoft.com/office/drawing/2014/main" id="{4345C836-7146-A6B1-3DB8-9870F852E83A}"/>
-              </a:ext>
-            </a:extLst>
-          </p:cNvPr>
+            <a:endParaRPr lang="en-US" dirty="0"/>
+          </a:p>
+        </p:txBody>
+      </p:sp>
+      <p:sp>
+        <p:nvSpPr>
+          <p:cNvPr id="4" name="Content Placeholder 3"/>
           <p:cNvSpPr>
             <a:spLocks noGrp="1"/>
           </p:cNvSpPr>
@@ -1341,8 +1245,8 @@
         </p:nvSpPr>
         <p:spPr>
           <a:xfrm>
-            <a:off x="6172200" y="1825625"/>
-            <a:ext cx="5181600" cy="4351338"/>
+            <a:off x="6338315" y="2638044"/>
+            <a:ext cx="4270247" cy="3101982"/>
           </a:xfrm>
         </p:spPr>
         <p:txBody>
@@ -1382,18 +1286,13 @@
               <a:rPr lang="en-US"/>
               <a:t>Fifth level</a:t>
             </a:r>
-          </a:p>
-        </p:txBody>
-      </p:sp>
-      <p:sp>
-        <p:nvSpPr>
-          <p:cNvPr id="5" name="Date Placeholder 4">
-            <a:extLst>
-              <a:ext uri="{FF2B5EF4-FFF2-40B4-BE49-F238E27FC236}">
-                <a16:creationId xmlns:a16="http://schemas.microsoft.com/office/drawing/2014/main" id="{8403291D-301B-1FA8-2B3C-100498BC97A8}"/>
-              </a:ext>
-            </a:extLst>
-          </p:cNvPr>
+            <a:endParaRPr lang="en-US" dirty="0"/>
+          </a:p>
+        </p:txBody>
+      </p:sp>
+      <p:sp>
+        <p:nvSpPr>
+          <p:cNvPr id="8" name="Date Placeholder 7"/>
           <p:cNvSpPr>
             <a:spLocks noGrp="1"/>
           </p:cNvSpPr>
@@ -1408,7 +1307,7 @@
           <a:p>
             <a:fld id="{D5928B3A-A674-4D02-AF5E-9C481E92C842}" type="datetimeFigureOut">
               <a:rPr lang="en-US" smtClean="0"/>
-              <a:t>1/16/2024</a:t>
+              <a:t>1/18/2024</a:t>
             </a:fld>
             <a:endParaRPr lang="en-US"/>
           </a:p>
@@ -1416,13 +1315,7 @@
       </p:sp>
       <p:sp>
         <p:nvSpPr>
-          <p:cNvPr id="6" name="Footer Placeholder 5">
-            <a:extLst>
-              <a:ext uri="{FF2B5EF4-FFF2-40B4-BE49-F238E27FC236}">
-                <a16:creationId xmlns:a16="http://schemas.microsoft.com/office/drawing/2014/main" id="{471A86BA-54FF-E3B7-B043-72E45508AAD1}"/>
-              </a:ext>
-            </a:extLst>
-          </p:cNvPr>
+          <p:cNvPr id="9" name="Footer Placeholder 8"/>
           <p:cNvSpPr>
             <a:spLocks noGrp="1"/>
           </p:cNvSpPr>
@@ -1441,13 +1334,7 @@
       </p:sp>
       <p:sp>
         <p:nvSpPr>
-          <p:cNvPr id="7" name="Slide Number Placeholder 6">
-            <a:extLst>
-              <a:ext uri="{FF2B5EF4-FFF2-40B4-BE49-F238E27FC236}">
-                <a16:creationId xmlns:a16="http://schemas.microsoft.com/office/drawing/2014/main" id="{689245C4-F2F8-7924-FF03-ADDA150455F4}"/>
-              </a:ext>
-            </a:extLst>
-          </p:cNvPr>
+          <p:cNvPr id="10" name="Slide Number Placeholder 9"/>
           <p:cNvSpPr>
             <a:spLocks noGrp="1"/>
           </p:cNvSpPr>
@@ -1471,7 +1358,7 @@
     </p:spTree>
     <p:extLst>
       <p:ext uri="{BB962C8B-B14F-4D97-AF65-F5344CB8AC3E}">
-        <p14:creationId xmlns:p14="http://schemas.microsoft.com/office/powerpoint/2010/main" val="733292153"/>
+        <p14:creationId xmlns:p14="http://schemas.microsoft.com/office/powerpoint/2010/main" val="4051571365"/>
       </p:ext>
     </p:extLst>
   </p:cSld>
@@ -1500,69 +1387,38 @@
       </p:grpSpPr>
       <p:sp>
         <p:nvSpPr>
-          <p:cNvPr id="2" name="Title 1">
-            <a:extLst>
-              <a:ext uri="{FF2B5EF4-FFF2-40B4-BE49-F238E27FC236}">
-                <a16:creationId xmlns:a16="http://schemas.microsoft.com/office/drawing/2014/main" id="{25F30959-22BD-4419-ABFC-10CAE22B23DE}"/>
-              </a:ext>
-            </a:extLst>
-          </p:cNvPr>
-          <p:cNvSpPr>
-            <a:spLocks noGrp="1"/>
-          </p:cNvSpPr>
-          <p:nvPr>
-            <p:ph type="title"/>
+          <p:cNvPr id="3" name="Text Placeholder 2"/>
+          <p:cNvSpPr>
+            <a:spLocks noGrp="1"/>
+          </p:cNvSpPr>
+          <p:nvPr>
+            <p:ph type="body" idx="1"/>
           </p:nvPr>
         </p:nvSpPr>
         <p:spPr>
           <a:xfrm>
-            <a:off x="839788" y="365125"/>
-            <a:ext cx="10515600" cy="1325563"/>
+            <a:off x="1583436" y="2313433"/>
+            <a:ext cx="4270248" cy="704087"/>
           </a:xfrm>
         </p:spPr>
         <p:txBody>
-          <a:bodyPr/>
-          <a:lstStyle/>
-          <a:p>
-            <a:r>
-              <a:rPr lang="en-US"/>
-              <a:t>Click to edit Master title style</a:t>
-            </a:r>
-          </a:p>
-        </p:txBody>
-      </p:sp>
-      <p:sp>
-        <p:nvSpPr>
-          <p:cNvPr id="3" name="Text Placeholder 2">
-            <a:extLst>
-              <a:ext uri="{FF2B5EF4-FFF2-40B4-BE49-F238E27FC236}">
-                <a16:creationId xmlns:a16="http://schemas.microsoft.com/office/drawing/2014/main" id="{7088A17B-382C-B9ED-14D5-682BB57907C5}"/>
-              </a:ext>
-            </a:extLst>
-          </p:cNvPr>
-          <p:cNvSpPr>
-            <a:spLocks noGrp="1"/>
-          </p:cNvSpPr>
-          <p:nvPr>
-            <p:ph type="body" idx="1"/>
-          </p:nvPr>
-        </p:nvSpPr>
-        <p:spPr>
-          <a:xfrm>
-            <a:off x="839788" y="1681163"/>
-            <a:ext cx="5157787" cy="823912"/>
-          </a:xfrm>
-        </p:spPr>
-        <p:txBody>
-          <a:bodyPr anchor="b"/>
+          <a:bodyPr anchor="b" anchorCtr="1">
+            <a:normAutofit/>
+          </a:bodyPr>
           <a:lstStyle>
-            <a:lvl1pPr marL="0" indent="0">
+            <a:lvl1pPr marL="0" indent="0" algn="ctr">
               <a:buNone/>
-              <a:defRPr sz="2400" b="1"/>
+              <a:defRPr sz="1900" b="0" cap="all" spc="100" baseline="0">
+                <a:solidFill>
+                  <a:schemeClr val="accent2">
+                    <a:lumMod val="75000"/>
+                  </a:schemeClr>
+                </a:solidFill>
+              </a:defRPr>
             </a:lvl1pPr>
             <a:lvl2pPr marL="457200" indent="0">
               <a:buNone/>
-              <a:defRPr sz="2000" b="1"/>
+              <a:defRPr sz="1900" b="1"/>
             </a:lvl2pPr>
             <a:lvl3pPr marL="914400" indent="0">
               <a:buNone/>
@@ -1604,13 +1460,7 @@
       </p:sp>
       <p:sp>
         <p:nvSpPr>
-          <p:cNvPr id="4" name="Content Placeholder 3">
-            <a:extLst>
-              <a:ext uri="{FF2B5EF4-FFF2-40B4-BE49-F238E27FC236}">
-                <a16:creationId xmlns:a16="http://schemas.microsoft.com/office/drawing/2014/main" id="{C57EFC40-D4F8-FE8A-156C-7C11C98B851B}"/>
-              </a:ext>
-            </a:extLst>
-          </p:cNvPr>
+          <p:cNvPr id="4" name="Content Placeholder 3"/>
           <p:cNvSpPr>
             <a:spLocks noGrp="1"/>
           </p:cNvSpPr>
@@ -1620,8 +1470,8 @@
         </p:nvSpPr>
         <p:spPr>
           <a:xfrm>
-            <a:off x="839788" y="2505075"/>
-            <a:ext cx="5157787" cy="3684588"/>
+            <a:off x="1583436" y="3143250"/>
+            <a:ext cx="4270248" cy="2596776"/>
           </a:xfrm>
         </p:spPr>
         <p:txBody>
@@ -1661,41 +1511,105 @@
               <a:rPr lang="en-US"/>
               <a:t>Fifth level</a:t>
             </a:r>
-          </a:p>
-        </p:txBody>
-      </p:sp>
-      <p:sp>
-        <p:nvSpPr>
-          <p:cNvPr id="5" name="Text Placeholder 4">
-            <a:extLst>
-              <a:ext uri="{FF2B5EF4-FFF2-40B4-BE49-F238E27FC236}">
-                <a16:creationId xmlns:a16="http://schemas.microsoft.com/office/drawing/2014/main" id="{F72312CD-2449-55A5-46F7-D86A04A1C599}"/>
-              </a:ext>
-            </a:extLst>
-          </p:cNvPr>
-          <p:cNvSpPr>
-            <a:spLocks noGrp="1"/>
-          </p:cNvSpPr>
-          <p:nvPr>
-            <p:ph type="body" sz="quarter" idx="3"/>
+            <a:endParaRPr lang="en-US" dirty="0"/>
+          </a:p>
+        </p:txBody>
+      </p:sp>
+      <p:sp>
+        <p:nvSpPr>
+          <p:cNvPr id="6" name="Content Placeholder 5"/>
+          <p:cNvSpPr>
+            <a:spLocks noGrp="1"/>
+          </p:cNvSpPr>
+          <p:nvPr>
+            <p:ph sz="quarter" idx="4"/>
           </p:nvPr>
         </p:nvSpPr>
         <p:spPr>
           <a:xfrm>
-            <a:off x="6172200" y="1681163"/>
-            <a:ext cx="5183188" cy="823912"/>
+            <a:off x="6338316" y="3143250"/>
+            <a:ext cx="4253484" cy="2596776"/>
           </a:xfrm>
         </p:spPr>
         <p:txBody>
-          <a:bodyPr anchor="b"/>
+          <a:bodyPr/>
           <a:lstStyle>
-            <a:lvl1pPr marL="0" indent="0">
+            <a:lvl5pPr>
+              <a:defRPr/>
+            </a:lvl5pPr>
+          </a:lstStyle>
+          <a:p>
+            <a:pPr lvl="0"/>
+            <a:r>
+              <a:rPr lang="en-US"/>
+              <a:t>Click to edit Master text styles</a:t>
+            </a:r>
+          </a:p>
+          <a:p>
+            <a:pPr lvl="1"/>
+            <a:r>
+              <a:rPr lang="en-US"/>
+              <a:t>Second level</a:t>
+            </a:r>
+          </a:p>
+          <a:p>
+            <a:pPr lvl="2"/>
+            <a:r>
+              <a:rPr lang="en-US"/>
+              <a:t>Third level</a:t>
+            </a:r>
+          </a:p>
+          <a:p>
+            <a:pPr lvl="3"/>
+            <a:r>
+              <a:rPr lang="en-US"/>
+              <a:t>Fourth level</a:t>
+            </a:r>
+          </a:p>
+          <a:p>
+            <a:pPr lvl="4"/>
+            <a:r>
+              <a:rPr lang="en-US"/>
+              <a:t>Fifth level</a:t>
+            </a:r>
+            <a:endParaRPr lang="en-US" dirty="0"/>
+          </a:p>
+        </p:txBody>
+      </p:sp>
+      <p:sp>
+        <p:nvSpPr>
+          <p:cNvPr id="11" name="Text Placeholder 4"/>
+          <p:cNvSpPr>
+            <a:spLocks noGrp="1"/>
+          </p:cNvSpPr>
+          <p:nvPr>
+            <p:ph type="body" sz="quarter" idx="13"/>
+          </p:nvPr>
+        </p:nvSpPr>
+        <p:spPr>
+          <a:xfrm>
+            <a:off x="6338316" y="2313433"/>
+            <a:ext cx="4270248" cy="704087"/>
+          </a:xfrm>
+        </p:spPr>
+        <p:txBody>
+          <a:bodyPr anchor="b" anchorCtr="1">
+            <a:normAutofit/>
+          </a:bodyPr>
+          <a:lstStyle>
+            <a:lvl1pPr marL="0" indent="0" algn="ctr">
               <a:buNone/>
-              <a:defRPr sz="2400" b="1"/>
+              <a:defRPr sz="1900" b="0" cap="all" spc="100" baseline="0">
+                <a:solidFill>
+                  <a:schemeClr val="accent2">
+                    <a:lumMod val="75000"/>
+                  </a:schemeClr>
+                </a:solidFill>
+              </a:defRPr>
             </a:lvl1pPr>
             <a:lvl2pPr marL="457200" indent="0">
               <a:buNone/>
-              <a:defRPr sz="2000" b="1"/>
+              <a:defRPr sz="1900" b="1"/>
             </a:lvl2pPr>
             <a:lvl3pPr marL="914400" indent="0">
               <a:buNone/>
@@ -1737,80 +1651,35 @@
       </p:sp>
       <p:sp>
         <p:nvSpPr>
-          <p:cNvPr id="6" name="Content Placeholder 5">
-            <a:extLst>
-              <a:ext uri="{FF2B5EF4-FFF2-40B4-BE49-F238E27FC236}">
-                <a16:creationId xmlns:a16="http://schemas.microsoft.com/office/drawing/2014/main" id="{64D4BEAA-17CA-BE6E-5085-2A40602F79C9}"/>
-              </a:ext>
-            </a:extLst>
-          </p:cNvPr>
-          <p:cNvSpPr>
-            <a:spLocks noGrp="1"/>
-          </p:cNvSpPr>
-          <p:nvPr>
-            <p:ph sz="quarter" idx="4"/>
-          </p:nvPr>
-        </p:nvSpPr>
-        <p:spPr>
-          <a:xfrm>
-            <a:off x="6172200" y="2505075"/>
-            <a:ext cx="5183188" cy="3684588"/>
-          </a:xfrm>
-        </p:spPr>
+          <p:cNvPr id="7" name="Date Placeholder 6"/>
+          <p:cNvSpPr>
+            <a:spLocks noGrp="1"/>
+          </p:cNvSpPr>
+          <p:nvPr>
+            <p:ph type="dt" sz="half" idx="10"/>
+          </p:nvPr>
+        </p:nvSpPr>
+        <p:spPr/>
         <p:txBody>
           <a:bodyPr/>
           <a:lstStyle/>
           <a:p>
-            <a:pPr lvl="0"/>
-            <a:r>
-              <a:rPr lang="en-US"/>
-              <a:t>Click to edit Master text styles</a:t>
-            </a:r>
-          </a:p>
-          <a:p>
-            <a:pPr lvl="1"/>
-            <a:r>
-              <a:rPr lang="en-US"/>
-              <a:t>Second level</a:t>
-            </a:r>
-          </a:p>
-          <a:p>
-            <a:pPr lvl="2"/>
-            <a:r>
-              <a:rPr lang="en-US"/>
-              <a:t>Third level</a:t>
-            </a:r>
-          </a:p>
-          <a:p>
-            <a:pPr lvl="3"/>
-            <a:r>
-              <a:rPr lang="en-US"/>
-              <a:t>Fourth level</a:t>
-            </a:r>
-          </a:p>
-          <a:p>
-            <a:pPr lvl="4"/>
-            <a:r>
-              <a:rPr lang="en-US"/>
-              <a:t>Fifth level</a:t>
-            </a:r>
-          </a:p>
-        </p:txBody>
-      </p:sp>
-      <p:sp>
-        <p:nvSpPr>
-          <p:cNvPr id="7" name="Date Placeholder 6">
-            <a:extLst>
-              <a:ext uri="{FF2B5EF4-FFF2-40B4-BE49-F238E27FC236}">
-                <a16:creationId xmlns:a16="http://schemas.microsoft.com/office/drawing/2014/main" id="{92270F77-3947-83B7-3F22-19E4D4EC4B58}"/>
-              </a:ext>
-            </a:extLst>
-          </p:cNvPr>
-          <p:cNvSpPr>
-            <a:spLocks noGrp="1"/>
-          </p:cNvSpPr>
-          <p:nvPr>
-            <p:ph type="dt" sz="half" idx="10"/>
+            <a:fld id="{D5928B3A-A674-4D02-AF5E-9C481E92C842}" type="datetimeFigureOut">
+              <a:rPr lang="en-US" smtClean="0"/>
+              <a:t>1/18/2024</a:t>
+            </a:fld>
+            <a:endParaRPr lang="en-US"/>
+          </a:p>
+        </p:txBody>
+      </p:sp>
+      <p:sp>
+        <p:nvSpPr>
+          <p:cNvPr id="8" name="Footer Placeholder 7"/>
+          <p:cNvSpPr>
+            <a:spLocks noGrp="1"/>
+          </p:cNvSpPr>
+          <p:nvPr>
+            <p:ph type="ftr" sz="quarter" idx="11"/>
           </p:nvPr>
         </p:nvSpPr>
         <p:spPr/>
@@ -1818,48 +1687,13 @@
           <a:bodyPr/>
           <a:lstStyle/>
           <a:p>
-            <a:fld id="{D5928B3A-A674-4D02-AF5E-9C481E92C842}" type="datetimeFigureOut">
-              <a:rPr lang="en-US" smtClean="0"/>
-              <a:t>1/16/2024</a:t>
-            </a:fld>
             <a:endParaRPr lang="en-US"/>
           </a:p>
         </p:txBody>
       </p:sp>
       <p:sp>
         <p:nvSpPr>
-          <p:cNvPr id="8" name="Footer Placeholder 7">
-            <a:extLst>
-              <a:ext uri="{FF2B5EF4-FFF2-40B4-BE49-F238E27FC236}">
-                <a16:creationId xmlns:a16="http://schemas.microsoft.com/office/drawing/2014/main" id="{6E7674C1-B58B-87C6-4933-EE774E5F7387}"/>
-              </a:ext>
-            </a:extLst>
-          </p:cNvPr>
-          <p:cNvSpPr>
-            <a:spLocks noGrp="1"/>
-          </p:cNvSpPr>
-          <p:nvPr>
-            <p:ph type="ftr" sz="quarter" idx="11"/>
-          </p:nvPr>
-        </p:nvSpPr>
-        <p:spPr/>
-        <p:txBody>
-          <a:bodyPr/>
-          <a:lstStyle/>
-          <a:p>
-            <a:endParaRPr lang="en-US"/>
-          </a:p>
-        </p:txBody>
-      </p:sp>
-      <p:sp>
-        <p:nvSpPr>
-          <p:cNvPr id="9" name="Slide Number Placeholder 8">
-            <a:extLst>
-              <a:ext uri="{FF2B5EF4-FFF2-40B4-BE49-F238E27FC236}">
-                <a16:creationId xmlns:a16="http://schemas.microsoft.com/office/drawing/2014/main" id="{D789FCDC-CFE1-7789-C6B6-1ED1D2CADDBD}"/>
-              </a:ext>
-            </a:extLst>
-          </p:cNvPr>
+          <p:cNvPr id="9" name="Slide Number Placeholder 8"/>
           <p:cNvSpPr>
             <a:spLocks noGrp="1"/>
           </p:cNvSpPr>
@@ -1880,10 +1714,33 @@
           </a:p>
         </p:txBody>
       </p:sp>
+      <p:sp>
+        <p:nvSpPr>
+          <p:cNvPr id="10" name="Title 9"/>
+          <p:cNvSpPr>
+            <a:spLocks noGrp="1"/>
+          </p:cNvSpPr>
+          <p:nvPr>
+            <p:ph type="title"/>
+          </p:nvPr>
+        </p:nvSpPr>
+        <p:spPr/>
+        <p:txBody>
+          <a:bodyPr/>
+          <a:lstStyle/>
+          <a:p>
+            <a:r>
+              <a:rPr lang="en-US"/>
+              <a:t>Click to edit Master title style</a:t>
+            </a:r>
+            <a:endParaRPr lang="en-US" dirty="0"/>
+          </a:p>
+        </p:txBody>
+      </p:sp>
     </p:spTree>
     <p:extLst>
       <p:ext uri="{BB962C8B-B14F-4D97-AF65-F5344CB8AC3E}">
-        <p14:creationId xmlns:p14="http://schemas.microsoft.com/office/powerpoint/2010/main" val="2584398810"/>
+        <p14:creationId xmlns:p14="http://schemas.microsoft.com/office/powerpoint/2010/main" val="5964411"/>
       </p:ext>
     </p:extLst>
   </p:cSld>
@@ -1912,13 +1769,7 @@
       </p:grpSpPr>
       <p:sp>
         <p:nvSpPr>
-          <p:cNvPr id="2" name="Title 1">
-            <a:extLst>
-              <a:ext uri="{FF2B5EF4-FFF2-40B4-BE49-F238E27FC236}">
-                <a16:creationId xmlns:a16="http://schemas.microsoft.com/office/drawing/2014/main" id="{67E90F54-1AA5-AB15-A714-86F5D8EA4D28}"/>
-              </a:ext>
-            </a:extLst>
-          </p:cNvPr>
+          <p:cNvPr id="2" name="Title 1"/>
           <p:cNvSpPr>
             <a:spLocks noGrp="1"/>
           </p:cNvSpPr>
@@ -1935,18 +1786,13 @@
               <a:rPr lang="en-US"/>
               <a:t>Click to edit Master title style</a:t>
             </a:r>
-          </a:p>
-        </p:txBody>
-      </p:sp>
-      <p:sp>
-        <p:nvSpPr>
-          <p:cNvPr id="3" name="Date Placeholder 2">
-            <a:extLst>
-              <a:ext uri="{FF2B5EF4-FFF2-40B4-BE49-F238E27FC236}">
-                <a16:creationId xmlns:a16="http://schemas.microsoft.com/office/drawing/2014/main" id="{1394BD13-FBD4-584A-AF51-E1A619C79042}"/>
-              </a:ext>
-            </a:extLst>
-          </p:cNvPr>
+            <a:endParaRPr lang="en-US" dirty="0"/>
+          </a:p>
+        </p:txBody>
+      </p:sp>
+      <p:sp>
+        <p:nvSpPr>
+          <p:cNvPr id="3" name="Date Placeholder 2"/>
           <p:cNvSpPr>
             <a:spLocks noGrp="1"/>
           </p:cNvSpPr>
@@ -1961,7 +1807,7 @@
           <a:p>
             <a:fld id="{D5928B3A-A674-4D02-AF5E-9C481E92C842}" type="datetimeFigureOut">
               <a:rPr lang="en-US" smtClean="0"/>
-              <a:t>1/16/2024</a:t>
+              <a:t>1/18/2024</a:t>
             </a:fld>
             <a:endParaRPr lang="en-US"/>
           </a:p>
@@ -1969,13 +1815,7 @@
       </p:sp>
       <p:sp>
         <p:nvSpPr>
-          <p:cNvPr id="4" name="Footer Placeholder 3">
-            <a:extLst>
-              <a:ext uri="{FF2B5EF4-FFF2-40B4-BE49-F238E27FC236}">
-                <a16:creationId xmlns:a16="http://schemas.microsoft.com/office/drawing/2014/main" id="{8410BB4E-994D-6A2C-837E-B7F413C80269}"/>
-              </a:ext>
-            </a:extLst>
-          </p:cNvPr>
+          <p:cNvPr id="4" name="Footer Placeholder 3"/>
           <p:cNvSpPr>
             <a:spLocks noGrp="1"/>
           </p:cNvSpPr>
@@ -1994,13 +1834,7 @@
       </p:sp>
       <p:sp>
         <p:nvSpPr>
-          <p:cNvPr id="5" name="Slide Number Placeholder 4">
-            <a:extLst>
-              <a:ext uri="{FF2B5EF4-FFF2-40B4-BE49-F238E27FC236}">
-                <a16:creationId xmlns:a16="http://schemas.microsoft.com/office/drawing/2014/main" id="{1D98C1D5-1E3C-7032-9508-B08989EB1D58}"/>
-              </a:ext>
-            </a:extLst>
-          </p:cNvPr>
+          <p:cNvPr id="5" name="Slide Number Placeholder 4"/>
           <p:cNvSpPr>
             <a:spLocks noGrp="1"/>
           </p:cNvSpPr>
@@ -2024,7 +1858,7 @@
     </p:spTree>
     <p:extLst>
       <p:ext uri="{BB962C8B-B14F-4D97-AF65-F5344CB8AC3E}">
-        <p14:creationId xmlns:p14="http://schemas.microsoft.com/office/powerpoint/2010/main" val="1888620117"/>
+        <p14:creationId xmlns:p14="http://schemas.microsoft.com/office/powerpoint/2010/main" val="248211277"/>
       </p:ext>
     </p:extLst>
   </p:cSld>
@@ -2053,13 +1887,7 @@
       </p:grpSpPr>
       <p:sp>
         <p:nvSpPr>
-          <p:cNvPr id="2" name="Date Placeholder 1">
-            <a:extLst>
-              <a:ext uri="{FF2B5EF4-FFF2-40B4-BE49-F238E27FC236}">
-                <a16:creationId xmlns:a16="http://schemas.microsoft.com/office/drawing/2014/main" id="{F2D4DD49-B246-F847-D926-87C731AFD68C}"/>
-              </a:ext>
-            </a:extLst>
-          </p:cNvPr>
+          <p:cNvPr id="2" name="Date Placeholder 1"/>
           <p:cNvSpPr>
             <a:spLocks noGrp="1"/>
           </p:cNvSpPr>
@@ -2074,7 +1902,7 @@
           <a:p>
             <a:fld id="{D5928B3A-A674-4D02-AF5E-9C481E92C842}" type="datetimeFigureOut">
               <a:rPr lang="en-US" smtClean="0"/>
-              <a:t>1/16/2024</a:t>
+              <a:t>1/18/2024</a:t>
             </a:fld>
             <a:endParaRPr lang="en-US"/>
           </a:p>
@@ -2082,13 +1910,7 @@
       </p:sp>
       <p:sp>
         <p:nvSpPr>
-          <p:cNvPr id="3" name="Footer Placeholder 2">
-            <a:extLst>
-              <a:ext uri="{FF2B5EF4-FFF2-40B4-BE49-F238E27FC236}">
-                <a16:creationId xmlns:a16="http://schemas.microsoft.com/office/drawing/2014/main" id="{B28F29B2-5F63-D8B5-E6A5-3B257EC0C29B}"/>
-              </a:ext>
-            </a:extLst>
-          </p:cNvPr>
+          <p:cNvPr id="3" name="Footer Placeholder 2"/>
           <p:cNvSpPr>
             <a:spLocks noGrp="1"/>
           </p:cNvSpPr>
@@ -2107,13 +1929,7 @@
       </p:sp>
       <p:sp>
         <p:nvSpPr>
-          <p:cNvPr id="4" name="Slide Number Placeholder 3">
-            <a:extLst>
-              <a:ext uri="{FF2B5EF4-FFF2-40B4-BE49-F238E27FC236}">
-                <a16:creationId xmlns:a16="http://schemas.microsoft.com/office/drawing/2014/main" id="{CC2282C4-4C0E-6B84-6926-18B580B42965}"/>
-              </a:ext>
-            </a:extLst>
-          </p:cNvPr>
+          <p:cNvPr id="4" name="Slide Number Placeholder 3"/>
           <p:cNvSpPr>
             <a:spLocks noGrp="1"/>
           </p:cNvSpPr>
@@ -2137,7 +1953,7 @@
     </p:spTree>
     <p:extLst>
       <p:ext uri="{BB962C8B-B14F-4D97-AF65-F5344CB8AC3E}">
-        <p14:creationId xmlns:p14="http://schemas.microsoft.com/office/powerpoint/2010/main" val="2850903770"/>
+        <p14:creationId xmlns:p14="http://schemas.microsoft.com/office/powerpoint/2010/main" val="3491068562"/>
       </p:ext>
     </p:extLst>
   </p:cSld>
@@ -2166,159 +1982,223 @@
       </p:grpSpPr>
       <p:sp>
         <p:nvSpPr>
-          <p:cNvPr id="2" name="Title 1">
-            <a:extLst>
-              <a:ext uri="{FF2B5EF4-FFF2-40B4-BE49-F238E27FC236}">
-                <a16:creationId xmlns:a16="http://schemas.microsoft.com/office/drawing/2014/main" id="{AA6DF9E3-D0A6-92E6-AE93-A2136DD5BF5A}"/>
-              </a:ext>
-            </a:extLst>
-          </p:cNvPr>
-          <p:cNvSpPr>
-            <a:spLocks noGrp="1"/>
-          </p:cNvSpPr>
-          <p:nvPr>
-            <p:ph type="title"/>
-          </p:nvPr>
+          <p:cNvPr id="26" name="Rectangle 25"/>
+          <p:cNvSpPr/>
+          <p:nvPr/>
         </p:nvSpPr>
         <p:spPr>
           <a:xfrm>
-            <a:off x="839788" y="457200"/>
-            <a:ext cx="3932237" cy="1600200"/>
+            <a:off x="0" y="0"/>
+            <a:ext cx="6096000" cy="6858000"/>
+          </a:xfrm>
+          <a:prstGeom prst="rect">
+            <a:avLst/>
+          </a:prstGeom>
+          <a:solidFill>
+            <a:schemeClr val="accent2"/>
+          </a:solidFill>
+          <a:ln>
+            <a:noFill/>
+          </a:ln>
+        </p:spPr>
+        <p:style>
+          <a:lnRef idx="2">
+            <a:schemeClr val="accent1">
+              <a:shade val="50000"/>
+            </a:schemeClr>
+          </a:lnRef>
+          <a:fillRef idx="1">
+            <a:schemeClr val="accent1"/>
+          </a:fillRef>
+          <a:effectRef idx="0">
+            <a:schemeClr val="accent1"/>
+          </a:effectRef>
+          <a:fontRef idx="minor">
+            <a:schemeClr val="lt1"/>
+          </a:fontRef>
+        </p:style>
+      </p:sp>
+      <p:sp>
+        <p:nvSpPr>
+          <p:cNvPr id="2" name="Title 1"/>
+          <p:cNvSpPr>
+            <a:spLocks noGrp="1"/>
+          </p:cNvSpPr>
+          <p:nvPr>
+            <p:ph type="title"/>
+          </p:nvPr>
+        </p:nvSpPr>
+        <p:spPr bwMode="blackWhite">
+          <a:xfrm>
+            <a:off x="804672" y="2243828"/>
+            <a:ext cx="4486656" cy="1141497"/>
+          </a:xfrm>
+          <a:solidFill>
+            <a:srgbClr val="FFFFFF"/>
+          </a:solidFill>
+          <a:ln>
+            <a:solidFill>
+              <a:srgbClr val="404040"/>
+            </a:solidFill>
+          </a:ln>
+        </p:spPr>
+        <p:txBody>
+          <a:bodyPr anchor="ctr" anchorCtr="1">
+            <a:normAutofit/>
+          </a:bodyPr>
+          <a:lstStyle>
+            <a:lvl1pPr>
+              <a:defRPr sz="2200">
+                <a:solidFill>
+                  <a:srgbClr val="262626"/>
+                </a:solidFill>
+              </a:defRPr>
+            </a:lvl1pPr>
+          </a:lstStyle>
+          <a:p>
+            <a:r>
+              <a:rPr lang="en-US"/>
+              <a:t>Click to edit Master title style</a:t>
+            </a:r>
+            <a:endParaRPr lang="en-US" dirty="0"/>
+          </a:p>
+        </p:txBody>
+      </p:sp>
+      <p:sp>
+        <p:nvSpPr>
+          <p:cNvPr id="3" name="Content Placeholder 2"/>
+          <p:cNvSpPr>
+            <a:spLocks noGrp="1"/>
+          </p:cNvSpPr>
+          <p:nvPr>
+            <p:ph idx="1"/>
+          </p:nvPr>
+        </p:nvSpPr>
+        <p:spPr>
+          <a:xfrm>
+            <a:off x="6736080" y="804672"/>
+            <a:ext cx="4815840" cy="5248656"/>
           </a:xfrm>
         </p:spPr>
         <p:txBody>
-          <a:bodyPr anchor="b"/>
+          <a:bodyPr>
+            <a:normAutofit/>
+          </a:bodyPr>
           <a:lstStyle>
             <a:lvl1pPr>
-              <a:defRPr sz="3200"/>
+              <a:defRPr sz="1900">
+                <a:solidFill>
+                  <a:schemeClr val="tx1"/>
+                </a:solidFill>
+              </a:defRPr>
             </a:lvl1pPr>
+            <a:lvl2pPr>
+              <a:defRPr sz="1600">
+                <a:solidFill>
+                  <a:schemeClr val="tx1"/>
+                </a:solidFill>
+              </a:defRPr>
+            </a:lvl2pPr>
+            <a:lvl3pPr>
+              <a:defRPr sz="1600">
+                <a:solidFill>
+                  <a:schemeClr val="tx1"/>
+                </a:solidFill>
+              </a:defRPr>
+            </a:lvl3pPr>
+            <a:lvl4pPr>
+              <a:defRPr sz="1600">
+                <a:solidFill>
+                  <a:schemeClr val="tx1"/>
+                </a:solidFill>
+              </a:defRPr>
+            </a:lvl4pPr>
+            <a:lvl5pPr>
+              <a:defRPr sz="1600">
+                <a:solidFill>
+                  <a:schemeClr val="tx1"/>
+                </a:solidFill>
+              </a:defRPr>
+            </a:lvl5pPr>
+            <a:lvl6pPr>
+              <a:defRPr sz="1600"/>
+            </a:lvl6pPr>
+            <a:lvl7pPr>
+              <a:defRPr sz="1600"/>
+            </a:lvl7pPr>
+            <a:lvl8pPr>
+              <a:defRPr sz="1600"/>
+            </a:lvl8pPr>
+            <a:lvl9pPr>
+              <a:defRPr sz="1600"/>
+            </a:lvl9pPr>
           </a:lstStyle>
           <a:p>
+            <a:pPr lvl="0"/>
             <a:r>
               <a:rPr lang="en-US"/>
-              <a:t>Click to edit Master title style</a:t>
-            </a:r>
-          </a:p>
-        </p:txBody>
-      </p:sp>
-      <p:sp>
-        <p:nvSpPr>
-          <p:cNvPr id="3" name="Content Placeholder 2">
-            <a:extLst>
-              <a:ext uri="{FF2B5EF4-FFF2-40B4-BE49-F238E27FC236}">
-                <a16:creationId xmlns:a16="http://schemas.microsoft.com/office/drawing/2014/main" id="{26B3AAFD-96A1-CB13-4BF2-3625679AD1F6}"/>
-              </a:ext>
-            </a:extLst>
-          </p:cNvPr>
-          <p:cNvSpPr>
-            <a:spLocks noGrp="1"/>
-          </p:cNvSpPr>
-          <p:nvPr>
-            <p:ph idx="1"/>
+              <a:t>Click to edit Master text styles</a:t>
+            </a:r>
+          </a:p>
+          <a:p>
+            <a:pPr lvl="1"/>
+            <a:r>
+              <a:rPr lang="en-US"/>
+              <a:t>Second level</a:t>
+            </a:r>
+          </a:p>
+          <a:p>
+            <a:pPr lvl="2"/>
+            <a:r>
+              <a:rPr lang="en-US"/>
+              <a:t>Third level</a:t>
+            </a:r>
+          </a:p>
+          <a:p>
+            <a:pPr lvl="3"/>
+            <a:r>
+              <a:rPr lang="en-US"/>
+              <a:t>Fourth level</a:t>
+            </a:r>
+          </a:p>
+          <a:p>
+            <a:pPr lvl="4"/>
+            <a:r>
+              <a:rPr lang="en-US"/>
+              <a:t>Fifth level</a:t>
+            </a:r>
+            <a:endParaRPr lang="en-US" dirty="0"/>
+          </a:p>
+        </p:txBody>
+      </p:sp>
+      <p:sp>
+        <p:nvSpPr>
+          <p:cNvPr id="4" name="Text Placeholder 3"/>
+          <p:cNvSpPr>
+            <a:spLocks noGrp="1"/>
+          </p:cNvSpPr>
+          <p:nvPr>
+            <p:ph type="body" sz="half" idx="2"/>
           </p:nvPr>
         </p:nvSpPr>
         <p:spPr>
           <a:xfrm>
-            <a:off x="5183188" y="987425"/>
-            <a:ext cx="6172200" cy="4873625"/>
+            <a:off x="1115568" y="3549918"/>
+            <a:ext cx="3794760" cy="2194036"/>
           </a:xfrm>
         </p:spPr>
         <p:txBody>
-          <a:bodyPr/>
+          <a:bodyPr anchor="t" anchorCtr="1">
+            <a:normAutofit/>
+          </a:bodyPr>
           <a:lstStyle>
-            <a:lvl1pPr>
-              <a:defRPr sz="3200"/>
-            </a:lvl1pPr>
-            <a:lvl2pPr>
-              <a:defRPr sz="2800"/>
-            </a:lvl2pPr>
-            <a:lvl3pPr>
-              <a:defRPr sz="2400"/>
-            </a:lvl3pPr>
-            <a:lvl4pPr>
-              <a:defRPr sz="2000"/>
-            </a:lvl4pPr>
-            <a:lvl5pPr>
-              <a:defRPr sz="2000"/>
-            </a:lvl5pPr>
-            <a:lvl6pPr>
-              <a:defRPr sz="2000"/>
-            </a:lvl6pPr>
-            <a:lvl7pPr>
-              <a:defRPr sz="2000"/>
-            </a:lvl7pPr>
-            <a:lvl8pPr>
-              <a:defRPr sz="2000"/>
-            </a:lvl8pPr>
-            <a:lvl9pPr>
-              <a:defRPr sz="2000"/>
-            </a:lvl9pPr>
-          </a:lstStyle>
-          <a:p>
-            <a:pPr lvl="0"/>
-            <a:r>
-              <a:rPr lang="en-US"/>
-              <a:t>Click to edit Master text styles</a:t>
-            </a:r>
-          </a:p>
-          <a:p>
-            <a:pPr lvl="1"/>
-            <a:r>
-              <a:rPr lang="en-US"/>
-              <a:t>Second level</a:t>
-            </a:r>
-          </a:p>
-          <a:p>
-            <a:pPr lvl="2"/>
-            <a:r>
-              <a:rPr lang="en-US"/>
-              <a:t>Third level</a:t>
-            </a:r>
-          </a:p>
-          <a:p>
-            <a:pPr lvl="3"/>
-            <a:r>
-              <a:rPr lang="en-US"/>
-              <a:t>Fourth level</a:t>
-            </a:r>
-          </a:p>
-          <a:p>
-            <a:pPr lvl="4"/>
-            <a:r>
-              <a:rPr lang="en-US"/>
-              <a:t>Fifth level</a:t>
-            </a:r>
-          </a:p>
-        </p:txBody>
-      </p:sp>
-      <p:sp>
-        <p:nvSpPr>
-          <p:cNvPr id="4" name="Text Placeholder 3">
-            <a:extLst>
-              <a:ext uri="{FF2B5EF4-FFF2-40B4-BE49-F238E27FC236}">
-                <a16:creationId xmlns:a16="http://schemas.microsoft.com/office/drawing/2014/main" id="{D951A27C-7D0B-EDF3-6448-A39A41DD95F7}"/>
-              </a:ext>
-            </a:extLst>
-          </p:cNvPr>
-          <p:cNvSpPr>
-            <a:spLocks noGrp="1"/>
-          </p:cNvSpPr>
-          <p:nvPr>
-            <p:ph type="body" sz="half" idx="2"/>
-          </p:nvPr>
-        </p:nvSpPr>
-        <p:spPr>
-          <a:xfrm>
-            <a:off x="839788" y="2057400"/>
-            <a:ext cx="3932237" cy="3811588"/>
-          </a:xfrm>
-        </p:spPr>
-        <p:txBody>
-          <a:bodyPr/>
-          <a:lstStyle>
-            <a:lvl1pPr marL="0" indent="0">
+            <a:lvl1pPr marL="0" indent="0" algn="ctr">
               <a:buNone/>
-              <a:defRPr sz="1600"/>
+              <a:defRPr sz="1500">
+                <a:solidFill>
+                  <a:srgbClr val="FFFFFF"/>
+                </a:solidFill>
+              </a:defRPr>
             </a:lvl1pPr>
             <a:lvl2pPr marL="457200" indent="0">
               <a:buNone/>
@@ -2364,13 +2244,7 @@
       </p:sp>
       <p:sp>
         <p:nvSpPr>
-          <p:cNvPr id="5" name="Date Placeholder 4">
-            <a:extLst>
-              <a:ext uri="{FF2B5EF4-FFF2-40B4-BE49-F238E27FC236}">
-                <a16:creationId xmlns:a16="http://schemas.microsoft.com/office/drawing/2014/main" id="{C07B480B-0715-FABA-5D57-A433B822A056}"/>
-              </a:ext>
-            </a:extLst>
-          </p:cNvPr>
+          <p:cNvPr id="9" name="Date Placeholder 8"/>
           <p:cNvSpPr>
             <a:spLocks noGrp="1"/>
           </p:cNvSpPr>
@@ -2385,7 +2259,7 @@
           <a:p>
             <a:fld id="{D5928B3A-A674-4D02-AF5E-9C481E92C842}" type="datetimeFigureOut">
               <a:rPr lang="en-US" smtClean="0"/>
-              <a:t>1/16/2024</a:t>
+              <a:t>1/18/2024</a:t>
             </a:fld>
             <a:endParaRPr lang="en-US"/>
           </a:p>
@@ -2393,13 +2267,7 @@
       </p:sp>
       <p:sp>
         <p:nvSpPr>
-          <p:cNvPr id="6" name="Footer Placeholder 5">
-            <a:extLst>
-              <a:ext uri="{FF2B5EF4-FFF2-40B4-BE49-F238E27FC236}">
-                <a16:creationId xmlns:a16="http://schemas.microsoft.com/office/drawing/2014/main" id="{3D4B4E4E-D294-A7E9-00C3-D2649AA21885}"/>
-              </a:ext>
-            </a:extLst>
-          </p:cNvPr>
+          <p:cNvPr id="10" name="Footer Placeholder 9"/>
           <p:cNvSpPr>
             <a:spLocks noGrp="1"/>
           </p:cNvSpPr>
@@ -2407,10 +2275,25 @@
             <p:ph type="ftr" sz="quarter" idx="11"/>
           </p:nvPr>
         </p:nvSpPr>
-        <p:spPr/>
+        <p:spPr>
+          <a:xfrm>
+            <a:off x="804672" y="6236208"/>
+            <a:ext cx="5124797" cy="320040"/>
+          </a:xfrm>
+        </p:spPr>
         <p:txBody>
           <a:bodyPr/>
-          <a:lstStyle/>
+          <a:lstStyle>
+            <a:lvl1pPr>
+              <a:defRPr>
+                <a:solidFill>
+                  <a:srgbClr val="FFFFFF">
+                    <a:alpha val="70000"/>
+                  </a:srgbClr>
+                </a:solidFill>
+              </a:defRPr>
+            </a:lvl1pPr>
+          </a:lstStyle>
           <a:p>
             <a:endParaRPr lang="en-US"/>
           </a:p>
@@ -2418,13 +2301,7 @@
       </p:sp>
       <p:sp>
         <p:nvSpPr>
-          <p:cNvPr id="7" name="Slide Number Placeholder 6">
-            <a:extLst>
-              <a:ext uri="{FF2B5EF4-FFF2-40B4-BE49-F238E27FC236}">
-                <a16:creationId xmlns:a16="http://schemas.microsoft.com/office/drawing/2014/main" id="{8F9EFFB5-7ECE-159C-0ABC-E912E8191B77}"/>
-              </a:ext>
-            </a:extLst>
-          </p:cNvPr>
+          <p:cNvPr id="11" name="Slide Number Placeholder 10"/>
           <p:cNvSpPr>
             <a:spLocks noGrp="1"/>
           </p:cNvSpPr>
@@ -2448,7 +2325,7 @@
     </p:spTree>
     <p:extLst>
       <p:ext uri="{BB962C8B-B14F-4D97-AF65-F5344CB8AC3E}">
-        <p14:creationId xmlns:p14="http://schemas.microsoft.com/office/powerpoint/2010/main" val="2481446976"/>
+        <p14:creationId xmlns:p14="http://schemas.microsoft.com/office/powerpoint/2010/main" val="2316834806"/>
       </p:ext>
     </p:extLst>
   </p:cSld>
@@ -2477,31 +2354,77 @@
       </p:grpSpPr>
       <p:sp>
         <p:nvSpPr>
-          <p:cNvPr id="2" name="Title 1">
-            <a:extLst>
-              <a:ext uri="{FF2B5EF4-FFF2-40B4-BE49-F238E27FC236}">
-                <a16:creationId xmlns:a16="http://schemas.microsoft.com/office/drawing/2014/main" id="{80572E98-A732-25EF-B5D5-6DC178E47A51}"/>
-              </a:ext>
-            </a:extLst>
-          </p:cNvPr>
-          <p:cNvSpPr>
-            <a:spLocks noGrp="1"/>
-          </p:cNvSpPr>
-          <p:nvPr>
-            <p:ph type="title"/>
-          </p:nvPr>
+          <p:cNvPr id="18" name="Rectangle 17"/>
+          <p:cNvSpPr/>
+          <p:nvPr/>
         </p:nvSpPr>
         <p:spPr>
           <a:xfrm>
-            <a:off x="839788" y="457200"/>
-            <a:ext cx="3932237" cy="1600200"/>
+            <a:off x="0" y="0"/>
+            <a:ext cx="6095999" cy="6858000"/>
           </a:xfrm>
+          <a:prstGeom prst="rect">
+            <a:avLst/>
+          </a:prstGeom>
+          <a:solidFill>
+            <a:schemeClr val="accent2"/>
+          </a:solidFill>
+          <a:ln>
+            <a:noFill/>
+          </a:ln>
         </p:spPr>
-        <p:txBody>
-          <a:bodyPr anchor="b"/>
+        <p:style>
+          <a:lnRef idx="2">
+            <a:schemeClr val="accent1">
+              <a:shade val="50000"/>
+            </a:schemeClr>
+          </a:lnRef>
+          <a:fillRef idx="1">
+            <a:schemeClr val="accent1"/>
+          </a:fillRef>
+          <a:effectRef idx="0">
+            <a:schemeClr val="accent1"/>
+          </a:effectRef>
+          <a:fontRef idx="minor">
+            <a:schemeClr val="lt1"/>
+          </a:fontRef>
+        </p:style>
+      </p:sp>
+      <p:sp>
+        <p:nvSpPr>
+          <p:cNvPr id="2" name="Title 1"/>
+          <p:cNvSpPr>
+            <a:spLocks noGrp="1"/>
+          </p:cNvSpPr>
+          <p:nvPr>
+            <p:ph type="title"/>
+          </p:nvPr>
+        </p:nvSpPr>
+        <p:spPr bwMode="blackWhite">
+          <a:xfrm>
+            <a:off x="808523" y="2243828"/>
+            <a:ext cx="4494998" cy="1134640"/>
+          </a:xfrm>
+          <a:solidFill>
+            <a:srgbClr val="FFFFFF"/>
+          </a:solidFill>
+          <a:ln>
+            <a:solidFill>
+              <a:srgbClr val="404040"/>
+            </a:solidFill>
+          </a:ln>
+        </p:spPr>
+        <p:txBody>
+          <a:bodyPr anchor="ctr" anchorCtr="1">
+            <a:noAutofit/>
+          </a:bodyPr>
           <a:lstStyle>
             <a:lvl1pPr>
-              <a:defRPr sz="3200"/>
+              <a:defRPr sz="2200">
+                <a:solidFill>
+                  <a:srgbClr val="262626"/>
+                </a:solidFill>
+              </a:defRPr>
             </a:lvl1pPr>
           </a:lstStyle>
           <a:p>
@@ -2509,20 +2432,15 @@
               <a:rPr lang="en-US"/>
               <a:t>Click to edit Master title style</a:t>
             </a:r>
-          </a:p>
-        </p:txBody>
-      </p:sp>
-      <p:sp>
-        <p:nvSpPr>
-          <p:cNvPr id="3" name="Picture Placeholder 2">
-            <a:extLst>
-              <a:ext uri="{FF2B5EF4-FFF2-40B4-BE49-F238E27FC236}">
-                <a16:creationId xmlns:a16="http://schemas.microsoft.com/office/drawing/2014/main" id="{6AEF0F61-C3EF-AB20-3FC6-092A569067CD}"/>
-              </a:ext>
-            </a:extLst>
-          </p:cNvPr>
-          <p:cNvSpPr>
-            <a:spLocks noGrp="1"/>
+            <a:endParaRPr lang="en-US" dirty="0"/>
+          </a:p>
+        </p:txBody>
+      </p:sp>
+      <p:sp>
+        <p:nvSpPr>
+          <p:cNvPr id="3" name="Picture Placeholder 2"/>
+          <p:cNvSpPr>
+            <a:spLocks noGrp="1" noChangeAspect="1"/>
           </p:cNvSpPr>
           <p:nvPr>
             <p:ph type="pic" idx="1"/>
@@ -2530,16 +2448,28 @@
         </p:nvSpPr>
         <p:spPr>
           <a:xfrm>
-            <a:off x="5183188" y="987425"/>
-            <a:ext cx="6172200" cy="4873625"/>
+            <a:off x="6095999" y="0"/>
+            <a:ext cx="6102097" cy="6858000"/>
           </a:xfrm>
+          <a:solidFill>
+            <a:schemeClr val="bg1">
+              <a:lumMod val="75000"/>
+            </a:schemeClr>
+          </a:solidFill>
         </p:spPr>
         <p:txBody>
-          <a:bodyPr/>
+          <a:bodyPr anchor="t"/>
           <a:lstStyle>
             <a:lvl1pPr marL="0" indent="0">
               <a:buNone/>
-              <a:defRPr sz="3200"/>
+              <a:defRPr sz="3200">
+                <a:solidFill>
+                  <a:schemeClr val="bg1">
+                    <a:lumMod val="85000"/>
+                    <a:lumOff val="15000"/>
+                  </a:schemeClr>
+                </a:solidFill>
+              </a:defRPr>
             </a:lvl1pPr>
             <a:lvl2pPr marL="457200" indent="0">
               <a:buNone/>
@@ -2575,19 +2505,17 @@
             </a:lvl9pPr>
           </a:lstStyle>
           <a:p>
-            <a:endParaRPr lang="en-US"/>
-          </a:p>
-        </p:txBody>
-      </p:sp>
-      <p:sp>
-        <p:nvSpPr>
-          <p:cNvPr id="4" name="Text Placeholder 3">
-            <a:extLst>
-              <a:ext uri="{FF2B5EF4-FFF2-40B4-BE49-F238E27FC236}">
-                <a16:creationId xmlns:a16="http://schemas.microsoft.com/office/drawing/2014/main" id="{918424CC-84CB-D98E-F0B3-F7E1317744EC}"/>
-              </a:ext>
-            </a:extLst>
-          </p:cNvPr>
+            <a:r>
+              <a:rPr lang="en-US"/>
+              <a:t>Click icon to add picture</a:t>
+            </a:r>
+            <a:endParaRPr lang="en-US" dirty="0"/>
+          </a:p>
+        </p:txBody>
+      </p:sp>
+      <p:sp>
+        <p:nvSpPr>
+          <p:cNvPr id="4" name="Text Placeholder 3"/>
           <p:cNvSpPr>
             <a:spLocks noGrp="1"/>
           </p:cNvSpPr>
@@ -2597,16 +2525,22 @@
         </p:nvSpPr>
         <p:spPr>
           <a:xfrm>
-            <a:off x="839788" y="2057400"/>
-            <a:ext cx="3932237" cy="3811588"/>
+            <a:off x="1115568" y="3549918"/>
+            <a:ext cx="3794760" cy="2194037"/>
           </a:xfrm>
         </p:spPr>
         <p:txBody>
-          <a:bodyPr/>
+          <a:bodyPr anchor="t" anchorCtr="1">
+            <a:normAutofit/>
+          </a:bodyPr>
           <a:lstStyle>
-            <a:lvl1pPr marL="0" indent="0">
+            <a:lvl1pPr marL="0" indent="0" algn="ctr">
               <a:buNone/>
-              <a:defRPr sz="1600"/>
+              <a:defRPr sz="1500">
+                <a:solidFill>
+                  <a:srgbClr val="FFFFFF"/>
+                </a:solidFill>
+              </a:defRPr>
             </a:lvl1pPr>
             <a:lvl2pPr marL="457200" indent="0">
               <a:buNone/>
@@ -2652,13 +2586,7 @@
       </p:sp>
       <p:sp>
         <p:nvSpPr>
-          <p:cNvPr id="5" name="Date Placeholder 4">
-            <a:extLst>
-              <a:ext uri="{FF2B5EF4-FFF2-40B4-BE49-F238E27FC236}">
-                <a16:creationId xmlns:a16="http://schemas.microsoft.com/office/drawing/2014/main" id="{448CA02D-48F3-6F6E-755A-95232C62DBFA}"/>
-              </a:ext>
-            </a:extLst>
-          </p:cNvPr>
+          <p:cNvPr id="8" name="Date Placeholder 7"/>
           <p:cNvSpPr>
             <a:spLocks noGrp="1"/>
           </p:cNvSpPr>
@@ -2669,11 +2597,26 @@
         <p:spPr/>
         <p:txBody>
           <a:bodyPr/>
-          <a:lstStyle/>
+          <a:lstStyle>
+            <a:lvl1pPr>
+              <a:defRPr>
+                <a:solidFill>
+                  <a:srgbClr val="FFFFFF"/>
+                </a:solidFill>
+                <a:effectLst>
+                  <a:outerShdw blurRad="50800" dist="38100" dir="2700000" algn="tl" rotWithShape="0">
+                    <a:prstClr val="black">
+                      <a:alpha val="43000"/>
+                    </a:prstClr>
+                  </a:outerShdw>
+                </a:effectLst>
+              </a:defRPr>
+            </a:lvl1pPr>
+          </a:lstStyle>
           <a:p>
             <a:fld id="{D5928B3A-A674-4D02-AF5E-9C481E92C842}" type="datetimeFigureOut">
               <a:rPr lang="en-US" smtClean="0"/>
-              <a:t>1/16/2024</a:t>
+              <a:t>1/18/2024</a:t>
             </a:fld>
             <a:endParaRPr lang="en-US"/>
           </a:p>
@@ -2681,13 +2624,7 @@
       </p:sp>
       <p:sp>
         <p:nvSpPr>
-          <p:cNvPr id="6" name="Footer Placeholder 5">
-            <a:extLst>
-              <a:ext uri="{FF2B5EF4-FFF2-40B4-BE49-F238E27FC236}">
-                <a16:creationId xmlns:a16="http://schemas.microsoft.com/office/drawing/2014/main" id="{651A3D5C-D468-70F4-97AE-F49932E68773}"/>
-              </a:ext>
-            </a:extLst>
-          </p:cNvPr>
+          <p:cNvPr id="9" name="Footer Placeholder 8"/>
           <p:cNvSpPr>
             <a:spLocks noGrp="1"/>
           </p:cNvSpPr>
@@ -2695,10 +2632,25 @@
             <p:ph type="ftr" sz="quarter" idx="11"/>
           </p:nvPr>
         </p:nvSpPr>
-        <p:spPr/>
+        <p:spPr>
+          <a:xfrm>
+            <a:off x="804672" y="6236208"/>
+            <a:ext cx="5124797" cy="320040"/>
+          </a:xfrm>
+        </p:spPr>
         <p:txBody>
           <a:bodyPr/>
-          <a:lstStyle/>
+          <a:lstStyle>
+            <a:lvl1pPr>
+              <a:defRPr>
+                <a:solidFill>
+                  <a:srgbClr val="FFFFFF">
+                    <a:alpha val="70000"/>
+                  </a:srgbClr>
+                </a:solidFill>
+              </a:defRPr>
+            </a:lvl1pPr>
+          </a:lstStyle>
           <a:p>
             <a:endParaRPr lang="en-US"/>
           </a:p>
@@ -2706,13 +2658,7 @@
       </p:sp>
       <p:sp>
         <p:nvSpPr>
-          <p:cNvPr id="7" name="Slide Number Placeholder 6">
-            <a:extLst>
-              <a:ext uri="{FF2B5EF4-FFF2-40B4-BE49-F238E27FC236}">
-                <a16:creationId xmlns:a16="http://schemas.microsoft.com/office/drawing/2014/main" id="{F901F04A-C1F1-B32F-41FF-97A1C6EB1EFA}"/>
-              </a:ext>
-            </a:extLst>
-          </p:cNvPr>
+          <p:cNvPr id="10" name="Slide Number Placeholder 9"/>
           <p:cNvSpPr>
             <a:spLocks noGrp="1"/>
           </p:cNvSpPr>
@@ -2736,7 +2682,7 @@
     </p:spTree>
     <p:extLst>
       <p:ext uri="{BB962C8B-B14F-4D97-AF65-F5344CB8AC3E}">
-        <p14:creationId xmlns:p14="http://schemas.microsoft.com/office/powerpoint/2010/main" val="1047292278"/>
+        <p14:creationId xmlns:p14="http://schemas.microsoft.com/office/powerpoint/2010/main" val="1333262103"/>
       </p:ext>
     </p:extLst>
   </p:cSld>
@@ -2750,9 +2696,14 @@
 <p:sldMaster xmlns:a="http://schemas.openxmlformats.org/drawingml/2006/main" xmlns:r="http://schemas.openxmlformats.org/officeDocument/2006/relationships" xmlns:p="http://schemas.openxmlformats.org/presentationml/2006/main">
   <p:cSld>
     <p:bg>
-      <p:bgRef idx="1001">
-        <a:schemeClr val="bg1"/>
-      </p:bgRef>
+      <p:bgPr>
+        <a:solidFill>
+          <a:schemeClr val="bg1">
+            <a:lumMod val="95000"/>
+          </a:schemeClr>
+        </a:solidFill>
+        <a:effectLst/>
+      </p:bgPr>
     </p:bg>
     <p:spTree>
       <p:nvGrpSpPr>
@@ -2770,129 +2721,163 @@
       </p:grpSpPr>
       <p:sp>
         <p:nvSpPr>
-          <p:cNvPr id="2" name="Title Placeholder 1">
-            <a:extLst>
-              <a:ext uri="{FF2B5EF4-FFF2-40B4-BE49-F238E27FC236}">
-                <a16:creationId xmlns:a16="http://schemas.microsoft.com/office/drawing/2014/main" id="{4C43757D-C61B-8453-8F85-CF9A7385D922}"/>
-              </a:ext>
-            </a:extLst>
-          </p:cNvPr>
+          <p:cNvPr id="2" name="Title Placeholder 1"/>
           <p:cNvSpPr>
             <a:spLocks noGrp="1"/>
           </p:cNvSpPr>
           <p:nvPr>
             <p:ph type="title"/>
+          </p:nvPr>
+        </p:nvSpPr>
+        <p:spPr bwMode="black">
+          <a:xfrm>
+            <a:off x="2231136" y="964692"/>
+            <a:ext cx="7729728" cy="1188720"/>
+          </a:xfrm>
+          <a:prstGeom prst="rect">
+            <a:avLst/>
+          </a:prstGeom>
+          <a:solidFill>
+            <a:srgbClr val="FFFFFF"/>
+          </a:solidFill>
+          <a:ln w="31750" cap="sq">
+            <a:solidFill>
+              <a:srgbClr val="404040"/>
+            </a:solidFill>
+            <a:miter lim="800000"/>
+          </a:ln>
+        </p:spPr>
+        <p:txBody>
+          <a:bodyPr vert="horz" lIns="182880" tIns="182880" rIns="182880" bIns="182880" rtlCol="0" anchor="ctr">
+            <a:normAutofit/>
+          </a:bodyPr>
+          <a:lstStyle/>
+          <a:p>
+            <a:r>
+              <a:rPr lang="en-US"/>
+              <a:t>Click to edit Master title style</a:t>
+            </a:r>
+            <a:endParaRPr lang="en-US" dirty="0"/>
+          </a:p>
+        </p:txBody>
+      </p:sp>
+      <p:sp>
+        <p:nvSpPr>
+          <p:cNvPr id="3" name="Text Placeholder 2"/>
+          <p:cNvSpPr>
+            <a:spLocks noGrp="1"/>
+          </p:cNvSpPr>
+          <p:nvPr>
+            <p:ph type="body" idx="1"/>
           </p:nvPr>
         </p:nvSpPr>
         <p:spPr>
           <a:xfrm>
-            <a:off x="838200" y="365125"/>
-            <a:ext cx="10515600" cy="1325563"/>
+            <a:off x="2231136" y="2638044"/>
+            <a:ext cx="7729728" cy="3101983"/>
           </a:xfrm>
           <a:prstGeom prst="rect">
             <a:avLst/>
           </a:prstGeom>
         </p:spPr>
         <p:txBody>
-          <a:bodyPr vert="horz" lIns="91440" tIns="45720" rIns="91440" bIns="45720" rtlCol="0" anchor="ctr">
+          <a:bodyPr vert="horz" lIns="91440" tIns="45720" rIns="91440" bIns="45720" rtlCol="0">
             <a:normAutofit/>
           </a:bodyPr>
           <a:lstStyle/>
           <a:p>
+            <a:pPr lvl="0"/>
             <a:r>
               <a:rPr lang="en-US"/>
-              <a:t>Click to edit Master title style</a:t>
-            </a:r>
-          </a:p>
-        </p:txBody>
-      </p:sp>
-      <p:sp>
-        <p:nvSpPr>
-          <p:cNvPr id="3" name="Text Placeholder 2">
-            <a:extLst>
-              <a:ext uri="{FF2B5EF4-FFF2-40B4-BE49-F238E27FC236}">
-                <a16:creationId xmlns:a16="http://schemas.microsoft.com/office/drawing/2014/main" id="{2140BE49-F618-AA0F-92EA-0B4E11903F0E}"/>
-              </a:ext>
-            </a:extLst>
-          </p:cNvPr>
-          <p:cNvSpPr>
-            <a:spLocks noGrp="1"/>
-          </p:cNvSpPr>
-          <p:nvPr>
-            <p:ph type="body" idx="1"/>
+              <a:t>Click to edit Master text styles</a:t>
+            </a:r>
+          </a:p>
+          <a:p>
+            <a:pPr lvl="1"/>
+            <a:r>
+              <a:rPr lang="en-US"/>
+              <a:t>Second level</a:t>
+            </a:r>
+          </a:p>
+          <a:p>
+            <a:pPr lvl="2"/>
+            <a:r>
+              <a:rPr lang="en-US"/>
+              <a:t>Third level</a:t>
+            </a:r>
+          </a:p>
+          <a:p>
+            <a:pPr lvl="3"/>
+            <a:r>
+              <a:rPr lang="en-US"/>
+              <a:t>Fourth level</a:t>
+            </a:r>
+          </a:p>
+          <a:p>
+            <a:pPr lvl="4"/>
+            <a:r>
+              <a:rPr lang="en-US"/>
+              <a:t>Fifth level</a:t>
+            </a:r>
+            <a:endParaRPr lang="en-US" dirty="0"/>
+          </a:p>
+        </p:txBody>
+      </p:sp>
+      <p:sp>
+        <p:nvSpPr>
+          <p:cNvPr id="4" name="Date Placeholder 3"/>
+          <p:cNvSpPr>
+            <a:spLocks noGrp="1"/>
+          </p:cNvSpPr>
+          <p:nvPr>
+            <p:ph type="dt" sz="half" idx="2"/>
           </p:nvPr>
         </p:nvSpPr>
         <p:spPr>
           <a:xfrm>
-            <a:off x="838200" y="1825625"/>
-            <a:ext cx="10515600" cy="4351338"/>
+            <a:off x="7821429" y="6238816"/>
+            <a:ext cx="2753746" cy="323968"/>
           </a:xfrm>
           <a:prstGeom prst="rect">
             <a:avLst/>
           </a:prstGeom>
         </p:spPr>
         <p:txBody>
-          <a:bodyPr vert="horz" lIns="91440" tIns="45720" rIns="91440" bIns="45720" rtlCol="0">
-            <a:normAutofit/>
-          </a:bodyPr>
-          <a:lstStyle/>
-          <a:p>
-            <a:pPr lvl="0"/>
-            <a:r>
-              <a:rPr lang="en-US"/>
-              <a:t>Click to edit Master text styles</a:t>
-            </a:r>
-          </a:p>
-          <a:p>
-            <a:pPr lvl="1"/>
-            <a:r>
-              <a:rPr lang="en-US"/>
-              <a:t>Second level</a:t>
-            </a:r>
-          </a:p>
-          <a:p>
-            <a:pPr lvl="2"/>
-            <a:r>
-              <a:rPr lang="en-US"/>
-              <a:t>Third level</a:t>
-            </a:r>
-          </a:p>
-          <a:p>
-            <a:pPr lvl="3"/>
-            <a:r>
-              <a:rPr lang="en-US"/>
-              <a:t>Fourth level</a:t>
-            </a:r>
-          </a:p>
-          <a:p>
-            <a:pPr lvl="4"/>
-            <a:r>
-              <a:rPr lang="en-US"/>
-              <a:t>Fifth level</a:t>
-            </a:r>
-          </a:p>
-        </p:txBody>
-      </p:sp>
-      <p:sp>
-        <p:nvSpPr>
-          <p:cNvPr id="4" name="Date Placeholder 3">
-            <a:extLst>
-              <a:ext uri="{FF2B5EF4-FFF2-40B4-BE49-F238E27FC236}">
-                <a16:creationId xmlns:a16="http://schemas.microsoft.com/office/drawing/2014/main" id="{C92B768A-13FB-AA41-9922-DE2D6E34918D}"/>
-              </a:ext>
-            </a:extLst>
-          </p:cNvPr>
-          <p:cNvSpPr>
-            <a:spLocks noGrp="1"/>
-          </p:cNvSpPr>
-          <p:nvPr>
-            <p:ph type="dt" sz="half" idx="2"/>
+          <a:bodyPr vert="horz" lIns="91440" tIns="45720" rIns="91440" bIns="45720" rtlCol="0" anchor="ctr"/>
+          <a:lstStyle>
+            <a:lvl1pPr algn="r">
+              <a:defRPr sz="1050">
+                <a:solidFill>
+                  <a:schemeClr val="tx1">
+                    <a:alpha val="70000"/>
+                  </a:schemeClr>
+                </a:solidFill>
+              </a:defRPr>
+            </a:lvl1pPr>
+          </a:lstStyle>
+          <a:p>
+            <a:fld id="{D5928B3A-A674-4D02-AF5E-9C481E92C842}" type="datetimeFigureOut">
+              <a:rPr lang="en-US" smtClean="0"/>
+              <a:t>1/18/2024</a:t>
+            </a:fld>
+            <a:endParaRPr lang="en-US"/>
+          </a:p>
+        </p:txBody>
+      </p:sp>
+      <p:sp>
+        <p:nvSpPr>
+          <p:cNvPr id="5" name="Footer Placeholder 4"/>
+          <p:cNvSpPr>
+            <a:spLocks noGrp="1"/>
+          </p:cNvSpPr>
+          <p:nvPr>
+            <p:ph type="ftr" sz="quarter" idx="3"/>
           </p:nvPr>
         </p:nvSpPr>
         <p:spPr>
           <a:xfrm>
-            <a:off x="838200" y="6356350"/>
-            <a:ext cx="2743200" cy="365125"/>
+            <a:off x="1600200" y="6236208"/>
+            <a:ext cx="5901189" cy="320040"/>
           </a:xfrm>
           <a:prstGeom prst="rect">
             <a:avLst/>
@@ -2902,101 +2887,53 @@
           <a:bodyPr vert="horz" lIns="91440" tIns="45720" rIns="91440" bIns="45720" rtlCol="0" anchor="ctr"/>
           <a:lstStyle>
             <a:lvl1pPr algn="l">
-              <a:defRPr sz="1200">
+              <a:defRPr sz="1050">
                 <a:solidFill>
                   <a:schemeClr val="tx1">
-                    <a:tint val="75000"/>
+                    <a:alpha val="70000"/>
                   </a:schemeClr>
                 </a:solidFill>
               </a:defRPr>
             </a:lvl1pPr>
           </a:lstStyle>
           <a:p>
-            <a:fld id="{D5928B3A-A674-4D02-AF5E-9C481E92C842}" type="datetimeFigureOut">
-              <a:rPr lang="en-US" smtClean="0"/>
-              <a:t>1/16/2024</a:t>
-            </a:fld>
             <a:endParaRPr lang="en-US"/>
           </a:p>
         </p:txBody>
       </p:sp>
       <p:sp>
         <p:nvSpPr>
-          <p:cNvPr id="5" name="Footer Placeholder 4">
-            <a:extLst>
-              <a:ext uri="{FF2B5EF4-FFF2-40B4-BE49-F238E27FC236}">
-                <a16:creationId xmlns:a16="http://schemas.microsoft.com/office/drawing/2014/main" id="{32A93CB0-DDB0-9E20-A3FE-AE7D9D438877}"/>
-              </a:ext>
-            </a:extLst>
-          </p:cNvPr>
-          <p:cNvSpPr>
-            <a:spLocks noGrp="1"/>
-          </p:cNvSpPr>
-          <p:nvPr>
-            <p:ph type="ftr" sz="quarter" idx="3"/>
+          <p:cNvPr id="6" name="Slide Number Placeholder 5"/>
+          <p:cNvSpPr>
+            <a:spLocks noGrp="1"/>
+          </p:cNvSpPr>
+          <p:nvPr>
+            <p:ph type="sldNum" sz="quarter" idx="4"/>
           </p:nvPr>
         </p:nvSpPr>
         <p:spPr>
           <a:xfrm>
-            <a:off x="4038600" y="6356350"/>
-            <a:ext cx="4114800" cy="365125"/>
+            <a:off x="10758922" y="6217920"/>
+            <a:ext cx="365760" cy="365760"/>
           </a:xfrm>
-          <a:prstGeom prst="rect">
+          <a:prstGeom prst="ellipse">
             <a:avLst/>
           </a:prstGeom>
+          <a:solidFill>
+            <a:srgbClr val="1D1D1D">
+              <a:alpha val="70000"/>
+            </a:srgbClr>
+          </a:solidFill>
         </p:spPr>
         <p:txBody>
-          <a:bodyPr vert="horz" lIns="91440" tIns="45720" rIns="91440" bIns="45720" rtlCol="0" anchor="ctr"/>
+          <a:bodyPr vert="horz" lIns="18288" tIns="45720" rIns="18288" bIns="45720" rtlCol="0" anchor="ctr">
+            <a:noAutofit/>
+          </a:bodyPr>
           <a:lstStyle>
             <a:lvl1pPr algn="ctr">
-              <a:defRPr sz="1200">
+              <a:defRPr sz="1100" spc="0" baseline="0">
                 <a:solidFill>
-                  <a:schemeClr val="tx1">
-                    <a:tint val="75000"/>
-                  </a:schemeClr>
-                </a:solidFill>
-              </a:defRPr>
-            </a:lvl1pPr>
-          </a:lstStyle>
-          <a:p>
-            <a:endParaRPr lang="en-US"/>
-          </a:p>
-        </p:txBody>
-      </p:sp>
-      <p:sp>
-        <p:nvSpPr>
-          <p:cNvPr id="6" name="Slide Number Placeholder 5">
-            <a:extLst>
-              <a:ext uri="{FF2B5EF4-FFF2-40B4-BE49-F238E27FC236}">
-                <a16:creationId xmlns:a16="http://schemas.microsoft.com/office/drawing/2014/main" id="{CB809E31-C7CA-CE05-0B0B-F3196D438F9F}"/>
-              </a:ext>
-            </a:extLst>
-          </p:cNvPr>
-          <p:cNvSpPr>
-            <a:spLocks noGrp="1"/>
-          </p:cNvSpPr>
-          <p:nvPr>
-            <p:ph type="sldNum" sz="quarter" idx="4"/>
-          </p:nvPr>
-        </p:nvSpPr>
-        <p:spPr>
-          <a:xfrm>
-            <a:off x="8610600" y="6356350"/>
-            <a:ext cx="2743200" cy="365125"/>
-          </a:xfrm>
-          <a:prstGeom prst="rect">
-            <a:avLst/>
-          </a:prstGeom>
-        </p:spPr>
-        <p:txBody>
-          <a:bodyPr vert="horz" lIns="91440" tIns="45720" rIns="91440" bIns="45720" rtlCol="0" anchor="ctr"/>
-          <a:lstStyle>
-            <a:lvl1pPr algn="r">
-              <a:defRPr sz="1200">
-                <a:solidFill>
-                  <a:schemeClr val="tx1">
-                    <a:tint val="75000"/>
-                  </a:schemeClr>
+                  <a:srgbClr val="FFFFFF"/>
                 </a:solidFill>
               </a:defRPr>
             </a:lvl1pPr>
@@ -3013,27 +2950,27 @@
     </p:spTree>
     <p:extLst>
       <p:ext uri="{BB962C8B-B14F-4D97-AF65-F5344CB8AC3E}">
-        <p14:creationId xmlns:p14="http://schemas.microsoft.com/office/powerpoint/2010/main" val="3234973596"/>
+        <p14:creationId xmlns:p14="http://schemas.microsoft.com/office/powerpoint/2010/main" val="852936589"/>
       </p:ext>
     </p:extLst>
   </p:cSld>
   <p:clrMap bg1="lt1" tx1="dk1" bg2="lt2" tx2="dk2" accent1="accent1" accent2="accent2" accent3="accent3" accent4="accent4" accent5="accent5" accent6="accent6" hlink="hlink" folHlink="folHlink"/>
   <p:sldLayoutIdLst>
-    <p:sldLayoutId id="2147483649" r:id="rId1"/>
-    <p:sldLayoutId id="2147483650" r:id="rId2"/>
-    <p:sldLayoutId id="2147483651" r:id="rId3"/>
-    <p:sldLayoutId id="2147483652" r:id="rId4"/>
-    <p:sldLayoutId id="2147483653" r:id="rId5"/>
-    <p:sldLayoutId id="2147483654" r:id="rId6"/>
-    <p:sldLayoutId id="2147483655" r:id="rId7"/>
-    <p:sldLayoutId id="2147483656" r:id="rId8"/>
-    <p:sldLayoutId id="2147483657" r:id="rId9"/>
-    <p:sldLayoutId id="2147483658" r:id="rId10"/>
-    <p:sldLayoutId id="2147483659" r:id="rId11"/>
+    <p:sldLayoutId id="2147483661" r:id="rId1"/>
+    <p:sldLayoutId id="2147483662" r:id="rId2"/>
+    <p:sldLayoutId id="2147483663" r:id="rId3"/>
+    <p:sldLayoutId id="2147483664" r:id="rId4"/>
+    <p:sldLayoutId id="2147483665" r:id="rId5"/>
+    <p:sldLayoutId id="2147483666" r:id="rId6"/>
+    <p:sldLayoutId id="2147483667" r:id="rId7"/>
+    <p:sldLayoutId id="2147483668" r:id="rId8"/>
+    <p:sldLayoutId id="2147483669" r:id="rId9"/>
+    <p:sldLayoutId id="2147483670" r:id="rId10"/>
+    <p:sldLayoutId id="2147483671" r:id="rId11"/>
   </p:sldLayoutIdLst>
   <p:txStyles>
     <p:titleStyle>
-      <a:lvl1pPr algn="l" defTabSz="914400" rtl="0" eaLnBrk="1" latinLnBrk="0" hangingPunct="1">
+      <a:lvl1pPr algn="ctr" defTabSz="914400" rtl="0" eaLnBrk="1" latinLnBrk="0" hangingPunct="1">
         <a:lnSpc>
           <a:spcPct val="90000"/>
         </a:lnSpc>
@@ -3041,9 +2978,9 @@
           <a:spcPct val="0"/>
         </a:spcBef>
         <a:buNone/>
-        <a:defRPr sz="4400" kern="1200">
+        <a:defRPr sz="2800" kern="1200" cap="all" spc="200" baseline="0">
           <a:solidFill>
-            <a:schemeClr val="tx1"/>
+            <a:srgbClr val="262626"/>
           </a:solidFill>
           <a:latin typeface="+mj-lt"/>
           <a:ea typeface="+mj-ea"/>
@@ -3054,104 +2991,137 @@
     <p:bodyStyle>
       <a:lvl1pPr marL="228600" indent="-228600" algn="l" defTabSz="914400" rtl="0" eaLnBrk="1" latinLnBrk="0" hangingPunct="1">
         <a:lnSpc>
-          <a:spcPct val="90000"/>
+          <a:spcPct val="100000"/>
         </a:lnSpc>
         <a:spcBef>
           <a:spcPts val="1000"/>
         </a:spcBef>
+        <a:buClr>
+          <a:schemeClr val="accent2"/>
+        </a:buClr>
         <a:buFont typeface="Arial" panose="020B0604020202020204" pitchFamily="34" charset="0"/>
         <a:buChar char="•"/>
-        <a:defRPr sz="2800" kern="1200">
+        <a:defRPr sz="1800" kern="1200">
           <a:solidFill>
-            <a:schemeClr val="tx1"/>
+            <a:schemeClr val="tx1">
+              <a:lumMod val="85000"/>
+              <a:lumOff val="15000"/>
+            </a:schemeClr>
           </a:solidFill>
           <a:latin typeface="+mn-lt"/>
           <a:ea typeface="+mn-ea"/>
           <a:cs typeface="+mn-cs"/>
         </a:defRPr>
       </a:lvl1pPr>
-      <a:lvl2pPr marL="685800" indent="-228600" algn="l" defTabSz="914400" rtl="0" eaLnBrk="1" latinLnBrk="0" hangingPunct="1">
+      <a:lvl2pPr marL="457200" indent="-228600" algn="l" defTabSz="914400" rtl="0" eaLnBrk="1" latinLnBrk="0" hangingPunct="1">
         <a:lnSpc>
-          <a:spcPct val="90000"/>
+          <a:spcPct val="100000"/>
         </a:lnSpc>
         <a:spcBef>
-          <a:spcPts val="500"/>
+          <a:spcPts val="1000"/>
         </a:spcBef>
+        <a:buClr>
+          <a:schemeClr val="accent2"/>
+        </a:buClr>
         <a:buFont typeface="Arial" panose="020B0604020202020204" pitchFamily="34" charset="0"/>
         <a:buChar char="•"/>
-        <a:defRPr sz="2400" kern="1200">
+        <a:defRPr sz="1600" kern="1200">
           <a:solidFill>
-            <a:schemeClr val="tx1"/>
+            <a:schemeClr val="tx1">
+              <a:lumMod val="85000"/>
+              <a:lumOff val="15000"/>
+            </a:schemeClr>
           </a:solidFill>
           <a:latin typeface="+mn-lt"/>
           <a:ea typeface="+mn-ea"/>
           <a:cs typeface="+mn-cs"/>
         </a:defRPr>
       </a:lvl2pPr>
-      <a:lvl3pPr marL="1143000" indent="-228600" algn="l" defTabSz="914400" rtl="0" eaLnBrk="1" latinLnBrk="0" hangingPunct="1">
+      <a:lvl3pPr marL="685800" indent="-228600" algn="l" defTabSz="914400" rtl="0" eaLnBrk="1" latinLnBrk="0" hangingPunct="1">
         <a:lnSpc>
-          <a:spcPct val="90000"/>
+          <a:spcPct val="100000"/>
         </a:lnSpc>
         <a:spcBef>
-          <a:spcPts val="500"/>
+          <a:spcPts val="1000"/>
         </a:spcBef>
+        <a:buClr>
+          <a:schemeClr val="accent2"/>
+        </a:buClr>
         <a:buFont typeface="Arial" panose="020B0604020202020204" pitchFamily="34" charset="0"/>
         <a:buChar char="•"/>
-        <a:defRPr sz="2000" kern="1200">
+        <a:defRPr sz="1600" kern="1200">
           <a:solidFill>
-            <a:schemeClr val="tx1"/>
+            <a:schemeClr val="tx1">
+              <a:lumMod val="85000"/>
+              <a:lumOff val="15000"/>
+            </a:schemeClr>
           </a:solidFill>
           <a:latin typeface="+mn-lt"/>
           <a:ea typeface="+mn-ea"/>
           <a:cs typeface="+mn-cs"/>
         </a:defRPr>
       </a:lvl3pPr>
-      <a:lvl4pPr marL="1600200" indent="-228600" algn="l" defTabSz="914400" rtl="0" eaLnBrk="1" latinLnBrk="0" hangingPunct="1">
+      <a:lvl4pPr marL="914400" indent="-228600" algn="l" defTabSz="914400" rtl="0" eaLnBrk="1" latinLnBrk="0" hangingPunct="1">
         <a:lnSpc>
-          <a:spcPct val="90000"/>
+          <a:spcPct val="100000"/>
         </a:lnSpc>
         <a:spcBef>
-          <a:spcPts val="500"/>
+          <a:spcPts val="1000"/>
         </a:spcBef>
+        <a:buClr>
+          <a:schemeClr val="accent2"/>
+        </a:buClr>
         <a:buFont typeface="Arial" panose="020B0604020202020204" pitchFamily="34" charset="0"/>
         <a:buChar char="•"/>
-        <a:defRPr sz="1800" kern="1200">
+        <a:defRPr sz="1600" kern="1200">
           <a:solidFill>
-            <a:schemeClr val="tx1"/>
+            <a:schemeClr val="tx1">
+              <a:lumMod val="85000"/>
+              <a:lumOff val="15000"/>
+            </a:schemeClr>
           </a:solidFill>
           <a:latin typeface="+mn-lt"/>
           <a:ea typeface="+mn-ea"/>
           <a:cs typeface="+mn-cs"/>
         </a:defRPr>
       </a:lvl4pPr>
-      <a:lvl5pPr marL="2057400" indent="-228600" algn="l" defTabSz="914400" rtl="0" eaLnBrk="1" latinLnBrk="0" hangingPunct="1">
+      <a:lvl5pPr marL="1143000" indent="-228600" algn="l" defTabSz="914400" rtl="0" eaLnBrk="1" latinLnBrk="0" hangingPunct="1">
         <a:lnSpc>
-          <a:spcPct val="90000"/>
+          <a:spcPct val="100000"/>
         </a:lnSpc>
         <a:spcBef>
-          <a:spcPts val="500"/>
+          <a:spcPts val="1000"/>
         </a:spcBef>
+        <a:buClr>
+          <a:schemeClr val="accent2"/>
+        </a:buClr>
         <a:buFont typeface="Arial" panose="020B0604020202020204" pitchFamily="34" charset="0"/>
         <a:buChar char="•"/>
-        <a:defRPr sz="1800" kern="1200">
+        <a:defRPr sz="1600" kern="1200">
           <a:solidFill>
-            <a:schemeClr val="tx1"/>
+            <a:schemeClr val="tx1">
+              <a:lumMod val="85000"/>
+              <a:lumOff val="15000"/>
+            </a:schemeClr>
           </a:solidFill>
           <a:latin typeface="+mn-lt"/>
           <a:ea typeface="+mn-ea"/>
           <a:cs typeface="+mn-cs"/>
         </a:defRPr>
       </a:lvl5pPr>
-      <a:lvl6pPr marL="2514600" indent="-228600" algn="l" defTabSz="914400" rtl="0" eaLnBrk="1" latinLnBrk="0" hangingPunct="1">
+      <a:lvl6pPr marL="1312863" indent="-228600" algn="l" defTabSz="914400" rtl="0" eaLnBrk="1" latinLnBrk="0" hangingPunct="1">
         <a:lnSpc>
-          <a:spcPct val="90000"/>
+          <a:spcPct val="100000"/>
         </a:lnSpc>
         <a:spcBef>
-          <a:spcPts val="500"/>
+          <a:spcPts val="1000"/>
         </a:spcBef>
+        <a:buClr>
+          <a:schemeClr val="accent2"/>
+        </a:buClr>
         <a:buFont typeface="Arial" panose="020B0604020202020204" pitchFamily="34" charset="0"/>
         <a:buChar char="•"/>
-        <a:defRPr sz="1800" kern="1200">
+        <a:defRPr sz="1600" kern="1200">
           <a:solidFill>
             <a:schemeClr val="tx1"/>
           </a:solidFill>
@@ -3160,16 +3130,19 @@
           <a:cs typeface="+mn-cs"/>
         </a:defRPr>
       </a:lvl6pPr>
-      <a:lvl7pPr marL="2971800" indent="-228600" algn="l" defTabSz="914400" rtl="0" eaLnBrk="1" latinLnBrk="0" hangingPunct="1">
+      <a:lvl7pPr marL="1484313" indent="-228600" algn="l" defTabSz="914400" rtl="0" eaLnBrk="1" latinLnBrk="0" hangingPunct="1">
         <a:lnSpc>
-          <a:spcPct val="90000"/>
+          <a:spcPct val="100000"/>
         </a:lnSpc>
         <a:spcBef>
-          <a:spcPts val="500"/>
+          <a:spcPts val="1000"/>
         </a:spcBef>
+        <a:buClr>
+          <a:schemeClr val="accent2"/>
+        </a:buClr>
         <a:buFont typeface="Arial" panose="020B0604020202020204" pitchFamily="34" charset="0"/>
         <a:buChar char="•"/>
-        <a:defRPr sz="1800" kern="1200">
+        <a:defRPr sz="1600" kern="1200">
           <a:solidFill>
             <a:schemeClr val="tx1"/>
           </a:solidFill>
@@ -3178,16 +3151,19 @@
           <a:cs typeface="+mn-cs"/>
         </a:defRPr>
       </a:lvl7pPr>
-      <a:lvl8pPr marL="3429000" indent="-228600" algn="l" defTabSz="914400" rtl="0" eaLnBrk="1" latinLnBrk="0" hangingPunct="1">
+      <a:lvl8pPr marL="1657350" indent="-228600" algn="l" defTabSz="914400" rtl="0" eaLnBrk="1" latinLnBrk="0" hangingPunct="1">
         <a:lnSpc>
-          <a:spcPct val="90000"/>
+          <a:spcPct val="100000"/>
         </a:lnSpc>
         <a:spcBef>
-          <a:spcPts val="500"/>
+          <a:spcPts val="1000"/>
         </a:spcBef>
+        <a:buClr>
+          <a:schemeClr val="accent2"/>
+        </a:buClr>
         <a:buFont typeface="Arial" panose="020B0604020202020204" pitchFamily="34" charset="0"/>
         <a:buChar char="•"/>
-        <a:defRPr sz="1800" kern="1200">
+        <a:defRPr sz="1600" kern="1200" baseline="0">
           <a:solidFill>
             <a:schemeClr val="tx1"/>
           </a:solidFill>
@@ -3196,16 +3172,19 @@
           <a:cs typeface="+mn-cs"/>
         </a:defRPr>
       </a:lvl8pPr>
-      <a:lvl9pPr marL="3886200" indent="-228600" algn="l" defTabSz="914400" rtl="0" eaLnBrk="1" latinLnBrk="0" hangingPunct="1">
+      <a:lvl9pPr marL="1882775" indent="-228600" algn="l" defTabSz="914400" rtl="0" eaLnBrk="1" latinLnBrk="0" hangingPunct="1">
         <a:lnSpc>
-          <a:spcPct val="90000"/>
+          <a:spcPct val="100000"/>
         </a:lnSpc>
         <a:spcBef>
-          <a:spcPts val="500"/>
+          <a:spcPts val="1000"/>
         </a:spcBef>
+        <a:buClr>
+          <a:schemeClr val="accent2"/>
+        </a:buClr>
         <a:buFont typeface="Arial" panose="020B0604020202020204" pitchFamily="34" charset="0"/>
         <a:buChar char="•"/>
-        <a:defRPr sz="1800" kern="1200">
+        <a:defRPr sz="1600" kern="1200" baseline="0">
           <a:solidFill>
             <a:schemeClr val="tx1"/>
           </a:solidFill>
@@ -3317,6 +3296,14 @@
 <file path=ppt/slides/slide1.xml><?xml version="1.0" encoding="utf-8"?>
 <p:sld xmlns:a="http://schemas.openxmlformats.org/drawingml/2006/main" xmlns:r="http://schemas.openxmlformats.org/officeDocument/2006/relationships" xmlns:p="http://schemas.openxmlformats.org/presentationml/2006/main">
   <p:cSld>
+    <p:bg>
+      <p:bgPr>
+        <a:solidFill>
+          <a:schemeClr val="bg1"/>
+        </a:solidFill>
+        <a:effectLst/>
+      </p:bgPr>
+    </p:bg>
     <p:spTree>
       <p:nvGrpSpPr>
         <p:cNvPr id="1" name=""/>
@@ -3331,6 +3318,129 @@
           <a:chExt cx="0" cy="0"/>
         </a:xfrm>
       </p:grpSpPr>
+      <p:sp useBgFill="1">
+        <p:nvSpPr>
+          <p:cNvPr id="21" name="Rectangle 20">
+            <a:extLst>
+              <a:ext uri="{FF2B5EF4-FFF2-40B4-BE49-F238E27FC236}">
+                <a16:creationId xmlns:a16="http://schemas.microsoft.com/office/drawing/2014/main" id="{0AF33C27-9C85-4B30-9AD7-879D48AFE4FF}"/>
+              </a:ext>
+              <a:ext uri="{C183D7F6-B498-43B3-948B-1728B52AA6E4}">
+                <adec:decorative xmlns:adec="http://schemas.microsoft.com/office/drawing/2017/decorative" val="1"/>
+              </a:ext>
+            </a:extLst>
+          </p:cNvPr>
+          <p:cNvSpPr>
+            <a:spLocks noGrp="1" noRot="1" noChangeAspect="1" noMove="1" noResize="1" noEditPoints="1" noAdjustHandles="1" noChangeArrowheads="1" noChangeShapeType="1" noTextEdit="1"/>
+          </p:cNvSpPr>
+          <p:nvPr>
+            <p:extLst>
+              <p:ext uri="{386F3935-93C4-4BCD-93E2-E3B085C9AB24}">
+                <p16:designElem xmlns:p16="http://schemas.microsoft.com/office/powerpoint/2015/main" val="1"/>
+              </p:ext>
+            </p:extLst>
+          </p:nvPr>
+        </p:nvSpPr>
+        <p:spPr>
+          <a:xfrm>
+            <a:off x="0" y="0"/>
+            <a:ext cx="12191999" cy="6858000"/>
+          </a:xfrm>
+          <a:prstGeom prst="rect">
+            <a:avLst/>
+          </a:prstGeom>
+          <a:ln>
+            <a:noFill/>
+          </a:ln>
+        </p:spPr>
+        <p:style>
+          <a:lnRef idx="2">
+            <a:schemeClr val="accent1">
+              <a:shade val="50000"/>
+            </a:schemeClr>
+          </a:lnRef>
+          <a:fillRef idx="1">
+            <a:schemeClr val="accent1"/>
+          </a:fillRef>
+          <a:effectRef idx="0">
+            <a:schemeClr val="accent1"/>
+          </a:effectRef>
+          <a:fontRef idx="minor">
+            <a:schemeClr val="lt1"/>
+          </a:fontRef>
+        </p:style>
+        <p:txBody>
+          <a:bodyPr rtlCol="0" anchor="ctr"/>
+          <a:lstStyle/>
+          <a:p>
+            <a:pPr algn="ctr"/>
+            <a:endParaRPr lang="en-US"/>
+          </a:p>
+        </p:txBody>
+      </p:sp>
+      <p:sp>
+        <p:nvSpPr>
+          <p:cNvPr id="22" name="Rectangle 21">
+            <a:extLst>
+              <a:ext uri="{FF2B5EF4-FFF2-40B4-BE49-F238E27FC236}">
+                <a16:creationId xmlns:a16="http://schemas.microsoft.com/office/drawing/2014/main" id="{6D5089DD-882D-4413-B8BF-4798BFD84A98}"/>
+              </a:ext>
+              <a:ext uri="{C183D7F6-B498-43B3-948B-1728B52AA6E4}">
+                <adec:decorative xmlns:adec="http://schemas.microsoft.com/office/drawing/2017/decorative" val="1"/>
+              </a:ext>
+            </a:extLst>
+          </p:cNvPr>
+          <p:cNvSpPr>
+            <a:spLocks noGrp="1" noRot="1" noChangeAspect="1" noMove="1" noResize="1" noEditPoints="1" noAdjustHandles="1" noChangeArrowheads="1" noChangeShapeType="1" noTextEdit="1"/>
+          </p:cNvSpPr>
+          <p:nvPr>
+            <p:extLst>
+              <p:ext uri="{386F3935-93C4-4BCD-93E2-E3B085C9AB24}">
+                <p16:designElem xmlns:p16="http://schemas.microsoft.com/office/powerpoint/2015/main" val="1"/>
+              </p:ext>
+            </p:extLst>
+          </p:nvPr>
+        </p:nvSpPr>
+        <p:spPr>
+          <a:xfrm>
+            <a:off x="7537704" y="0"/>
+            <a:ext cx="4654296" cy="6858000"/>
+          </a:xfrm>
+          <a:prstGeom prst="rect">
+            <a:avLst/>
+          </a:prstGeom>
+          <a:solidFill>
+            <a:schemeClr val="accent2"/>
+          </a:solidFill>
+          <a:ln>
+            <a:noFill/>
+          </a:ln>
+        </p:spPr>
+        <p:style>
+          <a:lnRef idx="2">
+            <a:schemeClr val="accent1">
+              <a:shade val="50000"/>
+            </a:schemeClr>
+          </a:lnRef>
+          <a:fillRef idx="1">
+            <a:schemeClr val="accent1"/>
+          </a:fillRef>
+          <a:effectRef idx="0">
+            <a:schemeClr val="accent1"/>
+          </a:effectRef>
+          <a:fontRef idx="minor">
+            <a:schemeClr val="lt1"/>
+          </a:fontRef>
+        </p:style>
+        <p:txBody>
+          <a:bodyPr rtlCol="0" anchor="ctr"/>
+          <a:lstStyle/>
+          <a:p>
+            <a:pPr algn="ctr"/>
+            <a:endParaRPr lang="en-US"/>
+          </a:p>
+        </p:txBody>
+      </p:sp>
       <p:sp>
         <p:nvSpPr>
           <p:cNvPr id="2" name="Title 1">
@@ -3349,165 +3459,174 @@
         </p:nvSpPr>
         <p:spPr>
           <a:xfrm>
-            <a:off x="1524000" y="867747"/>
-            <a:ext cx="9144000" cy="1097060"/>
+            <a:off x="8215942" y="1272181"/>
+            <a:ext cx="3363974" cy="1495794"/>
           </a:xfrm>
+          <a:noFill/>
+          <a:ln>
+            <a:solidFill>
+              <a:srgbClr val="FFFFFF"/>
+            </a:solidFill>
+          </a:ln>
         </p:spPr>
         <p:txBody>
-          <a:bodyPr/>
+          <a:bodyPr vert="horz" wrap="square" lIns="182880" tIns="182880" rIns="182880" bIns="182880" rtlCol="0" anchor="ctr">
+            <a:normAutofit/>
+          </a:bodyPr>
           <a:lstStyle/>
           <a:p>
             <a:pPr marL="0" marR="0">
-              <a:spcBef>
-                <a:spcPts val="0"/>
-              </a:spcBef>
               <a:spcAft>
                 <a:spcPts val="0"/>
               </a:spcAft>
             </a:pPr>
             <a:r>
-              <a:rPr lang="en-US" sz="1800" b="1" kern="1400" spc="-50" dirty="0">
+              <a:rPr lang="en-US" sz="1300" b="1">
+                <a:solidFill>
+                  <a:srgbClr val="FFFFFF"/>
+                </a:solidFill>
                 <a:effectLst/>
-                <a:latin typeface="Times New Roman" panose="02020603050405020304" pitchFamily="18" charset="0"/>
-                <a:ea typeface="Yu Gothic Light" panose="020B0300000000000000" pitchFamily="34" charset="-128"/>
-                <a:cs typeface="Times New Roman" panose="02020603050405020304" pitchFamily="18" charset="0"/>
               </a:rPr>
               <a:t> A.S.T.R.O.COM.</a:t>
             </a:r>
             <a:br>
-              <a:rPr lang="en-US" sz="1800" b="1" kern="1400" spc="-50" dirty="0">
+              <a:rPr lang="en-US" sz="1300" b="1">
+                <a:solidFill>
+                  <a:srgbClr val="FFFFFF"/>
+                </a:solidFill>
                 <a:effectLst/>
-                <a:latin typeface="Times New Roman" panose="02020603050405020304" pitchFamily="18" charset="0"/>
-                <a:ea typeface="Yu Gothic Light" panose="020B0300000000000000" pitchFamily="34" charset="-128"/>
-                <a:cs typeface="Times New Roman" panose="02020603050405020304" pitchFamily="18" charset="0"/>
               </a:rPr>
             </a:br>
             <a:r>
-              <a:rPr lang="en-US" sz="1800" dirty="0">
+              <a:rPr lang="en-US" sz="1300">
+                <a:solidFill>
+                  <a:srgbClr val="FFFFFF"/>
+                </a:solidFill>
                 <a:effectLst/>
-                <a:latin typeface="Times New Roman" panose="02020603050405020304" pitchFamily="18" charset="0"/>
-                <a:ea typeface="Calibri" panose="020F0502020204030204" pitchFamily="34" charset="0"/>
-                <a:cs typeface="Times New Roman" panose="02020603050405020304" pitchFamily="18" charset="0"/>
               </a:rPr>
               <a:t> </a:t>
             </a:r>
             <a:br>
-              <a:rPr lang="en-US" sz="1800" dirty="0">
+              <a:rPr lang="en-US" sz="1300">
+                <a:solidFill>
+                  <a:srgbClr val="FFFFFF"/>
+                </a:solidFill>
                 <a:effectLst/>
-                <a:latin typeface="Times New Roman" panose="02020603050405020304" pitchFamily="18" charset="0"/>
-                <a:ea typeface="Calibri" panose="020F0502020204030204" pitchFamily="34" charset="0"/>
-                <a:cs typeface="Arial" panose="020B0604020202020204" pitchFamily="34" charset="0"/>
               </a:rPr>
             </a:br>
             <a:r>
-              <a:rPr lang="en-US" sz="1800" b="1" dirty="0">
+              <a:rPr lang="en-US" sz="1300" b="1">
+                <a:solidFill>
+                  <a:srgbClr val="FFFFFF"/>
+                </a:solidFill>
                 <a:effectLst/>
-                <a:latin typeface="Times New Roman" panose="02020603050405020304" pitchFamily="18" charset="0"/>
-                <a:ea typeface="Calibri" panose="020F0502020204030204" pitchFamily="34" charset="0"/>
-                <a:cs typeface="Times New Roman" panose="02020603050405020304" pitchFamily="18" charset="0"/>
               </a:rPr>
               <a:t>A</a:t>
             </a:r>
             <a:r>
-              <a:rPr lang="en-US" sz="1800" dirty="0">
+              <a:rPr lang="en-US" sz="1300">
+                <a:solidFill>
+                  <a:srgbClr val="FFFFFF"/>
+                </a:solidFill>
                 <a:effectLst/>
-                <a:latin typeface="Times New Roman" panose="02020603050405020304" pitchFamily="18" charset="0"/>
-                <a:ea typeface="Calibri" panose="020F0502020204030204" pitchFamily="34" charset="0"/>
-                <a:cs typeface="Times New Roman" panose="02020603050405020304" pitchFamily="18" charset="0"/>
               </a:rPr>
               <a:t>dvanced </a:t>
             </a:r>
             <a:r>
-              <a:rPr lang="en-US" sz="1800" b="1" dirty="0">
+              <a:rPr lang="en-US" sz="1300" b="1">
+                <a:solidFill>
+                  <a:srgbClr val="FFFFFF"/>
+                </a:solidFill>
                 <a:effectLst/>
-                <a:latin typeface="Times New Roman" panose="02020603050405020304" pitchFamily="18" charset="0"/>
-                <a:ea typeface="Calibri" panose="020F0502020204030204" pitchFamily="34" charset="0"/>
-                <a:cs typeface="Times New Roman" panose="02020603050405020304" pitchFamily="18" charset="0"/>
               </a:rPr>
               <a:t>S</a:t>
             </a:r>
             <a:r>
-              <a:rPr lang="en-US" sz="1800" dirty="0">
+              <a:rPr lang="en-US" sz="1300">
+                <a:solidFill>
+                  <a:srgbClr val="FFFFFF"/>
+                </a:solidFill>
                 <a:effectLst/>
-                <a:latin typeface="Times New Roman" panose="02020603050405020304" pitchFamily="18" charset="0"/>
-                <a:ea typeface="Calibri" panose="020F0502020204030204" pitchFamily="34" charset="0"/>
-                <a:cs typeface="Times New Roman" panose="02020603050405020304" pitchFamily="18" charset="0"/>
               </a:rPr>
               <a:t>olar </a:t>
             </a:r>
             <a:r>
-              <a:rPr lang="en-US" sz="1800" b="1" dirty="0">
+              <a:rPr lang="en-US" sz="1300" b="1">
+                <a:solidFill>
+                  <a:srgbClr val="FFFFFF"/>
+                </a:solidFill>
                 <a:effectLst/>
-                <a:latin typeface="Times New Roman" panose="02020603050405020304" pitchFamily="18" charset="0"/>
-                <a:ea typeface="Calibri" panose="020F0502020204030204" pitchFamily="34" charset="0"/>
-                <a:cs typeface="Times New Roman" panose="02020603050405020304" pitchFamily="18" charset="0"/>
               </a:rPr>
               <a:t>T</a:t>
             </a:r>
             <a:r>
-              <a:rPr lang="en-US" sz="1800" dirty="0">
+              <a:rPr lang="en-US" sz="1300">
+                <a:solidFill>
+                  <a:srgbClr val="FFFFFF"/>
+                </a:solidFill>
                 <a:effectLst/>
-                <a:latin typeface="Times New Roman" panose="02020603050405020304" pitchFamily="18" charset="0"/>
-                <a:ea typeface="Calibri" panose="020F0502020204030204" pitchFamily="34" charset="0"/>
-                <a:cs typeface="Times New Roman" panose="02020603050405020304" pitchFamily="18" charset="0"/>
               </a:rPr>
               <a:t>racking and </a:t>
             </a:r>
             <a:r>
-              <a:rPr lang="en-US" sz="1800" b="1" dirty="0">
+              <a:rPr lang="en-US" sz="1300" b="1">
+                <a:solidFill>
+                  <a:srgbClr val="FFFFFF"/>
+                </a:solidFill>
                 <a:effectLst/>
-                <a:latin typeface="Times New Roman" panose="02020603050405020304" pitchFamily="18" charset="0"/>
-                <a:ea typeface="Calibri" panose="020F0502020204030204" pitchFamily="34" charset="0"/>
-                <a:cs typeface="Times New Roman" panose="02020603050405020304" pitchFamily="18" charset="0"/>
               </a:rPr>
               <a:t>R</a:t>
             </a:r>
             <a:r>
-              <a:rPr lang="en-US" sz="1800" dirty="0">
+              <a:rPr lang="en-US" sz="1300">
+                <a:solidFill>
+                  <a:srgbClr val="FFFFFF"/>
+                </a:solidFill>
                 <a:effectLst/>
-                <a:latin typeface="Times New Roman" panose="02020603050405020304" pitchFamily="18" charset="0"/>
-                <a:ea typeface="Calibri" panose="020F0502020204030204" pitchFamily="34" charset="0"/>
-                <a:cs typeface="Times New Roman" panose="02020603050405020304" pitchFamily="18" charset="0"/>
               </a:rPr>
               <a:t>over </a:t>
             </a:r>
             <a:r>
-              <a:rPr lang="en-US" sz="1800" b="1" dirty="0">
+              <a:rPr lang="en-US" sz="1300" b="1">
+                <a:solidFill>
+                  <a:srgbClr val="FFFFFF"/>
+                </a:solidFill>
                 <a:effectLst/>
-                <a:latin typeface="Times New Roman" panose="02020603050405020304" pitchFamily="18" charset="0"/>
-                <a:ea typeface="Calibri" panose="020F0502020204030204" pitchFamily="34" charset="0"/>
-                <a:cs typeface="Times New Roman" panose="02020603050405020304" pitchFamily="18" charset="0"/>
               </a:rPr>
               <a:t>O</a:t>
             </a:r>
             <a:r>
-              <a:rPr lang="en-US" sz="1800" dirty="0">
+              <a:rPr lang="en-US" sz="1300">
+                <a:solidFill>
+                  <a:srgbClr val="FFFFFF"/>
+                </a:solidFill>
                 <a:effectLst/>
-                <a:latin typeface="Times New Roman" panose="02020603050405020304" pitchFamily="18" charset="0"/>
-                <a:ea typeface="Calibri" panose="020F0502020204030204" pitchFamily="34" charset="0"/>
-                <a:cs typeface="Times New Roman" panose="02020603050405020304" pitchFamily="18" charset="0"/>
               </a:rPr>
               <a:t>bservation </a:t>
             </a:r>
             <a:r>
-              <a:rPr lang="en-US" sz="1800" b="1" dirty="0">
+              <a:rPr lang="en-US" sz="1300" b="1">
+                <a:solidFill>
+                  <a:srgbClr val="FFFFFF"/>
+                </a:solidFill>
                 <a:effectLst/>
-                <a:latin typeface="Times New Roman" panose="02020603050405020304" pitchFamily="18" charset="0"/>
-                <a:ea typeface="Calibri" panose="020F0502020204030204" pitchFamily="34" charset="0"/>
-                <a:cs typeface="Times New Roman" panose="02020603050405020304" pitchFamily="18" charset="0"/>
               </a:rPr>
               <a:t>C</a:t>
             </a:r>
             <a:r>
-              <a:rPr lang="en-US" sz="1800" dirty="0">
+              <a:rPr lang="en-US" sz="1300">
+                <a:solidFill>
+                  <a:srgbClr val="FFFFFF"/>
+                </a:solidFill>
                 <a:effectLst/>
-                <a:latin typeface="Times New Roman" panose="02020603050405020304" pitchFamily="18" charset="0"/>
-                <a:ea typeface="Calibri" panose="020F0502020204030204" pitchFamily="34" charset="0"/>
-                <a:cs typeface="Times New Roman" panose="02020603050405020304" pitchFamily="18" charset="0"/>
               </a:rPr>
               <a:t>ommunication </a:t>
             </a:r>
-            <a:endParaRPr lang="en-US" dirty="0"/>
+            <a:endParaRPr lang="en-US" sz="1300">
+              <a:solidFill>
+                <a:srgbClr val="FFFFFF"/>
+              </a:solidFill>
+            </a:endParaRPr>
           </a:p>
         </p:txBody>
       </p:sp>
@@ -3521,17 +3640,18 @@
             </a:extLst>
           </p:cNvPr>
           <p:cNvSpPr>
-            <a:spLocks noGrp="1"/>
-          </p:cNvSpPr>
-          <p:nvPr>
-            <p:ph type="subTitle" idx="1"/>
-          </p:nvPr>
+            <a:spLocks/>
+          </p:cNvSpPr>
+          <p:nvPr/>
         </p:nvSpPr>
         <p:spPr>
           <a:xfrm>
-            <a:off x="1524000" y="2236742"/>
-            <a:ext cx="9144000" cy="1655762"/>
+            <a:off x="920750" y="1642094"/>
+            <a:ext cx="5651500" cy="889803"/>
           </a:xfrm>
+          <a:prstGeom prst="rect">
+            <a:avLst/>
+          </a:prstGeom>
         </p:spPr>
         <p:txBody>
           <a:bodyPr>
@@ -3539,27 +3659,54 @@
           </a:bodyPr>
           <a:lstStyle/>
           <a:p>
-            <a:pPr marL="0" marR="0" algn="ctr">
+            <a:pPr algn="ctr" defTabSz="278892">
               <a:lnSpc>
                 <a:spcPct val="107000"/>
               </a:lnSpc>
-              <a:spcBef>
-                <a:spcPts val="0"/>
-              </a:spcBef>
               <a:spcAft>
-                <a:spcPts val="800"/>
+                <a:spcPts val="488"/>
               </a:spcAft>
             </a:pPr>
             <a:r>
-              <a:rPr lang="en-US" sz="1800" b="1" dirty="0">
-                <a:effectLst/>
+              <a:rPr lang="en-US" sz="2000" b="1" kern="1200" dirty="0">
+                <a:solidFill>
+                  <a:schemeClr val="tx1"/>
+                </a:solidFill>
                 <a:latin typeface="Times New Roman" panose="02020603050405020304" pitchFamily="18" charset="0"/>
-                <a:ea typeface="Calibri" panose="020F0502020204030204" pitchFamily="34" charset="0"/>
+                <a:ea typeface="+mn-ea"/>
                 <a:cs typeface="Times New Roman" panose="02020603050405020304" pitchFamily="18" charset="0"/>
               </a:rPr>
-              <a:t>Authors:</a:t>
-            </a:r>
-            <a:endParaRPr lang="en-US" sz="1800" dirty="0">
+              <a:t>Group 14’s</a:t>
+            </a:r>
+          </a:p>
+          <a:p>
+            <a:pPr algn="ctr" defTabSz="278892">
+              <a:lnSpc>
+                <a:spcPct val="107000"/>
+              </a:lnSpc>
+              <a:spcAft>
+                <a:spcPts val="488"/>
+              </a:spcAft>
+            </a:pPr>
+            <a:r>
+              <a:rPr lang="en-US" sz="2000" b="1" dirty="0">
+                <a:latin typeface="Times New Roman" panose="02020603050405020304" pitchFamily="18" charset="0"/>
+                <a:cs typeface="Times New Roman" panose="02020603050405020304" pitchFamily="18" charset="0"/>
+              </a:rPr>
+              <a:t>Member</a:t>
+            </a:r>
+            <a:r>
+              <a:rPr lang="en-US" sz="2000" b="1" kern="1200" dirty="0">
+                <a:solidFill>
+                  <a:schemeClr val="tx1"/>
+                </a:solidFill>
+                <a:latin typeface="Times New Roman" panose="02020603050405020304" pitchFamily="18" charset="0"/>
+                <a:ea typeface="+mn-ea"/>
+                <a:cs typeface="Times New Roman" panose="02020603050405020304" pitchFamily="18" charset="0"/>
+              </a:rPr>
+              <a:t>s:</a:t>
+            </a:r>
+            <a:endParaRPr lang="en-US" sz="2000" dirty="0">
               <a:effectLst/>
               <a:latin typeface="Times New Roman" panose="02020603050405020304" pitchFamily="18" charset="0"/>
               <a:ea typeface="Calibri" panose="020F0502020204030204" pitchFamily="34" charset="0"/>
@@ -3583,44 +3730,44 @@
           <p:nvPr>
             <p:extLst>
               <p:ext uri="{D42A27DB-BD31-4B8C-83A1-F6EECF244321}">
-                <p14:modId xmlns:p14="http://schemas.microsoft.com/office/powerpoint/2010/main" val="3361878886"/>
+                <p14:modId xmlns:p14="http://schemas.microsoft.com/office/powerpoint/2010/main" val="3894872923"/>
               </p:ext>
             </p:extLst>
           </p:nvPr>
         </p:nvGraphicFramePr>
         <p:xfrm>
-          <a:off x="2032000" y="4891846"/>
-          <a:ext cx="8375904" cy="1920240"/>
+          <a:off x="1234722" y="3875695"/>
+          <a:ext cx="5193792" cy="1340211"/>
         </p:xfrm>
         <a:graphic>
           <a:graphicData uri="http://schemas.openxmlformats.org/drawingml/2006/table">
             <a:tbl>
               <a:tblPr firstRow="1" bandRow="1">
-                <a:tableStyleId>{5C22544A-7EE6-4342-B048-85BDC9FD1C3A}</a:tableStyleId>
+                <a:tableStyleId>{93296810-A885-4BE3-A3E7-6D5BEEA58F35}</a:tableStyleId>
               </a:tblPr>
               <a:tblGrid>
-                <a:gridCol w="2093976">
+                <a:gridCol w="1298448">
                   <a:extLst>
                     <a:ext uri="{9D8B030D-6E8A-4147-A177-3AD203B41FA5}">
                       <a16:colId xmlns:a16="http://schemas.microsoft.com/office/drawing/2014/main" val="3266055870"/>
                     </a:ext>
                   </a:extLst>
                 </a:gridCol>
-                <a:gridCol w="2093976">
+                <a:gridCol w="1298448">
                   <a:extLst>
                     <a:ext uri="{9D8B030D-6E8A-4147-A177-3AD203B41FA5}">
                       <a16:colId xmlns:a16="http://schemas.microsoft.com/office/drawing/2014/main" val="4061370399"/>
                     </a:ext>
                   </a:extLst>
                 </a:gridCol>
-                <a:gridCol w="2093976">
+                <a:gridCol w="1298448">
                   <a:extLst>
                     <a:ext uri="{9D8B030D-6E8A-4147-A177-3AD203B41FA5}">
                       <a16:colId xmlns:a16="http://schemas.microsoft.com/office/drawing/2014/main" val="3320389386"/>
                     </a:ext>
                   </a:extLst>
                 </a:gridCol>
-                <a:gridCol w="2093976">
+                <a:gridCol w="1298448">
                   <a:extLst>
                     <a:ext uri="{9D8B030D-6E8A-4147-A177-3AD203B41FA5}">
                       <a16:colId xmlns:a16="http://schemas.microsoft.com/office/drawing/2014/main" val="3826408105"/>
@@ -3628,22 +3775,20 @@
                   </a:extLst>
                 </a:gridCol>
               </a:tblGrid>
-              <a:tr h="640080">
+              <a:tr h="441505">
                 <a:tc>
                   <a:txBody>
                     <a:bodyPr/>
                     <a:lstStyle/>
                     <a:p>
+                      <a:pPr algn="ctr"/>
                       <a:r>
-                        <a:rPr lang="en-US" sz="1800" dirty="0">
+                        <a:rPr lang="en-US" sz="1200" dirty="0">
                           <a:effectLst/>
-                          <a:latin typeface="Times New Roman" panose="02020603050405020304" pitchFamily="18" charset="0"/>
-                          <a:ea typeface="Calibri" panose="020F0502020204030204" pitchFamily="34" charset="0"/>
-                          <a:cs typeface="Times New Roman" panose="02020603050405020304" pitchFamily="18" charset="0"/>
                         </a:rPr>
                         <a:t>Alex Fiset </a:t>
                       </a:r>
-                      <a:endParaRPr lang="en-US" dirty="0"/>
+                      <a:endParaRPr lang="en-US" sz="1200" dirty="0"/>
                     </a:p>
                   </a:txBody>
                   <a:tcPr/>
@@ -3653,16 +3798,14 @@
                     <a:bodyPr/>
                     <a:lstStyle/>
                     <a:p>
+                      <a:pPr algn="ctr"/>
                       <a:r>
-                        <a:rPr lang="en-US" sz="1800" dirty="0">
+                        <a:rPr lang="en-US" sz="1200" dirty="0">
                           <a:effectLst/>
-                          <a:latin typeface="Times New Roman" panose="02020603050405020304" pitchFamily="18" charset="0"/>
-                          <a:ea typeface="Calibri" panose="020F0502020204030204" pitchFamily="34" charset="0"/>
-                          <a:cs typeface="Times New Roman" panose="02020603050405020304" pitchFamily="18" charset="0"/>
                         </a:rPr>
                         <a:t>Pedro Kasprzykowski </a:t>
                       </a:r>
-                      <a:endParaRPr lang="en-US" dirty="0"/>
+                      <a:endParaRPr lang="en-US" sz="1200" dirty="0"/>
                     </a:p>
                   </a:txBody>
                   <a:tcPr/>
@@ -3672,16 +3815,14 @@
                     <a:bodyPr/>
                     <a:lstStyle/>
                     <a:p>
+                      <a:pPr algn="ctr"/>
                       <a:r>
-                        <a:rPr lang="en-US" sz="1800" dirty="0">
+                        <a:rPr lang="en-US" sz="1200" dirty="0">
                           <a:effectLst/>
-                          <a:latin typeface="Times New Roman" panose="02020603050405020304" pitchFamily="18" charset="0"/>
-                          <a:ea typeface="Calibri" panose="020F0502020204030204" pitchFamily="34" charset="0"/>
-                          <a:cs typeface="Times New Roman" panose="02020603050405020304" pitchFamily="18" charset="0"/>
                         </a:rPr>
                         <a:t>Stephen Martin </a:t>
                       </a:r>
-                      <a:endParaRPr lang="en-US" dirty="0"/>
+                      <a:endParaRPr lang="en-US" sz="1200" dirty="0"/>
                     </a:p>
                   </a:txBody>
                   <a:tcPr/>
@@ -3691,16 +3832,14 @@
                     <a:bodyPr/>
                     <a:lstStyle/>
                     <a:p>
+                      <a:pPr algn="ctr"/>
                       <a:r>
-                        <a:rPr lang="en-US" sz="1800" dirty="0">
+                        <a:rPr lang="en-US" sz="1200" dirty="0">
                           <a:effectLst/>
-                          <a:latin typeface="Times New Roman" panose="02020603050405020304" pitchFamily="18" charset="0"/>
-                          <a:ea typeface="Calibri" panose="020F0502020204030204" pitchFamily="34" charset="0"/>
-                          <a:cs typeface="Times New Roman" panose="02020603050405020304" pitchFamily="18" charset="0"/>
                         </a:rPr>
                         <a:t>Binh Pham</a:t>
                       </a:r>
-                      <a:endParaRPr lang="en-US" dirty="0"/>
+                      <a:endParaRPr lang="en-US" sz="1200" dirty="0"/>
                     </a:p>
                   </a:txBody>
                   <a:tcPr/>
@@ -3711,22 +3850,29 @@
                   </a:ext>
                 </a:extLst>
               </a:tr>
-              <a:tr h="640080">
+              <a:tr h="883011">
                 <a:tc>
                   <a:txBody>
                     <a:bodyPr/>
                     <a:lstStyle/>
                     <a:p>
+                      <a:pPr algn="ctr"/>
                       <a:r>
-                        <a:rPr lang="en-US" sz="1800" i="1" dirty="0">
+                        <a:rPr lang="en-US" sz="1200" dirty="0">
                           <a:effectLst/>
-                          <a:latin typeface="Times New Roman" panose="02020603050405020304" pitchFamily="18" charset="0"/>
-                          <a:ea typeface="Calibri" panose="020F0502020204030204" pitchFamily="34" charset="0"/>
-                          <a:cs typeface="Times New Roman" panose="02020603050405020304" pitchFamily="18" charset="0"/>
                         </a:rPr>
-                        <a:t>Electrical		</a:t>
+                        <a:t>Electrical	</a:t>
                       </a:r>
-                      <a:endParaRPr lang="en-US" dirty="0"/>
+                    </a:p>
+                    <a:p>
+                      <a:pPr algn="ctr"/>
+                      <a:r>
+                        <a:rPr lang="en-US" sz="1200" dirty="0">
+                          <a:effectLst/>
+                        </a:rPr>
+                        <a:t>Engineering</a:t>
+                      </a:r>
+                      <a:endParaRPr lang="en-US" sz="1200" dirty="0"/>
                     </a:p>
                   </a:txBody>
                   <a:tcPr/>
@@ -3736,16 +3882,23 @@
                     <a:bodyPr/>
                     <a:lstStyle/>
                     <a:p>
+                      <a:pPr algn="ctr"/>
                       <a:r>
-                        <a:rPr lang="en-US" sz="1800" i="1" dirty="0">
+                        <a:rPr lang="en-US" sz="1200" dirty="0">
                           <a:effectLst/>
-                          <a:latin typeface="Times New Roman" panose="02020603050405020304" pitchFamily="18" charset="0"/>
-                          <a:ea typeface="Calibri" panose="020F0502020204030204" pitchFamily="34" charset="0"/>
-                          <a:cs typeface="Times New Roman" panose="02020603050405020304" pitchFamily="18" charset="0"/>
                         </a:rPr>
-                        <a:t>Computer	</a:t>
+                        <a:t>Computer</a:t>
                       </a:r>
-                      <a:endParaRPr lang="en-US" dirty="0"/>
+                    </a:p>
+                    <a:p>
+                      <a:pPr algn="ctr"/>
+                      <a:r>
+                        <a:rPr lang="en-US" sz="1200" dirty="0">
+                          <a:effectLst/>
+                        </a:rPr>
+                        <a:t>Engineering</a:t>
+                      </a:r>
+                      <a:endParaRPr lang="en-US" sz="1200" dirty="0"/>
                     </a:p>
                   </a:txBody>
                   <a:tcPr/>
@@ -3755,16 +3908,23 @@
                     <a:bodyPr/>
                     <a:lstStyle/>
                     <a:p>
+                      <a:pPr algn="ctr"/>
                       <a:r>
-                        <a:rPr lang="en-US" sz="1800" i="1" dirty="0">
+                        <a:rPr lang="en-US" sz="1200" dirty="0">
                           <a:effectLst/>
-                          <a:latin typeface="Times New Roman" panose="02020603050405020304" pitchFamily="18" charset="0"/>
-                          <a:ea typeface="Calibri" panose="020F0502020204030204" pitchFamily="34" charset="0"/>
-                          <a:cs typeface="Times New Roman" panose="02020603050405020304" pitchFamily="18" charset="0"/>
                         </a:rPr>
                         <a:t>Computer</a:t>
                       </a:r>
-                      <a:endParaRPr lang="en-US" dirty="0"/>
+                    </a:p>
+                    <a:p>
+                      <a:pPr algn="ctr"/>
+                      <a:r>
+                        <a:rPr lang="en-US" sz="1200" dirty="0">
+                          <a:effectLst/>
+                        </a:rPr>
+                        <a:t>Engineering</a:t>
+                      </a:r>
+                      <a:endParaRPr lang="en-US" sz="1200" dirty="0"/>
                     </a:p>
                   </a:txBody>
                   <a:tcPr/>
@@ -3774,16 +3934,23 @@
                     <a:bodyPr/>
                     <a:lstStyle/>
                     <a:p>
+                      <a:pPr algn="ctr"/>
                       <a:r>
-                        <a:rPr lang="en-US" sz="1800" i="1" dirty="0">
+                        <a:rPr lang="en-US" sz="1200" dirty="0">
                           <a:effectLst/>
-                          <a:latin typeface="Times New Roman" panose="02020603050405020304" pitchFamily="18" charset="0"/>
-                          <a:ea typeface="Calibri" panose="020F0502020204030204" pitchFamily="34" charset="0"/>
-                          <a:cs typeface="Times New Roman" panose="02020603050405020304" pitchFamily="18" charset="0"/>
                         </a:rPr>
                         <a:t>Computer</a:t>
                       </a:r>
-                      <a:endParaRPr lang="en-US" dirty="0"/>
+                    </a:p>
+                    <a:p>
+                      <a:pPr algn="ctr"/>
+                      <a:r>
+                        <a:rPr lang="en-US" sz="1200" dirty="0">
+                          <a:effectLst/>
+                        </a:rPr>
+                        <a:t>Engineering</a:t>
+                      </a:r>
+                      <a:endParaRPr lang="en-US" sz="1200" dirty="0"/>
                     </a:p>
                   </a:txBody>
                   <a:tcPr/>
@@ -3791,85 +3958,6 @@
                 <a:extLst>
                   <a:ext uri="{0D108BD9-81ED-4DB2-BD59-A6C34878D82A}">
                     <a16:rowId xmlns:a16="http://schemas.microsoft.com/office/drawing/2014/main" val="2863093934"/>
-                  </a:ext>
-                </a:extLst>
-              </a:tr>
-              <a:tr h="640080">
-                <a:tc>
-                  <a:txBody>
-                    <a:bodyPr/>
-                    <a:lstStyle/>
-                    <a:p>
-                      <a:r>
-                        <a:rPr lang="en-US" sz="1800" i="1" dirty="0">
-                          <a:effectLst/>
-                          <a:latin typeface="Times New Roman" panose="02020603050405020304" pitchFamily="18" charset="0"/>
-                          <a:ea typeface="Calibri" panose="020F0502020204030204" pitchFamily="34" charset="0"/>
-                        </a:rPr>
-                        <a:t>Engineering</a:t>
-                      </a:r>
-                      <a:endParaRPr lang="en-US" dirty="0"/>
-                    </a:p>
-                  </a:txBody>
-                  <a:tcPr/>
-                </a:tc>
-                <a:tc>
-                  <a:txBody>
-                    <a:bodyPr/>
-                    <a:lstStyle/>
-                    <a:p>
-                      <a:r>
-                        <a:rPr lang="en-US" sz="1800" i="1" dirty="0">
-                          <a:effectLst/>
-                          <a:latin typeface="Times New Roman" panose="02020603050405020304" pitchFamily="18" charset="0"/>
-                          <a:ea typeface="Calibri" panose="020F0502020204030204" pitchFamily="34" charset="0"/>
-                        </a:rPr>
-                        <a:t>Engineering</a:t>
-                      </a:r>
-                      <a:endParaRPr lang="en-US" dirty="0"/>
-                    </a:p>
-                  </a:txBody>
-                  <a:tcPr/>
-                </a:tc>
-                <a:tc>
-                  <a:txBody>
-                    <a:bodyPr/>
-                    <a:lstStyle/>
-                    <a:p>
-                      <a:r>
-                        <a:rPr lang="en-US" sz="1800" i="1" dirty="0">
-                          <a:effectLst/>
-                          <a:latin typeface="Times New Roman" panose="02020603050405020304" pitchFamily="18" charset="0"/>
-                          <a:ea typeface="Calibri" panose="020F0502020204030204" pitchFamily="34" charset="0"/>
-                        </a:rPr>
-                        <a:t>Engineering</a:t>
-                      </a:r>
-                      <a:endParaRPr lang="en-US" dirty="0"/>
-                    </a:p>
-                  </a:txBody>
-                  <a:tcPr/>
-                </a:tc>
-                <a:tc>
-                  <a:txBody>
-                    <a:bodyPr/>
-                    <a:lstStyle/>
-                    <a:p>
-                      <a:r>
-                        <a:rPr lang="en-US" sz="1800" i="1" dirty="0">
-                          <a:effectLst/>
-                          <a:latin typeface="Times New Roman" panose="02020603050405020304" pitchFamily="18" charset="0"/>
-                          <a:ea typeface="Calibri" panose="020F0502020204030204" pitchFamily="34" charset="0"/>
-                        </a:rPr>
-                        <a:t>Engineering</a:t>
-                      </a:r>
-                      <a:endParaRPr lang="en-US" dirty="0"/>
-                    </a:p>
-                  </a:txBody>
-                  <a:tcPr/>
-                </a:tc>
-                <a:extLst>
-                  <a:ext uri="{0D108BD9-81ED-4DB2-BD59-A6C34878D82A}">
-                    <a16:rowId xmlns:a16="http://schemas.microsoft.com/office/drawing/2014/main" val="571656471"/>
                   </a:ext>
                 </a:extLst>
               </a:tr>
@@ -3905,12 +3993,15 @@
         </p:blipFill>
         <p:spPr>
           <a:xfrm>
-            <a:off x="2032000" y="2796054"/>
-            <a:ext cx="2095792" cy="2095792"/>
+            <a:off x="1234722" y="2580379"/>
+            <a:ext cx="1295316" cy="1295316"/>
           </a:xfrm>
           <a:prstGeom prst="rect">
             <a:avLst/>
           </a:prstGeom>
+          <a:ln w="28575">
+            <a:noFill/>
+          </a:ln>
         </p:spPr>
       </p:pic>
       <p:pic>
@@ -3941,12 +4032,15 @@
         </p:blipFill>
         <p:spPr>
           <a:xfrm>
-            <a:off x="4127792" y="2796054"/>
-            <a:ext cx="2095792" cy="2095792"/>
+            <a:off x="2530599" y="2580379"/>
+            <a:ext cx="1295316" cy="1295316"/>
           </a:xfrm>
           <a:prstGeom prst="rect">
             <a:avLst/>
           </a:prstGeom>
+          <a:ln w="28575">
+            <a:noFill/>
+          </a:ln>
         </p:spPr>
       </p:pic>
       <p:pic>
@@ -3977,8 +4071,110 @@
         </p:blipFill>
         <p:spPr>
           <a:xfrm>
-            <a:off x="6223584" y="2796054"/>
-            <a:ext cx="2095792" cy="2095792"/>
+            <a:off x="3823109" y="2580379"/>
+            <a:ext cx="1295316" cy="1295316"/>
+          </a:xfrm>
+          <a:prstGeom prst="rect">
+            <a:avLst/>
+          </a:prstGeom>
+          <a:ln w="28575">
+            <a:noFill/>
+          </a:ln>
+        </p:spPr>
+      </p:pic>
+      <p:pic>
+        <p:nvPicPr>
+          <p:cNvPr id="6" name="Picture 5" descr="A person wearing glasses and looking at the camera&#10;&#10;Description automatically generated">
+            <a:extLst>
+              <a:ext uri="{FF2B5EF4-FFF2-40B4-BE49-F238E27FC236}">
+                <a16:creationId xmlns:a16="http://schemas.microsoft.com/office/drawing/2014/main" id="{0D1E3A14-FE5F-B483-968D-B86C781EE9CD}"/>
+              </a:ext>
+            </a:extLst>
+          </p:cNvPr>
+          <p:cNvPicPr>
+            <a:picLocks noChangeAspect="1"/>
+          </p:cNvPicPr>
+          <p:nvPr/>
+        </p:nvPicPr>
+        <p:blipFill>
+          <a:blip r:embed="rId5">
+            <a:extLst>
+              <a:ext uri="{28A0092B-C50C-407E-A947-70E740481C1C}">
+                <a14:useLocalDpi xmlns:a14="http://schemas.microsoft.com/office/drawing/2010/main" val="0"/>
+              </a:ext>
+            </a:extLst>
+          </a:blip>
+          <a:stretch>
+            <a:fillRect/>
+          </a:stretch>
+        </p:blipFill>
+        <p:spPr>
+          <a:xfrm>
+            <a:off x="5117864" y="2580379"/>
+            <a:ext cx="1294194" cy="1294194"/>
+          </a:xfrm>
+          <a:prstGeom prst="rect">
+            <a:avLst/>
+          </a:prstGeom>
+          <a:ln w="28575">
+            <a:noFill/>
+          </a:ln>
+        </p:spPr>
+      </p:pic>
+      <p:pic>
+        <p:nvPicPr>
+          <p:cNvPr id="7" name="Picture 6">
+            <a:extLst>
+              <a:ext uri="{FF2B5EF4-FFF2-40B4-BE49-F238E27FC236}">
+                <a16:creationId xmlns:a16="http://schemas.microsoft.com/office/drawing/2014/main" id="{1E762F42-9900-24BC-F7E0-CD02320478AF}"/>
+              </a:ext>
+            </a:extLst>
+          </p:cNvPr>
+          <p:cNvPicPr>
+            <a:picLocks noChangeAspect="1"/>
+          </p:cNvPicPr>
+          <p:nvPr/>
+        </p:nvPicPr>
+        <p:blipFill>
+          <a:blip r:embed="rId6"/>
+          <a:stretch>
+            <a:fillRect/>
+          </a:stretch>
+        </p:blipFill>
+        <p:spPr>
+          <a:xfrm>
+            <a:off x="8215942" y="2802193"/>
+            <a:ext cx="1851800" cy="3487214"/>
+          </a:xfrm>
+          <a:prstGeom prst="rect">
+            <a:avLst/>
+          </a:prstGeom>
+        </p:spPr>
+      </p:pic>
+      <p:pic>
+        <p:nvPicPr>
+          <p:cNvPr id="9" name="Picture 8">
+            <a:extLst>
+              <a:ext uri="{FF2B5EF4-FFF2-40B4-BE49-F238E27FC236}">
+                <a16:creationId xmlns:a16="http://schemas.microsoft.com/office/drawing/2014/main" id="{7ADF6513-6566-6B83-2EA3-C984766DF22A}"/>
+              </a:ext>
+            </a:extLst>
+          </p:cNvPr>
+          <p:cNvPicPr>
+            <a:picLocks noChangeAspect="1"/>
+          </p:cNvPicPr>
+          <p:nvPr/>
+        </p:nvPicPr>
+        <p:blipFill>
+          <a:blip r:embed="rId7"/>
+          <a:stretch>
+            <a:fillRect/>
+          </a:stretch>
+        </p:blipFill>
+        <p:spPr>
+          <a:xfrm>
+            <a:off x="9936868" y="2802193"/>
+            <a:ext cx="1643048" cy="3487214"/>
           </a:xfrm>
           <a:prstGeom prst="rect">
             <a:avLst/>
@@ -3993,7 +4189,7 @@
     </p:extLst>
   </p:cSld>
   <p:clrMapOvr>
-    <a:masterClrMapping/>
+    <a:overrideClrMapping bg1="lt1" tx1="dk1" bg2="lt2" tx2="dk2" accent1="accent1" accent2="accent2" accent3="accent3" accent4="accent4" accent5="accent5" accent6="accent6" hlink="hlink" folHlink="folHlink"/>
   </p:clrMapOvr>
 </p:sld>
 </file>
@@ -4020,6 +4216,172 @@
           <p:cNvPr id="2" name="Title 1">
             <a:extLst>
               <a:ext uri="{FF2B5EF4-FFF2-40B4-BE49-F238E27FC236}">
+                <a16:creationId xmlns:a16="http://schemas.microsoft.com/office/drawing/2014/main" id="{1CF73548-BAA2-9628-D15F-2F7BCC0FE63D}"/>
+              </a:ext>
+            </a:extLst>
+          </p:cNvPr>
+          <p:cNvSpPr>
+            <a:spLocks noGrp="1"/>
+          </p:cNvSpPr>
+          <p:nvPr>
+            <p:ph type="title"/>
+          </p:nvPr>
+        </p:nvSpPr>
+        <p:spPr/>
+        <p:txBody>
+          <a:bodyPr/>
+          <a:lstStyle/>
+          <a:p>
+            <a:r>
+              <a:rPr lang="en-US" dirty="0"/>
+              <a:t>Hardware Design</a:t>
+            </a:r>
+          </a:p>
+        </p:txBody>
+      </p:sp>
+      <p:sp>
+        <p:nvSpPr>
+          <p:cNvPr id="3" name="Content Placeholder 2">
+            <a:extLst>
+              <a:ext uri="{FF2B5EF4-FFF2-40B4-BE49-F238E27FC236}">
+                <a16:creationId xmlns:a16="http://schemas.microsoft.com/office/drawing/2014/main" id="{092EC7E0-E2D1-A093-EF2C-C3EEDD0FC80A}"/>
+              </a:ext>
+            </a:extLst>
+          </p:cNvPr>
+          <p:cNvSpPr>
+            <a:spLocks noGrp="1"/>
+          </p:cNvSpPr>
+          <p:nvPr>
+            <p:ph idx="1"/>
+          </p:nvPr>
+        </p:nvSpPr>
+        <p:spPr/>
+        <p:txBody>
+          <a:bodyPr/>
+          <a:lstStyle/>
+          <a:p>
+            <a:endParaRPr lang="en-US"/>
+          </a:p>
+        </p:txBody>
+      </p:sp>
+    </p:spTree>
+    <p:extLst>
+      <p:ext uri="{BB962C8B-B14F-4D97-AF65-F5344CB8AC3E}">
+        <p14:creationId xmlns:p14="http://schemas.microsoft.com/office/powerpoint/2010/main" val="1447807741"/>
+      </p:ext>
+    </p:extLst>
+  </p:cSld>
+  <p:clrMapOvr>
+    <a:masterClrMapping/>
+  </p:clrMapOvr>
+</p:sld>
+</file>
+
+<file path=ppt/slides/slide11.xml><?xml version="1.0" encoding="utf-8"?>
+<p:sld xmlns:a="http://schemas.openxmlformats.org/drawingml/2006/main" xmlns:r="http://schemas.openxmlformats.org/officeDocument/2006/relationships" xmlns:p="http://schemas.openxmlformats.org/presentationml/2006/main">
+  <p:cSld>
+    <p:spTree>
+      <p:nvGrpSpPr>
+        <p:cNvPr id="1" name=""/>
+        <p:cNvGrpSpPr/>
+        <p:nvPr/>
+      </p:nvGrpSpPr>
+      <p:grpSpPr>
+        <a:xfrm>
+          <a:off x="0" y="0"/>
+          <a:ext cx="0" cy="0"/>
+          <a:chOff x="0" y="0"/>
+          <a:chExt cx="0" cy="0"/>
+        </a:xfrm>
+      </p:grpSpPr>
+      <p:sp>
+        <p:nvSpPr>
+          <p:cNvPr id="2" name="Title 1">
+            <a:extLst>
+              <a:ext uri="{FF2B5EF4-FFF2-40B4-BE49-F238E27FC236}">
+                <a16:creationId xmlns:a16="http://schemas.microsoft.com/office/drawing/2014/main" id="{03D18C94-A8E4-C70C-5708-006B7AE4E3DC}"/>
+              </a:ext>
+            </a:extLst>
+          </p:cNvPr>
+          <p:cNvSpPr>
+            <a:spLocks noGrp="1"/>
+          </p:cNvSpPr>
+          <p:nvPr>
+            <p:ph type="title"/>
+          </p:nvPr>
+        </p:nvSpPr>
+        <p:spPr/>
+        <p:txBody>
+          <a:bodyPr/>
+          <a:lstStyle/>
+          <a:p>
+            <a:r>
+              <a:rPr lang="en-US" dirty="0"/>
+              <a:t>Software Design</a:t>
+            </a:r>
+          </a:p>
+        </p:txBody>
+      </p:sp>
+      <p:sp>
+        <p:nvSpPr>
+          <p:cNvPr id="3" name="Content Placeholder 2">
+            <a:extLst>
+              <a:ext uri="{FF2B5EF4-FFF2-40B4-BE49-F238E27FC236}">
+                <a16:creationId xmlns:a16="http://schemas.microsoft.com/office/drawing/2014/main" id="{BC5DD455-54D5-2FCC-C64A-A7AB7486A8C4}"/>
+              </a:ext>
+            </a:extLst>
+          </p:cNvPr>
+          <p:cNvSpPr>
+            <a:spLocks noGrp="1"/>
+          </p:cNvSpPr>
+          <p:nvPr>
+            <p:ph idx="1"/>
+          </p:nvPr>
+        </p:nvSpPr>
+        <p:spPr/>
+        <p:txBody>
+          <a:bodyPr/>
+          <a:lstStyle/>
+          <a:p>
+            <a:endParaRPr lang="en-US" dirty="0"/>
+          </a:p>
+        </p:txBody>
+      </p:sp>
+    </p:spTree>
+    <p:extLst>
+      <p:ext uri="{BB962C8B-B14F-4D97-AF65-F5344CB8AC3E}">
+        <p14:creationId xmlns:p14="http://schemas.microsoft.com/office/powerpoint/2010/main" val="106284619"/>
+      </p:ext>
+    </p:extLst>
+  </p:cSld>
+  <p:clrMapOvr>
+    <a:masterClrMapping/>
+  </p:clrMapOvr>
+</p:sld>
+</file>
+
+<file path=ppt/slides/slide12.xml><?xml version="1.0" encoding="utf-8"?>
+<p:sld xmlns:a="http://schemas.openxmlformats.org/drawingml/2006/main" xmlns:r="http://schemas.openxmlformats.org/officeDocument/2006/relationships" xmlns:p="http://schemas.openxmlformats.org/presentationml/2006/main">
+  <p:cSld>
+    <p:spTree>
+      <p:nvGrpSpPr>
+        <p:cNvPr id="1" name=""/>
+        <p:cNvGrpSpPr/>
+        <p:nvPr/>
+      </p:nvGrpSpPr>
+      <p:grpSpPr>
+        <a:xfrm>
+          <a:off x="0" y="0"/>
+          <a:ext cx="0" cy="0"/>
+          <a:chOff x="0" y="0"/>
+          <a:chExt cx="0" cy="0"/>
+        </a:xfrm>
+      </p:grpSpPr>
+      <p:sp>
+        <p:nvSpPr>
+          <p:cNvPr id="2" name="Title 1">
+            <a:extLst>
+              <a:ext uri="{FF2B5EF4-FFF2-40B4-BE49-F238E27FC236}">
                 <a16:creationId xmlns:a16="http://schemas.microsoft.com/office/drawing/2014/main" id="{14089BC0-1D64-B028-52EC-230DDADE73FD}"/>
               </a:ext>
             </a:extLst>
@@ -4081,7 +4443,7 @@
 </p:sld>
 </file>
 
-<file path=ppt/slides/slide11.xml><?xml version="1.0" encoding="utf-8"?>
+<file path=ppt/slides/slide13.xml><?xml version="1.0" encoding="utf-8"?>
 <p:sld xmlns:a="http://schemas.openxmlformats.org/drawingml/2006/main" xmlns:r="http://schemas.openxmlformats.org/officeDocument/2006/relationships" xmlns:p="http://schemas.openxmlformats.org/presentationml/2006/main">
   <p:cSld>
     <p:spTree>
@@ -4262,12 +4624,28 @@
         </p:blipFill>
         <p:spPr>
           <a:xfrm>
-            <a:off x="9258008" y="361950"/>
+            <a:off x="9258008" y="365125"/>
             <a:ext cx="2095792" cy="2095792"/>
           </a:xfrm>
-          <a:prstGeom prst="rect">
+          <a:prstGeom prst="ellipse">
             <a:avLst/>
           </a:prstGeom>
+          <a:ln w="63500" cap="rnd">
+            <a:noFill/>
+          </a:ln>
+          <a:effectLst/>
+          <a:scene3d>
+            <a:camera prst="orthographicFront"/>
+            <a:lightRig rig="contrasting" dir="t">
+              <a:rot lat="0" lon="0" rev="3000000"/>
+            </a:lightRig>
+          </a:scene3d>
+          <a:sp3d contourW="7620">
+            <a:bevelT w="95250" h="31750"/>
+            <a:contourClr>
+              <a:srgbClr val="333333"/>
+            </a:contourClr>
+          </a:sp3d>
         </p:spPr>
       </p:pic>
     </p:spTree>
@@ -4353,6 +4731,58 @@
           </a:p>
         </p:txBody>
       </p:sp>
+      <p:pic>
+        <p:nvPicPr>
+          <p:cNvPr id="4" name="Picture 3" descr="A person smiling at the camera&#10;&#10;Description automatically generated">
+            <a:extLst>
+              <a:ext uri="{FF2B5EF4-FFF2-40B4-BE49-F238E27FC236}">
+                <a16:creationId xmlns:a16="http://schemas.microsoft.com/office/drawing/2014/main" id="{5C0F8D27-A1BF-6952-43E2-EF487E226FF8}"/>
+              </a:ext>
+            </a:extLst>
+          </p:cNvPr>
+          <p:cNvPicPr>
+            <a:picLocks noChangeAspect="1"/>
+          </p:cNvPicPr>
+          <p:nvPr/>
+        </p:nvPicPr>
+        <p:blipFill>
+          <a:blip r:embed="rId2">
+            <a:extLst>
+              <a:ext uri="{28A0092B-C50C-407E-A947-70E740481C1C}">
+                <a14:useLocalDpi xmlns:a14="http://schemas.microsoft.com/office/drawing/2010/main" val="0"/>
+              </a:ext>
+            </a:extLst>
+          </a:blip>
+          <a:stretch>
+            <a:fillRect/>
+          </a:stretch>
+        </p:blipFill>
+        <p:spPr>
+          <a:xfrm>
+            <a:off x="9258008" y="365125"/>
+            <a:ext cx="2095792" cy="2095792"/>
+          </a:xfrm>
+          <a:prstGeom prst="ellipse">
+            <a:avLst/>
+          </a:prstGeom>
+          <a:ln w="63500" cap="rnd">
+            <a:noFill/>
+          </a:ln>
+          <a:effectLst/>
+          <a:scene3d>
+            <a:camera prst="orthographicFront"/>
+            <a:lightRig rig="contrasting" dir="t">
+              <a:rot lat="0" lon="0" rev="3000000"/>
+            </a:lightRig>
+          </a:scene3d>
+          <a:sp3d contourW="7620">
+            <a:bevelT w="95250" h="31750"/>
+            <a:contourClr>
+              <a:srgbClr val="333333"/>
+            </a:contourClr>
+          </a:sp3d>
+        </p:spPr>
+      </p:pic>
     </p:spTree>
     <p:extLst>
       <p:ext uri="{BB962C8B-B14F-4D97-AF65-F5344CB8AC3E}">
@@ -4369,6 +4799,14 @@
 <file path=ppt/slides/slide4.xml><?xml version="1.0" encoding="utf-8"?>
 <p:sld xmlns:a="http://schemas.openxmlformats.org/drawingml/2006/main" xmlns:r="http://schemas.openxmlformats.org/officeDocument/2006/relationships" xmlns:p="http://schemas.openxmlformats.org/presentationml/2006/main">
   <p:cSld>
+    <p:bg>
+      <p:bgPr>
+        <a:solidFill>
+          <a:schemeClr val="bg1"/>
+        </a:solidFill>
+        <a:effectLst/>
+      </p:bgPr>
+    </p:bg>
     <p:spTree>
       <p:nvGrpSpPr>
         <p:cNvPr id="1" name=""/>
@@ -4383,6 +4821,127 @@
           <a:chExt cx="0" cy="0"/>
         </a:xfrm>
       </p:grpSpPr>
+      <p:sp useBgFill="1">
+        <p:nvSpPr>
+          <p:cNvPr id="9" name="Rectangle 8">
+            <a:extLst>
+              <a:ext uri="{FF2B5EF4-FFF2-40B4-BE49-F238E27FC236}">
+                <a16:creationId xmlns:a16="http://schemas.microsoft.com/office/drawing/2014/main" id="{93F0ADB5-A0B4-4B01-A8C4-FDC34CE22BD4}"/>
+              </a:ext>
+              <a:ext uri="{C183D7F6-B498-43B3-948B-1728B52AA6E4}">
+                <adec:decorative xmlns:adec="http://schemas.microsoft.com/office/drawing/2017/decorative" val="1"/>
+              </a:ext>
+            </a:extLst>
+          </p:cNvPr>
+          <p:cNvSpPr>
+            <a:spLocks noGrp="1" noRot="1" noChangeAspect="1" noMove="1" noResize="1" noEditPoints="1" noAdjustHandles="1" noChangeArrowheads="1" noChangeShapeType="1" noTextEdit="1"/>
+          </p:cNvSpPr>
+          <p:nvPr>
+            <p:extLst>
+              <p:ext uri="{386F3935-93C4-4BCD-93E2-E3B085C9AB24}">
+                <p16:designElem xmlns:p16="http://schemas.microsoft.com/office/powerpoint/2015/main" val="1"/>
+              </p:ext>
+            </p:extLst>
+          </p:nvPr>
+        </p:nvSpPr>
+        <p:spPr>
+          <a:xfrm>
+            <a:off x="0" y="0"/>
+            <a:ext cx="12191999" cy="6858000"/>
+          </a:xfrm>
+          <a:prstGeom prst="rect">
+            <a:avLst/>
+          </a:prstGeom>
+          <a:ln>
+            <a:noFill/>
+          </a:ln>
+        </p:spPr>
+        <p:style>
+          <a:lnRef idx="2">
+            <a:schemeClr val="accent1">
+              <a:shade val="50000"/>
+            </a:schemeClr>
+          </a:lnRef>
+          <a:fillRef idx="1">
+            <a:schemeClr val="accent1"/>
+          </a:fillRef>
+          <a:effectRef idx="0">
+            <a:schemeClr val="accent1"/>
+          </a:effectRef>
+          <a:fontRef idx="minor">
+            <a:schemeClr val="lt1"/>
+          </a:fontRef>
+        </p:style>
+        <p:txBody>
+          <a:bodyPr rtlCol="0" anchor="ctr"/>
+          <a:lstStyle/>
+          <a:p>
+            <a:pPr algn="ctr"/>
+            <a:endParaRPr lang="en-US"/>
+          </a:p>
+        </p:txBody>
+      </p:sp>
+      <p:sp>
+        <p:nvSpPr>
+          <p:cNvPr id="11" name="Rectangle 10">
+            <a:extLst>
+              <a:ext uri="{FF2B5EF4-FFF2-40B4-BE49-F238E27FC236}">
+                <a16:creationId xmlns:a16="http://schemas.microsoft.com/office/drawing/2014/main" id="{AA6D0FDE-0241-4C21-A720-A69475358235}"/>
+              </a:ext>
+              <a:ext uri="{C183D7F6-B498-43B3-948B-1728B52AA6E4}">
+                <adec:decorative xmlns:adec="http://schemas.microsoft.com/office/drawing/2017/decorative" val="1"/>
+              </a:ext>
+            </a:extLst>
+          </p:cNvPr>
+          <p:cNvSpPr>
+            <a:spLocks noGrp="1" noRot="1" noChangeAspect="1" noMove="1" noResize="1" noEditPoints="1" noAdjustHandles="1" noChangeArrowheads="1" noChangeShapeType="1" noTextEdit="1"/>
+          </p:cNvSpPr>
+          <p:nvPr>
+            <p:extLst>
+              <p:ext uri="{386F3935-93C4-4BCD-93E2-E3B085C9AB24}">
+                <p16:designElem xmlns:p16="http://schemas.microsoft.com/office/powerpoint/2015/main" val="1"/>
+              </p:ext>
+            </p:extLst>
+          </p:nvPr>
+        </p:nvSpPr>
+        <p:spPr>
+          <a:xfrm>
+            <a:off x="0" y="0"/>
+            <a:ext cx="4654296" cy="6858000"/>
+          </a:xfrm>
+          <a:prstGeom prst="rect">
+            <a:avLst/>
+          </a:prstGeom>
+          <a:solidFill>
+            <a:schemeClr val="tx2"/>
+          </a:solidFill>
+          <a:ln>
+            <a:noFill/>
+          </a:ln>
+        </p:spPr>
+        <p:style>
+          <a:lnRef idx="0">
+            <a:scrgbClr r="0" g="0" b="0"/>
+          </a:lnRef>
+          <a:fillRef idx="0">
+            <a:scrgbClr r="0" g="0" b="0"/>
+          </a:fillRef>
+          <a:effectRef idx="0">
+            <a:scrgbClr r="0" g="0" b="0"/>
+          </a:effectRef>
+          <a:fontRef idx="minor">
+            <a:schemeClr val="lt1"/>
+          </a:fontRef>
+        </p:style>
+        <p:txBody>
+          <a:bodyPr rtlCol="0" anchor="ctr"/>
+          <a:lstStyle/>
+          <a:p>
+            <a:pPr algn="ctr"/>
+            <a:endParaRPr lang="en-US"/>
+          </a:p>
+        </p:txBody>
+      </p:sp>
       <p:sp>
         <p:nvSpPr>
           <p:cNvPr id="2" name="Title 1">
@@ -4399,43 +4958,1920 @@
             <p:ph type="title"/>
           </p:nvPr>
         </p:nvSpPr>
-        <p:spPr/>
-        <p:txBody>
-          <a:bodyPr/>
+        <p:spPr>
+          <a:xfrm>
+            <a:off x="643467" y="2681103"/>
+            <a:ext cx="3363974" cy="1495794"/>
+          </a:xfrm>
+          <a:noFill/>
+          <a:ln>
+            <a:solidFill>
+              <a:schemeClr val="bg1"/>
+            </a:solidFill>
+          </a:ln>
+        </p:spPr>
+        <p:txBody>
+          <a:bodyPr wrap="square">
+            <a:normAutofit/>
+          </a:bodyPr>
           <a:lstStyle/>
           <a:p>
             <a:r>
-              <a:rPr lang="en-US" dirty="0"/>
-              <a:t>Engineer Specifications</a:t>
-            </a:r>
-          </a:p>
-        </p:txBody>
-      </p:sp>
-      <p:sp>
-        <p:nvSpPr>
-          <p:cNvPr id="3" name="Content Placeholder 2">
+              <a:rPr lang="en-US" dirty="0">
+                <a:solidFill>
+                  <a:schemeClr val="bg1"/>
+                </a:solidFill>
+              </a:rPr>
+              <a:t>Specifications Table</a:t>
+            </a:r>
+          </a:p>
+        </p:txBody>
+      </p:sp>
+      <p:graphicFrame>
+        <p:nvGraphicFramePr>
+          <p:cNvPr id="7" name="Content Placeholder 6">
             <a:extLst>
               <a:ext uri="{FF2B5EF4-FFF2-40B4-BE49-F238E27FC236}">
-                <a16:creationId xmlns:a16="http://schemas.microsoft.com/office/drawing/2014/main" id="{718376E0-75DF-9798-811F-447A7B0189D2}"/>
+                <a16:creationId xmlns:a16="http://schemas.microsoft.com/office/drawing/2014/main" id="{B68EE18F-D0E0-137F-CFEE-2AE7B5B15209}"/>
               </a:ext>
             </a:extLst>
           </p:cNvPr>
-          <p:cNvSpPr>
-            <a:spLocks noGrp="1"/>
-          </p:cNvSpPr>
+          <p:cNvGraphicFramePr>
+            <a:graphicFrameLocks noGrp="1"/>
+          </p:cNvGraphicFramePr>
           <p:nvPr>
             <p:ph idx="1"/>
-          </p:nvPr>
-        </p:nvSpPr>
-        <p:spPr/>
-        <p:txBody>
-          <a:bodyPr/>
-          <a:lstStyle/>
-          <a:p>
-            <a:endParaRPr lang="en-US"/>
-          </a:p>
-        </p:txBody>
-      </p:sp>
+            <p:extLst>
+              <p:ext uri="{D42A27DB-BD31-4B8C-83A1-F6EECF244321}">
+                <p14:modId xmlns:p14="http://schemas.microsoft.com/office/powerpoint/2010/main" val="419365262"/>
+              </p:ext>
+            </p:extLst>
+          </p:nvPr>
+        </p:nvGraphicFramePr>
+        <p:xfrm>
+          <a:off x="5578860" y="1055315"/>
+          <a:ext cx="5688574" cy="3121582"/>
+        </p:xfrm>
+        <a:graphic>
+          <a:graphicData uri="http://schemas.openxmlformats.org/drawingml/2006/table">
+            <a:tbl>
+              <a:tblPr firstRow="1" firstCol="1" bandRow="1">
+                <a:tableStyleId>{912C8C85-51F0-491E-9774-3900AFEF0FD7}</a:tableStyleId>
+              </a:tblPr>
+              <a:tblGrid>
+                <a:gridCol w="2403666">
+                  <a:extLst>
+                    <a:ext uri="{9D8B030D-6E8A-4147-A177-3AD203B41FA5}">
+                      <a16:colId xmlns:a16="http://schemas.microsoft.com/office/drawing/2014/main" val="458445780"/>
+                    </a:ext>
+                  </a:extLst>
+                </a:gridCol>
+                <a:gridCol w="3284908">
+                  <a:extLst>
+                    <a:ext uri="{9D8B030D-6E8A-4147-A177-3AD203B41FA5}">
+                      <a16:colId xmlns:a16="http://schemas.microsoft.com/office/drawing/2014/main" val="692495955"/>
+                    </a:ext>
+                  </a:extLst>
+                </a:gridCol>
+              </a:tblGrid>
+              <a:tr h="193873">
+                <a:tc gridSpan="2">
+                  <a:txBody>
+                    <a:bodyPr/>
+                    <a:lstStyle/>
+                    <a:p>
+                      <a:pPr marL="0" marR="0" algn="ctr">
+                        <a:lnSpc>
+                          <a:spcPct val="107000"/>
+                        </a:lnSpc>
+                        <a:spcBef>
+                          <a:spcPts val="0"/>
+                        </a:spcBef>
+                        <a:spcAft>
+                          <a:spcPts val="0"/>
+                        </a:spcAft>
+                      </a:pPr>
+                      <a:r>
+                        <a:rPr lang="en-US" sz="1400" dirty="0">
+                          <a:effectLst/>
+                        </a:rPr>
+                        <a:t>Heliostat Tower</a:t>
+                      </a:r>
+                      <a:endParaRPr lang="en-US" sz="1400" dirty="0">
+                        <a:effectLst/>
+                        <a:latin typeface="Times New Roman" panose="02020603050405020304" pitchFamily="18" charset="0"/>
+                        <a:ea typeface="Calibri" panose="020F0502020204030204" pitchFamily="34" charset="0"/>
+                        <a:cs typeface="Arial" panose="020B0604020202020204" pitchFamily="34" charset="0"/>
+                      </a:endParaRPr>
+                    </a:p>
+                  </a:txBody>
+                  <a:tcPr marL="65637" marR="65637" marT="0" marB="0"/>
+                </a:tc>
+                <a:tc hMerge="1">
+                  <a:txBody>
+                    <a:bodyPr/>
+                    <a:lstStyle/>
+                    <a:p>
+                      <a:endParaRPr lang="en-US"/>
+                    </a:p>
+                  </a:txBody>
+                  <a:tcPr/>
+                </a:tc>
+                <a:extLst>
+                  <a:ext uri="{0D108BD9-81ED-4DB2-BD59-A6C34878D82A}">
+                    <a16:rowId xmlns:a16="http://schemas.microsoft.com/office/drawing/2014/main" val="3060040229"/>
+                  </a:ext>
+                </a:extLst>
+              </a:tr>
+              <a:tr h="193873">
+                <a:tc>
+                  <a:txBody>
+                    <a:bodyPr/>
+                    <a:lstStyle/>
+                    <a:p>
+                      <a:pPr marL="0" marR="0" algn="just">
+                        <a:lnSpc>
+                          <a:spcPct val="107000"/>
+                        </a:lnSpc>
+                        <a:spcBef>
+                          <a:spcPts val="0"/>
+                        </a:spcBef>
+                        <a:spcAft>
+                          <a:spcPts val="0"/>
+                        </a:spcAft>
+                      </a:pPr>
+                      <a:r>
+                        <a:rPr lang="en-US" sz="1100" dirty="0">
+                          <a:effectLst/>
+                        </a:rPr>
+                        <a:t>Minimum Temperature</a:t>
+                      </a:r>
+                      <a:endParaRPr lang="en-US" sz="1100" dirty="0">
+                        <a:effectLst/>
+                        <a:latin typeface="Times New Roman" panose="02020603050405020304" pitchFamily="18" charset="0"/>
+                        <a:ea typeface="Calibri" panose="020F0502020204030204" pitchFamily="34" charset="0"/>
+                        <a:cs typeface="Arial" panose="020B0604020202020204" pitchFamily="34" charset="0"/>
+                      </a:endParaRPr>
+                    </a:p>
+                  </a:txBody>
+                  <a:tcPr marL="65637" marR="65637" marT="0" marB="0"/>
+                </a:tc>
+                <a:tc>
+                  <a:txBody>
+                    <a:bodyPr/>
+                    <a:lstStyle/>
+                    <a:p>
+                      <a:pPr marL="0" marR="0" algn="just">
+                        <a:lnSpc>
+                          <a:spcPct val="107000"/>
+                        </a:lnSpc>
+                        <a:spcBef>
+                          <a:spcPts val="0"/>
+                        </a:spcBef>
+                        <a:spcAft>
+                          <a:spcPts val="0"/>
+                        </a:spcAft>
+                      </a:pPr>
+                      <a:r>
+                        <a:rPr lang="en-US" sz="1100">
+                          <a:effectLst/>
+                        </a:rPr>
+                        <a:t>-40°C</a:t>
+                      </a:r>
+                      <a:endParaRPr lang="en-US" sz="1100">
+                        <a:effectLst/>
+                        <a:latin typeface="Times New Roman" panose="02020603050405020304" pitchFamily="18" charset="0"/>
+                        <a:ea typeface="Calibri" panose="020F0502020204030204" pitchFamily="34" charset="0"/>
+                        <a:cs typeface="Arial" panose="020B0604020202020204" pitchFamily="34" charset="0"/>
+                      </a:endParaRPr>
+                    </a:p>
+                  </a:txBody>
+                  <a:tcPr marL="65637" marR="65637" marT="0" marB="0"/>
+                </a:tc>
+                <a:extLst>
+                  <a:ext uri="{0D108BD9-81ED-4DB2-BD59-A6C34878D82A}">
+                    <a16:rowId xmlns:a16="http://schemas.microsoft.com/office/drawing/2014/main" val="3689401865"/>
+                  </a:ext>
+                </a:extLst>
+              </a:tr>
+              <a:tr h="193873">
+                <a:tc gridSpan="2">
+                  <a:txBody>
+                    <a:bodyPr/>
+                    <a:lstStyle/>
+                    <a:p>
+                      <a:pPr marL="0" marR="0" algn="just">
+                        <a:lnSpc>
+                          <a:spcPct val="107000"/>
+                        </a:lnSpc>
+                        <a:spcBef>
+                          <a:spcPts val="0"/>
+                        </a:spcBef>
+                        <a:spcAft>
+                          <a:spcPts val="0"/>
+                        </a:spcAft>
+                      </a:pPr>
+                      <a:r>
+                        <a:rPr lang="en-US" sz="1100">
+                          <a:effectLst/>
+                        </a:rPr>
+                        <a:t>Reflector</a:t>
+                      </a:r>
+                      <a:endParaRPr lang="en-US" sz="1100">
+                        <a:effectLst/>
+                        <a:latin typeface="Times New Roman" panose="02020603050405020304" pitchFamily="18" charset="0"/>
+                        <a:ea typeface="Calibri" panose="020F0502020204030204" pitchFamily="34" charset="0"/>
+                        <a:cs typeface="Arial" panose="020B0604020202020204" pitchFamily="34" charset="0"/>
+                      </a:endParaRPr>
+                    </a:p>
+                  </a:txBody>
+                  <a:tcPr marL="65637" marR="65637" marT="0" marB="0"/>
+                </a:tc>
+                <a:tc hMerge="1">
+                  <a:txBody>
+                    <a:bodyPr/>
+                    <a:lstStyle/>
+                    <a:p>
+                      <a:endParaRPr lang="en-US"/>
+                    </a:p>
+                  </a:txBody>
+                  <a:tcPr/>
+                </a:tc>
+                <a:extLst>
+                  <a:ext uri="{0D108BD9-81ED-4DB2-BD59-A6C34878D82A}">
+                    <a16:rowId xmlns:a16="http://schemas.microsoft.com/office/drawing/2014/main" val="2312720248"/>
+                  </a:ext>
+                </a:extLst>
+              </a:tr>
+              <a:tr h="193873">
+                <a:tc>
+                  <a:txBody>
+                    <a:bodyPr/>
+                    <a:lstStyle/>
+                    <a:p>
+                      <a:pPr marL="0" marR="0" algn="just">
+                        <a:lnSpc>
+                          <a:spcPct val="107000"/>
+                        </a:lnSpc>
+                        <a:spcBef>
+                          <a:spcPts val="0"/>
+                        </a:spcBef>
+                        <a:spcAft>
+                          <a:spcPts val="0"/>
+                        </a:spcAft>
+                      </a:pPr>
+                      <a:r>
+                        <a:rPr lang="en-US" sz="1100">
+                          <a:effectLst/>
+                        </a:rPr>
+                        <a:t>Minimum size</a:t>
+                      </a:r>
+                      <a:endParaRPr lang="en-US" sz="1100">
+                        <a:effectLst/>
+                        <a:latin typeface="Times New Roman" panose="02020603050405020304" pitchFamily="18" charset="0"/>
+                        <a:ea typeface="Calibri" panose="020F0502020204030204" pitchFamily="34" charset="0"/>
+                        <a:cs typeface="Arial" panose="020B0604020202020204" pitchFamily="34" charset="0"/>
+                      </a:endParaRPr>
+                    </a:p>
+                  </a:txBody>
+                  <a:tcPr marL="65637" marR="65637" marT="0" marB="0"/>
+                </a:tc>
+                <a:tc>
+                  <a:txBody>
+                    <a:bodyPr/>
+                    <a:lstStyle/>
+                    <a:p>
+                      <a:pPr marL="0" marR="0" algn="just">
+                        <a:lnSpc>
+                          <a:spcPct val="107000"/>
+                        </a:lnSpc>
+                        <a:spcBef>
+                          <a:spcPts val="0"/>
+                        </a:spcBef>
+                        <a:spcAft>
+                          <a:spcPts val="0"/>
+                        </a:spcAft>
+                      </a:pPr>
+                      <a:r>
+                        <a:rPr lang="en-US" sz="1100">
+                          <a:effectLst/>
+                        </a:rPr>
+                        <a:t>1ft diameter</a:t>
+                      </a:r>
+                      <a:endParaRPr lang="en-US" sz="1100">
+                        <a:effectLst/>
+                        <a:latin typeface="Times New Roman" panose="02020603050405020304" pitchFamily="18" charset="0"/>
+                        <a:ea typeface="Calibri" panose="020F0502020204030204" pitchFamily="34" charset="0"/>
+                        <a:cs typeface="Arial" panose="020B0604020202020204" pitchFamily="34" charset="0"/>
+                      </a:endParaRPr>
+                    </a:p>
+                  </a:txBody>
+                  <a:tcPr marL="65637" marR="65637" marT="0" marB="0"/>
+                </a:tc>
+                <a:extLst>
+                  <a:ext uri="{0D108BD9-81ED-4DB2-BD59-A6C34878D82A}">
+                    <a16:rowId xmlns:a16="http://schemas.microsoft.com/office/drawing/2014/main" val="2925681089"/>
+                  </a:ext>
+                </a:extLst>
+              </a:tr>
+              <a:tr h="193873">
+                <a:tc>
+                  <a:txBody>
+                    <a:bodyPr/>
+                    <a:lstStyle/>
+                    <a:p>
+                      <a:pPr marL="0" marR="0" algn="just">
+                        <a:lnSpc>
+                          <a:spcPct val="107000"/>
+                        </a:lnSpc>
+                        <a:spcBef>
+                          <a:spcPts val="0"/>
+                        </a:spcBef>
+                        <a:spcAft>
+                          <a:spcPts val="0"/>
+                        </a:spcAft>
+                      </a:pPr>
+                      <a:r>
+                        <a:rPr lang="en-US" sz="1100">
+                          <a:effectLst/>
+                        </a:rPr>
+                        <a:t>Maximum size</a:t>
+                      </a:r>
+                      <a:endParaRPr lang="en-US" sz="1100">
+                        <a:effectLst/>
+                        <a:latin typeface="Times New Roman" panose="02020603050405020304" pitchFamily="18" charset="0"/>
+                        <a:ea typeface="Calibri" panose="020F0502020204030204" pitchFamily="34" charset="0"/>
+                        <a:cs typeface="Arial" panose="020B0604020202020204" pitchFamily="34" charset="0"/>
+                      </a:endParaRPr>
+                    </a:p>
+                  </a:txBody>
+                  <a:tcPr marL="65637" marR="65637" marT="0" marB="0"/>
+                </a:tc>
+                <a:tc>
+                  <a:txBody>
+                    <a:bodyPr/>
+                    <a:lstStyle/>
+                    <a:p>
+                      <a:pPr marL="0" marR="0" algn="just">
+                        <a:lnSpc>
+                          <a:spcPct val="107000"/>
+                        </a:lnSpc>
+                        <a:spcBef>
+                          <a:spcPts val="0"/>
+                        </a:spcBef>
+                        <a:spcAft>
+                          <a:spcPts val="0"/>
+                        </a:spcAft>
+                      </a:pPr>
+                      <a:r>
+                        <a:rPr lang="en-US" sz="1100">
+                          <a:effectLst/>
+                        </a:rPr>
+                        <a:t>5ft diameter</a:t>
+                      </a:r>
+                      <a:endParaRPr lang="en-US" sz="1100">
+                        <a:effectLst/>
+                        <a:latin typeface="Times New Roman" panose="02020603050405020304" pitchFamily="18" charset="0"/>
+                        <a:ea typeface="Calibri" panose="020F0502020204030204" pitchFamily="34" charset="0"/>
+                        <a:cs typeface="Arial" panose="020B0604020202020204" pitchFamily="34" charset="0"/>
+                      </a:endParaRPr>
+                    </a:p>
+                  </a:txBody>
+                  <a:tcPr marL="65637" marR="65637" marT="0" marB="0"/>
+                </a:tc>
+                <a:extLst>
+                  <a:ext uri="{0D108BD9-81ED-4DB2-BD59-A6C34878D82A}">
+                    <a16:rowId xmlns:a16="http://schemas.microsoft.com/office/drawing/2014/main" val="1797193352"/>
+                  </a:ext>
+                </a:extLst>
+              </a:tr>
+              <a:tr h="193873">
+                <a:tc>
+                  <a:txBody>
+                    <a:bodyPr/>
+                    <a:lstStyle/>
+                    <a:p>
+                      <a:pPr marL="0" marR="0" algn="just">
+                        <a:lnSpc>
+                          <a:spcPct val="107000"/>
+                        </a:lnSpc>
+                        <a:spcBef>
+                          <a:spcPts val="0"/>
+                        </a:spcBef>
+                        <a:spcAft>
+                          <a:spcPts val="0"/>
+                        </a:spcAft>
+                      </a:pPr>
+                      <a:r>
+                        <a:rPr lang="en-US" sz="1100">
+                          <a:effectLst/>
+                        </a:rPr>
+                        <a:t>Maximum Weight</a:t>
+                      </a:r>
+                      <a:endParaRPr lang="en-US" sz="1100">
+                        <a:effectLst/>
+                        <a:latin typeface="Times New Roman" panose="02020603050405020304" pitchFamily="18" charset="0"/>
+                        <a:ea typeface="Calibri" panose="020F0502020204030204" pitchFamily="34" charset="0"/>
+                        <a:cs typeface="Arial" panose="020B0604020202020204" pitchFamily="34" charset="0"/>
+                      </a:endParaRPr>
+                    </a:p>
+                  </a:txBody>
+                  <a:tcPr marL="65637" marR="65637" marT="0" marB="0"/>
+                </a:tc>
+                <a:tc>
+                  <a:txBody>
+                    <a:bodyPr/>
+                    <a:lstStyle/>
+                    <a:p>
+                      <a:pPr marL="0" marR="0" algn="just">
+                        <a:lnSpc>
+                          <a:spcPct val="107000"/>
+                        </a:lnSpc>
+                        <a:spcBef>
+                          <a:spcPts val="0"/>
+                        </a:spcBef>
+                        <a:spcAft>
+                          <a:spcPts val="0"/>
+                        </a:spcAft>
+                      </a:pPr>
+                      <a:r>
+                        <a:rPr lang="en-US" sz="1100">
+                          <a:effectLst/>
+                        </a:rPr>
+                        <a:t>9kgs</a:t>
+                      </a:r>
+                      <a:endParaRPr lang="en-US" sz="1100">
+                        <a:effectLst/>
+                        <a:latin typeface="Times New Roman" panose="02020603050405020304" pitchFamily="18" charset="0"/>
+                        <a:ea typeface="Calibri" panose="020F0502020204030204" pitchFamily="34" charset="0"/>
+                        <a:cs typeface="Arial" panose="020B0604020202020204" pitchFamily="34" charset="0"/>
+                      </a:endParaRPr>
+                    </a:p>
+                  </a:txBody>
+                  <a:tcPr marL="65637" marR="65637" marT="0" marB="0"/>
+                </a:tc>
+                <a:extLst>
+                  <a:ext uri="{0D108BD9-81ED-4DB2-BD59-A6C34878D82A}">
+                    <a16:rowId xmlns:a16="http://schemas.microsoft.com/office/drawing/2014/main" val="616179608"/>
+                  </a:ext>
+                </a:extLst>
+              </a:tr>
+              <a:tr h="193873">
+                <a:tc>
+                  <a:txBody>
+                    <a:bodyPr/>
+                    <a:lstStyle/>
+                    <a:p>
+                      <a:pPr marL="0" marR="0" algn="just">
+                        <a:lnSpc>
+                          <a:spcPct val="107000"/>
+                        </a:lnSpc>
+                        <a:spcBef>
+                          <a:spcPts val="0"/>
+                        </a:spcBef>
+                        <a:spcAft>
+                          <a:spcPts val="0"/>
+                        </a:spcAft>
+                      </a:pPr>
+                      <a:r>
+                        <a:rPr lang="en-US" sz="1100">
+                          <a:effectLst/>
+                        </a:rPr>
+                        <a:t>Minimum Reflectivity</a:t>
+                      </a:r>
+                      <a:endParaRPr lang="en-US" sz="1100">
+                        <a:effectLst/>
+                        <a:latin typeface="Times New Roman" panose="02020603050405020304" pitchFamily="18" charset="0"/>
+                        <a:ea typeface="Calibri" panose="020F0502020204030204" pitchFamily="34" charset="0"/>
+                        <a:cs typeface="Arial" panose="020B0604020202020204" pitchFamily="34" charset="0"/>
+                      </a:endParaRPr>
+                    </a:p>
+                  </a:txBody>
+                  <a:tcPr marL="65637" marR="65637" marT="0" marB="0"/>
+                </a:tc>
+                <a:tc>
+                  <a:txBody>
+                    <a:bodyPr/>
+                    <a:lstStyle/>
+                    <a:p>
+                      <a:pPr marL="0" marR="0" algn="just">
+                        <a:lnSpc>
+                          <a:spcPct val="107000"/>
+                        </a:lnSpc>
+                        <a:spcBef>
+                          <a:spcPts val="0"/>
+                        </a:spcBef>
+                        <a:spcAft>
+                          <a:spcPts val="0"/>
+                        </a:spcAft>
+                      </a:pPr>
+                      <a:r>
+                        <a:rPr lang="en-US" sz="1100">
+                          <a:effectLst/>
+                        </a:rPr>
+                        <a:t>90%</a:t>
+                      </a:r>
+                      <a:endParaRPr lang="en-US" sz="1100">
+                        <a:effectLst/>
+                        <a:latin typeface="Times New Roman" panose="02020603050405020304" pitchFamily="18" charset="0"/>
+                        <a:ea typeface="Calibri" panose="020F0502020204030204" pitchFamily="34" charset="0"/>
+                        <a:cs typeface="Arial" panose="020B0604020202020204" pitchFamily="34" charset="0"/>
+                      </a:endParaRPr>
+                    </a:p>
+                  </a:txBody>
+                  <a:tcPr marL="65637" marR="65637" marT="0" marB="0"/>
+                </a:tc>
+                <a:extLst>
+                  <a:ext uri="{0D108BD9-81ED-4DB2-BD59-A6C34878D82A}">
+                    <a16:rowId xmlns:a16="http://schemas.microsoft.com/office/drawing/2014/main" val="1574461026"/>
+                  </a:ext>
+                </a:extLst>
+              </a:tr>
+              <a:tr h="193873">
+                <a:tc>
+                  <a:txBody>
+                    <a:bodyPr/>
+                    <a:lstStyle/>
+                    <a:p>
+                      <a:pPr marL="0" marR="0" algn="just">
+                        <a:lnSpc>
+                          <a:spcPct val="107000"/>
+                        </a:lnSpc>
+                        <a:spcBef>
+                          <a:spcPts val="0"/>
+                        </a:spcBef>
+                        <a:spcAft>
+                          <a:spcPts val="0"/>
+                        </a:spcAft>
+                      </a:pPr>
+                      <a:r>
+                        <a:rPr lang="en-US" sz="1100">
+                          <a:effectLst/>
+                          <a:highlight>
+                            <a:srgbClr val="FFFF00"/>
+                          </a:highlight>
+                        </a:rPr>
+                        <a:t>Response Time</a:t>
+                      </a:r>
+                      <a:endParaRPr lang="en-US" sz="1100">
+                        <a:effectLst/>
+                        <a:latin typeface="Times New Roman" panose="02020603050405020304" pitchFamily="18" charset="0"/>
+                        <a:ea typeface="Calibri" panose="020F0502020204030204" pitchFamily="34" charset="0"/>
+                        <a:cs typeface="Arial" panose="020B0604020202020204" pitchFamily="34" charset="0"/>
+                      </a:endParaRPr>
+                    </a:p>
+                  </a:txBody>
+                  <a:tcPr marL="65637" marR="65637" marT="0" marB="0"/>
+                </a:tc>
+                <a:tc>
+                  <a:txBody>
+                    <a:bodyPr/>
+                    <a:lstStyle/>
+                    <a:p>
+                      <a:pPr marL="0" marR="0" algn="just">
+                        <a:lnSpc>
+                          <a:spcPct val="107000"/>
+                        </a:lnSpc>
+                        <a:spcBef>
+                          <a:spcPts val="0"/>
+                        </a:spcBef>
+                        <a:spcAft>
+                          <a:spcPts val="0"/>
+                        </a:spcAft>
+                      </a:pPr>
+                      <a:r>
+                        <a:rPr lang="en-US" sz="1100">
+                          <a:effectLst/>
+                          <a:highlight>
+                            <a:srgbClr val="FFFF00"/>
+                          </a:highlight>
+                        </a:rPr>
+                        <a:t>3 minutes</a:t>
+                      </a:r>
+                      <a:endParaRPr lang="en-US" sz="1100">
+                        <a:effectLst/>
+                        <a:latin typeface="Times New Roman" panose="02020603050405020304" pitchFamily="18" charset="0"/>
+                        <a:ea typeface="Calibri" panose="020F0502020204030204" pitchFamily="34" charset="0"/>
+                        <a:cs typeface="Arial" panose="020B0604020202020204" pitchFamily="34" charset="0"/>
+                      </a:endParaRPr>
+                    </a:p>
+                  </a:txBody>
+                  <a:tcPr marL="65637" marR="65637" marT="0" marB="0"/>
+                </a:tc>
+                <a:extLst>
+                  <a:ext uri="{0D108BD9-81ED-4DB2-BD59-A6C34878D82A}">
+                    <a16:rowId xmlns:a16="http://schemas.microsoft.com/office/drawing/2014/main" val="1158482723"/>
+                  </a:ext>
+                </a:extLst>
+              </a:tr>
+              <a:tr h="193873">
+                <a:tc gridSpan="2">
+                  <a:txBody>
+                    <a:bodyPr/>
+                    <a:lstStyle/>
+                    <a:p>
+                      <a:pPr marL="0" marR="0" algn="just">
+                        <a:lnSpc>
+                          <a:spcPct val="107000"/>
+                        </a:lnSpc>
+                        <a:spcBef>
+                          <a:spcPts val="0"/>
+                        </a:spcBef>
+                        <a:spcAft>
+                          <a:spcPts val="0"/>
+                        </a:spcAft>
+                      </a:pPr>
+                      <a:r>
+                        <a:rPr lang="en-US" sz="1100">
+                          <a:effectLst/>
+                        </a:rPr>
+                        <a:t>Tower Frame</a:t>
+                      </a:r>
+                      <a:endParaRPr lang="en-US" sz="1100">
+                        <a:effectLst/>
+                        <a:latin typeface="Times New Roman" panose="02020603050405020304" pitchFamily="18" charset="0"/>
+                        <a:ea typeface="Calibri" panose="020F0502020204030204" pitchFamily="34" charset="0"/>
+                        <a:cs typeface="Arial" panose="020B0604020202020204" pitchFamily="34" charset="0"/>
+                      </a:endParaRPr>
+                    </a:p>
+                  </a:txBody>
+                  <a:tcPr marL="65637" marR="65637" marT="0" marB="0"/>
+                </a:tc>
+                <a:tc hMerge="1">
+                  <a:txBody>
+                    <a:bodyPr/>
+                    <a:lstStyle/>
+                    <a:p>
+                      <a:endParaRPr lang="en-US"/>
+                    </a:p>
+                  </a:txBody>
+                  <a:tcPr/>
+                </a:tc>
+                <a:extLst>
+                  <a:ext uri="{0D108BD9-81ED-4DB2-BD59-A6C34878D82A}">
+                    <a16:rowId xmlns:a16="http://schemas.microsoft.com/office/drawing/2014/main" val="1158727928"/>
+                  </a:ext>
+                </a:extLst>
+              </a:tr>
+              <a:tr h="193873">
+                <a:tc>
+                  <a:txBody>
+                    <a:bodyPr/>
+                    <a:lstStyle/>
+                    <a:p>
+                      <a:pPr marL="0" marR="0" algn="just">
+                        <a:lnSpc>
+                          <a:spcPct val="107000"/>
+                        </a:lnSpc>
+                        <a:spcBef>
+                          <a:spcPts val="0"/>
+                        </a:spcBef>
+                        <a:spcAft>
+                          <a:spcPts val="0"/>
+                        </a:spcAft>
+                      </a:pPr>
+                      <a:r>
+                        <a:rPr lang="en-US" sz="1100">
+                          <a:effectLst/>
+                        </a:rPr>
+                        <a:t>Maximum total weight</a:t>
+                      </a:r>
+                      <a:endParaRPr lang="en-US" sz="1100">
+                        <a:effectLst/>
+                        <a:latin typeface="Times New Roman" panose="02020603050405020304" pitchFamily="18" charset="0"/>
+                        <a:ea typeface="Calibri" panose="020F0502020204030204" pitchFamily="34" charset="0"/>
+                        <a:cs typeface="Arial" panose="020B0604020202020204" pitchFamily="34" charset="0"/>
+                      </a:endParaRPr>
+                    </a:p>
+                  </a:txBody>
+                  <a:tcPr marL="65637" marR="65637" marT="0" marB="0"/>
+                </a:tc>
+                <a:tc>
+                  <a:txBody>
+                    <a:bodyPr/>
+                    <a:lstStyle/>
+                    <a:p>
+                      <a:pPr marL="0" marR="0" algn="just">
+                        <a:lnSpc>
+                          <a:spcPct val="107000"/>
+                        </a:lnSpc>
+                        <a:spcBef>
+                          <a:spcPts val="0"/>
+                        </a:spcBef>
+                        <a:spcAft>
+                          <a:spcPts val="0"/>
+                        </a:spcAft>
+                      </a:pPr>
+                      <a:r>
+                        <a:rPr lang="en-US" sz="1100">
+                          <a:effectLst/>
+                        </a:rPr>
+                        <a:t>27kgs</a:t>
+                      </a:r>
+                      <a:endParaRPr lang="en-US" sz="1100">
+                        <a:effectLst/>
+                        <a:latin typeface="Times New Roman" panose="02020603050405020304" pitchFamily="18" charset="0"/>
+                        <a:ea typeface="Calibri" panose="020F0502020204030204" pitchFamily="34" charset="0"/>
+                        <a:cs typeface="Arial" panose="020B0604020202020204" pitchFamily="34" charset="0"/>
+                      </a:endParaRPr>
+                    </a:p>
+                  </a:txBody>
+                  <a:tcPr marL="65637" marR="65637" marT="0" marB="0"/>
+                </a:tc>
+                <a:extLst>
+                  <a:ext uri="{0D108BD9-81ED-4DB2-BD59-A6C34878D82A}">
+                    <a16:rowId xmlns:a16="http://schemas.microsoft.com/office/drawing/2014/main" val="1038004746"/>
+                  </a:ext>
+                </a:extLst>
+              </a:tr>
+              <a:tr h="193873">
+                <a:tc>
+                  <a:txBody>
+                    <a:bodyPr/>
+                    <a:lstStyle/>
+                    <a:p>
+                      <a:pPr marL="0" marR="0" algn="just">
+                        <a:lnSpc>
+                          <a:spcPct val="107000"/>
+                        </a:lnSpc>
+                        <a:spcBef>
+                          <a:spcPts val="0"/>
+                        </a:spcBef>
+                        <a:spcAft>
+                          <a:spcPts val="0"/>
+                        </a:spcAft>
+                      </a:pPr>
+                      <a:r>
+                        <a:rPr lang="en-US" sz="1100">
+                          <a:effectLst/>
+                        </a:rPr>
+                        <a:t>Minimum Weight Capacity</a:t>
+                      </a:r>
+                      <a:endParaRPr lang="en-US" sz="1100">
+                        <a:effectLst/>
+                        <a:latin typeface="Times New Roman" panose="02020603050405020304" pitchFamily="18" charset="0"/>
+                        <a:ea typeface="Calibri" panose="020F0502020204030204" pitchFamily="34" charset="0"/>
+                        <a:cs typeface="Arial" panose="020B0604020202020204" pitchFamily="34" charset="0"/>
+                      </a:endParaRPr>
+                    </a:p>
+                  </a:txBody>
+                  <a:tcPr marL="65637" marR="65637" marT="0" marB="0"/>
+                </a:tc>
+                <a:tc>
+                  <a:txBody>
+                    <a:bodyPr/>
+                    <a:lstStyle/>
+                    <a:p>
+                      <a:pPr marL="0" marR="0" algn="just">
+                        <a:lnSpc>
+                          <a:spcPct val="107000"/>
+                        </a:lnSpc>
+                        <a:spcBef>
+                          <a:spcPts val="0"/>
+                        </a:spcBef>
+                        <a:spcAft>
+                          <a:spcPts val="0"/>
+                        </a:spcAft>
+                      </a:pPr>
+                      <a:r>
+                        <a:rPr lang="en-US" sz="1100">
+                          <a:effectLst/>
+                        </a:rPr>
+                        <a:t>10kgs</a:t>
+                      </a:r>
+                      <a:endParaRPr lang="en-US" sz="1100">
+                        <a:effectLst/>
+                        <a:latin typeface="Times New Roman" panose="02020603050405020304" pitchFamily="18" charset="0"/>
+                        <a:ea typeface="Calibri" panose="020F0502020204030204" pitchFamily="34" charset="0"/>
+                        <a:cs typeface="Arial" panose="020B0604020202020204" pitchFamily="34" charset="0"/>
+                      </a:endParaRPr>
+                    </a:p>
+                  </a:txBody>
+                  <a:tcPr marL="65637" marR="65637" marT="0" marB="0"/>
+                </a:tc>
+                <a:extLst>
+                  <a:ext uri="{0D108BD9-81ED-4DB2-BD59-A6C34878D82A}">
+                    <a16:rowId xmlns:a16="http://schemas.microsoft.com/office/drawing/2014/main" val="983359227"/>
+                  </a:ext>
+                </a:extLst>
+              </a:tr>
+              <a:tr h="193873">
+                <a:tc gridSpan="2">
+                  <a:txBody>
+                    <a:bodyPr/>
+                    <a:lstStyle/>
+                    <a:p>
+                      <a:pPr marL="0" marR="0" algn="just">
+                        <a:lnSpc>
+                          <a:spcPct val="107000"/>
+                        </a:lnSpc>
+                        <a:spcBef>
+                          <a:spcPts val="0"/>
+                        </a:spcBef>
+                        <a:spcAft>
+                          <a:spcPts val="0"/>
+                        </a:spcAft>
+                      </a:pPr>
+                      <a:r>
+                        <a:rPr lang="en-US" sz="1100">
+                          <a:effectLst/>
+                        </a:rPr>
+                        <a:t>Solar Panel</a:t>
+                      </a:r>
+                      <a:endParaRPr lang="en-US" sz="1100">
+                        <a:effectLst/>
+                        <a:latin typeface="Times New Roman" panose="02020603050405020304" pitchFamily="18" charset="0"/>
+                        <a:ea typeface="Calibri" panose="020F0502020204030204" pitchFamily="34" charset="0"/>
+                        <a:cs typeface="Arial" panose="020B0604020202020204" pitchFamily="34" charset="0"/>
+                      </a:endParaRPr>
+                    </a:p>
+                  </a:txBody>
+                  <a:tcPr marL="65637" marR="65637" marT="0" marB="0"/>
+                </a:tc>
+                <a:tc hMerge="1">
+                  <a:txBody>
+                    <a:bodyPr/>
+                    <a:lstStyle/>
+                    <a:p>
+                      <a:endParaRPr lang="en-US"/>
+                    </a:p>
+                  </a:txBody>
+                  <a:tcPr/>
+                </a:tc>
+                <a:extLst>
+                  <a:ext uri="{0D108BD9-81ED-4DB2-BD59-A6C34878D82A}">
+                    <a16:rowId xmlns:a16="http://schemas.microsoft.com/office/drawing/2014/main" val="3974898396"/>
+                  </a:ext>
+                </a:extLst>
+              </a:tr>
+              <a:tr h="193873">
+                <a:tc>
+                  <a:txBody>
+                    <a:bodyPr/>
+                    <a:lstStyle/>
+                    <a:p>
+                      <a:pPr marL="0" marR="0" algn="just">
+                        <a:lnSpc>
+                          <a:spcPct val="107000"/>
+                        </a:lnSpc>
+                        <a:spcBef>
+                          <a:spcPts val="0"/>
+                        </a:spcBef>
+                        <a:spcAft>
+                          <a:spcPts val="0"/>
+                        </a:spcAft>
+                      </a:pPr>
+                      <a:r>
+                        <a:rPr lang="en-US" sz="1100">
+                          <a:effectLst/>
+                          <a:highlight>
+                            <a:srgbClr val="FFFF00"/>
+                          </a:highlight>
+                        </a:rPr>
+                        <a:t>Minimum Power</a:t>
+                      </a:r>
+                      <a:endParaRPr lang="en-US" sz="1100">
+                        <a:effectLst/>
+                        <a:latin typeface="Times New Roman" panose="02020603050405020304" pitchFamily="18" charset="0"/>
+                        <a:ea typeface="Calibri" panose="020F0502020204030204" pitchFamily="34" charset="0"/>
+                        <a:cs typeface="Arial" panose="020B0604020202020204" pitchFamily="34" charset="0"/>
+                      </a:endParaRPr>
+                    </a:p>
+                  </a:txBody>
+                  <a:tcPr marL="65637" marR="65637" marT="0" marB="0"/>
+                </a:tc>
+                <a:tc>
+                  <a:txBody>
+                    <a:bodyPr/>
+                    <a:lstStyle/>
+                    <a:p>
+                      <a:pPr marL="0" marR="0" algn="just">
+                        <a:lnSpc>
+                          <a:spcPct val="107000"/>
+                        </a:lnSpc>
+                        <a:spcBef>
+                          <a:spcPts val="0"/>
+                        </a:spcBef>
+                        <a:spcAft>
+                          <a:spcPts val="0"/>
+                        </a:spcAft>
+                      </a:pPr>
+                      <a:r>
+                        <a:rPr lang="en-US" sz="1100">
+                          <a:effectLst/>
+                          <a:highlight>
+                            <a:srgbClr val="FFFF00"/>
+                          </a:highlight>
+                        </a:rPr>
+                        <a:t>30W during sunlight hours</a:t>
+                      </a:r>
+                      <a:endParaRPr lang="en-US" sz="1100">
+                        <a:effectLst/>
+                        <a:latin typeface="Times New Roman" panose="02020603050405020304" pitchFamily="18" charset="0"/>
+                        <a:ea typeface="Calibri" panose="020F0502020204030204" pitchFamily="34" charset="0"/>
+                        <a:cs typeface="Arial" panose="020B0604020202020204" pitchFamily="34" charset="0"/>
+                      </a:endParaRPr>
+                    </a:p>
+                  </a:txBody>
+                  <a:tcPr marL="65637" marR="65637" marT="0" marB="0"/>
+                </a:tc>
+                <a:extLst>
+                  <a:ext uri="{0D108BD9-81ED-4DB2-BD59-A6C34878D82A}">
+                    <a16:rowId xmlns:a16="http://schemas.microsoft.com/office/drawing/2014/main" val="3872661731"/>
+                  </a:ext>
+                </a:extLst>
+              </a:tr>
+              <a:tr h="193873">
+                <a:tc>
+                  <a:txBody>
+                    <a:bodyPr/>
+                    <a:lstStyle/>
+                    <a:p>
+                      <a:pPr marL="0" marR="0" algn="just">
+                        <a:lnSpc>
+                          <a:spcPct val="107000"/>
+                        </a:lnSpc>
+                        <a:spcBef>
+                          <a:spcPts val="0"/>
+                        </a:spcBef>
+                        <a:spcAft>
+                          <a:spcPts val="0"/>
+                        </a:spcAft>
+                      </a:pPr>
+                      <a:r>
+                        <a:rPr lang="en-US" sz="1100">
+                          <a:effectLst/>
+                        </a:rPr>
+                        <a:t>Maximum Voltage</a:t>
+                      </a:r>
+                      <a:endParaRPr lang="en-US" sz="1100">
+                        <a:effectLst/>
+                        <a:latin typeface="Times New Roman" panose="02020603050405020304" pitchFamily="18" charset="0"/>
+                        <a:ea typeface="Calibri" panose="020F0502020204030204" pitchFamily="34" charset="0"/>
+                        <a:cs typeface="Arial" panose="020B0604020202020204" pitchFamily="34" charset="0"/>
+                      </a:endParaRPr>
+                    </a:p>
+                  </a:txBody>
+                  <a:tcPr marL="65637" marR="65637" marT="0" marB="0"/>
+                </a:tc>
+                <a:tc>
+                  <a:txBody>
+                    <a:bodyPr/>
+                    <a:lstStyle/>
+                    <a:p>
+                      <a:pPr marL="0" marR="0" algn="just">
+                        <a:lnSpc>
+                          <a:spcPct val="107000"/>
+                        </a:lnSpc>
+                        <a:spcBef>
+                          <a:spcPts val="0"/>
+                        </a:spcBef>
+                        <a:spcAft>
+                          <a:spcPts val="0"/>
+                        </a:spcAft>
+                      </a:pPr>
+                      <a:r>
+                        <a:rPr lang="en-US" sz="1100">
+                          <a:effectLst/>
+                        </a:rPr>
+                        <a:t>24V</a:t>
+                      </a:r>
+                      <a:endParaRPr lang="en-US" sz="1100">
+                        <a:effectLst/>
+                        <a:latin typeface="Times New Roman" panose="02020603050405020304" pitchFamily="18" charset="0"/>
+                        <a:ea typeface="Calibri" panose="020F0502020204030204" pitchFamily="34" charset="0"/>
+                        <a:cs typeface="Arial" panose="020B0604020202020204" pitchFamily="34" charset="0"/>
+                      </a:endParaRPr>
+                    </a:p>
+                  </a:txBody>
+                  <a:tcPr marL="65637" marR="65637" marT="0" marB="0"/>
+                </a:tc>
+                <a:extLst>
+                  <a:ext uri="{0D108BD9-81ED-4DB2-BD59-A6C34878D82A}">
+                    <a16:rowId xmlns:a16="http://schemas.microsoft.com/office/drawing/2014/main" val="2395648349"/>
+                  </a:ext>
+                </a:extLst>
+              </a:tr>
+              <a:tr h="193873">
+                <a:tc gridSpan="2">
+                  <a:txBody>
+                    <a:bodyPr/>
+                    <a:lstStyle/>
+                    <a:p>
+                      <a:pPr marL="0" marR="0" algn="just">
+                        <a:lnSpc>
+                          <a:spcPct val="107000"/>
+                        </a:lnSpc>
+                        <a:spcBef>
+                          <a:spcPts val="0"/>
+                        </a:spcBef>
+                        <a:spcAft>
+                          <a:spcPts val="0"/>
+                        </a:spcAft>
+                      </a:pPr>
+                      <a:r>
+                        <a:rPr lang="en-US" sz="1100">
+                          <a:effectLst/>
+                        </a:rPr>
+                        <a:t>Battery</a:t>
+                      </a:r>
+                      <a:endParaRPr lang="en-US" sz="1100">
+                        <a:effectLst/>
+                        <a:latin typeface="Times New Roman" panose="02020603050405020304" pitchFamily="18" charset="0"/>
+                        <a:ea typeface="Calibri" panose="020F0502020204030204" pitchFamily="34" charset="0"/>
+                        <a:cs typeface="Arial" panose="020B0604020202020204" pitchFamily="34" charset="0"/>
+                      </a:endParaRPr>
+                    </a:p>
+                  </a:txBody>
+                  <a:tcPr marL="65637" marR="65637" marT="0" marB="0"/>
+                </a:tc>
+                <a:tc hMerge="1">
+                  <a:txBody>
+                    <a:bodyPr/>
+                    <a:lstStyle/>
+                    <a:p>
+                      <a:endParaRPr lang="en-US"/>
+                    </a:p>
+                  </a:txBody>
+                  <a:tcPr/>
+                </a:tc>
+                <a:extLst>
+                  <a:ext uri="{0D108BD9-81ED-4DB2-BD59-A6C34878D82A}">
+                    <a16:rowId xmlns:a16="http://schemas.microsoft.com/office/drawing/2014/main" val="3997792834"/>
+                  </a:ext>
+                </a:extLst>
+              </a:tr>
+              <a:tr h="193873">
+                <a:tc>
+                  <a:txBody>
+                    <a:bodyPr/>
+                    <a:lstStyle/>
+                    <a:p>
+                      <a:pPr marL="0" marR="0" algn="just">
+                        <a:lnSpc>
+                          <a:spcPct val="107000"/>
+                        </a:lnSpc>
+                        <a:spcBef>
+                          <a:spcPts val="0"/>
+                        </a:spcBef>
+                        <a:spcAft>
+                          <a:spcPts val="0"/>
+                        </a:spcAft>
+                      </a:pPr>
+                      <a:r>
+                        <a:rPr lang="en-US" sz="1100">
+                          <a:effectLst/>
+                        </a:rPr>
+                        <a:t>Minimum Lifespan</a:t>
+                      </a:r>
+                      <a:endParaRPr lang="en-US" sz="1100">
+                        <a:effectLst/>
+                        <a:latin typeface="Times New Roman" panose="02020603050405020304" pitchFamily="18" charset="0"/>
+                        <a:ea typeface="Calibri" panose="020F0502020204030204" pitchFamily="34" charset="0"/>
+                        <a:cs typeface="Arial" panose="020B0604020202020204" pitchFamily="34" charset="0"/>
+                      </a:endParaRPr>
+                    </a:p>
+                  </a:txBody>
+                  <a:tcPr marL="65637" marR="65637" marT="0" marB="0"/>
+                </a:tc>
+                <a:tc>
+                  <a:txBody>
+                    <a:bodyPr/>
+                    <a:lstStyle/>
+                    <a:p>
+                      <a:pPr marL="0" marR="0" algn="just">
+                        <a:lnSpc>
+                          <a:spcPct val="107000"/>
+                        </a:lnSpc>
+                        <a:spcBef>
+                          <a:spcPts val="0"/>
+                        </a:spcBef>
+                        <a:spcAft>
+                          <a:spcPts val="0"/>
+                        </a:spcAft>
+                      </a:pPr>
+                      <a:r>
+                        <a:rPr lang="en-US" sz="1100" dirty="0">
+                          <a:effectLst/>
+                        </a:rPr>
+                        <a:t>2 weeks without sun</a:t>
+                      </a:r>
+                      <a:endParaRPr lang="en-US" sz="1100" dirty="0">
+                        <a:effectLst/>
+                        <a:latin typeface="Times New Roman" panose="02020603050405020304" pitchFamily="18" charset="0"/>
+                        <a:ea typeface="Calibri" panose="020F0502020204030204" pitchFamily="34" charset="0"/>
+                        <a:cs typeface="Arial" panose="020B0604020202020204" pitchFamily="34" charset="0"/>
+                      </a:endParaRPr>
+                    </a:p>
+                  </a:txBody>
+                  <a:tcPr marL="65637" marR="65637" marT="0" marB="0"/>
+                </a:tc>
+                <a:extLst>
+                  <a:ext uri="{0D108BD9-81ED-4DB2-BD59-A6C34878D82A}">
+                    <a16:rowId xmlns:a16="http://schemas.microsoft.com/office/drawing/2014/main" val="2350327639"/>
+                  </a:ext>
+                </a:extLst>
+              </a:tr>
+            </a:tbl>
+          </a:graphicData>
+        </a:graphic>
+      </p:graphicFrame>
+      <p:graphicFrame>
+        <p:nvGraphicFramePr>
+          <p:cNvPr id="8" name="Table 7">
+            <a:extLst>
+              <a:ext uri="{FF2B5EF4-FFF2-40B4-BE49-F238E27FC236}">
+                <a16:creationId xmlns:a16="http://schemas.microsoft.com/office/drawing/2014/main" id="{D812525B-997C-898B-3618-F835E35ABB87}"/>
+              </a:ext>
+            </a:extLst>
+          </p:cNvPr>
+          <p:cNvGraphicFramePr>
+            <a:graphicFrameLocks noGrp="1"/>
+          </p:cNvGraphicFramePr>
+          <p:nvPr>
+            <p:extLst>
+              <p:ext uri="{D42A27DB-BD31-4B8C-83A1-F6EECF244321}">
+                <p14:modId xmlns:p14="http://schemas.microsoft.com/office/powerpoint/2010/main" val="1922007400"/>
+              </p:ext>
+            </p:extLst>
+          </p:nvPr>
+        </p:nvGraphicFramePr>
+        <p:xfrm>
+          <a:off x="5578860" y="4527635"/>
+          <a:ext cx="5688574" cy="1860550"/>
+        </p:xfrm>
+        <a:graphic>
+          <a:graphicData uri="http://schemas.openxmlformats.org/drawingml/2006/table">
+            <a:tbl>
+              <a:tblPr firstRow="1" firstCol="1" bandRow="1">
+                <a:tableStyleId>{912C8C85-51F0-491E-9774-3900AFEF0FD7}</a:tableStyleId>
+              </a:tblPr>
+              <a:tblGrid>
+                <a:gridCol w="2424125">
+                  <a:extLst>
+                    <a:ext uri="{9D8B030D-6E8A-4147-A177-3AD203B41FA5}">
+                      <a16:colId xmlns:a16="http://schemas.microsoft.com/office/drawing/2014/main" val="987341245"/>
+                    </a:ext>
+                  </a:extLst>
+                </a:gridCol>
+                <a:gridCol w="3264449">
+                  <a:extLst>
+                    <a:ext uri="{9D8B030D-6E8A-4147-A177-3AD203B41FA5}">
+                      <a16:colId xmlns:a16="http://schemas.microsoft.com/office/drawing/2014/main" val="3173527061"/>
+                    </a:ext>
+                  </a:extLst>
+                </a:gridCol>
+              </a:tblGrid>
+              <a:tr h="119380">
+                <a:tc gridSpan="2">
+                  <a:txBody>
+                    <a:bodyPr/>
+                    <a:lstStyle/>
+                    <a:p>
+                      <a:pPr marL="0" marR="0" algn="ctr">
+                        <a:lnSpc>
+                          <a:spcPct val="107000"/>
+                        </a:lnSpc>
+                        <a:spcBef>
+                          <a:spcPts val="0"/>
+                        </a:spcBef>
+                        <a:spcAft>
+                          <a:spcPts val="0"/>
+                        </a:spcAft>
+                      </a:pPr>
+                      <a:r>
+                        <a:rPr lang="en-US" sz="1400" dirty="0">
+                          <a:effectLst/>
+                        </a:rPr>
+                        <a:t>Communication Tower</a:t>
+                      </a:r>
+                      <a:endParaRPr lang="en-US" sz="1400" dirty="0">
+                        <a:effectLst/>
+                        <a:latin typeface="Times New Roman" panose="02020603050405020304" pitchFamily="18" charset="0"/>
+                        <a:ea typeface="Calibri" panose="020F0502020204030204" pitchFamily="34" charset="0"/>
+                        <a:cs typeface="Arial" panose="020B0604020202020204" pitchFamily="34" charset="0"/>
+                      </a:endParaRPr>
+                    </a:p>
+                  </a:txBody>
+                  <a:tcPr marL="68580" marR="68580" marT="0" marB="0"/>
+                </a:tc>
+                <a:tc hMerge="1">
+                  <a:txBody>
+                    <a:bodyPr/>
+                    <a:lstStyle/>
+                    <a:p>
+                      <a:endParaRPr lang="en-US"/>
+                    </a:p>
+                  </a:txBody>
+                  <a:tcPr/>
+                </a:tc>
+                <a:extLst>
+                  <a:ext uri="{0D108BD9-81ED-4DB2-BD59-A6C34878D82A}">
+                    <a16:rowId xmlns:a16="http://schemas.microsoft.com/office/drawing/2014/main" val="2213344779"/>
+                  </a:ext>
+                </a:extLst>
+              </a:tr>
+              <a:tr h="119380">
+                <a:tc>
+                  <a:txBody>
+                    <a:bodyPr/>
+                    <a:lstStyle/>
+                    <a:p>
+                      <a:pPr marL="0" marR="0" algn="just">
+                        <a:lnSpc>
+                          <a:spcPct val="107000"/>
+                        </a:lnSpc>
+                        <a:spcBef>
+                          <a:spcPts val="0"/>
+                        </a:spcBef>
+                        <a:spcAft>
+                          <a:spcPts val="0"/>
+                        </a:spcAft>
+                      </a:pPr>
+                      <a:r>
+                        <a:rPr lang="en-US" sz="1200">
+                          <a:effectLst/>
+                        </a:rPr>
+                        <a:t>Minimum Enclosure Volume</a:t>
+                      </a:r>
+                      <a:endParaRPr lang="en-US" sz="1200">
+                        <a:effectLst/>
+                        <a:latin typeface="Times New Roman" panose="02020603050405020304" pitchFamily="18" charset="0"/>
+                        <a:ea typeface="Calibri" panose="020F0502020204030204" pitchFamily="34" charset="0"/>
+                        <a:cs typeface="Arial" panose="020B0604020202020204" pitchFamily="34" charset="0"/>
+                      </a:endParaRPr>
+                    </a:p>
+                  </a:txBody>
+                  <a:tcPr marL="68580" marR="68580" marT="0" marB="0"/>
+                </a:tc>
+                <a:tc>
+                  <a:txBody>
+                    <a:bodyPr/>
+                    <a:lstStyle/>
+                    <a:p>
+                      <a:pPr marL="0" marR="0" algn="just">
+                        <a:lnSpc>
+                          <a:spcPct val="107000"/>
+                        </a:lnSpc>
+                        <a:spcBef>
+                          <a:spcPts val="0"/>
+                        </a:spcBef>
+                        <a:spcAft>
+                          <a:spcPts val="0"/>
+                        </a:spcAft>
+                      </a:pPr>
+                      <a:r>
+                        <a:rPr lang="en-US" sz="1200">
+                          <a:effectLst/>
+                        </a:rPr>
+                        <a:t>6.5"x6.5"x5"</a:t>
+                      </a:r>
+                      <a:endParaRPr lang="en-US" sz="1200">
+                        <a:effectLst/>
+                        <a:latin typeface="Times New Roman" panose="02020603050405020304" pitchFamily="18" charset="0"/>
+                        <a:ea typeface="Calibri" panose="020F0502020204030204" pitchFamily="34" charset="0"/>
+                        <a:cs typeface="Arial" panose="020B0604020202020204" pitchFamily="34" charset="0"/>
+                      </a:endParaRPr>
+                    </a:p>
+                  </a:txBody>
+                  <a:tcPr marL="68580" marR="68580" marT="0" marB="0"/>
+                </a:tc>
+                <a:extLst>
+                  <a:ext uri="{0D108BD9-81ED-4DB2-BD59-A6C34878D82A}">
+                    <a16:rowId xmlns:a16="http://schemas.microsoft.com/office/drawing/2014/main" val="3326840614"/>
+                  </a:ext>
+                </a:extLst>
+              </a:tr>
+              <a:tr h="119380">
+                <a:tc>
+                  <a:txBody>
+                    <a:bodyPr/>
+                    <a:lstStyle/>
+                    <a:p>
+                      <a:pPr marL="0" marR="0" algn="just">
+                        <a:lnSpc>
+                          <a:spcPct val="107000"/>
+                        </a:lnSpc>
+                        <a:spcBef>
+                          <a:spcPts val="0"/>
+                        </a:spcBef>
+                        <a:spcAft>
+                          <a:spcPts val="0"/>
+                        </a:spcAft>
+                      </a:pPr>
+                      <a:r>
+                        <a:rPr lang="en-US" sz="1200">
+                          <a:effectLst/>
+                        </a:rPr>
+                        <a:t>Maximum Weight</a:t>
+                      </a:r>
+                      <a:endParaRPr lang="en-US" sz="1200">
+                        <a:effectLst/>
+                        <a:latin typeface="Times New Roman" panose="02020603050405020304" pitchFamily="18" charset="0"/>
+                        <a:ea typeface="Calibri" panose="020F0502020204030204" pitchFamily="34" charset="0"/>
+                        <a:cs typeface="Arial" panose="020B0604020202020204" pitchFamily="34" charset="0"/>
+                      </a:endParaRPr>
+                    </a:p>
+                  </a:txBody>
+                  <a:tcPr marL="68580" marR="68580" marT="0" marB="0"/>
+                </a:tc>
+                <a:tc>
+                  <a:txBody>
+                    <a:bodyPr/>
+                    <a:lstStyle/>
+                    <a:p>
+                      <a:pPr marL="0" marR="0" algn="just">
+                        <a:lnSpc>
+                          <a:spcPct val="107000"/>
+                        </a:lnSpc>
+                        <a:spcBef>
+                          <a:spcPts val="0"/>
+                        </a:spcBef>
+                        <a:spcAft>
+                          <a:spcPts val="0"/>
+                        </a:spcAft>
+                      </a:pPr>
+                      <a:r>
+                        <a:rPr lang="en-US" sz="1200">
+                          <a:effectLst/>
+                        </a:rPr>
+                        <a:t>2kg</a:t>
+                      </a:r>
+                      <a:endParaRPr lang="en-US" sz="1200">
+                        <a:effectLst/>
+                        <a:latin typeface="Times New Roman" panose="02020603050405020304" pitchFamily="18" charset="0"/>
+                        <a:ea typeface="Calibri" panose="020F0502020204030204" pitchFamily="34" charset="0"/>
+                        <a:cs typeface="Arial" panose="020B0604020202020204" pitchFamily="34" charset="0"/>
+                      </a:endParaRPr>
+                    </a:p>
+                  </a:txBody>
+                  <a:tcPr marL="68580" marR="68580" marT="0" marB="0"/>
+                </a:tc>
+                <a:extLst>
+                  <a:ext uri="{0D108BD9-81ED-4DB2-BD59-A6C34878D82A}">
+                    <a16:rowId xmlns:a16="http://schemas.microsoft.com/office/drawing/2014/main" val="3310418355"/>
+                  </a:ext>
+                </a:extLst>
+              </a:tr>
+              <a:tr h="119380">
+                <a:tc>
+                  <a:txBody>
+                    <a:bodyPr/>
+                    <a:lstStyle/>
+                    <a:p>
+                      <a:pPr marL="0" marR="0" algn="just">
+                        <a:lnSpc>
+                          <a:spcPct val="107000"/>
+                        </a:lnSpc>
+                        <a:spcBef>
+                          <a:spcPts val="0"/>
+                        </a:spcBef>
+                        <a:spcAft>
+                          <a:spcPts val="0"/>
+                        </a:spcAft>
+                      </a:pPr>
+                      <a:r>
+                        <a:rPr lang="en-US" sz="1200">
+                          <a:effectLst/>
+                        </a:rPr>
+                        <a:t>Minimum Network Range</a:t>
+                      </a:r>
+                      <a:endParaRPr lang="en-US" sz="1200">
+                        <a:effectLst/>
+                        <a:latin typeface="Times New Roman" panose="02020603050405020304" pitchFamily="18" charset="0"/>
+                        <a:ea typeface="Calibri" panose="020F0502020204030204" pitchFamily="34" charset="0"/>
+                        <a:cs typeface="Arial" panose="020B0604020202020204" pitchFamily="34" charset="0"/>
+                      </a:endParaRPr>
+                    </a:p>
+                  </a:txBody>
+                  <a:tcPr marL="68580" marR="68580" marT="0" marB="0"/>
+                </a:tc>
+                <a:tc>
+                  <a:txBody>
+                    <a:bodyPr/>
+                    <a:lstStyle/>
+                    <a:p>
+                      <a:pPr marL="0" marR="0" algn="just">
+                        <a:lnSpc>
+                          <a:spcPct val="107000"/>
+                        </a:lnSpc>
+                        <a:spcBef>
+                          <a:spcPts val="0"/>
+                        </a:spcBef>
+                        <a:spcAft>
+                          <a:spcPts val="0"/>
+                        </a:spcAft>
+                      </a:pPr>
+                      <a:r>
+                        <a:rPr lang="en-US" sz="1200">
+                          <a:effectLst/>
+                        </a:rPr>
+                        <a:t>20m</a:t>
+                      </a:r>
+                      <a:endParaRPr lang="en-US" sz="1200">
+                        <a:effectLst/>
+                        <a:latin typeface="Times New Roman" panose="02020603050405020304" pitchFamily="18" charset="0"/>
+                        <a:ea typeface="Calibri" panose="020F0502020204030204" pitchFamily="34" charset="0"/>
+                        <a:cs typeface="Arial" panose="020B0604020202020204" pitchFamily="34" charset="0"/>
+                      </a:endParaRPr>
+                    </a:p>
+                  </a:txBody>
+                  <a:tcPr marL="68580" marR="68580" marT="0" marB="0"/>
+                </a:tc>
+                <a:extLst>
+                  <a:ext uri="{0D108BD9-81ED-4DB2-BD59-A6C34878D82A}">
+                    <a16:rowId xmlns:a16="http://schemas.microsoft.com/office/drawing/2014/main" val="1348502767"/>
+                  </a:ext>
+                </a:extLst>
+              </a:tr>
+              <a:tr h="119380">
+                <a:tc>
+                  <a:txBody>
+                    <a:bodyPr/>
+                    <a:lstStyle/>
+                    <a:p>
+                      <a:pPr marL="0" marR="0" algn="just">
+                        <a:lnSpc>
+                          <a:spcPct val="107000"/>
+                        </a:lnSpc>
+                        <a:spcBef>
+                          <a:spcPts val="0"/>
+                        </a:spcBef>
+                        <a:spcAft>
+                          <a:spcPts val="0"/>
+                        </a:spcAft>
+                      </a:pPr>
+                      <a:r>
+                        <a:rPr lang="en-US" sz="1200">
+                          <a:effectLst/>
+                        </a:rPr>
+                        <a:t>Communication Rate</a:t>
+                      </a:r>
+                      <a:endParaRPr lang="en-US" sz="1200">
+                        <a:effectLst/>
+                        <a:latin typeface="Times New Roman" panose="02020603050405020304" pitchFamily="18" charset="0"/>
+                        <a:ea typeface="Calibri" panose="020F0502020204030204" pitchFamily="34" charset="0"/>
+                        <a:cs typeface="Arial" panose="020B0604020202020204" pitchFamily="34" charset="0"/>
+                      </a:endParaRPr>
+                    </a:p>
+                  </a:txBody>
+                  <a:tcPr marL="68580" marR="68580" marT="0" marB="0"/>
+                </a:tc>
+                <a:tc>
+                  <a:txBody>
+                    <a:bodyPr/>
+                    <a:lstStyle/>
+                    <a:p>
+                      <a:pPr marL="0" marR="0" algn="just">
+                        <a:lnSpc>
+                          <a:spcPct val="107000"/>
+                        </a:lnSpc>
+                        <a:spcBef>
+                          <a:spcPts val="0"/>
+                        </a:spcBef>
+                        <a:spcAft>
+                          <a:spcPts val="0"/>
+                        </a:spcAft>
+                      </a:pPr>
+                      <a:r>
+                        <a:rPr lang="en-US" sz="1200">
+                          <a:effectLst/>
+                        </a:rPr>
+                        <a:t>2400MHz</a:t>
+                      </a:r>
+                      <a:endParaRPr lang="en-US" sz="1200">
+                        <a:effectLst/>
+                        <a:latin typeface="Times New Roman" panose="02020603050405020304" pitchFamily="18" charset="0"/>
+                        <a:ea typeface="Calibri" panose="020F0502020204030204" pitchFamily="34" charset="0"/>
+                        <a:cs typeface="Arial" panose="020B0604020202020204" pitchFamily="34" charset="0"/>
+                      </a:endParaRPr>
+                    </a:p>
+                  </a:txBody>
+                  <a:tcPr marL="68580" marR="68580" marT="0" marB="0"/>
+                </a:tc>
+                <a:extLst>
+                  <a:ext uri="{0D108BD9-81ED-4DB2-BD59-A6C34878D82A}">
+                    <a16:rowId xmlns:a16="http://schemas.microsoft.com/office/drawing/2014/main" val="1270293494"/>
+                  </a:ext>
+                </a:extLst>
+              </a:tr>
+              <a:tr h="119380">
+                <a:tc>
+                  <a:txBody>
+                    <a:bodyPr/>
+                    <a:lstStyle/>
+                    <a:p>
+                      <a:pPr marL="0" marR="0" algn="just">
+                        <a:lnSpc>
+                          <a:spcPct val="107000"/>
+                        </a:lnSpc>
+                        <a:spcBef>
+                          <a:spcPts val="0"/>
+                        </a:spcBef>
+                        <a:spcAft>
+                          <a:spcPts val="0"/>
+                        </a:spcAft>
+                      </a:pPr>
+                      <a:r>
+                        <a:rPr lang="en-US" sz="1200">
+                          <a:effectLst/>
+                        </a:rPr>
+                        <a:t>Voltage input</a:t>
+                      </a:r>
+                      <a:endParaRPr lang="en-US" sz="1200">
+                        <a:effectLst/>
+                        <a:latin typeface="Times New Roman" panose="02020603050405020304" pitchFamily="18" charset="0"/>
+                        <a:ea typeface="Calibri" panose="020F0502020204030204" pitchFamily="34" charset="0"/>
+                        <a:cs typeface="Arial" panose="020B0604020202020204" pitchFamily="34" charset="0"/>
+                      </a:endParaRPr>
+                    </a:p>
+                  </a:txBody>
+                  <a:tcPr marL="68580" marR="68580" marT="0" marB="0"/>
+                </a:tc>
+                <a:tc>
+                  <a:txBody>
+                    <a:bodyPr/>
+                    <a:lstStyle/>
+                    <a:p>
+                      <a:pPr marL="0" marR="0" algn="just">
+                        <a:lnSpc>
+                          <a:spcPct val="107000"/>
+                        </a:lnSpc>
+                        <a:spcBef>
+                          <a:spcPts val="0"/>
+                        </a:spcBef>
+                        <a:spcAft>
+                          <a:spcPts val="0"/>
+                        </a:spcAft>
+                      </a:pPr>
+                      <a:r>
+                        <a:rPr lang="en-US" sz="1200">
+                          <a:effectLst/>
+                        </a:rPr>
+                        <a:t>3.3V or 5V</a:t>
+                      </a:r>
+                      <a:endParaRPr lang="en-US" sz="1200">
+                        <a:effectLst/>
+                        <a:latin typeface="Times New Roman" panose="02020603050405020304" pitchFamily="18" charset="0"/>
+                        <a:ea typeface="Calibri" panose="020F0502020204030204" pitchFamily="34" charset="0"/>
+                        <a:cs typeface="Arial" panose="020B0604020202020204" pitchFamily="34" charset="0"/>
+                      </a:endParaRPr>
+                    </a:p>
+                  </a:txBody>
+                  <a:tcPr marL="68580" marR="68580" marT="0" marB="0"/>
+                </a:tc>
+                <a:extLst>
+                  <a:ext uri="{0D108BD9-81ED-4DB2-BD59-A6C34878D82A}">
+                    <a16:rowId xmlns:a16="http://schemas.microsoft.com/office/drawing/2014/main" val="1742198787"/>
+                  </a:ext>
+                </a:extLst>
+              </a:tr>
+              <a:tr h="119380">
+                <a:tc>
+                  <a:txBody>
+                    <a:bodyPr/>
+                    <a:lstStyle/>
+                    <a:p>
+                      <a:pPr marL="0" marR="0" algn="just">
+                        <a:lnSpc>
+                          <a:spcPct val="107000"/>
+                        </a:lnSpc>
+                        <a:spcBef>
+                          <a:spcPts val="0"/>
+                        </a:spcBef>
+                        <a:spcAft>
+                          <a:spcPts val="0"/>
+                        </a:spcAft>
+                      </a:pPr>
+                      <a:r>
+                        <a:rPr lang="en-US" sz="1200">
+                          <a:effectLst/>
+                        </a:rPr>
+                        <a:t>Maximum Current Draw</a:t>
+                      </a:r>
+                      <a:endParaRPr lang="en-US" sz="1200">
+                        <a:effectLst/>
+                        <a:latin typeface="Times New Roman" panose="02020603050405020304" pitchFamily="18" charset="0"/>
+                        <a:ea typeface="Calibri" panose="020F0502020204030204" pitchFamily="34" charset="0"/>
+                        <a:cs typeface="Arial" panose="020B0604020202020204" pitchFamily="34" charset="0"/>
+                      </a:endParaRPr>
+                    </a:p>
+                  </a:txBody>
+                  <a:tcPr marL="68580" marR="68580" marT="0" marB="0"/>
+                </a:tc>
+                <a:tc>
+                  <a:txBody>
+                    <a:bodyPr/>
+                    <a:lstStyle/>
+                    <a:p>
+                      <a:pPr marL="0" marR="0" algn="just">
+                        <a:lnSpc>
+                          <a:spcPct val="107000"/>
+                        </a:lnSpc>
+                        <a:spcBef>
+                          <a:spcPts val="0"/>
+                        </a:spcBef>
+                        <a:spcAft>
+                          <a:spcPts val="0"/>
+                        </a:spcAft>
+                      </a:pPr>
+                      <a:r>
+                        <a:rPr lang="en-US" sz="1200">
+                          <a:effectLst/>
+                        </a:rPr>
+                        <a:t>500mA</a:t>
+                      </a:r>
+                      <a:endParaRPr lang="en-US" sz="1200">
+                        <a:effectLst/>
+                        <a:latin typeface="Times New Roman" panose="02020603050405020304" pitchFamily="18" charset="0"/>
+                        <a:ea typeface="Calibri" panose="020F0502020204030204" pitchFamily="34" charset="0"/>
+                        <a:cs typeface="Arial" panose="020B0604020202020204" pitchFamily="34" charset="0"/>
+                      </a:endParaRPr>
+                    </a:p>
+                  </a:txBody>
+                  <a:tcPr marL="68580" marR="68580" marT="0" marB="0"/>
+                </a:tc>
+                <a:extLst>
+                  <a:ext uri="{0D108BD9-81ED-4DB2-BD59-A6C34878D82A}">
+                    <a16:rowId xmlns:a16="http://schemas.microsoft.com/office/drawing/2014/main" val="3593114202"/>
+                  </a:ext>
+                </a:extLst>
+              </a:tr>
+              <a:tr h="119380">
+                <a:tc>
+                  <a:txBody>
+                    <a:bodyPr/>
+                    <a:lstStyle/>
+                    <a:p>
+                      <a:pPr marL="0" marR="0" algn="just">
+                        <a:lnSpc>
+                          <a:spcPct val="107000"/>
+                        </a:lnSpc>
+                        <a:spcBef>
+                          <a:spcPts val="0"/>
+                        </a:spcBef>
+                        <a:spcAft>
+                          <a:spcPts val="0"/>
+                        </a:spcAft>
+                      </a:pPr>
+                      <a:r>
+                        <a:rPr lang="en-US" sz="1200">
+                          <a:effectLst/>
+                        </a:rPr>
+                        <a:t>Minimum Temperature</a:t>
+                      </a:r>
+                      <a:endParaRPr lang="en-US" sz="1200">
+                        <a:effectLst/>
+                        <a:latin typeface="Times New Roman" panose="02020603050405020304" pitchFamily="18" charset="0"/>
+                        <a:ea typeface="Calibri" panose="020F0502020204030204" pitchFamily="34" charset="0"/>
+                        <a:cs typeface="Arial" panose="020B0604020202020204" pitchFamily="34" charset="0"/>
+                      </a:endParaRPr>
+                    </a:p>
+                  </a:txBody>
+                  <a:tcPr marL="68580" marR="68580" marT="0" marB="0"/>
+                </a:tc>
+                <a:tc>
+                  <a:txBody>
+                    <a:bodyPr/>
+                    <a:lstStyle/>
+                    <a:p>
+                      <a:pPr marL="0" marR="0" algn="just">
+                        <a:lnSpc>
+                          <a:spcPct val="107000"/>
+                        </a:lnSpc>
+                        <a:spcBef>
+                          <a:spcPts val="0"/>
+                        </a:spcBef>
+                        <a:spcAft>
+                          <a:spcPts val="0"/>
+                        </a:spcAft>
+                      </a:pPr>
+                      <a:r>
+                        <a:rPr lang="en-US" sz="1200">
+                          <a:effectLst/>
+                        </a:rPr>
+                        <a:t>-40°C</a:t>
+                      </a:r>
+                      <a:endParaRPr lang="en-US" sz="1200">
+                        <a:effectLst/>
+                        <a:latin typeface="Times New Roman" panose="02020603050405020304" pitchFamily="18" charset="0"/>
+                        <a:ea typeface="Calibri" panose="020F0502020204030204" pitchFamily="34" charset="0"/>
+                        <a:cs typeface="Arial" panose="020B0604020202020204" pitchFamily="34" charset="0"/>
+                      </a:endParaRPr>
+                    </a:p>
+                  </a:txBody>
+                  <a:tcPr marL="68580" marR="68580" marT="0" marB="0"/>
+                </a:tc>
+                <a:extLst>
+                  <a:ext uri="{0D108BD9-81ED-4DB2-BD59-A6C34878D82A}">
+                    <a16:rowId xmlns:a16="http://schemas.microsoft.com/office/drawing/2014/main" val="811088987"/>
+                  </a:ext>
+                </a:extLst>
+              </a:tr>
+              <a:tr h="119380">
+                <a:tc>
+                  <a:txBody>
+                    <a:bodyPr/>
+                    <a:lstStyle/>
+                    <a:p>
+                      <a:pPr marL="0" marR="0" algn="just">
+                        <a:lnSpc>
+                          <a:spcPct val="107000"/>
+                        </a:lnSpc>
+                        <a:spcBef>
+                          <a:spcPts val="0"/>
+                        </a:spcBef>
+                        <a:spcAft>
+                          <a:spcPts val="0"/>
+                        </a:spcAft>
+                      </a:pPr>
+                      <a:r>
+                        <a:rPr lang="en-US" sz="1200">
+                          <a:effectLst/>
+                        </a:rPr>
+                        <a:t>Latency</a:t>
+                      </a:r>
+                      <a:endParaRPr lang="en-US" sz="1200">
+                        <a:effectLst/>
+                        <a:latin typeface="Times New Roman" panose="02020603050405020304" pitchFamily="18" charset="0"/>
+                        <a:ea typeface="Calibri" panose="020F0502020204030204" pitchFamily="34" charset="0"/>
+                        <a:cs typeface="Arial" panose="020B0604020202020204" pitchFamily="34" charset="0"/>
+                      </a:endParaRPr>
+                    </a:p>
+                  </a:txBody>
+                  <a:tcPr marL="68580" marR="68580" marT="0" marB="0"/>
+                </a:tc>
+                <a:tc>
+                  <a:txBody>
+                    <a:bodyPr/>
+                    <a:lstStyle/>
+                    <a:p>
+                      <a:pPr marL="0" marR="0" algn="just">
+                        <a:lnSpc>
+                          <a:spcPct val="107000"/>
+                        </a:lnSpc>
+                        <a:spcBef>
+                          <a:spcPts val="0"/>
+                        </a:spcBef>
+                        <a:spcAft>
+                          <a:spcPts val="0"/>
+                        </a:spcAft>
+                      </a:pPr>
+                      <a:r>
+                        <a:rPr lang="en-US" sz="1200">
+                          <a:effectLst/>
+                        </a:rPr>
+                        <a:t>1 second</a:t>
+                      </a:r>
+                      <a:endParaRPr lang="en-US" sz="1200">
+                        <a:effectLst/>
+                        <a:latin typeface="Times New Roman" panose="02020603050405020304" pitchFamily="18" charset="0"/>
+                        <a:ea typeface="Calibri" panose="020F0502020204030204" pitchFamily="34" charset="0"/>
+                        <a:cs typeface="Arial" panose="020B0604020202020204" pitchFamily="34" charset="0"/>
+                      </a:endParaRPr>
+                    </a:p>
+                  </a:txBody>
+                  <a:tcPr marL="68580" marR="68580" marT="0" marB="0"/>
+                </a:tc>
+                <a:extLst>
+                  <a:ext uri="{0D108BD9-81ED-4DB2-BD59-A6C34878D82A}">
+                    <a16:rowId xmlns:a16="http://schemas.microsoft.com/office/drawing/2014/main" val="3497599735"/>
+                  </a:ext>
+                </a:extLst>
+              </a:tr>
+              <a:tr h="119380">
+                <a:tc>
+                  <a:txBody>
+                    <a:bodyPr/>
+                    <a:lstStyle/>
+                    <a:p>
+                      <a:pPr marL="0" marR="0" algn="just">
+                        <a:lnSpc>
+                          <a:spcPct val="107000"/>
+                        </a:lnSpc>
+                        <a:spcBef>
+                          <a:spcPts val="0"/>
+                        </a:spcBef>
+                        <a:spcAft>
+                          <a:spcPts val="0"/>
+                        </a:spcAft>
+                      </a:pPr>
+                      <a:r>
+                        <a:rPr lang="en-US" sz="1200">
+                          <a:effectLst/>
+                          <a:highlight>
+                            <a:srgbClr val="FFFF00"/>
+                          </a:highlight>
+                        </a:rPr>
+                        <a:t>Maximum Power</a:t>
+                      </a:r>
+                      <a:endParaRPr lang="en-US" sz="1200">
+                        <a:effectLst/>
+                        <a:latin typeface="Times New Roman" panose="02020603050405020304" pitchFamily="18" charset="0"/>
+                        <a:ea typeface="Calibri" panose="020F0502020204030204" pitchFamily="34" charset="0"/>
+                        <a:cs typeface="Arial" panose="020B0604020202020204" pitchFamily="34" charset="0"/>
+                      </a:endParaRPr>
+                    </a:p>
+                  </a:txBody>
+                  <a:tcPr marL="68580" marR="68580" marT="0" marB="0"/>
+                </a:tc>
+                <a:tc>
+                  <a:txBody>
+                    <a:bodyPr/>
+                    <a:lstStyle/>
+                    <a:p>
+                      <a:pPr marL="0" marR="0" algn="just">
+                        <a:lnSpc>
+                          <a:spcPct val="107000"/>
+                        </a:lnSpc>
+                        <a:spcBef>
+                          <a:spcPts val="0"/>
+                        </a:spcBef>
+                        <a:spcAft>
+                          <a:spcPts val="0"/>
+                        </a:spcAft>
+                      </a:pPr>
+                      <a:r>
+                        <a:rPr lang="en-US" sz="1200" dirty="0">
+                          <a:effectLst/>
+                          <a:highlight>
+                            <a:srgbClr val="FFFF00"/>
+                          </a:highlight>
+                        </a:rPr>
+                        <a:t>5W</a:t>
+                      </a:r>
+                      <a:endParaRPr lang="en-US" sz="1200" dirty="0">
+                        <a:effectLst/>
+                        <a:latin typeface="Times New Roman" panose="02020603050405020304" pitchFamily="18" charset="0"/>
+                        <a:ea typeface="Calibri" panose="020F0502020204030204" pitchFamily="34" charset="0"/>
+                        <a:cs typeface="Arial" panose="020B0604020202020204" pitchFamily="34" charset="0"/>
+                      </a:endParaRPr>
+                    </a:p>
+                  </a:txBody>
+                  <a:tcPr marL="68580" marR="68580" marT="0" marB="0"/>
+                </a:tc>
+                <a:extLst>
+                  <a:ext uri="{0D108BD9-81ED-4DB2-BD59-A6C34878D82A}">
+                    <a16:rowId xmlns:a16="http://schemas.microsoft.com/office/drawing/2014/main" val="3599014770"/>
+                  </a:ext>
+                </a:extLst>
+              </a:tr>
+            </a:tbl>
+          </a:graphicData>
+        </a:graphic>
+      </p:graphicFrame>
+      <p:pic>
+        <p:nvPicPr>
+          <p:cNvPr id="10" name="Picture 9" descr="A person wearing glasses and looking at the camera&#10;&#10;Description automatically generated">
+            <a:extLst>
+              <a:ext uri="{FF2B5EF4-FFF2-40B4-BE49-F238E27FC236}">
+                <a16:creationId xmlns:a16="http://schemas.microsoft.com/office/drawing/2014/main" id="{DC565CD9-C8CE-3C4C-BFC0-015E56D36FD9}"/>
+              </a:ext>
+            </a:extLst>
+          </p:cNvPr>
+          <p:cNvPicPr>
+            <a:picLocks noChangeAspect="1"/>
+          </p:cNvPicPr>
+          <p:nvPr/>
+        </p:nvPicPr>
+        <p:blipFill>
+          <a:blip r:embed="rId2">
+            <a:extLst>
+              <a:ext uri="{28A0092B-C50C-407E-A947-70E740481C1C}">
+                <a14:useLocalDpi xmlns:a14="http://schemas.microsoft.com/office/drawing/2010/main" val="0"/>
+              </a:ext>
+            </a:extLst>
+          </a:blip>
+          <a:stretch>
+            <a:fillRect/>
+          </a:stretch>
+        </p:blipFill>
+        <p:spPr>
+          <a:xfrm>
+            <a:off x="9635741" y="236389"/>
+            <a:ext cx="2093976" cy="2093976"/>
+          </a:xfrm>
+          <a:prstGeom prst="ellipse">
+            <a:avLst/>
+          </a:prstGeom>
+          <a:ln w="63500" cap="rnd">
+            <a:noFill/>
+          </a:ln>
+          <a:effectLst/>
+          <a:scene3d>
+            <a:camera prst="orthographicFront"/>
+            <a:lightRig rig="contrasting" dir="t">
+              <a:rot lat="0" lon="0" rev="3000000"/>
+            </a:lightRig>
+          </a:scene3d>
+          <a:sp3d contourW="7620">
+            <a:bevelT w="95250" h="31750"/>
+            <a:contourClr>
+              <a:srgbClr val="333333"/>
+            </a:contourClr>
+          </a:sp3d>
+        </p:spPr>
+      </p:pic>
     </p:spTree>
     <p:extLst>
       <p:ext uri="{BB962C8B-B14F-4D97-AF65-F5344CB8AC3E}">
@@ -4452,6 +6888,14 @@
 <file path=ppt/slides/slide5.xml><?xml version="1.0" encoding="utf-8"?>
 <p:sld xmlns:a="http://schemas.openxmlformats.org/drawingml/2006/main" xmlns:r="http://schemas.openxmlformats.org/officeDocument/2006/relationships" xmlns:p="http://schemas.openxmlformats.org/presentationml/2006/main">
   <p:cSld>
+    <p:bg>
+      <p:bgPr>
+        <a:solidFill>
+          <a:schemeClr val="accent2"/>
+        </a:solidFill>
+        <a:effectLst/>
+      </p:bgPr>
+    </p:bg>
     <p:spTree>
       <p:nvGrpSpPr>
         <p:cNvPr id="1" name=""/>
@@ -4471,7 +6915,7 @@
           <p:cNvPr id="2" name="Title 1">
             <a:extLst>
               <a:ext uri="{FF2B5EF4-FFF2-40B4-BE49-F238E27FC236}">
-                <a16:creationId xmlns:a16="http://schemas.microsoft.com/office/drawing/2014/main" id="{9072968F-6822-94D9-AFFB-10E96EFF1357}"/>
+                <a16:creationId xmlns:a16="http://schemas.microsoft.com/office/drawing/2014/main" id="{8C03308B-294E-39D4-74A5-EB5A6DDDB764}"/>
               </a:ext>
             </a:extLst>
           </p:cNvPr>
@@ -4482,47 +6926,130 @@
             <p:ph type="title"/>
           </p:nvPr>
         </p:nvSpPr>
-        <p:spPr/>
-        <p:txBody>
-          <a:bodyPr/>
+        <p:spPr>
+          <a:xfrm>
+            <a:off x="8787865" y="2921173"/>
+            <a:ext cx="2745667" cy="1015663"/>
+          </a:xfrm>
+        </p:spPr>
+        <p:txBody>
+          <a:bodyPr vert="horz" lIns="182880" tIns="182880" rIns="182880" bIns="182880" rtlCol="0" anchor="ctr" anchorCtr="1">
+            <a:normAutofit/>
+          </a:bodyPr>
           <a:lstStyle/>
           <a:p>
             <a:r>
-              <a:rPr lang="en-US" dirty="0"/>
-              <a:t>Comparison and Selection of Hardware</a:t>
-            </a:r>
-          </a:p>
-        </p:txBody>
-      </p:sp>
-      <p:sp>
-        <p:nvSpPr>
-          <p:cNvPr id="3" name="Content Placeholder 2">
+              <a:rPr lang="en-US" sz="2000"/>
+              <a:t>Hardware BlockDiagram</a:t>
+            </a:r>
+          </a:p>
+        </p:txBody>
+      </p:sp>
+      <p:sp>
+        <p:nvSpPr>
+          <p:cNvPr id="22" name="Rectangle 21">
             <a:extLst>
               <a:ext uri="{FF2B5EF4-FFF2-40B4-BE49-F238E27FC236}">
-                <a16:creationId xmlns:a16="http://schemas.microsoft.com/office/drawing/2014/main" id="{A20F87DD-A2DE-8400-6C19-5BA9DC844C9E}"/>
+                <a16:creationId xmlns:a16="http://schemas.microsoft.com/office/drawing/2014/main" id="{B8AFBB67-2575-4F5A-96CF-CD2EB02A1EF0}"/>
+              </a:ext>
+              <a:ext uri="{C183D7F6-B498-43B3-948B-1728B52AA6E4}">
+                <adec:decorative xmlns:adec="http://schemas.microsoft.com/office/drawing/2017/decorative" val="1"/>
               </a:ext>
             </a:extLst>
           </p:cNvPr>
           <p:cNvSpPr>
-            <a:spLocks noGrp="1"/>
-          </p:cNvSpPr>
+            <a:spLocks noGrp="1" noRot="1" noChangeAspect="1" noMove="1" noResize="1" noEditPoints="1" noAdjustHandles="1" noChangeArrowheads="1" noChangeShapeType="1" noTextEdit="1"/>
+          </p:cNvSpPr>
+          <p:nvPr>
+            <p:extLst>
+              <p:ext uri="{386F3935-93C4-4BCD-93E2-E3B085C9AB24}">
+                <p16:designElem xmlns:p16="http://schemas.microsoft.com/office/powerpoint/2015/main" val="1"/>
+              </p:ext>
+            </p:extLst>
+          </p:nvPr>
+        </p:nvSpPr>
+        <p:spPr>
+          <a:xfrm>
+            <a:off x="0" y="0"/>
+            <a:ext cx="8135425" cy="6858000"/>
+          </a:xfrm>
+          <a:prstGeom prst="rect">
+            <a:avLst/>
+          </a:prstGeom>
+          <a:solidFill>
+            <a:schemeClr val="bg1"/>
+          </a:solidFill>
+          <a:ln>
+            <a:noFill/>
+          </a:ln>
+        </p:spPr>
+        <p:style>
+          <a:lnRef idx="2">
+            <a:schemeClr val="accent1">
+              <a:shade val="50000"/>
+            </a:schemeClr>
+          </a:lnRef>
+          <a:fillRef idx="1">
+            <a:schemeClr val="accent1"/>
+          </a:fillRef>
+          <a:effectRef idx="0">
+            <a:schemeClr val="accent1"/>
+          </a:effectRef>
+          <a:fontRef idx="minor">
+            <a:schemeClr val="lt1"/>
+          </a:fontRef>
+        </p:style>
+        <p:txBody>
+          <a:bodyPr rtlCol="0" anchor="ctr"/>
+          <a:lstStyle/>
+          <a:p>
+            <a:pPr algn="ctr"/>
+            <a:endParaRPr lang="en-US"/>
+          </a:p>
+        </p:txBody>
+      </p:sp>
+      <p:pic>
+        <p:nvPicPr>
+          <p:cNvPr id="4" name="Content Placeholder 3" descr="A diagram of a diagram&#10;&#10;Description automatically generated">
+            <a:extLst>
+              <a:ext uri="{FF2B5EF4-FFF2-40B4-BE49-F238E27FC236}">
+                <a16:creationId xmlns:a16="http://schemas.microsoft.com/office/drawing/2014/main" id="{6238B370-C8F5-5B9D-296F-8DC3F687F38D}"/>
+              </a:ext>
+            </a:extLst>
+          </p:cNvPr>
+          <p:cNvPicPr>
+            <a:picLocks noGrp="1" noChangeAspect="1"/>
+          </p:cNvPicPr>
           <p:nvPr>
             <p:ph idx="1"/>
           </p:nvPr>
-        </p:nvSpPr>
-        <p:spPr/>
-        <p:txBody>
-          <a:bodyPr/>
-          <a:lstStyle/>
-          <a:p>
-            <a:endParaRPr lang="en-US" dirty="0"/>
-          </a:p>
-        </p:txBody>
-      </p:sp>
+        </p:nvPicPr>
+        <p:blipFill>
+          <a:blip r:embed="rId2">
+            <a:extLst>
+              <a:ext uri="{28A0092B-C50C-407E-A947-70E740481C1C}">
+                <a14:useLocalDpi xmlns:a14="http://schemas.microsoft.com/office/drawing/2010/main" val="0"/>
+              </a:ext>
+            </a:extLst>
+          </a:blip>
+          <a:stretch>
+            <a:fillRect/>
+          </a:stretch>
+        </p:blipFill>
+        <p:spPr>
+          <a:xfrm>
+            <a:off x="1384520" y="0"/>
+            <a:ext cx="5366383" cy="6858000"/>
+          </a:xfrm>
+          <a:prstGeom prst="rect">
+            <a:avLst/>
+          </a:prstGeom>
+        </p:spPr>
+      </p:pic>
     </p:spTree>
     <p:extLst>
       <p:ext uri="{BB962C8B-B14F-4D97-AF65-F5344CB8AC3E}">
-        <p14:creationId xmlns:p14="http://schemas.microsoft.com/office/powerpoint/2010/main" val="3692177523"/>
+        <p14:creationId xmlns:p14="http://schemas.microsoft.com/office/powerpoint/2010/main" val="3703717787"/>
       </p:ext>
     </p:extLst>
   </p:cSld>
@@ -4535,6 +7062,14 @@
 <file path=ppt/slides/slide6.xml><?xml version="1.0" encoding="utf-8"?>
 <p:sld xmlns:a="http://schemas.openxmlformats.org/drawingml/2006/main" xmlns:r="http://schemas.openxmlformats.org/officeDocument/2006/relationships" xmlns:p="http://schemas.openxmlformats.org/presentationml/2006/main">
   <p:cSld>
+    <p:bg>
+      <p:bgPr>
+        <a:solidFill>
+          <a:schemeClr val="accent2"/>
+        </a:solidFill>
+        <a:effectLst/>
+      </p:bgPr>
+    </p:bg>
     <p:spTree>
       <p:nvGrpSpPr>
         <p:cNvPr id="1" name=""/>
@@ -4554,7 +7089,7 @@
           <p:cNvPr id="2" name="Title 1">
             <a:extLst>
               <a:ext uri="{FF2B5EF4-FFF2-40B4-BE49-F238E27FC236}">
-                <a16:creationId xmlns:a16="http://schemas.microsoft.com/office/drawing/2014/main" id="{BB18B88F-A920-F17D-DA16-AFE2F81DA06E}"/>
+                <a16:creationId xmlns:a16="http://schemas.microsoft.com/office/drawing/2014/main" id="{FFC55FEB-5894-485E-CFE0-CA9E147F4B17}"/>
               </a:ext>
             </a:extLst>
           </p:cNvPr>
@@ -4565,44 +7100,124 @@
             <p:ph type="title"/>
           </p:nvPr>
         </p:nvSpPr>
-        <p:spPr/>
-        <p:txBody>
-          <a:bodyPr/>
+        <p:spPr>
+          <a:xfrm>
+            <a:off x="8787865" y="2921173"/>
+            <a:ext cx="2745667" cy="1015663"/>
+          </a:xfrm>
+        </p:spPr>
+        <p:txBody>
+          <a:bodyPr vert="horz" lIns="182880" tIns="182880" rIns="182880" bIns="182880" rtlCol="0" anchor="ctr">
+            <a:normAutofit/>
+          </a:bodyPr>
           <a:lstStyle/>
           <a:p>
-            <a:endParaRPr lang="en-US"/>
-          </a:p>
-        </p:txBody>
-      </p:sp>
-      <p:sp>
-        <p:nvSpPr>
-          <p:cNvPr id="3" name="Content Placeholder 2">
+            <a:r>
+              <a:rPr lang="en-US" sz="2000"/>
+              <a:t>Software BlockDiagram</a:t>
+            </a:r>
+          </a:p>
+        </p:txBody>
+      </p:sp>
+      <p:sp>
+        <p:nvSpPr>
+          <p:cNvPr id="13" name="Rectangle 12">
             <a:extLst>
               <a:ext uri="{FF2B5EF4-FFF2-40B4-BE49-F238E27FC236}">
-                <a16:creationId xmlns:a16="http://schemas.microsoft.com/office/drawing/2014/main" id="{DD4B9E65-35BC-5E3A-C062-0187642DBCE3}"/>
+                <a16:creationId xmlns:a16="http://schemas.microsoft.com/office/drawing/2014/main" id="{B8AFBB67-2575-4F5A-96CF-CD2EB02A1EF0}"/>
+              </a:ext>
+              <a:ext uri="{C183D7F6-B498-43B3-948B-1728B52AA6E4}">
+                <adec:decorative xmlns:adec="http://schemas.microsoft.com/office/drawing/2017/decorative" val="1"/>
               </a:ext>
             </a:extLst>
           </p:cNvPr>
           <p:cNvSpPr>
-            <a:spLocks noGrp="1"/>
-          </p:cNvSpPr>
+            <a:spLocks noGrp="1" noRot="1" noChangeAspect="1" noMove="1" noResize="1" noEditPoints="1" noAdjustHandles="1" noChangeArrowheads="1" noChangeShapeType="1" noTextEdit="1"/>
+          </p:cNvSpPr>
+          <p:nvPr>
+            <p:extLst>
+              <p:ext uri="{386F3935-93C4-4BCD-93E2-E3B085C9AB24}">
+                <p16:designElem xmlns:p16="http://schemas.microsoft.com/office/powerpoint/2015/main" val="1"/>
+              </p:ext>
+            </p:extLst>
+          </p:nvPr>
+        </p:nvSpPr>
+        <p:spPr>
+          <a:xfrm>
+            <a:off x="0" y="0"/>
+            <a:ext cx="8135425" cy="6858000"/>
+          </a:xfrm>
+          <a:prstGeom prst="rect">
+            <a:avLst/>
+          </a:prstGeom>
+          <a:solidFill>
+            <a:schemeClr val="bg1"/>
+          </a:solidFill>
+          <a:ln>
+            <a:noFill/>
+          </a:ln>
+        </p:spPr>
+        <p:style>
+          <a:lnRef idx="2">
+            <a:schemeClr val="accent1">
+              <a:shade val="50000"/>
+            </a:schemeClr>
+          </a:lnRef>
+          <a:fillRef idx="1">
+            <a:schemeClr val="accent1"/>
+          </a:fillRef>
+          <a:effectRef idx="0">
+            <a:schemeClr val="accent1"/>
+          </a:effectRef>
+          <a:fontRef idx="minor">
+            <a:schemeClr val="lt1"/>
+          </a:fontRef>
+        </p:style>
+        <p:txBody>
+          <a:bodyPr rtlCol="0" anchor="ctr"/>
+          <a:lstStyle/>
+          <a:p>
+            <a:pPr algn="ctr"/>
+            <a:endParaRPr lang="en-US"/>
+          </a:p>
+        </p:txBody>
+      </p:sp>
+      <p:pic>
+        <p:nvPicPr>
+          <p:cNvPr id="4" name="Content Placeholder 3" descr="A screenshot of a software flowchart&#10;&#10;Description automatically generated">
+            <a:extLst>
+              <a:ext uri="{FF2B5EF4-FFF2-40B4-BE49-F238E27FC236}">
+                <a16:creationId xmlns:a16="http://schemas.microsoft.com/office/drawing/2014/main" id="{8B6B5C88-5DEC-B58E-1104-C602E85FC9A2}"/>
+              </a:ext>
+            </a:extLst>
+          </p:cNvPr>
+          <p:cNvPicPr>
+            <a:picLocks noGrp="1" noChangeAspect="1"/>
+          </p:cNvPicPr>
           <p:nvPr>
             <p:ph idx="1"/>
           </p:nvPr>
-        </p:nvSpPr>
-        <p:spPr/>
-        <p:txBody>
-          <a:bodyPr/>
-          <a:lstStyle/>
-          <a:p>
-            <a:endParaRPr lang="en-US"/>
-          </a:p>
-        </p:txBody>
-      </p:sp>
+        </p:nvPicPr>
+        <p:blipFill>
+          <a:blip r:embed="rId2"/>
+          <a:stretch>
+            <a:fillRect/>
+          </a:stretch>
+        </p:blipFill>
+        <p:spPr>
+          <a:xfrm>
+            <a:off x="698720" y="0"/>
+            <a:ext cx="6737984" cy="6791325"/>
+          </a:xfrm>
+          <a:prstGeom prst="rect">
+            <a:avLst/>
+          </a:prstGeom>
+        </p:spPr>
+      </p:pic>
     </p:spTree>
     <p:extLst>
       <p:ext uri="{BB962C8B-B14F-4D97-AF65-F5344CB8AC3E}">
-        <p14:creationId xmlns:p14="http://schemas.microsoft.com/office/powerpoint/2010/main" val="1712144836"/>
+        <p14:creationId xmlns:p14="http://schemas.microsoft.com/office/powerpoint/2010/main" val="2108473444"/>
       </p:ext>
     </p:extLst>
   </p:cSld>
@@ -4634,7 +7249,7 @@
           <p:cNvPr id="2" name="Title 1">
             <a:extLst>
               <a:ext uri="{FF2B5EF4-FFF2-40B4-BE49-F238E27FC236}">
-                <a16:creationId xmlns:a16="http://schemas.microsoft.com/office/drawing/2014/main" id="{1B4C723B-6E52-CA05-CB13-3E45C371D3D7}"/>
+                <a16:creationId xmlns:a16="http://schemas.microsoft.com/office/drawing/2014/main" id="{9072968F-6822-94D9-AFFB-10E96EFF1357}"/>
               </a:ext>
             </a:extLst>
           </p:cNvPr>
@@ -4652,7 +7267,7 @@
           <a:p>
             <a:r>
               <a:rPr lang="en-US" dirty="0"/>
-              <a:t>Comparison and Selection of Software</a:t>
+              <a:t>Comparison and Selection of Hardware</a:t>
             </a:r>
           </a:p>
         </p:txBody>
@@ -4662,7 +7277,7 @@
           <p:cNvPr id="3" name="Content Placeholder 2">
             <a:extLst>
               <a:ext uri="{FF2B5EF4-FFF2-40B4-BE49-F238E27FC236}">
-                <a16:creationId xmlns:a16="http://schemas.microsoft.com/office/drawing/2014/main" id="{D77444A8-AA20-1B0E-DB4C-19B7DCC36971}"/>
+                <a16:creationId xmlns:a16="http://schemas.microsoft.com/office/drawing/2014/main" id="{A20F87DD-A2DE-8400-6C19-5BA9DC844C9E}"/>
               </a:ext>
             </a:extLst>
           </p:cNvPr>
@@ -4678,14 +7293,14 @@
           <a:bodyPr/>
           <a:lstStyle/>
           <a:p>
-            <a:endParaRPr lang="en-US"/>
+            <a:endParaRPr lang="en-US" dirty="0"/>
           </a:p>
         </p:txBody>
       </p:sp>
     </p:spTree>
     <p:extLst>
       <p:ext uri="{BB962C8B-B14F-4D97-AF65-F5344CB8AC3E}">
-        <p14:creationId xmlns:p14="http://schemas.microsoft.com/office/powerpoint/2010/main" val="3156607132"/>
+        <p14:creationId xmlns:p14="http://schemas.microsoft.com/office/powerpoint/2010/main" val="3692177523"/>
       </p:ext>
     </p:extLst>
   </p:cSld>
@@ -4717,7 +7332,7 @@
           <p:cNvPr id="2" name="Title 1">
             <a:extLst>
               <a:ext uri="{FF2B5EF4-FFF2-40B4-BE49-F238E27FC236}">
-                <a16:creationId xmlns:a16="http://schemas.microsoft.com/office/drawing/2014/main" id="{1CF73548-BAA2-9628-D15F-2F7BCC0FE63D}"/>
+                <a16:creationId xmlns:a16="http://schemas.microsoft.com/office/drawing/2014/main" id="{BB18B88F-A920-F17D-DA16-AFE2F81DA06E}"/>
               </a:ext>
             </a:extLst>
           </p:cNvPr>
@@ -4733,10 +7348,7 @@
           <a:bodyPr/>
           <a:lstStyle/>
           <a:p>
-            <a:r>
-              <a:rPr lang="en-US" dirty="0"/>
-              <a:t>Hardware Design</a:t>
-            </a:r>
+            <a:endParaRPr lang="en-US"/>
           </a:p>
         </p:txBody>
       </p:sp>
@@ -4745,7 +7357,7 @@
           <p:cNvPr id="3" name="Content Placeholder 2">
             <a:extLst>
               <a:ext uri="{FF2B5EF4-FFF2-40B4-BE49-F238E27FC236}">
-                <a16:creationId xmlns:a16="http://schemas.microsoft.com/office/drawing/2014/main" id="{092EC7E0-E2D1-A093-EF2C-C3EEDD0FC80A}"/>
+                <a16:creationId xmlns:a16="http://schemas.microsoft.com/office/drawing/2014/main" id="{DD4B9E65-35BC-5E3A-C062-0187642DBCE3}"/>
               </a:ext>
             </a:extLst>
           </p:cNvPr>
@@ -4761,14 +7373,14 @@
           <a:bodyPr/>
           <a:lstStyle/>
           <a:p>
-            <a:endParaRPr lang="en-US"/>
+            <a:endParaRPr lang="en-US" dirty="0"/>
           </a:p>
         </p:txBody>
       </p:sp>
     </p:spTree>
     <p:extLst>
       <p:ext uri="{BB962C8B-B14F-4D97-AF65-F5344CB8AC3E}">
-        <p14:creationId xmlns:p14="http://schemas.microsoft.com/office/powerpoint/2010/main" val="1447807741"/>
+        <p14:creationId xmlns:p14="http://schemas.microsoft.com/office/powerpoint/2010/main" val="1712144836"/>
       </p:ext>
     </p:extLst>
   </p:cSld>
@@ -4800,7 +7412,7 @@
           <p:cNvPr id="2" name="Title 1">
             <a:extLst>
               <a:ext uri="{FF2B5EF4-FFF2-40B4-BE49-F238E27FC236}">
-                <a16:creationId xmlns:a16="http://schemas.microsoft.com/office/drawing/2014/main" id="{03D18C94-A8E4-C70C-5708-006B7AE4E3DC}"/>
+                <a16:creationId xmlns:a16="http://schemas.microsoft.com/office/drawing/2014/main" id="{1B4C723B-6E52-CA05-CB13-3E45C371D3D7}"/>
               </a:ext>
             </a:extLst>
           </p:cNvPr>
@@ -4818,7 +7430,7 @@
           <a:p>
             <a:r>
               <a:rPr lang="en-US" dirty="0"/>
-              <a:t>Software Design</a:t>
+              <a:t>Comparison and Selection of Software</a:t>
             </a:r>
           </a:p>
         </p:txBody>
@@ -4828,7 +7440,7 @@
           <p:cNvPr id="3" name="Content Placeholder 2">
             <a:extLst>
               <a:ext uri="{FF2B5EF4-FFF2-40B4-BE49-F238E27FC236}">
-                <a16:creationId xmlns:a16="http://schemas.microsoft.com/office/drawing/2014/main" id="{BC5DD455-54D5-2FCC-C64A-A7AB7486A8C4}"/>
+                <a16:creationId xmlns:a16="http://schemas.microsoft.com/office/drawing/2014/main" id="{D77444A8-AA20-1B0E-DB4C-19B7DCC36971}"/>
               </a:ext>
             </a:extLst>
           </p:cNvPr>
@@ -4844,14 +7456,14 @@
           <a:bodyPr/>
           <a:lstStyle/>
           <a:p>
-            <a:endParaRPr lang="en-US" dirty="0"/>
+            <a:endParaRPr lang="en-US"/>
           </a:p>
         </p:txBody>
       </p:sp>
     </p:spTree>
     <p:extLst>
       <p:ext uri="{BB962C8B-B14F-4D97-AF65-F5344CB8AC3E}">
-        <p14:creationId xmlns:p14="http://schemas.microsoft.com/office/powerpoint/2010/main" val="106284619"/>
+        <p14:creationId xmlns:p14="http://schemas.microsoft.com/office/powerpoint/2010/main" val="3156607132"/>
       </p:ext>
     </p:extLst>
   </p:cSld>
@@ -4862,108 +7474,58 @@
 </file>
 
 <file path=ppt/theme/theme1.xml><?xml version="1.0" encoding="utf-8"?>
-<a:theme xmlns:a="http://schemas.openxmlformats.org/drawingml/2006/main" name="Office Theme">
+<a:theme xmlns:a="http://schemas.openxmlformats.org/drawingml/2006/main" name="Parcel">
   <a:themeElements>
-    <a:clrScheme name="Office">
+    <a:clrScheme name="Parcel">
       <a:dk1>
-        <a:sysClr val="windowText" lastClr="000000"/>
+        <a:srgbClr val="000000"/>
       </a:dk1>
       <a:lt1>
-        <a:sysClr val="window" lastClr="FFFFFF"/>
+        <a:srgbClr val="FFFFFF"/>
       </a:lt1>
       <a:dk2>
-        <a:srgbClr val="44546A"/>
+        <a:srgbClr val="4A5356"/>
       </a:dk2>
       <a:lt2>
-        <a:srgbClr val="E7E6E6"/>
+        <a:srgbClr val="E8E3CE"/>
       </a:lt2>
       <a:accent1>
-        <a:srgbClr val="4472C4"/>
+        <a:srgbClr val="F6A21D"/>
       </a:accent1>
       <a:accent2>
-        <a:srgbClr val="ED7D31"/>
+        <a:srgbClr val="9BAFB5"/>
       </a:accent2>
       <a:accent3>
-        <a:srgbClr val="A5A5A5"/>
+        <a:srgbClr val="C96731"/>
       </a:accent3>
       <a:accent4>
-        <a:srgbClr val="FFC000"/>
+        <a:srgbClr val="9CA383"/>
       </a:accent4>
       <a:accent5>
-        <a:srgbClr val="5B9BD5"/>
+        <a:srgbClr val="87795D"/>
       </a:accent5>
       <a:accent6>
-        <a:srgbClr val="70AD47"/>
+        <a:srgbClr val="A0988C"/>
       </a:accent6>
       <a:hlink>
-        <a:srgbClr val="0563C1"/>
+        <a:srgbClr val="00B0F0"/>
       </a:hlink>
       <a:folHlink>
-        <a:srgbClr val="954F72"/>
+        <a:srgbClr val="738F97"/>
       </a:folHlink>
     </a:clrScheme>
-    <a:fontScheme name="Office">
+    <a:fontScheme name="Parcel">
       <a:majorFont>
-        <a:latin typeface="Calibri Light" panose="020F0302020204030204"/>
+        <a:latin typeface="Gill Sans MT" panose="020B0502020104020203"/>
         <a:ea typeface=""/>
         <a:cs typeface=""/>
-        <a:font script="Jpan" typeface="游ゴシック Light"/>
-        <a:font script="Hang" typeface="맑은 고딕"/>
-        <a:font script="Hans" typeface="等线 Light"/>
-        <a:font script="Hant" typeface="新細明體"/>
-        <a:font script="Arab" typeface="Times New Roman"/>
-        <a:font script="Hebr" typeface="Times New Roman"/>
-        <a:font script="Thai" typeface="Angsana New"/>
-        <a:font script="Ethi" typeface="Nyala"/>
-        <a:font script="Beng" typeface="Vrinda"/>
-        <a:font script="Gujr" typeface="Shruti"/>
-        <a:font script="Khmr" typeface="MoolBoran"/>
-        <a:font script="Knda" typeface="Tunga"/>
-        <a:font script="Guru" typeface="Raavi"/>
-        <a:font script="Cans" typeface="Euphemia"/>
-        <a:font script="Cher" typeface="Plantagenet Cherokee"/>
-        <a:font script="Yiii" typeface="Microsoft Yi Baiti"/>
-        <a:font script="Tibt" typeface="Microsoft Himalaya"/>
-        <a:font script="Thaa" typeface="MV Boli"/>
-        <a:font script="Deva" typeface="Mangal"/>
-        <a:font script="Telu" typeface="Gautami"/>
-        <a:font script="Taml" typeface="Latha"/>
-        <a:font script="Syrc" typeface="Estrangelo Edessa"/>
-        <a:font script="Orya" typeface="Kalinga"/>
-        <a:font script="Mlym" typeface="Kartika"/>
-        <a:font script="Laoo" typeface="DokChampa"/>
-        <a:font script="Sinh" typeface="Iskoola Pota"/>
-        <a:font script="Mong" typeface="Mongolian Baiti"/>
-        <a:font script="Viet" typeface="Times New Roman"/>
-        <a:font script="Uigh" typeface="Microsoft Uighur"/>
-        <a:font script="Geor" typeface="Sylfaen"/>
-        <a:font script="Armn" typeface="Arial"/>
-        <a:font script="Bugi" typeface="Leelawadee UI"/>
-        <a:font script="Bopo" typeface="Microsoft JhengHei"/>
-        <a:font script="Java" typeface="Javanese Text"/>
-        <a:font script="Lisu" typeface="Segoe UI"/>
-        <a:font script="Mymr" typeface="Myanmar Text"/>
-        <a:font script="Nkoo" typeface="Ebrima"/>
-        <a:font script="Olck" typeface="Nirmala UI"/>
-        <a:font script="Osma" typeface="Ebrima"/>
-        <a:font script="Phag" typeface="Phagspa"/>
-        <a:font script="Syrn" typeface="Estrangelo Edessa"/>
-        <a:font script="Syrj" typeface="Estrangelo Edessa"/>
-        <a:font script="Syre" typeface="Estrangelo Edessa"/>
-        <a:font script="Sora" typeface="Nirmala UI"/>
-        <a:font script="Tale" typeface="Microsoft Tai Le"/>
-        <a:font script="Talu" typeface="Microsoft New Tai Lue"/>
-        <a:font script="Tfng" typeface="Ebrima"/>
-      </a:majorFont>
-      <a:minorFont>
-        <a:latin typeface="Calibri" panose="020F0502020204030204"/>
-        <a:ea typeface=""/>
-        <a:cs typeface=""/>
-        <a:font script="Jpan" typeface="游ゴシック"/>
-        <a:font script="Hang" typeface="맑은 고딕"/>
-        <a:font script="Hans" typeface="等线"/>
-        <a:font script="Hant" typeface="新細明體"/>
-        <a:font script="Arab" typeface="Arial"/>
+        <a:font script="Grek" typeface="Corbel"/>
+        <a:font script="Cyrl" typeface="Corbel"/>
+        <a:font script="Jpan" typeface="HGｺﾞｼｯｸE"/>
+        <a:font script="Hang" typeface="휴먼매직체"/>
+        <a:font script="Hans" typeface="华文中宋"/>
+        <a:font script="Hant" typeface="微軟正黑體"/>
+        <a:font script="Arab" typeface="Majalla UI"/>
         <a:font script="Hebr" typeface="Arial"/>
         <a:font script="Thai" typeface="Cordia New"/>
         <a:font script="Ethi" typeface="Nyala"/>
@@ -4986,29 +7548,49 @@
         <a:font script="Laoo" typeface="DokChampa"/>
         <a:font script="Sinh" typeface="Iskoola Pota"/>
         <a:font script="Mong" typeface="Mongolian Baiti"/>
-        <a:font script="Viet" typeface="Arial"/>
+        <a:font script="Viet" typeface="Tahoma"/>
         <a:font script="Uigh" typeface="Microsoft Uighur"/>
         <a:font script="Geor" typeface="Sylfaen"/>
-        <a:font script="Armn" typeface="Arial"/>
-        <a:font script="Bugi" typeface="Leelawadee UI"/>
-        <a:font script="Bopo" typeface="Microsoft JhengHei"/>
-        <a:font script="Java" typeface="Javanese Text"/>
-        <a:font script="Lisu" typeface="Segoe UI"/>
-        <a:font script="Mymr" typeface="Myanmar Text"/>
-        <a:font script="Nkoo" typeface="Ebrima"/>
-        <a:font script="Olck" typeface="Nirmala UI"/>
-        <a:font script="Osma" typeface="Ebrima"/>
-        <a:font script="Phag" typeface="Phagspa"/>
-        <a:font script="Syrn" typeface="Estrangelo Edessa"/>
-        <a:font script="Syrj" typeface="Estrangelo Edessa"/>
-        <a:font script="Syre" typeface="Estrangelo Edessa"/>
-        <a:font script="Sora" typeface="Nirmala UI"/>
-        <a:font script="Tale" typeface="Microsoft Tai Le"/>
-        <a:font script="Talu" typeface="Microsoft New Tai Lue"/>
-        <a:font script="Tfng" typeface="Ebrima"/>
+      </a:majorFont>
+      <a:minorFont>
+        <a:latin typeface="Gill Sans MT" panose="020B0502020104020203"/>
+        <a:ea typeface=""/>
+        <a:cs typeface=""/>
+        <a:font script="Grek" typeface="Corbel"/>
+        <a:font script="Cyrl" typeface="Corbel"/>
+        <a:font script="Jpan" typeface="HGｺﾞｼｯｸE"/>
+        <a:font script="Hang" typeface="휴먼매직체"/>
+        <a:font script="Hans" typeface="华文中宋"/>
+        <a:font script="Hant" typeface="微軟正黑體"/>
+        <a:font script="Arab" typeface="Majalla UI"/>
+        <a:font script="Hebr" typeface="Arial"/>
+        <a:font script="Thai" typeface="Cordia New"/>
+        <a:font script="Ethi" typeface="Nyala"/>
+        <a:font script="Beng" typeface="Vrinda"/>
+        <a:font script="Gujr" typeface="Shruti"/>
+        <a:font script="Khmr" typeface="DaunPenh"/>
+        <a:font script="Knda" typeface="Tunga"/>
+        <a:font script="Guru" typeface="Raavi"/>
+        <a:font script="Cans" typeface="Euphemia"/>
+        <a:font script="Cher" typeface="Plantagenet Cherokee"/>
+        <a:font script="Yiii" typeface="Microsoft Yi Baiti"/>
+        <a:font script="Tibt" typeface="Microsoft Himalaya"/>
+        <a:font script="Thaa" typeface="MV Boli"/>
+        <a:font script="Deva" typeface="Mangal"/>
+        <a:font script="Telu" typeface="Gautami"/>
+        <a:font script="Taml" typeface="Latha"/>
+        <a:font script="Syrc" typeface="Estrangelo Edessa"/>
+        <a:font script="Orya" typeface="Kalinga"/>
+        <a:font script="Mlym" typeface="Kartika"/>
+        <a:font script="Laoo" typeface="DokChampa"/>
+        <a:font script="Sinh" typeface="Iskoola Pota"/>
+        <a:font script="Mong" typeface="Mongolian Baiti"/>
+        <a:font script="Viet" typeface="Tahoma"/>
+        <a:font script="Uigh" typeface="Microsoft Uighur"/>
+        <a:font script="Geor" typeface="Sylfaen"/>
       </a:minorFont>
     </a:fontScheme>
-    <a:fmtScheme name="Office">
+    <a:fmtScheme name="Parcel">
       <a:fillStyleLst>
         <a:solidFill>
           <a:schemeClr val="phClr"/>
@@ -5017,23 +7599,16 @@
           <a:gsLst>
             <a:gs pos="0">
               <a:schemeClr val="phClr">
-                <a:lumMod val="110000"/>
-                <a:satMod val="105000"/>
-                <a:tint val="67000"/>
-              </a:schemeClr>
-            </a:gs>
-            <a:gs pos="50000">
-              <a:schemeClr val="phClr">
-                <a:lumMod val="105000"/>
-                <a:satMod val="103000"/>
-                <a:tint val="73000"/>
+                <a:tint val="80000"/>
+                <a:satMod val="107000"/>
+                <a:lumMod val="103000"/>
               </a:schemeClr>
             </a:gs>
             <a:gs pos="100000">
               <a:schemeClr val="phClr">
-                <a:lumMod val="105000"/>
+                <a:tint val="82000"/>
                 <a:satMod val="109000"/>
-                <a:tint val="81000"/>
+                <a:lumMod val="103000"/>
               </a:schemeClr>
             </a:gs>
           </a:gsLst>
@@ -5043,23 +7618,23 @@
           <a:gsLst>
             <a:gs pos="0">
               <a:schemeClr val="phClr">
-                <a:satMod val="103000"/>
+                <a:tint val="97000"/>
+                <a:satMod val="100000"/>
                 <a:lumMod val="102000"/>
-                <a:tint val="94000"/>
               </a:schemeClr>
             </a:gs>
             <a:gs pos="50000">
               <a:schemeClr val="phClr">
-                <a:satMod val="110000"/>
+                <a:shade val="100000"/>
+                <a:satMod val="103000"/>
                 <a:lumMod val="100000"/>
-                <a:shade val="100000"/>
               </a:schemeClr>
             </a:gs>
             <a:gs pos="100000">
               <a:schemeClr val="phClr">
+                <a:shade val="93000"/>
+                <a:satMod val="110000"/>
                 <a:lumMod val="99000"/>
-                <a:satMod val="120000"/>
-                <a:shade val="78000"/>
               </a:schemeClr>
             </a:gs>
           </a:gsLst>
@@ -5072,21 +7647,18 @@
             <a:schemeClr val="phClr"/>
           </a:solidFill>
           <a:prstDash val="solid"/>
-          <a:miter lim="800000"/>
         </a:ln>
         <a:ln w="12700" cap="flat" cmpd="sng" algn="ctr">
           <a:solidFill>
             <a:schemeClr val="phClr"/>
           </a:solidFill>
           <a:prstDash val="solid"/>
-          <a:miter lim="800000"/>
         </a:ln>
-        <a:ln w="19050" cap="flat" cmpd="sng" algn="ctr">
+        <a:ln w="31750" cap="flat" cmpd="sng" algn="ctr">
           <a:solidFill>
             <a:schemeClr val="phClr"/>
           </a:solidFill>
           <a:prstDash val="solid"/>
-          <a:miter lim="800000"/>
         </a:ln>
       </a:lnStyleLst>
       <a:effectStyleLst>
@@ -5098,12 +7670,21 @@
         </a:effectStyle>
         <a:effectStyle>
           <a:effectLst>
-            <a:outerShdw blurRad="57150" dist="19050" dir="5400000" algn="ctr" rotWithShape="0">
+            <a:outerShdw blurRad="55880" dist="15240" dir="5400000" algn="ctr" rotWithShape="0">
               <a:srgbClr val="000000">
-                <a:alpha val="63000"/>
+                <a:alpha val="45000"/>
               </a:srgbClr>
             </a:outerShdw>
           </a:effectLst>
+          <a:scene3d>
+            <a:camera prst="orthographicFront">
+              <a:rot lat="0" lon="0" rev="0"/>
+            </a:camera>
+            <a:lightRig rig="brightRoom" dir="tl"/>
+          </a:scene3d>
+          <a:sp3d prstMaterial="dkEdge">
+            <a:bevelT w="0" h="0"/>
+          </a:sp3d>
         </a:effectStyle>
       </a:effectStyleLst>
       <a:bgFillStyleLst>
@@ -5120,28 +7701,24 @@
           <a:gsLst>
             <a:gs pos="0">
               <a:schemeClr val="phClr">
-                <a:tint val="93000"/>
-                <a:satMod val="150000"/>
-                <a:shade val="98000"/>
-                <a:lumMod val="102000"/>
-              </a:schemeClr>
-            </a:gs>
-            <a:gs pos="50000">
-              <a:schemeClr val="phClr">
-                <a:tint val="98000"/>
-                <a:satMod val="130000"/>
-                <a:shade val="90000"/>
-                <a:lumMod val="103000"/>
+                <a:tint val="97000"/>
+                <a:shade val="100000"/>
+                <a:satMod val="185000"/>
+                <a:lumMod val="120000"/>
               </a:schemeClr>
             </a:gs>
             <a:gs pos="100000">
               <a:schemeClr val="phClr">
-                <a:shade val="63000"/>
-                <a:satMod val="120000"/>
+                <a:tint val="96000"/>
+                <a:shade val="95000"/>
+                <a:satMod val="215000"/>
+                <a:lumMod val="80000"/>
               </a:schemeClr>
             </a:gs>
           </a:gsLst>
-          <a:lin ang="5400000" scaled="0"/>
+          <a:path path="circle">
+            <a:fillToRect l="50000" t="55000" r="125000" b="100000"/>
+          </a:path>
         </a:gradFill>
       </a:bgFillStyleLst>
     </a:fmtScheme>
@@ -5150,7 +7727,7 @@
   <a:extraClrSchemeLst/>
   <a:extLst>
     <a:ext uri="{05A4C25C-085E-4340-85A3-A5531E510DB2}">
-      <thm15:themeFamily xmlns:thm15="http://schemas.microsoft.com/office/thememl/2012/main" name="Office Theme" id="{62F939B6-93AF-4DB8-9C6B-D6C7DFDC589F}" vid="{4A3C46E8-61CC-4603-A589-7422A47A8E4A}"/>
+      <thm15:themeFamily xmlns:thm15="http://schemas.microsoft.com/office/thememl/2012/main" name="Parcel" id="{8BEC4385-4EB9-4D53-BFB5-0EA123736B6D}" vid="{4DB32801-28C0-48B0-8C1D-A9A58613615A}"/>
     </a:ext>
   </a:extLst>
 </a:theme>

--- a/Documents/CDR_Presentation.pptx
+++ b/Documents/CDR_Presentation.pptx
@@ -15,9 +15,18 @@
     <p:sldId id="264" r:id="rId9"/>
     <p:sldId id="261" r:id="rId10"/>
     <p:sldId id="262" r:id="rId11"/>
-    <p:sldId id="263" r:id="rId12"/>
-    <p:sldId id="265" r:id="rId13"/>
-    <p:sldId id="266" r:id="rId14"/>
+    <p:sldId id="269" r:id="rId12"/>
+    <p:sldId id="263" r:id="rId13"/>
+    <p:sldId id="265" r:id="rId14"/>
+    <p:sldId id="270" r:id="rId15"/>
+    <p:sldId id="271" r:id="rId16"/>
+    <p:sldId id="272" r:id="rId17"/>
+    <p:sldId id="273" r:id="rId18"/>
+    <p:sldId id="266" r:id="rId19"/>
+    <p:sldId id="277" r:id="rId20"/>
+    <p:sldId id="274" r:id="rId21"/>
+    <p:sldId id="275" r:id="rId22"/>
+    <p:sldId id="276" r:id="rId23"/>
   </p:sldIdLst>
   <p:sldSz cx="12192000" cy="6858000"/>
   <p:notesSz cx="6858000" cy="9144000"/>
@@ -4299,6 +4308,86 @@
           <p:cNvPr id="2" name="Title 1">
             <a:extLst>
               <a:ext uri="{FF2B5EF4-FFF2-40B4-BE49-F238E27FC236}">
+                <a16:creationId xmlns:a16="http://schemas.microsoft.com/office/drawing/2014/main" id="{AC26F9F2-D26B-FF86-EF35-F1B51BA957DF}"/>
+              </a:ext>
+            </a:extLst>
+          </p:cNvPr>
+          <p:cNvSpPr>
+            <a:spLocks noGrp="1"/>
+          </p:cNvSpPr>
+          <p:nvPr>
+            <p:ph type="title"/>
+          </p:nvPr>
+        </p:nvSpPr>
+        <p:spPr/>
+        <p:txBody>
+          <a:bodyPr/>
+          <a:lstStyle/>
+          <a:p>
+            <a:endParaRPr lang="en-US" dirty="0"/>
+          </a:p>
+        </p:txBody>
+      </p:sp>
+      <p:sp>
+        <p:nvSpPr>
+          <p:cNvPr id="7" name="Content Placeholder 6">
+            <a:extLst>
+              <a:ext uri="{FF2B5EF4-FFF2-40B4-BE49-F238E27FC236}">
+                <a16:creationId xmlns:a16="http://schemas.microsoft.com/office/drawing/2014/main" id="{B264F179-6229-07A1-0E72-C15FAAB3DD0C}"/>
+              </a:ext>
+            </a:extLst>
+          </p:cNvPr>
+          <p:cNvSpPr>
+            <a:spLocks noGrp="1"/>
+          </p:cNvSpPr>
+          <p:nvPr>
+            <p:ph idx="1"/>
+          </p:nvPr>
+        </p:nvSpPr>
+        <p:spPr/>
+        <p:txBody>
+          <a:bodyPr/>
+          <a:lstStyle/>
+          <a:p>
+            <a:endParaRPr lang="en-US" dirty="0"/>
+          </a:p>
+        </p:txBody>
+      </p:sp>
+    </p:spTree>
+    <p:extLst>
+      <p:ext uri="{BB962C8B-B14F-4D97-AF65-F5344CB8AC3E}">
+        <p14:creationId xmlns:p14="http://schemas.microsoft.com/office/powerpoint/2010/main" val="1807775951"/>
+      </p:ext>
+    </p:extLst>
+  </p:cSld>
+  <p:clrMapOvr>
+    <a:masterClrMapping/>
+  </p:clrMapOvr>
+</p:sld>
+</file>
+
+<file path=ppt/slides/slide12.xml><?xml version="1.0" encoding="utf-8"?>
+<p:sld xmlns:a="http://schemas.openxmlformats.org/drawingml/2006/main" xmlns:r="http://schemas.openxmlformats.org/officeDocument/2006/relationships" xmlns:p="http://schemas.openxmlformats.org/presentationml/2006/main">
+  <p:cSld>
+    <p:spTree>
+      <p:nvGrpSpPr>
+        <p:cNvPr id="1" name=""/>
+        <p:cNvGrpSpPr/>
+        <p:nvPr/>
+      </p:nvGrpSpPr>
+      <p:grpSpPr>
+        <a:xfrm>
+          <a:off x="0" y="0"/>
+          <a:ext cx="0" cy="0"/>
+          <a:chOff x="0" y="0"/>
+          <a:chExt cx="0" cy="0"/>
+        </a:xfrm>
+      </p:grpSpPr>
+      <p:sp>
+        <p:nvSpPr>
+          <p:cNvPr id="2" name="Title 1">
+            <a:extLst>
+              <a:ext uri="{FF2B5EF4-FFF2-40B4-BE49-F238E27FC236}">
                 <a16:creationId xmlns:a16="http://schemas.microsoft.com/office/drawing/2014/main" id="{03D18C94-A8E4-C70C-5708-006B7AE4E3DC}"/>
               </a:ext>
             </a:extLst>
@@ -4360,7 +4449,7 @@
 </p:sld>
 </file>
 
-<file path=ppt/slides/slide12.xml><?xml version="1.0" encoding="utf-8"?>
+<file path=ppt/slides/slide13.xml><?xml version="1.0" encoding="utf-8"?>
 <p:sld xmlns:a="http://schemas.openxmlformats.org/drawingml/2006/main" xmlns:r="http://schemas.openxmlformats.org/officeDocument/2006/relationships" xmlns:p="http://schemas.openxmlformats.org/presentationml/2006/main">
   <p:cSld>
     <p:spTree>
@@ -4426,7 +4515,7 @@
           <a:bodyPr/>
           <a:lstStyle/>
           <a:p>
-            <a:endParaRPr lang="en-US"/>
+            <a:endParaRPr lang="en-US" dirty="0"/>
           </a:p>
         </p:txBody>
       </p:sp>
@@ -4443,7 +4532,679 @@
 </p:sld>
 </file>
 
-<file path=ppt/slides/slide13.xml><?xml version="1.0" encoding="utf-8"?>
+<file path=ppt/slides/slide14.xml><?xml version="1.0" encoding="utf-8"?>
+<p:sld xmlns:a="http://schemas.openxmlformats.org/drawingml/2006/main" xmlns:r="http://schemas.openxmlformats.org/officeDocument/2006/relationships" xmlns:p="http://schemas.openxmlformats.org/presentationml/2006/main">
+  <p:cSld>
+    <p:bg>
+      <p:bgPr>
+        <a:solidFill>
+          <a:schemeClr val="accent2"/>
+        </a:solidFill>
+        <a:effectLst/>
+      </p:bgPr>
+    </p:bg>
+    <p:spTree>
+      <p:nvGrpSpPr>
+        <p:cNvPr id="1" name=""/>
+        <p:cNvGrpSpPr/>
+        <p:nvPr/>
+      </p:nvGrpSpPr>
+      <p:grpSpPr>
+        <a:xfrm>
+          <a:off x="0" y="0"/>
+          <a:ext cx="0" cy="0"/>
+          <a:chOff x="0" y="0"/>
+          <a:chExt cx="0" cy="0"/>
+        </a:xfrm>
+      </p:grpSpPr>
+      <p:sp>
+        <p:nvSpPr>
+          <p:cNvPr id="2" name="Title 1">
+            <a:extLst>
+              <a:ext uri="{FF2B5EF4-FFF2-40B4-BE49-F238E27FC236}">
+                <a16:creationId xmlns:a16="http://schemas.microsoft.com/office/drawing/2014/main" id="{4D384A80-AAA5-EC5D-A7E5-1981A892CCA0}"/>
+              </a:ext>
+            </a:extLst>
+          </p:cNvPr>
+          <p:cNvSpPr>
+            <a:spLocks noGrp="1"/>
+          </p:cNvSpPr>
+          <p:nvPr>
+            <p:ph type="title"/>
+          </p:nvPr>
+        </p:nvSpPr>
+        <p:spPr>
+          <a:xfrm>
+            <a:off x="8787865" y="2921173"/>
+            <a:ext cx="2745667" cy="1015663"/>
+          </a:xfrm>
+        </p:spPr>
+        <p:txBody>
+          <a:bodyPr vert="horz" lIns="182880" tIns="182880" rIns="182880" bIns="182880" rtlCol="0" anchor="ctr" anchorCtr="1">
+            <a:normAutofit fontScale="90000"/>
+          </a:bodyPr>
+          <a:lstStyle/>
+          <a:p>
+            <a:r>
+              <a:rPr lang="en-US" sz="2000" dirty="0"/>
+              <a:t>Stepper Motor Controller PCB</a:t>
+            </a:r>
+          </a:p>
+        </p:txBody>
+      </p:sp>
+      <p:sp>
+        <p:nvSpPr>
+          <p:cNvPr id="19" name="Rectangle 18">
+            <a:extLst>
+              <a:ext uri="{FF2B5EF4-FFF2-40B4-BE49-F238E27FC236}">
+                <a16:creationId xmlns:a16="http://schemas.microsoft.com/office/drawing/2014/main" id="{B8AFBB67-2575-4F5A-96CF-CD2EB02A1EF0}"/>
+              </a:ext>
+              <a:ext uri="{C183D7F6-B498-43B3-948B-1728B52AA6E4}">
+                <adec:decorative xmlns:adec="http://schemas.microsoft.com/office/drawing/2017/decorative" val="1"/>
+              </a:ext>
+            </a:extLst>
+          </p:cNvPr>
+          <p:cNvSpPr>
+            <a:spLocks noGrp="1" noRot="1" noChangeAspect="1" noMove="1" noResize="1" noEditPoints="1" noAdjustHandles="1" noChangeArrowheads="1" noChangeShapeType="1" noTextEdit="1"/>
+          </p:cNvSpPr>
+          <p:nvPr>
+            <p:extLst>
+              <p:ext uri="{386F3935-93C4-4BCD-93E2-E3B085C9AB24}">
+                <p16:designElem xmlns:p16="http://schemas.microsoft.com/office/powerpoint/2015/main" val="1"/>
+              </p:ext>
+            </p:extLst>
+          </p:nvPr>
+        </p:nvSpPr>
+        <p:spPr>
+          <a:xfrm>
+            <a:off x="0" y="0"/>
+            <a:ext cx="8135425" cy="6858000"/>
+          </a:xfrm>
+          <a:prstGeom prst="rect">
+            <a:avLst/>
+          </a:prstGeom>
+          <a:solidFill>
+            <a:schemeClr val="bg1"/>
+          </a:solidFill>
+          <a:ln>
+            <a:noFill/>
+          </a:ln>
+        </p:spPr>
+        <p:style>
+          <a:lnRef idx="2">
+            <a:schemeClr val="accent1">
+              <a:shade val="50000"/>
+            </a:schemeClr>
+          </a:lnRef>
+          <a:fillRef idx="1">
+            <a:schemeClr val="accent1"/>
+          </a:fillRef>
+          <a:effectRef idx="0">
+            <a:schemeClr val="accent1"/>
+          </a:effectRef>
+          <a:fontRef idx="minor">
+            <a:schemeClr val="lt1"/>
+          </a:fontRef>
+        </p:style>
+        <p:txBody>
+          <a:bodyPr rtlCol="0" anchor="ctr"/>
+          <a:lstStyle/>
+          <a:p>
+            <a:pPr algn="ctr"/>
+            <a:endParaRPr lang="en-US"/>
+          </a:p>
+        </p:txBody>
+      </p:sp>
+      <p:pic>
+        <p:nvPicPr>
+          <p:cNvPr id="4" name="Content Placeholder 3" descr="A red circuit board with blue and red text&#10;&#10;Description automatically generated">
+            <a:extLst>
+              <a:ext uri="{FF2B5EF4-FFF2-40B4-BE49-F238E27FC236}">
+                <a16:creationId xmlns:a16="http://schemas.microsoft.com/office/drawing/2014/main" id="{4A1981EC-2F4E-2697-47EB-401816A56DE9}"/>
+              </a:ext>
+            </a:extLst>
+          </p:cNvPr>
+          <p:cNvPicPr>
+            <a:picLocks noGrp="1" noChangeAspect="1"/>
+          </p:cNvPicPr>
+          <p:nvPr>
+            <p:ph idx="1"/>
+          </p:nvPr>
+        </p:nvPicPr>
+        <p:blipFill>
+          <a:blip r:embed="rId2"/>
+          <a:stretch>
+            <a:fillRect/>
+          </a:stretch>
+        </p:blipFill>
+        <p:spPr>
+          <a:xfrm>
+            <a:off x="1608119" y="640080"/>
+            <a:ext cx="4947345" cy="5263134"/>
+          </a:xfrm>
+          <a:prstGeom prst="rect">
+            <a:avLst/>
+          </a:prstGeom>
+        </p:spPr>
+      </p:pic>
+    </p:spTree>
+    <p:extLst>
+      <p:ext uri="{BB962C8B-B14F-4D97-AF65-F5344CB8AC3E}">
+        <p14:creationId xmlns:p14="http://schemas.microsoft.com/office/powerpoint/2010/main" val="2202771365"/>
+      </p:ext>
+    </p:extLst>
+  </p:cSld>
+  <p:clrMapOvr>
+    <a:masterClrMapping/>
+  </p:clrMapOvr>
+</p:sld>
+</file>
+
+<file path=ppt/slides/slide15.xml><?xml version="1.0" encoding="utf-8"?>
+<p:sld xmlns:a="http://schemas.openxmlformats.org/drawingml/2006/main" xmlns:r="http://schemas.openxmlformats.org/officeDocument/2006/relationships" xmlns:p="http://schemas.openxmlformats.org/presentationml/2006/main">
+  <p:cSld>
+    <p:bg>
+      <p:bgPr>
+        <a:solidFill>
+          <a:schemeClr val="accent2"/>
+        </a:solidFill>
+        <a:effectLst/>
+      </p:bgPr>
+    </p:bg>
+    <p:spTree>
+      <p:nvGrpSpPr>
+        <p:cNvPr id="1" name=""/>
+        <p:cNvGrpSpPr/>
+        <p:nvPr/>
+      </p:nvGrpSpPr>
+      <p:grpSpPr>
+        <a:xfrm>
+          <a:off x="0" y="0"/>
+          <a:ext cx="0" cy="0"/>
+          <a:chOff x="0" y="0"/>
+          <a:chExt cx="0" cy="0"/>
+        </a:xfrm>
+      </p:grpSpPr>
+      <p:sp>
+        <p:nvSpPr>
+          <p:cNvPr id="2" name="Title 1">
+            <a:extLst>
+              <a:ext uri="{FF2B5EF4-FFF2-40B4-BE49-F238E27FC236}">
+                <a16:creationId xmlns:a16="http://schemas.microsoft.com/office/drawing/2014/main" id="{39105729-2C0E-7710-3C46-45AFE24F62BF}"/>
+              </a:ext>
+            </a:extLst>
+          </p:cNvPr>
+          <p:cNvSpPr>
+            <a:spLocks noGrp="1"/>
+          </p:cNvSpPr>
+          <p:nvPr>
+            <p:ph type="title"/>
+          </p:nvPr>
+        </p:nvSpPr>
+        <p:spPr>
+          <a:xfrm>
+            <a:off x="8787865" y="2921173"/>
+            <a:ext cx="2745667" cy="1015663"/>
+          </a:xfrm>
+        </p:spPr>
+        <p:txBody>
+          <a:bodyPr vert="horz" lIns="182880" tIns="182880" rIns="182880" bIns="182880" rtlCol="0" anchor="ctr">
+            <a:normAutofit/>
+          </a:bodyPr>
+          <a:lstStyle/>
+          <a:p>
+            <a:r>
+              <a:rPr lang="en-US" sz="2000"/>
+              <a:t>MCU PCB</a:t>
+            </a:r>
+          </a:p>
+        </p:txBody>
+      </p:sp>
+      <p:sp>
+        <p:nvSpPr>
+          <p:cNvPr id="9" name="Rectangle 8">
+            <a:extLst>
+              <a:ext uri="{FF2B5EF4-FFF2-40B4-BE49-F238E27FC236}">
+                <a16:creationId xmlns:a16="http://schemas.microsoft.com/office/drawing/2014/main" id="{B8AFBB67-2575-4F5A-96CF-CD2EB02A1EF0}"/>
+              </a:ext>
+              <a:ext uri="{C183D7F6-B498-43B3-948B-1728B52AA6E4}">
+                <adec:decorative xmlns:adec="http://schemas.microsoft.com/office/drawing/2017/decorative" val="1"/>
+              </a:ext>
+            </a:extLst>
+          </p:cNvPr>
+          <p:cNvSpPr>
+            <a:spLocks noGrp="1" noRot="1" noChangeAspect="1" noMove="1" noResize="1" noEditPoints="1" noAdjustHandles="1" noChangeArrowheads="1" noChangeShapeType="1" noTextEdit="1"/>
+          </p:cNvSpPr>
+          <p:nvPr>
+            <p:extLst>
+              <p:ext uri="{386F3935-93C4-4BCD-93E2-E3B085C9AB24}">
+                <p16:designElem xmlns:p16="http://schemas.microsoft.com/office/powerpoint/2015/main" val="1"/>
+              </p:ext>
+            </p:extLst>
+          </p:nvPr>
+        </p:nvSpPr>
+        <p:spPr>
+          <a:xfrm>
+            <a:off x="0" y="0"/>
+            <a:ext cx="8135425" cy="6858000"/>
+          </a:xfrm>
+          <a:prstGeom prst="rect">
+            <a:avLst/>
+          </a:prstGeom>
+          <a:solidFill>
+            <a:schemeClr val="bg1"/>
+          </a:solidFill>
+          <a:ln>
+            <a:noFill/>
+          </a:ln>
+        </p:spPr>
+        <p:style>
+          <a:lnRef idx="2">
+            <a:schemeClr val="accent1">
+              <a:shade val="50000"/>
+            </a:schemeClr>
+          </a:lnRef>
+          <a:fillRef idx="1">
+            <a:schemeClr val="accent1"/>
+          </a:fillRef>
+          <a:effectRef idx="0">
+            <a:schemeClr val="accent1"/>
+          </a:effectRef>
+          <a:fontRef idx="minor">
+            <a:schemeClr val="lt1"/>
+          </a:fontRef>
+        </p:style>
+        <p:txBody>
+          <a:bodyPr rtlCol="0" anchor="ctr"/>
+          <a:lstStyle/>
+          <a:p>
+            <a:pPr algn="ctr"/>
+            <a:endParaRPr lang="en-US"/>
+          </a:p>
+        </p:txBody>
+      </p:sp>
+      <p:pic>
+        <p:nvPicPr>
+          <p:cNvPr id="4" name="Content Placeholder 3" descr="A red circuit board with blue and yellow text&#10;&#10;Description automatically generated">
+            <a:extLst>
+              <a:ext uri="{FF2B5EF4-FFF2-40B4-BE49-F238E27FC236}">
+                <a16:creationId xmlns:a16="http://schemas.microsoft.com/office/drawing/2014/main" id="{248DBF48-04F6-F3CF-A468-A4217F187E4E}"/>
+              </a:ext>
+            </a:extLst>
+          </p:cNvPr>
+          <p:cNvPicPr>
+            <a:picLocks noGrp="1" noChangeAspect="1"/>
+          </p:cNvPicPr>
+          <p:nvPr>
+            <p:ph idx="1"/>
+          </p:nvPr>
+        </p:nvPicPr>
+        <p:blipFill>
+          <a:blip r:embed="rId2"/>
+          <a:stretch>
+            <a:fillRect/>
+          </a:stretch>
+        </p:blipFill>
+        <p:spPr>
+          <a:xfrm>
+            <a:off x="668238" y="984566"/>
+            <a:ext cx="6827107" cy="4574161"/>
+          </a:xfrm>
+          <a:prstGeom prst="rect">
+            <a:avLst/>
+          </a:prstGeom>
+        </p:spPr>
+      </p:pic>
+    </p:spTree>
+    <p:extLst>
+      <p:ext uri="{BB962C8B-B14F-4D97-AF65-F5344CB8AC3E}">
+        <p14:creationId xmlns:p14="http://schemas.microsoft.com/office/powerpoint/2010/main" val="1280469958"/>
+      </p:ext>
+    </p:extLst>
+  </p:cSld>
+  <p:clrMapOvr>
+    <a:masterClrMapping/>
+  </p:clrMapOvr>
+</p:sld>
+</file>
+
+<file path=ppt/slides/slide16.xml><?xml version="1.0" encoding="utf-8"?>
+<p:sld xmlns:a="http://schemas.openxmlformats.org/drawingml/2006/main" xmlns:r="http://schemas.openxmlformats.org/officeDocument/2006/relationships" xmlns:p="http://schemas.openxmlformats.org/presentationml/2006/main">
+  <p:cSld>
+    <p:bg>
+      <p:bgPr>
+        <a:solidFill>
+          <a:schemeClr val="accent2"/>
+        </a:solidFill>
+        <a:effectLst/>
+      </p:bgPr>
+    </p:bg>
+    <p:spTree>
+      <p:nvGrpSpPr>
+        <p:cNvPr id="1" name=""/>
+        <p:cNvGrpSpPr/>
+        <p:nvPr/>
+      </p:nvGrpSpPr>
+      <p:grpSpPr>
+        <a:xfrm>
+          <a:off x="0" y="0"/>
+          <a:ext cx="0" cy="0"/>
+          <a:chOff x="0" y="0"/>
+          <a:chExt cx="0" cy="0"/>
+        </a:xfrm>
+      </p:grpSpPr>
+      <p:sp>
+        <p:nvSpPr>
+          <p:cNvPr id="2" name="Title 1">
+            <a:extLst>
+              <a:ext uri="{FF2B5EF4-FFF2-40B4-BE49-F238E27FC236}">
+                <a16:creationId xmlns:a16="http://schemas.microsoft.com/office/drawing/2014/main" id="{F616B74A-6D2D-4259-4A43-8AEAD62D7B28}"/>
+              </a:ext>
+            </a:extLst>
+          </p:cNvPr>
+          <p:cNvSpPr>
+            <a:spLocks noGrp="1"/>
+          </p:cNvSpPr>
+          <p:nvPr>
+            <p:ph type="title"/>
+          </p:nvPr>
+        </p:nvSpPr>
+        <p:spPr>
+          <a:xfrm>
+            <a:off x="8787865" y="2921173"/>
+            <a:ext cx="2745667" cy="1015663"/>
+          </a:xfrm>
+        </p:spPr>
+        <p:txBody>
+          <a:bodyPr vert="horz" lIns="182880" tIns="182880" rIns="182880" bIns="182880" rtlCol="0" anchor="ctr">
+            <a:normAutofit/>
+          </a:bodyPr>
+          <a:lstStyle/>
+          <a:p>
+            <a:r>
+              <a:rPr lang="en-US" sz="1700"/>
+              <a:t>SErVo Motor controller PCB</a:t>
+            </a:r>
+          </a:p>
+        </p:txBody>
+      </p:sp>
+      <p:sp>
+        <p:nvSpPr>
+          <p:cNvPr id="9" name="Rectangle 8">
+            <a:extLst>
+              <a:ext uri="{FF2B5EF4-FFF2-40B4-BE49-F238E27FC236}">
+                <a16:creationId xmlns:a16="http://schemas.microsoft.com/office/drawing/2014/main" id="{B8AFBB67-2575-4F5A-96CF-CD2EB02A1EF0}"/>
+              </a:ext>
+              <a:ext uri="{C183D7F6-B498-43B3-948B-1728B52AA6E4}">
+                <adec:decorative xmlns:adec="http://schemas.microsoft.com/office/drawing/2017/decorative" val="1"/>
+              </a:ext>
+            </a:extLst>
+          </p:cNvPr>
+          <p:cNvSpPr>
+            <a:spLocks noGrp="1" noRot="1" noChangeAspect="1" noMove="1" noResize="1" noEditPoints="1" noAdjustHandles="1" noChangeArrowheads="1" noChangeShapeType="1" noTextEdit="1"/>
+          </p:cNvSpPr>
+          <p:nvPr>
+            <p:extLst>
+              <p:ext uri="{386F3935-93C4-4BCD-93E2-E3B085C9AB24}">
+                <p16:designElem xmlns:p16="http://schemas.microsoft.com/office/powerpoint/2015/main" val="1"/>
+              </p:ext>
+            </p:extLst>
+          </p:nvPr>
+        </p:nvSpPr>
+        <p:spPr>
+          <a:xfrm>
+            <a:off x="0" y="0"/>
+            <a:ext cx="8135425" cy="6858000"/>
+          </a:xfrm>
+          <a:prstGeom prst="rect">
+            <a:avLst/>
+          </a:prstGeom>
+          <a:solidFill>
+            <a:schemeClr val="bg1"/>
+          </a:solidFill>
+          <a:ln>
+            <a:noFill/>
+          </a:ln>
+        </p:spPr>
+        <p:style>
+          <a:lnRef idx="2">
+            <a:schemeClr val="accent1">
+              <a:shade val="50000"/>
+            </a:schemeClr>
+          </a:lnRef>
+          <a:fillRef idx="1">
+            <a:schemeClr val="accent1"/>
+          </a:fillRef>
+          <a:effectRef idx="0">
+            <a:schemeClr val="accent1"/>
+          </a:effectRef>
+          <a:fontRef idx="minor">
+            <a:schemeClr val="lt1"/>
+          </a:fontRef>
+        </p:style>
+        <p:txBody>
+          <a:bodyPr rtlCol="0" anchor="ctr"/>
+          <a:lstStyle/>
+          <a:p>
+            <a:pPr algn="ctr"/>
+            <a:endParaRPr lang="en-US"/>
+          </a:p>
+        </p:txBody>
+      </p:sp>
+      <p:pic>
+        <p:nvPicPr>
+          <p:cNvPr id="4" name="Content Placeholder 3" descr="A red circuit board with many small holes&#10;&#10;Description automatically generated with medium confidence">
+            <a:extLst>
+              <a:ext uri="{FF2B5EF4-FFF2-40B4-BE49-F238E27FC236}">
+                <a16:creationId xmlns:a16="http://schemas.microsoft.com/office/drawing/2014/main" id="{48882CD6-B291-3F45-5AF0-CE702CFB1E14}"/>
+              </a:ext>
+            </a:extLst>
+          </p:cNvPr>
+          <p:cNvPicPr>
+            <a:picLocks noGrp="1" noChangeAspect="1"/>
+          </p:cNvPicPr>
+          <p:nvPr>
+            <p:ph idx="1"/>
+          </p:nvPr>
+        </p:nvPicPr>
+        <p:blipFill>
+          <a:blip r:embed="rId2"/>
+          <a:stretch>
+            <a:fillRect/>
+          </a:stretch>
+        </p:blipFill>
+        <p:spPr>
+          <a:xfrm>
+            <a:off x="1989696" y="640080"/>
+            <a:ext cx="4184191" cy="5263134"/>
+          </a:xfrm>
+          <a:prstGeom prst="rect">
+            <a:avLst/>
+          </a:prstGeom>
+        </p:spPr>
+      </p:pic>
+    </p:spTree>
+    <p:extLst>
+      <p:ext uri="{BB962C8B-B14F-4D97-AF65-F5344CB8AC3E}">
+        <p14:creationId xmlns:p14="http://schemas.microsoft.com/office/powerpoint/2010/main" val="4103262010"/>
+      </p:ext>
+    </p:extLst>
+  </p:cSld>
+  <p:clrMapOvr>
+    <a:masterClrMapping/>
+  </p:clrMapOvr>
+</p:sld>
+</file>
+
+<file path=ppt/slides/slide17.xml><?xml version="1.0" encoding="utf-8"?>
+<p:sld xmlns:a="http://schemas.openxmlformats.org/drawingml/2006/main" xmlns:r="http://schemas.openxmlformats.org/officeDocument/2006/relationships" xmlns:p="http://schemas.openxmlformats.org/presentationml/2006/main">
+  <p:cSld>
+    <p:bg>
+      <p:bgPr>
+        <a:solidFill>
+          <a:schemeClr val="accent2"/>
+        </a:solidFill>
+        <a:effectLst/>
+      </p:bgPr>
+    </p:bg>
+    <p:spTree>
+      <p:nvGrpSpPr>
+        <p:cNvPr id="1" name=""/>
+        <p:cNvGrpSpPr/>
+        <p:nvPr/>
+      </p:nvGrpSpPr>
+      <p:grpSpPr>
+        <a:xfrm>
+          <a:off x="0" y="0"/>
+          <a:ext cx="0" cy="0"/>
+          <a:chOff x="0" y="0"/>
+          <a:chExt cx="0" cy="0"/>
+        </a:xfrm>
+      </p:grpSpPr>
+      <p:sp>
+        <p:nvSpPr>
+          <p:cNvPr id="2" name="Title 1">
+            <a:extLst>
+              <a:ext uri="{FF2B5EF4-FFF2-40B4-BE49-F238E27FC236}">
+                <a16:creationId xmlns:a16="http://schemas.microsoft.com/office/drawing/2014/main" id="{26F97713-9F59-2538-C4C1-17D8984CFE2F}"/>
+              </a:ext>
+            </a:extLst>
+          </p:cNvPr>
+          <p:cNvSpPr>
+            <a:spLocks noGrp="1"/>
+          </p:cNvSpPr>
+          <p:nvPr>
+            <p:ph type="title"/>
+          </p:nvPr>
+        </p:nvSpPr>
+        <p:spPr>
+          <a:xfrm>
+            <a:off x="8787865" y="2921173"/>
+            <a:ext cx="2745667" cy="1015663"/>
+          </a:xfrm>
+        </p:spPr>
+        <p:txBody>
+          <a:bodyPr vert="horz" lIns="182880" tIns="182880" rIns="182880" bIns="182880" rtlCol="0" anchor="ctr">
+            <a:normAutofit/>
+          </a:bodyPr>
+          <a:lstStyle/>
+          <a:p>
+            <a:r>
+              <a:rPr lang="en-US" sz="2000"/>
+              <a:t>Sensors PCB</a:t>
+            </a:r>
+          </a:p>
+        </p:txBody>
+      </p:sp>
+      <p:sp>
+        <p:nvSpPr>
+          <p:cNvPr id="13" name="Rectangle 12">
+            <a:extLst>
+              <a:ext uri="{FF2B5EF4-FFF2-40B4-BE49-F238E27FC236}">
+                <a16:creationId xmlns:a16="http://schemas.microsoft.com/office/drawing/2014/main" id="{B8AFBB67-2575-4F5A-96CF-CD2EB02A1EF0}"/>
+              </a:ext>
+              <a:ext uri="{C183D7F6-B498-43B3-948B-1728B52AA6E4}">
+                <adec:decorative xmlns:adec="http://schemas.microsoft.com/office/drawing/2017/decorative" val="1"/>
+              </a:ext>
+            </a:extLst>
+          </p:cNvPr>
+          <p:cNvSpPr>
+            <a:spLocks noGrp="1" noRot="1" noChangeAspect="1" noMove="1" noResize="1" noEditPoints="1" noAdjustHandles="1" noChangeArrowheads="1" noChangeShapeType="1" noTextEdit="1"/>
+          </p:cNvSpPr>
+          <p:nvPr>
+            <p:extLst>
+              <p:ext uri="{386F3935-93C4-4BCD-93E2-E3B085C9AB24}">
+                <p16:designElem xmlns:p16="http://schemas.microsoft.com/office/powerpoint/2015/main" val="1"/>
+              </p:ext>
+            </p:extLst>
+          </p:nvPr>
+        </p:nvSpPr>
+        <p:spPr>
+          <a:xfrm>
+            <a:off x="0" y="0"/>
+            <a:ext cx="8135425" cy="6858000"/>
+          </a:xfrm>
+          <a:prstGeom prst="rect">
+            <a:avLst/>
+          </a:prstGeom>
+          <a:solidFill>
+            <a:schemeClr val="bg1"/>
+          </a:solidFill>
+          <a:ln>
+            <a:noFill/>
+          </a:ln>
+        </p:spPr>
+        <p:style>
+          <a:lnRef idx="2">
+            <a:schemeClr val="accent1">
+              <a:shade val="50000"/>
+            </a:schemeClr>
+          </a:lnRef>
+          <a:fillRef idx="1">
+            <a:schemeClr val="accent1"/>
+          </a:fillRef>
+          <a:effectRef idx="0">
+            <a:schemeClr val="accent1"/>
+          </a:effectRef>
+          <a:fontRef idx="minor">
+            <a:schemeClr val="lt1"/>
+          </a:fontRef>
+        </p:style>
+        <p:txBody>
+          <a:bodyPr rtlCol="0" anchor="ctr"/>
+          <a:lstStyle/>
+          <a:p>
+            <a:pPr algn="ctr"/>
+            <a:endParaRPr lang="en-US"/>
+          </a:p>
+        </p:txBody>
+      </p:sp>
+      <p:pic>
+        <p:nvPicPr>
+          <p:cNvPr id="4" name="Content Placeholder 3" descr="A red square with yellow text&#10;&#10;Description automatically generated">
+            <a:extLst>
+              <a:ext uri="{FF2B5EF4-FFF2-40B4-BE49-F238E27FC236}">
+                <a16:creationId xmlns:a16="http://schemas.microsoft.com/office/drawing/2014/main" id="{194024DA-DAA8-7632-5987-67EF8F7A81E1}"/>
+              </a:ext>
+            </a:extLst>
+          </p:cNvPr>
+          <p:cNvPicPr>
+            <a:picLocks noGrp="1" noChangeAspect="1"/>
+          </p:cNvPicPr>
+          <p:nvPr>
+            <p:ph idx="1"/>
+          </p:nvPr>
+        </p:nvPicPr>
+        <p:blipFill>
+          <a:blip r:embed="rId2"/>
+          <a:stretch>
+            <a:fillRect/>
+          </a:stretch>
+        </p:blipFill>
+        <p:spPr>
+          <a:xfrm>
+            <a:off x="1456804" y="640080"/>
+            <a:ext cx="5249975" cy="5263134"/>
+          </a:xfrm>
+          <a:prstGeom prst="rect">
+            <a:avLst/>
+          </a:prstGeom>
+        </p:spPr>
+      </p:pic>
+    </p:spTree>
+    <p:extLst>
+      <p:ext uri="{BB962C8B-B14F-4D97-AF65-F5344CB8AC3E}">
+        <p14:creationId xmlns:p14="http://schemas.microsoft.com/office/powerpoint/2010/main" val="1327332876"/>
+      </p:ext>
+    </p:extLst>
+  </p:cSld>
+  <p:clrMapOvr>
+    <a:masterClrMapping/>
+  </p:clrMapOvr>
+</p:sld>
+</file>
+
+<file path=ppt/slides/slide18.xml><?xml version="1.0" encoding="utf-8"?>
 <p:sld xmlns:a="http://schemas.openxmlformats.org/drawingml/2006/main" xmlns:r="http://schemas.openxmlformats.org/officeDocument/2006/relationships" xmlns:p="http://schemas.openxmlformats.org/presentationml/2006/main">
   <p:cSld>
     <p:spTree>
@@ -4517,6 +5278,470 @@
     <p:extLst>
       <p:ext uri="{BB962C8B-B14F-4D97-AF65-F5344CB8AC3E}">
         <p14:creationId xmlns:p14="http://schemas.microsoft.com/office/powerpoint/2010/main" val="2607790585"/>
+      </p:ext>
+    </p:extLst>
+  </p:cSld>
+  <p:clrMapOvr>
+    <a:masterClrMapping/>
+  </p:clrMapOvr>
+</p:sld>
+</file>
+
+<file path=ppt/slides/slide19.xml><?xml version="1.0" encoding="utf-8"?>
+<p:sld xmlns:a="http://schemas.openxmlformats.org/drawingml/2006/main" xmlns:r="http://schemas.openxmlformats.org/officeDocument/2006/relationships" xmlns:p="http://schemas.openxmlformats.org/presentationml/2006/main">
+  <p:cSld>
+    <p:spTree>
+      <p:nvGrpSpPr>
+        <p:cNvPr id="1" name=""/>
+        <p:cNvGrpSpPr/>
+        <p:nvPr/>
+      </p:nvGrpSpPr>
+      <p:grpSpPr>
+        <a:xfrm>
+          <a:off x="0" y="0"/>
+          <a:ext cx="0" cy="0"/>
+          <a:chOff x="0" y="0"/>
+          <a:chExt cx="0" cy="0"/>
+        </a:xfrm>
+      </p:grpSpPr>
+      <p:sp>
+        <p:nvSpPr>
+          <p:cNvPr id="2" name="Title 1">
+            <a:extLst>
+              <a:ext uri="{FF2B5EF4-FFF2-40B4-BE49-F238E27FC236}">
+                <a16:creationId xmlns:a16="http://schemas.microsoft.com/office/drawing/2014/main" id="{6CDBCBA2-C25F-AF76-39FC-EED12692A3B5}"/>
+              </a:ext>
+            </a:extLst>
+          </p:cNvPr>
+          <p:cNvSpPr>
+            <a:spLocks noGrp="1"/>
+          </p:cNvSpPr>
+          <p:nvPr>
+            <p:ph type="title"/>
+          </p:nvPr>
+        </p:nvSpPr>
+        <p:spPr/>
+        <p:txBody>
+          <a:bodyPr/>
+          <a:lstStyle/>
+          <a:p>
+            <a:r>
+              <a:rPr lang="en-US" dirty="0"/>
+              <a:t>Overall Budget and Financing</a:t>
+            </a:r>
+          </a:p>
+        </p:txBody>
+      </p:sp>
+      <p:graphicFrame>
+        <p:nvGraphicFramePr>
+          <p:cNvPr id="4" name="Content Placeholder 3">
+            <a:extLst>
+              <a:ext uri="{FF2B5EF4-FFF2-40B4-BE49-F238E27FC236}">
+                <a16:creationId xmlns:a16="http://schemas.microsoft.com/office/drawing/2014/main" id="{BAD1F839-7F50-F9E2-6FD7-CDDAC097B866}"/>
+              </a:ext>
+            </a:extLst>
+          </p:cNvPr>
+          <p:cNvGraphicFramePr>
+            <a:graphicFrameLocks noGrp="1"/>
+          </p:cNvGraphicFramePr>
+          <p:nvPr>
+            <p:ph idx="1"/>
+            <p:extLst>
+              <p:ext uri="{D42A27DB-BD31-4B8C-83A1-F6EECF244321}">
+                <p14:modId xmlns:p14="http://schemas.microsoft.com/office/powerpoint/2010/main" val="4225518248"/>
+              </p:ext>
+            </p:extLst>
+          </p:nvPr>
+        </p:nvGraphicFramePr>
+        <p:xfrm>
+          <a:off x="1163383" y="2686494"/>
+          <a:ext cx="2135505" cy="1196594"/>
+        </p:xfrm>
+        <a:graphic>
+          <a:graphicData uri="http://schemas.openxmlformats.org/drawingml/2006/table">
+            <a:tbl>
+              <a:tblPr firstRow="1" firstCol="1" bandRow="1">
+                <a:tableStyleId>{5C22544A-7EE6-4342-B048-85BDC9FD1C3A}</a:tableStyleId>
+              </a:tblPr>
+              <a:tblGrid>
+                <a:gridCol w="1368425">
+                  <a:extLst>
+                    <a:ext uri="{9D8B030D-6E8A-4147-A177-3AD203B41FA5}">
+                      <a16:colId xmlns:a16="http://schemas.microsoft.com/office/drawing/2014/main" val="2840465823"/>
+                    </a:ext>
+                  </a:extLst>
+                </a:gridCol>
+                <a:gridCol w="767080">
+                  <a:extLst>
+                    <a:ext uri="{9D8B030D-6E8A-4147-A177-3AD203B41FA5}">
+                      <a16:colId xmlns:a16="http://schemas.microsoft.com/office/drawing/2014/main" val="3900967370"/>
+                    </a:ext>
+                  </a:extLst>
+                </a:gridCol>
+              </a:tblGrid>
+              <a:tr h="204470">
+                <a:tc>
+                  <a:txBody>
+                    <a:bodyPr/>
+                    <a:lstStyle/>
+                    <a:p>
+                      <a:pPr marL="0" marR="0" algn="l">
+                        <a:lnSpc>
+                          <a:spcPct val="107000"/>
+                        </a:lnSpc>
+                        <a:spcBef>
+                          <a:spcPts val="0"/>
+                        </a:spcBef>
+                        <a:spcAft>
+                          <a:spcPts val="0"/>
+                        </a:spcAft>
+                      </a:pPr>
+                      <a:r>
+                        <a:rPr lang="en-US" sz="1200">
+                          <a:effectLst/>
+                        </a:rPr>
+                        <a:t>Sub-System</a:t>
+                      </a:r>
+                      <a:endParaRPr lang="en-US" sz="1200">
+                        <a:effectLst/>
+                        <a:latin typeface="Times New Roman" panose="02020603050405020304" pitchFamily="18" charset="0"/>
+                        <a:ea typeface="Calibri" panose="020F0502020204030204" pitchFamily="34" charset="0"/>
+                        <a:cs typeface="Arial" panose="020B0604020202020204" pitchFamily="34" charset="0"/>
+                      </a:endParaRPr>
+                    </a:p>
+                  </a:txBody>
+                  <a:tcPr marL="68580" marR="68580" marT="0" marB="0"/>
+                </a:tc>
+                <a:tc>
+                  <a:txBody>
+                    <a:bodyPr/>
+                    <a:lstStyle/>
+                    <a:p>
+                      <a:pPr marL="0" marR="0" algn="l">
+                        <a:lnSpc>
+                          <a:spcPct val="107000"/>
+                        </a:lnSpc>
+                        <a:spcBef>
+                          <a:spcPts val="0"/>
+                        </a:spcBef>
+                        <a:spcAft>
+                          <a:spcPts val="0"/>
+                        </a:spcAft>
+                      </a:pPr>
+                      <a:r>
+                        <a:rPr lang="en-US" sz="1200">
+                          <a:effectLst/>
+                        </a:rPr>
+                        <a:t>Budget</a:t>
+                      </a:r>
+                      <a:endParaRPr lang="en-US" sz="1200">
+                        <a:effectLst/>
+                        <a:latin typeface="Times New Roman" panose="02020603050405020304" pitchFamily="18" charset="0"/>
+                        <a:ea typeface="Calibri" panose="020F0502020204030204" pitchFamily="34" charset="0"/>
+                        <a:cs typeface="Arial" panose="020B0604020202020204" pitchFamily="34" charset="0"/>
+                      </a:endParaRPr>
+                    </a:p>
+                  </a:txBody>
+                  <a:tcPr marL="68580" marR="68580" marT="0" marB="0"/>
+                </a:tc>
+                <a:extLst>
+                  <a:ext uri="{0D108BD9-81ED-4DB2-BD59-A6C34878D82A}">
+                    <a16:rowId xmlns:a16="http://schemas.microsoft.com/office/drawing/2014/main" val="863703131"/>
+                  </a:ext>
+                </a:extLst>
+              </a:tr>
+              <a:tr h="204470">
+                <a:tc>
+                  <a:txBody>
+                    <a:bodyPr/>
+                    <a:lstStyle/>
+                    <a:p>
+                      <a:pPr marL="0" marR="0" algn="l">
+                        <a:lnSpc>
+                          <a:spcPct val="107000"/>
+                        </a:lnSpc>
+                        <a:spcBef>
+                          <a:spcPts val="0"/>
+                        </a:spcBef>
+                        <a:spcAft>
+                          <a:spcPts val="0"/>
+                        </a:spcAft>
+                      </a:pPr>
+                      <a:r>
+                        <a:rPr lang="en-US" sz="1200">
+                          <a:effectLst/>
+                        </a:rPr>
+                        <a:t>PSU and Solar</a:t>
+                      </a:r>
+                      <a:endParaRPr lang="en-US" sz="1200">
+                        <a:effectLst/>
+                        <a:latin typeface="Times New Roman" panose="02020603050405020304" pitchFamily="18" charset="0"/>
+                        <a:ea typeface="Calibri" panose="020F0502020204030204" pitchFamily="34" charset="0"/>
+                        <a:cs typeface="Arial" panose="020B0604020202020204" pitchFamily="34" charset="0"/>
+                      </a:endParaRPr>
+                    </a:p>
+                  </a:txBody>
+                  <a:tcPr marL="68580" marR="68580" marT="0" marB="0"/>
+                </a:tc>
+                <a:tc>
+                  <a:txBody>
+                    <a:bodyPr/>
+                    <a:lstStyle/>
+                    <a:p>
+                      <a:pPr marL="0" marR="0" algn="l">
+                        <a:lnSpc>
+                          <a:spcPct val="107000"/>
+                        </a:lnSpc>
+                        <a:spcBef>
+                          <a:spcPts val="0"/>
+                        </a:spcBef>
+                        <a:spcAft>
+                          <a:spcPts val="0"/>
+                        </a:spcAft>
+                      </a:pPr>
+                      <a:r>
+                        <a:rPr lang="en-US" sz="1200">
+                          <a:effectLst/>
+                        </a:rPr>
+                        <a:t>$ 150.00</a:t>
+                      </a:r>
+                      <a:endParaRPr lang="en-US" sz="1200">
+                        <a:effectLst/>
+                        <a:latin typeface="Times New Roman" panose="02020603050405020304" pitchFamily="18" charset="0"/>
+                        <a:ea typeface="Calibri" panose="020F0502020204030204" pitchFamily="34" charset="0"/>
+                        <a:cs typeface="Arial" panose="020B0604020202020204" pitchFamily="34" charset="0"/>
+                      </a:endParaRPr>
+                    </a:p>
+                  </a:txBody>
+                  <a:tcPr marL="68580" marR="68580" marT="0" marB="0"/>
+                </a:tc>
+                <a:extLst>
+                  <a:ext uri="{0D108BD9-81ED-4DB2-BD59-A6C34878D82A}">
+                    <a16:rowId xmlns:a16="http://schemas.microsoft.com/office/drawing/2014/main" val="2363865402"/>
+                  </a:ext>
+                </a:extLst>
+              </a:tr>
+              <a:tr h="204470">
+                <a:tc>
+                  <a:txBody>
+                    <a:bodyPr/>
+                    <a:lstStyle/>
+                    <a:p>
+                      <a:pPr marL="0" marR="0" algn="l">
+                        <a:lnSpc>
+                          <a:spcPct val="107000"/>
+                        </a:lnSpc>
+                        <a:spcBef>
+                          <a:spcPts val="0"/>
+                        </a:spcBef>
+                        <a:spcAft>
+                          <a:spcPts val="0"/>
+                        </a:spcAft>
+                      </a:pPr>
+                      <a:r>
+                        <a:rPr lang="en-US" sz="1200">
+                          <a:effectLst/>
+                        </a:rPr>
+                        <a:t>Frame/Reflector</a:t>
+                      </a:r>
+                      <a:endParaRPr lang="en-US" sz="1200">
+                        <a:effectLst/>
+                        <a:latin typeface="Times New Roman" panose="02020603050405020304" pitchFamily="18" charset="0"/>
+                        <a:ea typeface="Calibri" panose="020F0502020204030204" pitchFamily="34" charset="0"/>
+                        <a:cs typeface="Arial" panose="020B0604020202020204" pitchFamily="34" charset="0"/>
+                      </a:endParaRPr>
+                    </a:p>
+                  </a:txBody>
+                  <a:tcPr marL="68580" marR="68580" marT="0" marB="0"/>
+                </a:tc>
+                <a:tc>
+                  <a:txBody>
+                    <a:bodyPr/>
+                    <a:lstStyle/>
+                    <a:p>
+                      <a:pPr marL="0" marR="0" algn="l">
+                        <a:lnSpc>
+                          <a:spcPct val="107000"/>
+                        </a:lnSpc>
+                        <a:spcBef>
+                          <a:spcPts val="0"/>
+                        </a:spcBef>
+                        <a:spcAft>
+                          <a:spcPts val="0"/>
+                        </a:spcAft>
+                      </a:pPr>
+                      <a:r>
+                        <a:rPr lang="en-US" sz="1200">
+                          <a:effectLst/>
+                        </a:rPr>
+                        <a:t>$ 200.00</a:t>
+                      </a:r>
+                      <a:endParaRPr lang="en-US" sz="1200">
+                        <a:effectLst/>
+                        <a:latin typeface="Times New Roman" panose="02020603050405020304" pitchFamily="18" charset="0"/>
+                        <a:ea typeface="Calibri" panose="020F0502020204030204" pitchFamily="34" charset="0"/>
+                        <a:cs typeface="Arial" panose="020B0604020202020204" pitchFamily="34" charset="0"/>
+                      </a:endParaRPr>
+                    </a:p>
+                  </a:txBody>
+                  <a:tcPr marL="68580" marR="68580" marT="0" marB="0"/>
+                </a:tc>
+                <a:extLst>
+                  <a:ext uri="{0D108BD9-81ED-4DB2-BD59-A6C34878D82A}">
+                    <a16:rowId xmlns:a16="http://schemas.microsoft.com/office/drawing/2014/main" val="4135400101"/>
+                  </a:ext>
+                </a:extLst>
+              </a:tr>
+              <a:tr h="204470">
+                <a:tc>
+                  <a:txBody>
+                    <a:bodyPr/>
+                    <a:lstStyle/>
+                    <a:p>
+                      <a:pPr marL="0" marR="0" algn="l">
+                        <a:lnSpc>
+                          <a:spcPct val="107000"/>
+                        </a:lnSpc>
+                        <a:spcBef>
+                          <a:spcPts val="0"/>
+                        </a:spcBef>
+                        <a:spcAft>
+                          <a:spcPts val="0"/>
+                        </a:spcAft>
+                      </a:pPr>
+                      <a:r>
+                        <a:rPr lang="en-US" sz="1200" dirty="0">
+                          <a:effectLst/>
+                        </a:rPr>
+                        <a:t>PCBs and Electrical</a:t>
+                      </a:r>
+                      <a:endParaRPr lang="en-US" sz="1200" dirty="0">
+                        <a:effectLst/>
+                        <a:latin typeface="Times New Roman" panose="02020603050405020304" pitchFamily="18" charset="0"/>
+                        <a:ea typeface="Calibri" panose="020F0502020204030204" pitchFamily="34" charset="0"/>
+                        <a:cs typeface="Arial" panose="020B0604020202020204" pitchFamily="34" charset="0"/>
+                      </a:endParaRPr>
+                    </a:p>
+                  </a:txBody>
+                  <a:tcPr marL="68580" marR="68580" marT="0" marB="0"/>
+                </a:tc>
+                <a:tc>
+                  <a:txBody>
+                    <a:bodyPr/>
+                    <a:lstStyle/>
+                    <a:p>
+                      <a:pPr marL="0" marR="0" algn="l">
+                        <a:lnSpc>
+                          <a:spcPct val="107000"/>
+                        </a:lnSpc>
+                        <a:spcBef>
+                          <a:spcPts val="0"/>
+                        </a:spcBef>
+                        <a:spcAft>
+                          <a:spcPts val="0"/>
+                        </a:spcAft>
+                      </a:pPr>
+                      <a:r>
+                        <a:rPr lang="en-US" sz="1200">
+                          <a:effectLst/>
+                        </a:rPr>
+                        <a:t>$ 100.00</a:t>
+                      </a:r>
+                      <a:endParaRPr lang="en-US" sz="1200">
+                        <a:effectLst/>
+                        <a:latin typeface="Times New Roman" panose="02020603050405020304" pitchFamily="18" charset="0"/>
+                        <a:ea typeface="Calibri" panose="020F0502020204030204" pitchFamily="34" charset="0"/>
+                        <a:cs typeface="Arial" panose="020B0604020202020204" pitchFamily="34" charset="0"/>
+                      </a:endParaRPr>
+                    </a:p>
+                  </a:txBody>
+                  <a:tcPr marL="68580" marR="68580" marT="0" marB="0"/>
+                </a:tc>
+                <a:extLst>
+                  <a:ext uri="{0D108BD9-81ED-4DB2-BD59-A6C34878D82A}">
+                    <a16:rowId xmlns:a16="http://schemas.microsoft.com/office/drawing/2014/main" val="3790946879"/>
+                  </a:ext>
+                </a:extLst>
+              </a:tr>
+              <a:tr h="204470">
+                <a:tc>
+                  <a:txBody>
+                    <a:bodyPr/>
+                    <a:lstStyle/>
+                    <a:p>
+                      <a:pPr marL="0" marR="0" algn="l">
+                        <a:lnSpc>
+                          <a:spcPct val="107000"/>
+                        </a:lnSpc>
+                        <a:spcBef>
+                          <a:spcPts val="0"/>
+                        </a:spcBef>
+                        <a:spcAft>
+                          <a:spcPts val="0"/>
+                        </a:spcAft>
+                      </a:pPr>
+                      <a:r>
+                        <a:rPr lang="en-US" sz="1200">
+                          <a:effectLst/>
+                        </a:rPr>
+                        <a:t>Total</a:t>
+                      </a:r>
+                      <a:endParaRPr lang="en-US" sz="1200">
+                        <a:effectLst/>
+                        <a:latin typeface="Times New Roman" panose="02020603050405020304" pitchFamily="18" charset="0"/>
+                        <a:ea typeface="Calibri" panose="020F0502020204030204" pitchFamily="34" charset="0"/>
+                        <a:cs typeface="Arial" panose="020B0604020202020204" pitchFamily="34" charset="0"/>
+                      </a:endParaRPr>
+                    </a:p>
+                  </a:txBody>
+                  <a:tcPr marL="68580" marR="68580" marT="0" marB="0"/>
+                </a:tc>
+                <a:tc>
+                  <a:txBody>
+                    <a:bodyPr/>
+                    <a:lstStyle/>
+                    <a:p>
+                      <a:pPr marL="0" marR="0" algn="l">
+                        <a:lnSpc>
+                          <a:spcPct val="107000"/>
+                        </a:lnSpc>
+                        <a:spcBef>
+                          <a:spcPts val="0"/>
+                        </a:spcBef>
+                        <a:spcAft>
+                          <a:spcPts val="0"/>
+                        </a:spcAft>
+                      </a:pPr>
+                      <a:r>
+                        <a:rPr lang="en-US" sz="1200" dirty="0">
+                          <a:effectLst/>
+                        </a:rPr>
+                        <a:t>$ 450.00</a:t>
+                      </a:r>
+                      <a:endParaRPr lang="en-US" sz="1200" dirty="0">
+                        <a:effectLst/>
+                        <a:latin typeface="Times New Roman" panose="02020603050405020304" pitchFamily="18" charset="0"/>
+                        <a:ea typeface="Calibri" panose="020F0502020204030204" pitchFamily="34" charset="0"/>
+                        <a:cs typeface="Arial" panose="020B0604020202020204" pitchFamily="34" charset="0"/>
+                      </a:endParaRPr>
+                    </a:p>
+                  </a:txBody>
+                  <a:tcPr marL="68580" marR="68580" marT="0" marB="0"/>
+                </a:tc>
+                <a:extLst>
+                  <a:ext uri="{0D108BD9-81ED-4DB2-BD59-A6C34878D82A}">
+                    <a16:rowId xmlns:a16="http://schemas.microsoft.com/office/drawing/2014/main" val="3518819983"/>
+                  </a:ext>
+                </a:extLst>
+              </a:tr>
+            </a:tbl>
+          </a:graphicData>
+        </a:graphic>
+      </p:graphicFrame>
+    </p:spTree>
+    <p:extLst>
+      <p:ext uri="{BB962C8B-B14F-4D97-AF65-F5344CB8AC3E}">
+        <p14:creationId xmlns:p14="http://schemas.microsoft.com/office/powerpoint/2010/main" val="194640937"/>
       </p:ext>
     </p:extLst>
   </p:cSld>
@@ -4652,6 +5877,4738 @@
     <p:extLst>
       <p:ext uri="{BB962C8B-B14F-4D97-AF65-F5344CB8AC3E}">
         <p14:creationId xmlns:p14="http://schemas.microsoft.com/office/powerpoint/2010/main" val="3256686956"/>
+      </p:ext>
+    </p:extLst>
+  </p:cSld>
+  <p:clrMapOvr>
+    <a:masterClrMapping/>
+  </p:clrMapOvr>
+</p:sld>
+</file>
+
+<file path=ppt/slides/slide20.xml><?xml version="1.0" encoding="utf-8"?>
+<p:sld xmlns:a="http://schemas.openxmlformats.org/drawingml/2006/main" xmlns:r="http://schemas.openxmlformats.org/officeDocument/2006/relationships" xmlns:p="http://schemas.openxmlformats.org/presentationml/2006/main">
+  <p:cSld>
+    <p:bg>
+      <p:bgPr>
+        <a:solidFill>
+          <a:schemeClr val="bg1"/>
+        </a:solidFill>
+        <a:effectLst/>
+      </p:bgPr>
+    </p:bg>
+    <p:spTree>
+      <p:nvGrpSpPr>
+        <p:cNvPr id="1" name=""/>
+        <p:cNvGrpSpPr/>
+        <p:nvPr/>
+      </p:nvGrpSpPr>
+      <p:grpSpPr>
+        <a:xfrm>
+          <a:off x="0" y="0"/>
+          <a:ext cx="0" cy="0"/>
+          <a:chOff x="0" y="0"/>
+          <a:chExt cx="0" cy="0"/>
+        </a:xfrm>
+      </p:grpSpPr>
+      <p:sp useBgFill="1">
+        <p:nvSpPr>
+          <p:cNvPr id="23" name="Rectangle 22">
+            <a:extLst>
+              <a:ext uri="{FF2B5EF4-FFF2-40B4-BE49-F238E27FC236}">
+                <a16:creationId xmlns:a16="http://schemas.microsoft.com/office/drawing/2014/main" id="{0AF33C27-9C85-4B30-9AD7-879D48AFE4FF}"/>
+              </a:ext>
+              <a:ext uri="{C183D7F6-B498-43B3-948B-1728B52AA6E4}">
+                <adec:decorative xmlns:adec="http://schemas.microsoft.com/office/drawing/2017/decorative" val="1"/>
+              </a:ext>
+            </a:extLst>
+          </p:cNvPr>
+          <p:cNvSpPr>
+            <a:spLocks noGrp="1" noRot="1" noChangeAspect="1" noMove="1" noResize="1" noEditPoints="1" noAdjustHandles="1" noChangeArrowheads="1" noChangeShapeType="1" noTextEdit="1"/>
+          </p:cNvSpPr>
+          <p:nvPr>
+            <p:extLst>
+              <p:ext uri="{386F3935-93C4-4BCD-93E2-E3B085C9AB24}">
+                <p16:designElem xmlns:p16="http://schemas.microsoft.com/office/powerpoint/2015/main" val="1"/>
+              </p:ext>
+            </p:extLst>
+          </p:nvPr>
+        </p:nvSpPr>
+        <p:spPr>
+          <a:xfrm>
+            <a:off x="0" y="0"/>
+            <a:ext cx="12191999" cy="6858000"/>
+          </a:xfrm>
+          <a:prstGeom prst="rect">
+            <a:avLst/>
+          </a:prstGeom>
+          <a:ln>
+            <a:noFill/>
+          </a:ln>
+        </p:spPr>
+        <p:style>
+          <a:lnRef idx="2">
+            <a:schemeClr val="accent1">
+              <a:shade val="50000"/>
+            </a:schemeClr>
+          </a:lnRef>
+          <a:fillRef idx="1">
+            <a:schemeClr val="accent1"/>
+          </a:fillRef>
+          <a:effectRef idx="0">
+            <a:schemeClr val="accent1"/>
+          </a:effectRef>
+          <a:fontRef idx="minor">
+            <a:schemeClr val="lt1"/>
+          </a:fontRef>
+        </p:style>
+        <p:txBody>
+          <a:bodyPr rtlCol="0" anchor="ctr"/>
+          <a:lstStyle/>
+          <a:p>
+            <a:pPr algn="ctr"/>
+            <a:endParaRPr lang="en-US"/>
+          </a:p>
+        </p:txBody>
+      </p:sp>
+      <p:sp>
+        <p:nvSpPr>
+          <p:cNvPr id="25" name="Rectangle 24">
+            <a:extLst>
+              <a:ext uri="{FF2B5EF4-FFF2-40B4-BE49-F238E27FC236}">
+                <a16:creationId xmlns:a16="http://schemas.microsoft.com/office/drawing/2014/main" id="{6D5089DD-882D-4413-B8BF-4798BFD84A98}"/>
+              </a:ext>
+              <a:ext uri="{C183D7F6-B498-43B3-948B-1728B52AA6E4}">
+                <adec:decorative xmlns:adec="http://schemas.microsoft.com/office/drawing/2017/decorative" val="1"/>
+              </a:ext>
+            </a:extLst>
+          </p:cNvPr>
+          <p:cNvSpPr>
+            <a:spLocks noGrp="1" noRot="1" noChangeAspect="1" noMove="1" noResize="1" noEditPoints="1" noAdjustHandles="1" noChangeArrowheads="1" noChangeShapeType="1" noTextEdit="1"/>
+          </p:cNvSpPr>
+          <p:nvPr>
+            <p:extLst>
+              <p:ext uri="{386F3935-93C4-4BCD-93E2-E3B085C9AB24}">
+                <p16:designElem xmlns:p16="http://schemas.microsoft.com/office/powerpoint/2015/main" val="1"/>
+              </p:ext>
+            </p:extLst>
+          </p:nvPr>
+        </p:nvSpPr>
+        <p:spPr>
+          <a:xfrm>
+            <a:off x="7537704" y="0"/>
+            <a:ext cx="4654296" cy="6858000"/>
+          </a:xfrm>
+          <a:prstGeom prst="rect">
+            <a:avLst/>
+          </a:prstGeom>
+          <a:solidFill>
+            <a:schemeClr val="accent2"/>
+          </a:solidFill>
+          <a:ln>
+            <a:noFill/>
+          </a:ln>
+        </p:spPr>
+        <p:style>
+          <a:lnRef idx="2">
+            <a:schemeClr val="accent1">
+              <a:shade val="50000"/>
+            </a:schemeClr>
+          </a:lnRef>
+          <a:fillRef idx="1">
+            <a:schemeClr val="accent1"/>
+          </a:fillRef>
+          <a:effectRef idx="0">
+            <a:schemeClr val="accent1"/>
+          </a:effectRef>
+          <a:fontRef idx="minor">
+            <a:schemeClr val="lt1"/>
+          </a:fontRef>
+        </p:style>
+        <p:txBody>
+          <a:bodyPr rtlCol="0" anchor="ctr"/>
+          <a:lstStyle/>
+          <a:p>
+            <a:pPr algn="ctr"/>
+            <a:endParaRPr lang="en-US"/>
+          </a:p>
+        </p:txBody>
+      </p:sp>
+      <p:sp>
+        <p:nvSpPr>
+          <p:cNvPr id="2" name="Title 1">
+            <a:extLst>
+              <a:ext uri="{FF2B5EF4-FFF2-40B4-BE49-F238E27FC236}">
+                <a16:creationId xmlns:a16="http://schemas.microsoft.com/office/drawing/2014/main" id="{C40D5770-5734-FF4E-653E-1D024BBD4946}"/>
+              </a:ext>
+            </a:extLst>
+          </p:cNvPr>
+          <p:cNvSpPr>
+            <a:spLocks noGrp="1"/>
+          </p:cNvSpPr>
+          <p:nvPr>
+            <p:ph type="title"/>
+          </p:nvPr>
+        </p:nvSpPr>
+        <p:spPr>
+          <a:xfrm>
+            <a:off x="8181171" y="2681103"/>
+            <a:ext cx="3363974" cy="1495794"/>
+          </a:xfrm>
+          <a:noFill/>
+          <a:ln>
+            <a:solidFill>
+              <a:srgbClr val="FFFFFF"/>
+            </a:solidFill>
+          </a:ln>
+        </p:spPr>
+        <p:txBody>
+          <a:bodyPr vert="horz" wrap="square" lIns="182880" tIns="182880" rIns="182880" bIns="182880" rtlCol="0">
+            <a:normAutofit/>
+          </a:bodyPr>
+          <a:lstStyle/>
+          <a:p>
+            <a:r>
+              <a:rPr lang="en-US" dirty="0">
+                <a:solidFill>
+                  <a:srgbClr val="FFFFFF"/>
+                </a:solidFill>
+              </a:rPr>
+              <a:t>Mechanical's Budgets</a:t>
+            </a:r>
+          </a:p>
+        </p:txBody>
+      </p:sp>
+      <p:graphicFrame>
+        <p:nvGraphicFramePr>
+          <p:cNvPr id="7" name="Content Placeholder 6">
+            <a:extLst>
+              <a:ext uri="{FF2B5EF4-FFF2-40B4-BE49-F238E27FC236}">
+                <a16:creationId xmlns:a16="http://schemas.microsoft.com/office/drawing/2014/main" id="{26344E97-2447-9FBE-DD42-19A75196D04E}"/>
+              </a:ext>
+            </a:extLst>
+          </p:cNvPr>
+          <p:cNvGraphicFramePr>
+            <a:graphicFrameLocks noGrp="1"/>
+          </p:cNvGraphicFramePr>
+          <p:nvPr>
+            <p:ph idx="1"/>
+            <p:extLst>
+              <p:ext uri="{D42A27DB-BD31-4B8C-83A1-F6EECF244321}">
+                <p14:modId xmlns:p14="http://schemas.microsoft.com/office/powerpoint/2010/main" val="665847461"/>
+              </p:ext>
+            </p:extLst>
+          </p:nvPr>
+        </p:nvGraphicFramePr>
+        <p:xfrm>
+          <a:off x="920750" y="1979481"/>
+          <a:ext cx="5983903" cy="2940315"/>
+        </p:xfrm>
+        <a:graphic>
+          <a:graphicData uri="http://schemas.openxmlformats.org/drawingml/2006/table">
+            <a:tbl>
+              <a:tblPr firstRow="1" firstCol="1" bandRow="1">
+                <a:tableStyleId>{912C8C85-51F0-491E-9774-3900AFEF0FD7}</a:tableStyleId>
+              </a:tblPr>
+              <a:tblGrid>
+                <a:gridCol w="1552746">
+                  <a:extLst>
+                    <a:ext uri="{9D8B030D-6E8A-4147-A177-3AD203B41FA5}">
+                      <a16:colId xmlns:a16="http://schemas.microsoft.com/office/drawing/2014/main" val="2541162085"/>
+                    </a:ext>
+                  </a:extLst>
+                </a:gridCol>
+                <a:gridCol w="2261082">
+                  <a:extLst>
+                    <a:ext uri="{9D8B030D-6E8A-4147-A177-3AD203B41FA5}">
+                      <a16:colId xmlns:a16="http://schemas.microsoft.com/office/drawing/2014/main" val="2706425069"/>
+                    </a:ext>
+                  </a:extLst>
+                </a:gridCol>
+                <a:gridCol w="1087724">
+                  <a:extLst>
+                    <a:ext uri="{9D8B030D-6E8A-4147-A177-3AD203B41FA5}">
+                      <a16:colId xmlns:a16="http://schemas.microsoft.com/office/drawing/2014/main" val="253294784"/>
+                    </a:ext>
+                  </a:extLst>
+                </a:gridCol>
+                <a:gridCol w="1082351">
+                  <a:extLst>
+                    <a:ext uri="{9D8B030D-6E8A-4147-A177-3AD203B41FA5}">
+                      <a16:colId xmlns:a16="http://schemas.microsoft.com/office/drawing/2014/main" val="3340371598"/>
+                    </a:ext>
+                  </a:extLst>
+                </a:gridCol>
+              </a:tblGrid>
+              <a:tr h="250587">
+                <a:tc>
+                  <a:txBody>
+                    <a:bodyPr/>
+                    <a:lstStyle/>
+                    <a:p>
+                      <a:pPr marL="0" marR="0" algn="ctr">
+                        <a:lnSpc>
+                          <a:spcPct val="107000"/>
+                        </a:lnSpc>
+                        <a:spcBef>
+                          <a:spcPts val="0"/>
+                        </a:spcBef>
+                        <a:spcAft>
+                          <a:spcPts val="0"/>
+                        </a:spcAft>
+                      </a:pPr>
+                      <a:r>
+                        <a:rPr lang="en-US" sz="1500">
+                          <a:effectLst/>
+                        </a:rPr>
+                        <a:t>Component</a:t>
+                      </a:r>
+                      <a:endParaRPr lang="en-US" sz="1500">
+                        <a:effectLst/>
+                        <a:latin typeface="Times New Roman" panose="02020603050405020304" pitchFamily="18" charset="0"/>
+                        <a:ea typeface="Calibri" panose="020F0502020204030204" pitchFamily="34" charset="0"/>
+                        <a:cs typeface="Arial" panose="020B0604020202020204" pitchFamily="34" charset="0"/>
+                      </a:endParaRPr>
+                    </a:p>
+                  </a:txBody>
+                  <a:tcPr marL="81382" marR="81382" marT="0" marB="0"/>
+                </a:tc>
+                <a:tc>
+                  <a:txBody>
+                    <a:bodyPr/>
+                    <a:lstStyle/>
+                    <a:p>
+                      <a:pPr marL="0" marR="0" algn="ctr">
+                        <a:lnSpc>
+                          <a:spcPct val="107000"/>
+                        </a:lnSpc>
+                        <a:spcBef>
+                          <a:spcPts val="0"/>
+                        </a:spcBef>
+                        <a:spcAft>
+                          <a:spcPts val="0"/>
+                        </a:spcAft>
+                      </a:pPr>
+                      <a:r>
+                        <a:rPr lang="en-US" sz="1500">
+                          <a:effectLst/>
+                        </a:rPr>
+                        <a:t>Name</a:t>
+                      </a:r>
+                      <a:endParaRPr lang="en-US" sz="1500">
+                        <a:effectLst/>
+                        <a:latin typeface="Times New Roman" panose="02020603050405020304" pitchFamily="18" charset="0"/>
+                        <a:ea typeface="Calibri" panose="020F0502020204030204" pitchFamily="34" charset="0"/>
+                        <a:cs typeface="Arial" panose="020B0604020202020204" pitchFamily="34" charset="0"/>
+                      </a:endParaRPr>
+                    </a:p>
+                  </a:txBody>
+                  <a:tcPr marL="81382" marR="81382" marT="0" marB="0"/>
+                </a:tc>
+                <a:tc>
+                  <a:txBody>
+                    <a:bodyPr/>
+                    <a:lstStyle/>
+                    <a:p>
+                      <a:pPr marL="0" marR="0" algn="ctr">
+                        <a:lnSpc>
+                          <a:spcPct val="107000"/>
+                        </a:lnSpc>
+                        <a:spcBef>
+                          <a:spcPts val="0"/>
+                        </a:spcBef>
+                        <a:spcAft>
+                          <a:spcPts val="0"/>
+                        </a:spcAft>
+                      </a:pPr>
+                      <a:r>
+                        <a:rPr lang="en-US" sz="1500" dirty="0">
+                          <a:effectLst/>
+                        </a:rPr>
+                        <a:t>Price/unit</a:t>
+                      </a:r>
+                      <a:endParaRPr lang="en-US" sz="1500" dirty="0">
+                        <a:effectLst/>
+                        <a:latin typeface="Times New Roman" panose="02020603050405020304" pitchFamily="18" charset="0"/>
+                        <a:ea typeface="Calibri" panose="020F0502020204030204" pitchFamily="34" charset="0"/>
+                        <a:cs typeface="Arial" panose="020B0604020202020204" pitchFamily="34" charset="0"/>
+                      </a:endParaRPr>
+                    </a:p>
+                  </a:txBody>
+                  <a:tcPr marL="81382" marR="81382" marT="0" marB="0"/>
+                </a:tc>
+                <a:tc>
+                  <a:txBody>
+                    <a:bodyPr/>
+                    <a:lstStyle/>
+                    <a:p>
+                      <a:pPr marL="0" marR="0" algn="ctr">
+                        <a:lnSpc>
+                          <a:spcPct val="107000"/>
+                        </a:lnSpc>
+                        <a:spcBef>
+                          <a:spcPts val="0"/>
+                        </a:spcBef>
+                        <a:spcAft>
+                          <a:spcPts val="0"/>
+                        </a:spcAft>
+                      </a:pPr>
+                      <a:r>
+                        <a:rPr lang="en-US" sz="1500" dirty="0">
+                          <a:effectLst/>
+                        </a:rPr>
+                        <a:t>Quantity</a:t>
+                      </a:r>
+                      <a:endParaRPr lang="en-US" sz="1500" dirty="0">
+                        <a:effectLst/>
+                        <a:latin typeface="Times New Roman" panose="02020603050405020304" pitchFamily="18" charset="0"/>
+                        <a:ea typeface="Calibri" panose="020F0502020204030204" pitchFamily="34" charset="0"/>
+                        <a:cs typeface="Arial" panose="020B0604020202020204" pitchFamily="34" charset="0"/>
+                      </a:endParaRPr>
+                    </a:p>
+                  </a:txBody>
+                  <a:tcPr marL="81382" marR="81382" marT="0" marB="0"/>
+                </a:tc>
+                <a:extLst>
+                  <a:ext uri="{0D108BD9-81ED-4DB2-BD59-A6C34878D82A}">
+                    <a16:rowId xmlns:a16="http://schemas.microsoft.com/office/drawing/2014/main" val="33239427"/>
+                  </a:ext>
+                </a:extLst>
+              </a:tr>
+              <a:tr h="487828">
+                <a:tc>
+                  <a:txBody>
+                    <a:bodyPr/>
+                    <a:lstStyle/>
+                    <a:p>
+                      <a:pPr marL="0" marR="0" algn="l">
+                        <a:lnSpc>
+                          <a:spcPct val="107000"/>
+                        </a:lnSpc>
+                        <a:spcBef>
+                          <a:spcPts val="0"/>
+                        </a:spcBef>
+                        <a:spcAft>
+                          <a:spcPts val="0"/>
+                        </a:spcAft>
+                      </a:pPr>
+                      <a:r>
+                        <a:rPr lang="en-US" sz="1500">
+                          <a:effectLst/>
+                        </a:rPr>
+                        <a:t>Mirror</a:t>
+                      </a:r>
+                      <a:endParaRPr lang="en-US" sz="1500">
+                        <a:effectLst/>
+                        <a:latin typeface="Times New Roman" panose="02020603050405020304" pitchFamily="18" charset="0"/>
+                        <a:ea typeface="Calibri" panose="020F0502020204030204" pitchFamily="34" charset="0"/>
+                        <a:cs typeface="Arial" panose="020B0604020202020204" pitchFamily="34" charset="0"/>
+                      </a:endParaRPr>
+                    </a:p>
+                  </a:txBody>
+                  <a:tcPr marL="81382" marR="81382" marT="0" marB="0"/>
+                </a:tc>
+                <a:tc>
+                  <a:txBody>
+                    <a:bodyPr/>
+                    <a:lstStyle/>
+                    <a:p>
+                      <a:pPr marL="0" marR="0" algn="ctr">
+                        <a:lnSpc>
+                          <a:spcPct val="107000"/>
+                        </a:lnSpc>
+                        <a:spcBef>
+                          <a:spcPts val="0"/>
+                        </a:spcBef>
+                        <a:spcAft>
+                          <a:spcPts val="0"/>
+                        </a:spcAft>
+                      </a:pPr>
+                      <a:r>
+                        <a:rPr lang="en-US" sz="1500" dirty="0">
+                          <a:effectLst/>
+                        </a:rPr>
+                        <a:t>0.032" x 24" x 24", 3003-H14 Aluminum Sheet</a:t>
+                      </a:r>
+                      <a:endParaRPr lang="en-US" sz="1500" dirty="0">
+                        <a:effectLst/>
+                        <a:latin typeface="Times New Roman" panose="02020603050405020304" pitchFamily="18" charset="0"/>
+                        <a:ea typeface="Calibri" panose="020F0502020204030204" pitchFamily="34" charset="0"/>
+                        <a:cs typeface="Arial" panose="020B0604020202020204" pitchFamily="34" charset="0"/>
+                      </a:endParaRPr>
+                    </a:p>
+                  </a:txBody>
+                  <a:tcPr marL="81382" marR="81382" marT="0" marB="0"/>
+                </a:tc>
+                <a:tc>
+                  <a:txBody>
+                    <a:bodyPr/>
+                    <a:lstStyle/>
+                    <a:p>
+                      <a:pPr marL="0" marR="0" algn="ctr">
+                        <a:lnSpc>
+                          <a:spcPct val="107000"/>
+                        </a:lnSpc>
+                        <a:spcBef>
+                          <a:spcPts val="0"/>
+                        </a:spcBef>
+                        <a:spcAft>
+                          <a:spcPts val="0"/>
+                        </a:spcAft>
+                      </a:pPr>
+                      <a:r>
+                        <a:rPr lang="en-US" sz="1500">
+                          <a:effectLst/>
+                        </a:rPr>
+                        <a:t>$28.86</a:t>
+                      </a:r>
+                      <a:endParaRPr lang="en-US" sz="1500">
+                        <a:effectLst/>
+                        <a:latin typeface="Times New Roman" panose="02020603050405020304" pitchFamily="18" charset="0"/>
+                        <a:ea typeface="Calibri" panose="020F0502020204030204" pitchFamily="34" charset="0"/>
+                        <a:cs typeface="Arial" panose="020B0604020202020204" pitchFamily="34" charset="0"/>
+                      </a:endParaRPr>
+                    </a:p>
+                  </a:txBody>
+                  <a:tcPr marL="81382" marR="81382" marT="0" marB="0"/>
+                </a:tc>
+                <a:tc>
+                  <a:txBody>
+                    <a:bodyPr/>
+                    <a:lstStyle/>
+                    <a:p>
+                      <a:pPr marL="0" marR="0" algn="ctr">
+                        <a:lnSpc>
+                          <a:spcPct val="107000"/>
+                        </a:lnSpc>
+                        <a:spcBef>
+                          <a:spcPts val="0"/>
+                        </a:spcBef>
+                        <a:spcAft>
+                          <a:spcPts val="0"/>
+                        </a:spcAft>
+                      </a:pPr>
+                      <a:r>
+                        <a:rPr lang="en-US" sz="1500">
+                          <a:effectLst/>
+                        </a:rPr>
+                        <a:t>1</a:t>
+                      </a:r>
+                      <a:endParaRPr lang="en-US" sz="1500">
+                        <a:effectLst/>
+                        <a:latin typeface="Times New Roman" panose="02020603050405020304" pitchFamily="18" charset="0"/>
+                        <a:ea typeface="Calibri" panose="020F0502020204030204" pitchFamily="34" charset="0"/>
+                        <a:cs typeface="Arial" panose="020B0604020202020204" pitchFamily="34" charset="0"/>
+                      </a:endParaRPr>
+                    </a:p>
+                  </a:txBody>
+                  <a:tcPr marL="81382" marR="81382" marT="0" marB="0"/>
+                </a:tc>
+                <a:extLst>
+                  <a:ext uri="{0D108BD9-81ED-4DB2-BD59-A6C34878D82A}">
+                    <a16:rowId xmlns:a16="http://schemas.microsoft.com/office/drawing/2014/main" val="1306214776"/>
+                  </a:ext>
+                </a:extLst>
+              </a:tr>
+              <a:tr h="250587">
+                <a:tc>
+                  <a:txBody>
+                    <a:bodyPr/>
+                    <a:lstStyle/>
+                    <a:p>
+                      <a:pPr marL="0" marR="0" algn="l">
+                        <a:lnSpc>
+                          <a:spcPct val="107000"/>
+                        </a:lnSpc>
+                        <a:spcBef>
+                          <a:spcPts val="0"/>
+                        </a:spcBef>
+                        <a:spcAft>
+                          <a:spcPts val="0"/>
+                        </a:spcAft>
+                      </a:pPr>
+                      <a:r>
+                        <a:rPr lang="en-US" sz="1500">
+                          <a:effectLst/>
+                        </a:rPr>
+                        <a:t>Mirror Coating</a:t>
+                      </a:r>
+                      <a:endParaRPr lang="en-US" sz="1500">
+                        <a:effectLst/>
+                        <a:latin typeface="Times New Roman" panose="02020603050405020304" pitchFamily="18" charset="0"/>
+                        <a:ea typeface="Calibri" panose="020F0502020204030204" pitchFamily="34" charset="0"/>
+                        <a:cs typeface="Arial" panose="020B0604020202020204" pitchFamily="34" charset="0"/>
+                      </a:endParaRPr>
+                    </a:p>
+                  </a:txBody>
+                  <a:tcPr marL="81382" marR="81382" marT="0" marB="0"/>
+                </a:tc>
+                <a:tc>
+                  <a:txBody>
+                    <a:bodyPr/>
+                    <a:lstStyle/>
+                    <a:p>
+                      <a:pPr marL="0" marR="0" algn="ctr">
+                        <a:lnSpc>
+                          <a:spcPct val="107000"/>
+                        </a:lnSpc>
+                        <a:spcBef>
+                          <a:spcPts val="0"/>
+                        </a:spcBef>
+                        <a:spcAft>
+                          <a:spcPts val="0"/>
+                        </a:spcAft>
+                      </a:pPr>
+                      <a:r>
+                        <a:rPr lang="en-US" sz="1500">
+                          <a:effectLst/>
+                        </a:rPr>
+                        <a:t>Mylar Sheet</a:t>
+                      </a:r>
+                      <a:endParaRPr lang="en-US" sz="1500">
+                        <a:effectLst/>
+                        <a:latin typeface="Times New Roman" panose="02020603050405020304" pitchFamily="18" charset="0"/>
+                        <a:ea typeface="Calibri" panose="020F0502020204030204" pitchFamily="34" charset="0"/>
+                        <a:cs typeface="Arial" panose="020B0604020202020204" pitchFamily="34" charset="0"/>
+                      </a:endParaRPr>
+                    </a:p>
+                  </a:txBody>
+                  <a:tcPr marL="81382" marR="81382" marT="0" marB="0"/>
+                </a:tc>
+                <a:tc>
+                  <a:txBody>
+                    <a:bodyPr/>
+                    <a:lstStyle/>
+                    <a:p>
+                      <a:pPr marL="0" marR="0" algn="ctr">
+                        <a:lnSpc>
+                          <a:spcPct val="107000"/>
+                        </a:lnSpc>
+                        <a:spcBef>
+                          <a:spcPts val="0"/>
+                        </a:spcBef>
+                        <a:spcAft>
+                          <a:spcPts val="0"/>
+                        </a:spcAft>
+                      </a:pPr>
+                      <a:r>
+                        <a:rPr lang="en-US" sz="1500">
+                          <a:effectLst/>
+                        </a:rPr>
+                        <a:t>$25.99</a:t>
+                      </a:r>
+                      <a:endParaRPr lang="en-US" sz="1500">
+                        <a:effectLst/>
+                        <a:latin typeface="Times New Roman" panose="02020603050405020304" pitchFamily="18" charset="0"/>
+                        <a:ea typeface="Calibri" panose="020F0502020204030204" pitchFamily="34" charset="0"/>
+                        <a:cs typeface="Arial" panose="020B0604020202020204" pitchFamily="34" charset="0"/>
+                      </a:endParaRPr>
+                    </a:p>
+                  </a:txBody>
+                  <a:tcPr marL="81382" marR="81382" marT="0" marB="0"/>
+                </a:tc>
+                <a:tc>
+                  <a:txBody>
+                    <a:bodyPr/>
+                    <a:lstStyle/>
+                    <a:p>
+                      <a:pPr marL="0" marR="0" algn="ctr">
+                        <a:lnSpc>
+                          <a:spcPct val="107000"/>
+                        </a:lnSpc>
+                        <a:spcBef>
+                          <a:spcPts val="0"/>
+                        </a:spcBef>
+                        <a:spcAft>
+                          <a:spcPts val="0"/>
+                        </a:spcAft>
+                      </a:pPr>
+                      <a:r>
+                        <a:rPr lang="en-US" sz="1500">
+                          <a:effectLst/>
+                        </a:rPr>
+                        <a:t>1</a:t>
+                      </a:r>
+                      <a:endParaRPr lang="en-US" sz="1500">
+                        <a:effectLst/>
+                        <a:latin typeface="Times New Roman" panose="02020603050405020304" pitchFamily="18" charset="0"/>
+                        <a:ea typeface="Calibri" panose="020F0502020204030204" pitchFamily="34" charset="0"/>
+                        <a:cs typeface="Arial" panose="020B0604020202020204" pitchFamily="34" charset="0"/>
+                      </a:endParaRPr>
+                    </a:p>
+                  </a:txBody>
+                  <a:tcPr marL="81382" marR="81382" marT="0" marB="0"/>
+                </a:tc>
+                <a:extLst>
+                  <a:ext uri="{0D108BD9-81ED-4DB2-BD59-A6C34878D82A}">
+                    <a16:rowId xmlns:a16="http://schemas.microsoft.com/office/drawing/2014/main" val="1071200184"/>
+                  </a:ext>
+                </a:extLst>
+              </a:tr>
+              <a:tr h="725070">
+                <a:tc>
+                  <a:txBody>
+                    <a:bodyPr/>
+                    <a:lstStyle/>
+                    <a:p>
+                      <a:pPr marL="0" marR="0" algn="l">
+                        <a:lnSpc>
+                          <a:spcPct val="107000"/>
+                        </a:lnSpc>
+                        <a:spcBef>
+                          <a:spcPts val="0"/>
+                        </a:spcBef>
+                        <a:spcAft>
+                          <a:spcPts val="0"/>
+                        </a:spcAft>
+                      </a:pPr>
+                      <a:r>
+                        <a:rPr lang="en-US" sz="1500">
+                          <a:effectLst/>
+                        </a:rPr>
+                        <a:t>Frame</a:t>
+                      </a:r>
+                      <a:endParaRPr lang="en-US" sz="1500">
+                        <a:effectLst/>
+                        <a:latin typeface="Times New Roman" panose="02020603050405020304" pitchFamily="18" charset="0"/>
+                        <a:ea typeface="Calibri" panose="020F0502020204030204" pitchFamily="34" charset="0"/>
+                        <a:cs typeface="Arial" panose="020B0604020202020204" pitchFamily="34" charset="0"/>
+                      </a:endParaRPr>
+                    </a:p>
+                  </a:txBody>
+                  <a:tcPr marL="81382" marR="81382" marT="0" marB="0"/>
+                </a:tc>
+                <a:tc>
+                  <a:txBody>
+                    <a:bodyPr/>
+                    <a:lstStyle/>
+                    <a:p>
+                      <a:pPr marL="0" marR="0" algn="ctr">
+                        <a:lnSpc>
+                          <a:spcPct val="107000"/>
+                        </a:lnSpc>
+                        <a:spcBef>
+                          <a:spcPts val="0"/>
+                        </a:spcBef>
+                        <a:spcAft>
+                          <a:spcPts val="0"/>
+                        </a:spcAft>
+                      </a:pPr>
+                      <a:r>
+                        <a:rPr lang="en-US" sz="1500">
+                          <a:effectLst/>
+                        </a:rPr>
+                        <a:t>ADJ LTS-6 T-Bar Tripod Lightweight Lighting Stand</a:t>
+                      </a:r>
+                      <a:endParaRPr lang="en-US" sz="1500">
+                        <a:effectLst/>
+                        <a:latin typeface="Times New Roman" panose="02020603050405020304" pitchFamily="18" charset="0"/>
+                        <a:ea typeface="Calibri" panose="020F0502020204030204" pitchFamily="34" charset="0"/>
+                        <a:cs typeface="Arial" panose="020B0604020202020204" pitchFamily="34" charset="0"/>
+                      </a:endParaRPr>
+                    </a:p>
+                  </a:txBody>
+                  <a:tcPr marL="81382" marR="81382" marT="0" marB="0"/>
+                </a:tc>
+                <a:tc>
+                  <a:txBody>
+                    <a:bodyPr/>
+                    <a:lstStyle/>
+                    <a:p>
+                      <a:pPr marL="0" marR="0" algn="ctr">
+                        <a:lnSpc>
+                          <a:spcPct val="107000"/>
+                        </a:lnSpc>
+                        <a:spcBef>
+                          <a:spcPts val="0"/>
+                        </a:spcBef>
+                        <a:spcAft>
+                          <a:spcPts val="0"/>
+                        </a:spcAft>
+                      </a:pPr>
+                      <a:r>
+                        <a:rPr lang="en-US" sz="1500">
+                          <a:effectLst/>
+                        </a:rPr>
+                        <a:t>$54.99</a:t>
+                      </a:r>
+                      <a:endParaRPr lang="en-US" sz="1500">
+                        <a:effectLst/>
+                        <a:latin typeface="Times New Roman" panose="02020603050405020304" pitchFamily="18" charset="0"/>
+                        <a:ea typeface="Calibri" panose="020F0502020204030204" pitchFamily="34" charset="0"/>
+                        <a:cs typeface="Arial" panose="020B0604020202020204" pitchFamily="34" charset="0"/>
+                      </a:endParaRPr>
+                    </a:p>
+                  </a:txBody>
+                  <a:tcPr marL="81382" marR="81382" marT="0" marB="0"/>
+                </a:tc>
+                <a:tc>
+                  <a:txBody>
+                    <a:bodyPr/>
+                    <a:lstStyle/>
+                    <a:p>
+                      <a:pPr marL="0" marR="0" algn="ctr">
+                        <a:lnSpc>
+                          <a:spcPct val="107000"/>
+                        </a:lnSpc>
+                        <a:spcBef>
+                          <a:spcPts val="0"/>
+                        </a:spcBef>
+                        <a:spcAft>
+                          <a:spcPts val="0"/>
+                        </a:spcAft>
+                      </a:pPr>
+                      <a:r>
+                        <a:rPr lang="en-US" sz="1500">
+                          <a:effectLst/>
+                        </a:rPr>
+                        <a:t>1</a:t>
+                      </a:r>
+                      <a:endParaRPr lang="en-US" sz="1500">
+                        <a:effectLst/>
+                        <a:latin typeface="Times New Roman" panose="02020603050405020304" pitchFamily="18" charset="0"/>
+                        <a:ea typeface="Calibri" panose="020F0502020204030204" pitchFamily="34" charset="0"/>
+                        <a:cs typeface="Arial" panose="020B0604020202020204" pitchFamily="34" charset="0"/>
+                      </a:endParaRPr>
+                    </a:p>
+                  </a:txBody>
+                  <a:tcPr marL="81382" marR="81382" marT="0" marB="0"/>
+                </a:tc>
+                <a:extLst>
+                  <a:ext uri="{0D108BD9-81ED-4DB2-BD59-A6C34878D82A}">
+                    <a16:rowId xmlns:a16="http://schemas.microsoft.com/office/drawing/2014/main" val="2722019138"/>
+                  </a:ext>
+                </a:extLst>
+              </a:tr>
+              <a:tr h="250587">
+                <a:tc>
+                  <a:txBody>
+                    <a:bodyPr/>
+                    <a:lstStyle/>
+                    <a:p>
+                      <a:pPr marL="0" marR="0" algn="l">
+                        <a:lnSpc>
+                          <a:spcPct val="107000"/>
+                        </a:lnSpc>
+                        <a:spcBef>
+                          <a:spcPts val="0"/>
+                        </a:spcBef>
+                        <a:spcAft>
+                          <a:spcPts val="0"/>
+                        </a:spcAft>
+                      </a:pPr>
+                      <a:r>
+                        <a:rPr lang="en-US" sz="1500">
+                          <a:effectLst/>
+                        </a:rPr>
+                        <a:t>Base Panels</a:t>
+                      </a:r>
+                      <a:endParaRPr lang="en-US" sz="1500">
+                        <a:effectLst/>
+                        <a:latin typeface="Times New Roman" panose="02020603050405020304" pitchFamily="18" charset="0"/>
+                        <a:ea typeface="Calibri" panose="020F0502020204030204" pitchFamily="34" charset="0"/>
+                        <a:cs typeface="Arial" panose="020B0604020202020204" pitchFamily="34" charset="0"/>
+                      </a:endParaRPr>
+                    </a:p>
+                  </a:txBody>
+                  <a:tcPr marL="81382" marR="81382" marT="0" marB="0"/>
+                </a:tc>
+                <a:tc>
+                  <a:txBody>
+                    <a:bodyPr/>
+                    <a:lstStyle/>
+                    <a:p>
+                      <a:pPr marL="0" marR="0" algn="ctr">
+                        <a:lnSpc>
+                          <a:spcPct val="107000"/>
+                        </a:lnSpc>
+                        <a:spcBef>
+                          <a:spcPts val="0"/>
+                        </a:spcBef>
+                        <a:spcAft>
+                          <a:spcPts val="0"/>
+                        </a:spcAft>
+                      </a:pPr>
+                      <a:r>
+                        <a:rPr lang="en-US" sz="1500">
+                          <a:effectLst/>
+                        </a:rPr>
+                        <a:t>Plywood Panels 4ftx8ft</a:t>
+                      </a:r>
+                      <a:endParaRPr lang="en-US" sz="1500">
+                        <a:effectLst/>
+                        <a:latin typeface="Times New Roman" panose="02020603050405020304" pitchFamily="18" charset="0"/>
+                        <a:ea typeface="Calibri" panose="020F0502020204030204" pitchFamily="34" charset="0"/>
+                        <a:cs typeface="Arial" panose="020B0604020202020204" pitchFamily="34" charset="0"/>
+                      </a:endParaRPr>
+                    </a:p>
+                  </a:txBody>
+                  <a:tcPr marL="81382" marR="81382" marT="0" marB="0"/>
+                </a:tc>
+                <a:tc>
+                  <a:txBody>
+                    <a:bodyPr/>
+                    <a:lstStyle/>
+                    <a:p>
+                      <a:pPr marL="0" marR="0" algn="ctr">
+                        <a:lnSpc>
+                          <a:spcPct val="107000"/>
+                        </a:lnSpc>
+                        <a:spcBef>
+                          <a:spcPts val="0"/>
+                        </a:spcBef>
+                        <a:spcAft>
+                          <a:spcPts val="0"/>
+                        </a:spcAft>
+                      </a:pPr>
+                      <a:r>
+                        <a:rPr lang="en-US" sz="1500">
+                          <a:effectLst/>
+                        </a:rPr>
+                        <a:t>$25.60 </a:t>
+                      </a:r>
+                      <a:endParaRPr lang="en-US" sz="1500">
+                        <a:effectLst/>
+                        <a:latin typeface="Times New Roman" panose="02020603050405020304" pitchFamily="18" charset="0"/>
+                        <a:ea typeface="Calibri" panose="020F0502020204030204" pitchFamily="34" charset="0"/>
+                        <a:cs typeface="Arial" panose="020B0604020202020204" pitchFamily="34" charset="0"/>
+                      </a:endParaRPr>
+                    </a:p>
+                  </a:txBody>
+                  <a:tcPr marL="81382" marR="81382" marT="0" marB="0"/>
+                </a:tc>
+                <a:tc>
+                  <a:txBody>
+                    <a:bodyPr/>
+                    <a:lstStyle/>
+                    <a:p>
+                      <a:pPr marL="0" marR="0" algn="ctr">
+                        <a:lnSpc>
+                          <a:spcPct val="107000"/>
+                        </a:lnSpc>
+                        <a:spcBef>
+                          <a:spcPts val="0"/>
+                        </a:spcBef>
+                        <a:spcAft>
+                          <a:spcPts val="0"/>
+                        </a:spcAft>
+                      </a:pPr>
+                      <a:r>
+                        <a:rPr lang="en-US" sz="1500">
+                          <a:effectLst/>
+                        </a:rPr>
+                        <a:t>2</a:t>
+                      </a:r>
+                      <a:endParaRPr lang="en-US" sz="1500">
+                        <a:effectLst/>
+                        <a:latin typeface="Times New Roman" panose="02020603050405020304" pitchFamily="18" charset="0"/>
+                        <a:ea typeface="Calibri" panose="020F0502020204030204" pitchFamily="34" charset="0"/>
+                        <a:cs typeface="Arial" panose="020B0604020202020204" pitchFamily="34" charset="0"/>
+                      </a:endParaRPr>
+                    </a:p>
+                  </a:txBody>
+                  <a:tcPr marL="81382" marR="81382" marT="0" marB="0"/>
+                </a:tc>
+                <a:extLst>
+                  <a:ext uri="{0D108BD9-81ED-4DB2-BD59-A6C34878D82A}">
+                    <a16:rowId xmlns:a16="http://schemas.microsoft.com/office/drawing/2014/main" val="77004629"/>
+                  </a:ext>
+                </a:extLst>
+              </a:tr>
+              <a:tr h="487828">
+                <a:tc>
+                  <a:txBody>
+                    <a:bodyPr/>
+                    <a:lstStyle/>
+                    <a:p>
+                      <a:pPr marL="0" marR="0" algn="l">
+                        <a:lnSpc>
+                          <a:spcPct val="107000"/>
+                        </a:lnSpc>
+                        <a:spcBef>
+                          <a:spcPts val="0"/>
+                        </a:spcBef>
+                        <a:spcAft>
+                          <a:spcPts val="0"/>
+                        </a:spcAft>
+                      </a:pPr>
+                      <a:r>
+                        <a:rPr lang="en-US" sz="1500">
+                          <a:effectLst/>
+                        </a:rPr>
+                        <a:t>Communication Tower Box</a:t>
+                      </a:r>
+                      <a:endParaRPr lang="en-US" sz="1500">
+                        <a:effectLst/>
+                        <a:latin typeface="Times New Roman" panose="02020603050405020304" pitchFamily="18" charset="0"/>
+                        <a:ea typeface="Calibri" panose="020F0502020204030204" pitchFamily="34" charset="0"/>
+                        <a:cs typeface="Arial" panose="020B0604020202020204" pitchFamily="34" charset="0"/>
+                      </a:endParaRPr>
+                    </a:p>
+                  </a:txBody>
+                  <a:tcPr marL="81382" marR="81382" marT="0" marB="0"/>
+                </a:tc>
+                <a:tc>
+                  <a:txBody>
+                    <a:bodyPr/>
+                    <a:lstStyle/>
+                    <a:p>
+                      <a:pPr marL="0" marR="0" algn="ctr">
+                        <a:lnSpc>
+                          <a:spcPct val="107000"/>
+                        </a:lnSpc>
+                        <a:spcBef>
+                          <a:spcPts val="0"/>
+                        </a:spcBef>
+                        <a:spcAft>
+                          <a:spcPts val="0"/>
+                        </a:spcAft>
+                      </a:pPr>
+                      <a:r>
+                        <a:rPr lang="en-US" sz="1500">
+                          <a:effectLst/>
+                        </a:rPr>
+                        <a:t>Junction Box</a:t>
+                      </a:r>
+                      <a:endParaRPr lang="en-US" sz="1500">
+                        <a:effectLst/>
+                        <a:latin typeface="Times New Roman" panose="02020603050405020304" pitchFamily="18" charset="0"/>
+                        <a:ea typeface="Calibri" panose="020F0502020204030204" pitchFamily="34" charset="0"/>
+                        <a:cs typeface="Arial" panose="020B0604020202020204" pitchFamily="34" charset="0"/>
+                      </a:endParaRPr>
+                    </a:p>
+                  </a:txBody>
+                  <a:tcPr marL="81382" marR="81382" marT="0" marB="0"/>
+                </a:tc>
+                <a:tc>
+                  <a:txBody>
+                    <a:bodyPr/>
+                    <a:lstStyle/>
+                    <a:p>
+                      <a:pPr marL="0" marR="0" algn="ctr">
+                        <a:lnSpc>
+                          <a:spcPct val="107000"/>
+                        </a:lnSpc>
+                        <a:spcBef>
+                          <a:spcPts val="0"/>
+                        </a:spcBef>
+                        <a:spcAft>
+                          <a:spcPts val="0"/>
+                        </a:spcAft>
+                      </a:pPr>
+                      <a:r>
+                        <a:rPr lang="en-US" sz="1500">
+                          <a:effectLst/>
+                        </a:rPr>
+                        <a:t>$26.89 </a:t>
+                      </a:r>
+                    </a:p>
+                    <a:p>
+                      <a:pPr marL="0" marR="0" algn="ctr">
+                        <a:lnSpc>
+                          <a:spcPct val="107000"/>
+                        </a:lnSpc>
+                        <a:spcBef>
+                          <a:spcPts val="0"/>
+                        </a:spcBef>
+                        <a:spcAft>
+                          <a:spcPts val="0"/>
+                        </a:spcAft>
+                      </a:pPr>
+                      <a:r>
+                        <a:rPr lang="en-US" sz="1500">
+                          <a:effectLst/>
+                        </a:rPr>
+                        <a:t> </a:t>
+                      </a:r>
+                      <a:endParaRPr lang="en-US" sz="1500">
+                        <a:effectLst/>
+                        <a:latin typeface="Times New Roman" panose="02020603050405020304" pitchFamily="18" charset="0"/>
+                        <a:ea typeface="Calibri" panose="020F0502020204030204" pitchFamily="34" charset="0"/>
+                        <a:cs typeface="Arial" panose="020B0604020202020204" pitchFamily="34" charset="0"/>
+                      </a:endParaRPr>
+                    </a:p>
+                  </a:txBody>
+                  <a:tcPr marL="81382" marR="81382" marT="0" marB="0"/>
+                </a:tc>
+                <a:tc>
+                  <a:txBody>
+                    <a:bodyPr/>
+                    <a:lstStyle/>
+                    <a:p>
+                      <a:pPr marL="0" marR="0" algn="ctr">
+                        <a:lnSpc>
+                          <a:spcPct val="107000"/>
+                        </a:lnSpc>
+                        <a:spcBef>
+                          <a:spcPts val="0"/>
+                        </a:spcBef>
+                        <a:spcAft>
+                          <a:spcPts val="0"/>
+                        </a:spcAft>
+                      </a:pPr>
+                      <a:r>
+                        <a:rPr lang="en-US" sz="1500">
+                          <a:effectLst/>
+                        </a:rPr>
+                        <a:t>1</a:t>
+                      </a:r>
+                      <a:endParaRPr lang="en-US" sz="1500">
+                        <a:effectLst/>
+                        <a:latin typeface="Times New Roman" panose="02020603050405020304" pitchFamily="18" charset="0"/>
+                        <a:ea typeface="Calibri" panose="020F0502020204030204" pitchFamily="34" charset="0"/>
+                        <a:cs typeface="Arial" panose="020B0604020202020204" pitchFamily="34" charset="0"/>
+                      </a:endParaRPr>
+                    </a:p>
+                  </a:txBody>
+                  <a:tcPr marL="81382" marR="81382" marT="0" marB="0"/>
+                </a:tc>
+                <a:extLst>
+                  <a:ext uri="{0D108BD9-81ED-4DB2-BD59-A6C34878D82A}">
+                    <a16:rowId xmlns:a16="http://schemas.microsoft.com/office/drawing/2014/main" val="2551208768"/>
+                  </a:ext>
+                </a:extLst>
+              </a:tr>
+              <a:tr h="487828">
+                <a:tc>
+                  <a:txBody>
+                    <a:bodyPr/>
+                    <a:lstStyle/>
+                    <a:p>
+                      <a:pPr marL="0" marR="0" algn="l">
+                        <a:lnSpc>
+                          <a:spcPct val="107000"/>
+                        </a:lnSpc>
+                        <a:spcBef>
+                          <a:spcPts val="0"/>
+                        </a:spcBef>
+                        <a:spcAft>
+                          <a:spcPts val="0"/>
+                        </a:spcAft>
+                      </a:pPr>
+                      <a:r>
+                        <a:rPr lang="en-US" sz="1500">
+                          <a:effectLst/>
+                        </a:rPr>
+                        <a:t>Wheel Hub Bearing</a:t>
+                      </a:r>
+                      <a:endParaRPr lang="en-US" sz="1500">
+                        <a:effectLst/>
+                        <a:latin typeface="Times New Roman" panose="02020603050405020304" pitchFamily="18" charset="0"/>
+                        <a:ea typeface="Calibri" panose="020F0502020204030204" pitchFamily="34" charset="0"/>
+                        <a:cs typeface="Arial" panose="020B0604020202020204" pitchFamily="34" charset="0"/>
+                      </a:endParaRPr>
+                    </a:p>
+                  </a:txBody>
+                  <a:tcPr marL="81382" marR="81382" marT="0" marB="0"/>
+                </a:tc>
+                <a:tc>
+                  <a:txBody>
+                    <a:bodyPr/>
+                    <a:lstStyle/>
+                    <a:p>
+                      <a:pPr marL="0" marR="0" algn="ctr">
+                        <a:lnSpc>
+                          <a:spcPct val="107000"/>
+                        </a:lnSpc>
+                        <a:spcBef>
+                          <a:spcPts val="0"/>
+                        </a:spcBef>
+                        <a:spcAft>
+                          <a:spcPts val="0"/>
+                        </a:spcAft>
+                      </a:pPr>
+                      <a:r>
+                        <a:rPr lang="en-US" sz="1500">
+                          <a:effectLst/>
+                        </a:rPr>
+                        <a:t>Rear Wheel Hub</a:t>
+                      </a:r>
+                      <a:endParaRPr lang="en-US" sz="1500">
+                        <a:effectLst/>
+                        <a:latin typeface="Times New Roman" panose="02020603050405020304" pitchFamily="18" charset="0"/>
+                        <a:ea typeface="Calibri" panose="020F0502020204030204" pitchFamily="34" charset="0"/>
+                        <a:cs typeface="Arial" panose="020B0604020202020204" pitchFamily="34" charset="0"/>
+                      </a:endParaRPr>
+                    </a:p>
+                  </a:txBody>
+                  <a:tcPr marL="81382" marR="81382" marT="0" marB="0"/>
+                </a:tc>
+                <a:tc>
+                  <a:txBody>
+                    <a:bodyPr/>
+                    <a:lstStyle/>
+                    <a:p>
+                      <a:pPr marL="0" marR="0" algn="ctr">
+                        <a:lnSpc>
+                          <a:spcPct val="107000"/>
+                        </a:lnSpc>
+                        <a:spcBef>
+                          <a:spcPts val="0"/>
+                        </a:spcBef>
+                        <a:spcAft>
+                          <a:spcPts val="0"/>
+                        </a:spcAft>
+                      </a:pPr>
+                      <a:r>
+                        <a:rPr lang="en-US" sz="1500">
+                          <a:effectLst/>
+                        </a:rPr>
+                        <a:t>$44.90 </a:t>
+                      </a:r>
+                      <a:endParaRPr lang="en-US" sz="1500">
+                        <a:effectLst/>
+                        <a:latin typeface="Times New Roman" panose="02020603050405020304" pitchFamily="18" charset="0"/>
+                        <a:ea typeface="Calibri" panose="020F0502020204030204" pitchFamily="34" charset="0"/>
+                        <a:cs typeface="Arial" panose="020B0604020202020204" pitchFamily="34" charset="0"/>
+                      </a:endParaRPr>
+                    </a:p>
+                  </a:txBody>
+                  <a:tcPr marL="81382" marR="81382" marT="0" marB="0"/>
+                </a:tc>
+                <a:tc>
+                  <a:txBody>
+                    <a:bodyPr/>
+                    <a:lstStyle/>
+                    <a:p>
+                      <a:pPr marL="0" marR="0" algn="ctr">
+                        <a:lnSpc>
+                          <a:spcPct val="107000"/>
+                        </a:lnSpc>
+                        <a:spcBef>
+                          <a:spcPts val="0"/>
+                        </a:spcBef>
+                        <a:spcAft>
+                          <a:spcPts val="0"/>
+                        </a:spcAft>
+                      </a:pPr>
+                      <a:r>
+                        <a:rPr lang="en-US" sz="1500" dirty="0">
+                          <a:effectLst/>
+                        </a:rPr>
+                        <a:t>1</a:t>
+                      </a:r>
+                      <a:endParaRPr lang="en-US" sz="1500" dirty="0">
+                        <a:effectLst/>
+                        <a:latin typeface="Times New Roman" panose="02020603050405020304" pitchFamily="18" charset="0"/>
+                        <a:ea typeface="Calibri" panose="020F0502020204030204" pitchFamily="34" charset="0"/>
+                        <a:cs typeface="Arial" panose="020B0604020202020204" pitchFamily="34" charset="0"/>
+                      </a:endParaRPr>
+                    </a:p>
+                  </a:txBody>
+                  <a:tcPr marL="81382" marR="81382" marT="0" marB="0"/>
+                </a:tc>
+                <a:extLst>
+                  <a:ext uri="{0D108BD9-81ED-4DB2-BD59-A6C34878D82A}">
+                    <a16:rowId xmlns:a16="http://schemas.microsoft.com/office/drawing/2014/main" val="1223923854"/>
+                  </a:ext>
+                </a:extLst>
+              </a:tr>
+            </a:tbl>
+          </a:graphicData>
+        </a:graphic>
+      </p:graphicFrame>
+    </p:spTree>
+    <p:extLst>
+      <p:ext uri="{BB962C8B-B14F-4D97-AF65-F5344CB8AC3E}">
+        <p14:creationId xmlns:p14="http://schemas.microsoft.com/office/powerpoint/2010/main" val="746135497"/>
+      </p:ext>
+    </p:extLst>
+  </p:cSld>
+  <p:clrMapOvr>
+    <a:masterClrMapping/>
+  </p:clrMapOvr>
+</p:sld>
+</file>
+
+<file path=ppt/slides/slide21.xml><?xml version="1.0" encoding="utf-8"?>
+<p:sld xmlns:a="http://schemas.openxmlformats.org/drawingml/2006/main" xmlns:r="http://schemas.openxmlformats.org/officeDocument/2006/relationships" xmlns:p="http://schemas.openxmlformats.org/presentationml/2006/main">
+  <p:cSld>
+    <p:bg>
+      <p:bgPr>
+        <a:solidFill>
+          <a:schemeClr val="bg1"/>
+        </a:solidFill>
+        <a:effectLst/>
+      </p:bgPr>
+    </p:bg>
+    <p:spTree>
+      <p:nvGrpSpPr>
+        <p:cNvPr id="1" name=""/>
+        <p:cNvGrpSpPr/>
+        <p:nvPr/>
+      </p:nvGrpSpPr>
+      <p:grpSpPr>
+        <a:xfrm>
+          <a:off x="0" y="0"/>
+          <a:ext cx="0" cy="0"/>
+          <a:chOff x="0" y="0"/>
+          <a:chExt cx="0" cy="0"/>
+        </a:xfrm>
+      </p:grpSpPr>
+      <p:sp useBgFill="1">
+        <p:nvSpPr>
+          <p:cNvPr id="16" name="Rectangle 15">
+            <a:extLst>
+              <a:ext uri="{FF2B5EF4-FFF2-40B4-BE49-F238E27FC236}">
+                <a16:creationId xmlns:a16="http://schemas.microsoft.com/office/drawing/2014/main" id="{0AF33C27-9C85-4B30-9AD7-879D48AFE4FF}"/>
+              </a:ext>
+              <a:ext uri="{C183D7F6-B498-43B3-948B-1728B52AA6E4}">
+                <adec:decorative xmlns:adec="http://schemas.microsoft.com/office/drawing/2017/decorative" val="1"/>
+              </a:ext>
+            </a:extLst>
+          </p:cNvPr>
+          <p:cNvSpPr>
+            <a:spLocks noGrp="1" noRot="1" noChangeAspect="1" noMove="1" noResize="1" noEditPoints="1" noAdjustHandles="1" noChangeArrowheads="1" noChangeShapeType="1" noTextEdit="1"/>
+          </p:cNvSpPr>
+          <p:nvPr>
+            <p:extLst>
+              <p:ext uri="{386F3935-93C4-4BCD-93E2-E3B085C9AB24}">
+                <p16:designElem xmlns:p16="http://schemas.microsoft.com/office/powerpoint/2015/main" val="1"/>
+              </p:ext>
+            </p:extLst>
+          </p:nvPr>
+        </p:nvSpPr>
+        <p:spPr>
+          <a:xfrm>
+            <a:off x="0" y="0"/>
+            <a:ext cx="12191999" cy="6858000"/>
+          </a:xfrm>
+          <a:prstGeom prst="rect">
+            <a:avLst/>
+          </a:prstGeom>
+          <a:ln>
+            <a:noFill/>
+          </a:ln>
+        </p:spPr>
+        <p:style>
+          <a:lnRef idx="2">
+            <a:schemeClr val="accent1">
+              <a:shade val="50000"/>
+            </a:schemeClr>
+          </a:lnRef>
+          <a:fillRef idx="1">
+            <a:schemeClr val="accent1"/>
+          </a:fillRef>
+          <a:effectRef idx="0">
+            <a:schemeClr val="accent1"/>
+          </a:effectRef>
+          <a:fontRef idx="minor">
+            <a:schemeClr val="lt1"/>
+          </a:fontRef>
+        </p:style>
+        <p:txBody>
+          <a:bodyPr rtlCol="0" anchor="ctr"/>
+          <a:lstStyle/>
+          <a:p>
+            <a:pPr algn="ctr"/>
+            <a:endParaRPr lang="en-US"/>
+          </a:p>
+        </p:txBody>
+      </p:sp>
+      <p:sp>
+        <p:nvSpPr>
+          <p:cNvPr id="18" name="Rectangle 17">
+            <a:extLst>
+              <a:ext uri="{FF2B5EF4-FFF2-40B4-BE49-F238E27FC236}">
+                <a16:creationId xmlns:a16="http://schemas.microsoft.com/office/drawing/2014/main" id="{6D5089DD-882D-4413-B8BF-4798BFD84A98}"/>
+              </a:ext>
+              <a:ext uri="{C183D7F6-B498-43B3-948B-1728B52AA6E4}">
+                <adec:decorative xmlns:adec="http://schemas.microsoft.com/office/drawing/2017/decorative" val="1"/>
+              </a:ext>
+            </a:extLst>
+          </p:cNvPr>
+          <p:cNvSpPr>
+            <a:spLocks noGrp="1" noRot="1" noChangeAspect="1" noMove="1" noResize="1" noEditPoints="1" noAdjustHandles="1" noChangeArrowheads="1" noChangeShapeType="1" noTextEdit="1"/>
+          </p:cNvSpPr>
+          <p:nvPr>
+            <p:extLst>
+              <p:ext uri="{386F3935-93C4-4BCD-93E2-E3B085C9AB24}">
+                <p16:designElem xmlns:p16="http://schemas.microsoft.com/office/powerpoint/2015/main" val="1"/>
+              </p:ext>
+            </p:extLst>
+          </p:nvPr>
+        </p:nvSpPr>
+        <p:spPr>
+          <a:xfrm>
+            <a:off x="7537704" y="0"/>
+            <a:ext cx="4654296" cy="6858000"/>
+          </a:xfrm>
+          <a:prstGeom prst="rect">
+            <a:avLst/>
+          </a:prstGeom>
+          <a:solidFill>
+            <a:schemeClr val="accent2"/>
+          </a:solidFill>
+          <a:ln>
+            <a:noFill/>
+          </a:ln>
+        </p:spPr>
+        <p:style>
+          <a:lnRef idx="2">
+            <a:schemeClr val="accent1">
+              <a:shade val="50000"/>
+            </a:schemeClr>
+          </a:lnRef>
+          <a:fillRef idx="1">
+            <a:schemeClr val="accent1"/>
+          </a:fillRef>
+          <a:effectRef idx="0">
+            <a:schemeClr val="accent1"/>
+          </a:effectRef>
+          <a:fontRef idx="minor">
+            <a:schemeClr val="lt1"/>
+          </a:fontRef>
+        </p:style>
+        <p:txBody>
+          <a:bodyPr rtlCol="0" anchor="ctr"/>
+          <a:lstStyle/>
+          <a:p>
+            <a:pPr algn="ctr"/>
+            <a:endParaRPr lang="en-US"/>
+          </a:p>
+        </p:txBody>
+      </p:sp>
+      <p:sp>
+        <p:nvSpPr>
+          <p:cNvPr id="2" name="Title 1">
+            <a:extLst>
+              <a:ext uri="{FF2B5EF4-FFF2-40B4-BE49-F238E27FC236}">
+                <a16:creationId xmlns:a16="http://schemas.microsoft.com/office/drawing/2014/main" id="{D3BC887A-18CA-E3FF-CD7D-FACEF748293A}"/>
+              </a:ext>
+            </a:extLst>
+          </p:cNvPr>
+          <p:cNvSpPr>
+            <a:spLocks noGrp="1"/>
+          </p:cNvSpPr>
+          <p:nvPr>
+            <p:ph type="title"/>
+          </p:nvPr>
+        </p:nvSpPr>
+        <p:spPr>
+          <a:xfrm>
+            <a:off x="8181171" y="2681103"/>
+            <a:ext cx="3363974" cy="1495794"/>
+          </a:xfrm>
+          <a:noFill/>
+          <a:ln>
+            <a:solidFill>
+              <a:srgbClr val="FFFFFF"/>
+            </a:solidFill>
+          </a:ln>
+        </p:spPr>
+        <p:txBody>
+          <a:bodyPr wrap="square">
+            <a:normAutofit/>
+          </a:bodyPr>
+          <a:lstStyle/>
+          <a:p>
+            <a:r>
+              <a:rPr lang="en-US" dirty="0" err="1">
+                <a:solidFill>
+                  <a:srgbClr val="FFFFFF"/>
+                </a:solidFill>
+              </a:rPr>
+              <a:t>Electrical’s</a:t>
+            </a:r>
+            <a:r>
+              <a:rPr lang="en-US" dirty="0">
+                <a:solidFill>
+                  <a:srgbClr val="FFFFFF"/>
+                </a:solidFill>
+              </a:rPr>
+              <a:t> Budget</a:t>
+            </a:r>
+          </a:p>
+        </p:txBody>
+      </p:sp>
+      <p:graphicFrame>
+        <p:nvGraphicFramePr>
+          <p:cNvPr id="4" name="Content Placeholder 3">
+            <a:extLst>
+              <a:ext uri="{FF2B5EF4-FFF2-40B4-BE49-F238E27FC236}">
+                <a16:creationId xmlns:a16="http://schemas.microsoft.com/office/drawing/2014/main" id="{58F67545-FDE0-789D-05EF-7E2CCF8466AF}"/>
+              </a:ext>
+            </a:extLst>
+          </p:cNvPr>
+          <p:cNvGraphicFramePr>
+            <a:graphicFrameLocks noGrp="1"/>
+          </p:cNvGraphicFramePr>
+          <p:nvPr>
+            <p:ph idx="1"/>
+            <p:extLst>
+              <p:ext uri="{D42A27DB-BD31-4B8C-83A1-F6EECF244321}">
+                <p14:modId xmlns:p14="http://schemas.microsoft.com/office/powerpoint/2010/main" val="3084546116"/>
+              </p:ext>
+            </p:extLst>
+          </p:nvPr>
+        </p:nvGraphicFramePr>
+        <p:xfrm>
+          <a:off x="920750" y="1200332"/>
+          <a:ext cx="5651502" cy="4498615"/>
+        </p:xfrm>
+        <a:graphic>
+          <a:graphicData uri="http://schemas.openxmlformats.org/drawingml/2006/table">
+            <a:tbl>
+              <a:tblPr firstRow="1" firstCol="1" bandRow="1">
+                <a:tableStyleId>{912C8C85-51F0-491E-9774-3900AFEF0FD7}</a:tableStyleId>
+              </a:tblPr>
+              <a:tblGrid>
+                <a:gridCol w="1980572">
+                  <a:extLst>
+                    <a:ext uri="{9D8B030D-6E8A-4147-A177-3AD203B41FA5}">
+                      <a16:colId xmlns:a16="http://schemas.microsoft.com/office/drawing/2014/main" val="95836160"/>
+                    </a:ext>
+                  </a:extLst>
+                </a:gridCol>
+                <a:gridCol w="1686429">
+                  <a:extLst>
+                    <a:ext uri="{9D8B030D-6E8A-4147-A177-3AD203B41FA5}">
+                      <a16:colId xmlns:a16="http://schemas.microsoft.com/office/drawing/2014/main" val="104269277"/>
+                    </a:ext>
+                  </a:extLst>
+                </a:gridCol>
+                <a:gridCol w="886359">
+                  <a:extLst>
+                    <a:ext uri="{9D8B030D-6E8A-4147-A177-3AD203B41FA5}">
+                      <a16:colId xmlns:a16="http://schemas.microsoft.com/office/drawing/2014/main" val="3551035236"/>
+                    </a:ext>
+                  </a:extLst>
+                </a:gridCol>
+                <a:gridCol w="1098142">
+                  <a:extLst>
+                    <a:ext uri="{9D8B030D-6E8A-4147-A177-3AD203B41FA5}">
+                      <a16:colId xmlns:a16="http://schemas.microsoft.com/office/drawing/2014/main" val="1426517274"/>
+                    </a:ext>
+                  </a:extLst>
+                </a:gridCol>
+              </a:tblGrid>
+              <a:tr h="313908">
+                <a:tc>
+                  <a:txBody>
+                    <a:bodyPr/>
+                    <a:lstStyle/>
+                    <a:p>
+                      <a:pPr marL="0" marR="0" algn="ctr" fontAlgn="t">
+                        <a:lnSpc>
+                          <a:spcPct val="107000"/>
+                        </a:lnSpc>
+                        <a:spcBef>
+                          <a:spcPts val="0"/>
+                        </a:spcBef>
+                        <a:spcAft>
+                          <a:spcPts val="0"/>
+                        </a:spcAft>
+                      </a:pPr>
+                      <a:r>
+                        <a:rPr lang="en-US" sz="1400" b="1" u="none" strike="noStrike">
+                          <a:solidFill>
+                            <a:srgbClr val="000000"/>
+                          </a:solidFill>
+                          <a:effectLst/>
+                        </a:rPr>
+                        <a:t>Component</a:t>
+                      </a:r>
+                      <a:endParaRPr lang="en-US" sz="1400" b="0" i="0" u="none" strike="noStrike">
+                        <a:effectLst/>
+                        <a:latin typeface="Arial" panose="020B0604020202020204" pitchFamily="34" charset="0"/>
+                      </a:endParaRPr>
+                    </a:p>
+                  </a:txBody>
+                  <a:tcPr marL="58440" marR="58440" marT="8117" marB="0"/>
+                </a:tc>
+                <a:tc>
+                  <a:txBody>
+                    <a:bodyPr/>
+                    <a:lstStyle/>
+                    <a:p>
+                      <a:pPr marL="0" marR="0" algn="ctr" fontAlgn="t">
+                        <a:lnSpc>
+                          <a:spcPct val="107000"/>
+                        </a:lnSpc>
+                        <a:spcBef>
+                          <a:spcPts val="0"/>
+                        </a:spcBef>
+                        <a:spcAft>
+                          <a:spcPts val="0"/>
+                        </a:spcAft>
+                      </a:pPr>
+                      <a:r>
+                        <a:rPr lang="en-US" sz="1400" b="1" u="none" strike="noStrike">
+                          <a:solidFill>
+                            <a:srgbClr val="000000"/>
+                          </a:solidFill>
+                          <a:effectLst/>
+                        </a:rPr>
+                        <a:t>Name</a:t>
+                      </a:r>
+                      <a:endParaRPr lang="en-US" sz="1400" b="0" i="0" u="none" strike="noStrike">
+                        <a:effectLst/>
+                        <a:latin typeface="Arial" panose="020B0604020202020204" pitchFamily="34" charset="0"/>
+                      </a:endParaRPr>
+                    </a:p>
+                  </a:txBody>
+                  <a:tcPr marL="58440" marR="58440" marT="8117" marB="0"/>
+                </a:tc>
+                <a:tc>
+                  <a:txBody>
+                    <a:bodyPr/>
+                    <a:lstStyle/>
+                    <a:p>
+                      <a:pPr marL="0" marR="0" algn="ctr" fontAlgn="t">
+                        <a:lnSpc>
+                          <a:spcPct val="107000"/>
+                        </a:lnSpc>
+                        <a:spcBef>
+                          <a:spcPts val="0"/>
+                        </a:spcBef>
+                        <a:spcAft>
+                          <a:spcPts val="0"/>
+                        </a:spcAft>
+                      </a:pPr>
+                      <a:r>
+                        <a:rPr lang="en-US" sz="1400" b="1" u="none" strike="noStrike">
+                          <a:solidFill>
+                            <a:srgbClr val="000000"/>
+                          </a:solidFill>
+                          <a:effectLst/>
+                        </a:rPr>
+                        <a:t>Price</a:t>
+                      </a:r>
+                      <a:endParaRPr lang="en-US" sz="1400" b="0" i="0" u="none" strike="noStrike">
+                        <a:effectLst/>
+                        <a:latin typeface="Arial" panose="020B0604020202020204" pitchFamily="34" charset="0"/>
+                      </a:endParaRPr>
+                    </a:p>
+                  </a:txBody>
+                  <a:tcPr marL="58440" marR="58440" marT="8117" marB="0"/>
+                </a:tc>
+                <a:tc>
+                  <a:txBody>
+                    <a:bodyPr/>
+                    <a:lstStyle/>
+                    <a:p>
+                      <a:pPr marL="0" marR="0" algn="ctr" fontAlgn="t">
+                        <a:lnSpc>
+                          <a:spcPct val="107000"/>
+                        </a:lnSpc>
+                        <a:spcBef>
+                          <a:spcPts val="0"/>
+                        </a:spcBef>
+                        <a:spcAft>
+                          <a:spcPts val="0"/>
+                        </a:spcAft>
+                      </a:pPr>
+                      <a:r>
+                        <a:rPr lang="en-US" sz="1400" b="1" u="none" strike="noStrike">
+                          <a:solidFill>
+                            <a:srgbClr val="000000"/>
+                          </a:solidFill>
+                          <a:effectLst/>
+                        </a:rPr>
+                        <a:t>Quantity</a:t>
+                      </a:r>
+                      <a:endParaRPr lang="en-US" sz="1400" b="0" i="0" u="none" strike="noStrike">
+                        <a:effectLst/>
+                        <a:latin typeface="Arial" panose="020B0604020202020204" pitchFamily="34" charset="0"/>
+                      </a:endParaRPr>
+                    </a:p>
+                  </a:txBody>
+                  <a:tcPr marL="58440" marR="58440" marT="8117" marB="0"/>
+                </a:tc>
+                <a:extLst>
+                  <a:ext uri="{0D108BD9-81ED-4DB2-BD59-A6C34878D82A}">
+                    <a16:rowId xmlns:a16="http://schemas.microsoft.com/office/drawing/2014/main" val="3275592871"/>
+                  </a:ext>
+                </a:extLst>
+              </a:tr>
+              <a:tr h="585815">
+                <a:tc>
+                  <a:txBody>
+                    <a:bodyPr/>
+                    <a:lstStyle/>
+                    <a:p>
+                      <a:pPr marL="0" marR="0" algn="l" fontAlgn="t">
+                        <a:lnSpc>
+                          <a:spcPct val="107000"/>
+                        </a:lnSpc>
+                        <a:spcBef>
+                          <a:spcPts val="0"/>
+                        </a:spcBef>
+                        <a:spcAft>
+                          <a:spcPts val="0"/>
+                        </a:spcAft>
+                      </a:pPr>
+                      <a:r>
+                        <a:rPr lang="en-US" sz="1400" b="1" u="none" strike="noStrike" dirty="0">
+                          <a:solidFill>
+                            <a:srgbClr val="000000"/>
+                          </a:solidFill>
+                          <a:effectLst/>
+                        </a:rPr>
+                        <a:t>Battery</a:t>
+                      </a:r>
+                      <a:endParaRPr lang="en-US" sz="1400" b="0" i="0" u="none" strike="noStrike" dirty="0">
+                        <a:effectLst/>
+                        <a:latin typeface="Arial" panose="020B0604020202020204" pitchFamily="34" charset="0"/>
+                      </a:endParaRPr>
+                    </a:p>
+                  </a:txBody>
+                  <a:tcPr marL="58440" marR="58440" marT="8117" marB="0"/>
+                </a:tc>
+                <a:tc>
+                  <a:txBody>
+                    <a:bodyPr/>
+                    <a:lstStyle/>
+                    <a:p>
+                      <a:pPr marL="0" marR="0" algn="ctr" fontAlgn="t">
+                        <a:lnSpc>
+                          <a:spcPct val="107000"/>
+                        </a:lnSpc>
+                        <a:spcBef>
+                          <a:spcPts val="0"/>
+                        </a:spcBef>
+                        <a:spcAft>
+                          <a:spcPts val="0"/>
+                        </a:spcAft>
+                      </a:pPr>
+                      <a:r>
+                        <a:rPr lang="en-US" sz="1400" b="0" u="none" strike="noStrike">
+                          <a:effectLst/>
+                        </a:rPr>
+                        <a:t>Howell Energy hw-4f7</a:t>
+                      </a:r>
+                      <a:endParaRPr lang="en-US" sz="1400" b="0" i="0" u="none" strike="noStrike">
+                        <a:effectLst/>
+                        <a:latin typeface="Arial" panose="020B0604020202020204" pitchFamily="34" charset="0"/>
+                      </a:endParaRPr>
+                    </a:p>
+                  </a:txBody>
+                  <a:tcPr marL="58440" marR="58440" marT="8117" marB="0"/>
+                </a:tc>
+                <a:tc>
+                  <a:txBody>
+                    <a:bodyPr/>
+                    <a:lstStyle/>
+                    <a:p>
+                      <a:pPr marL="0" marR="0" algn="ctr" fontAlgn="t">
+                        <a:lnSpc>
+                          <a:spcPct val="107000"/>
+                        </a:lnSpc>
+                        <a:spcBef>
+                          <a:spcPts val="0"/>
+                        </a:spcBef>
+                        <a:spcAft>
+                          <a:spcPts val="0"/>
+                        </a:spcAft>
+                      </a:pPr>
+                      <a:r>
+                        <a:rPr lang="en-US" sz="1400" b="0" u="none" strike="noStrike">
+                          <a:effectLst/>
+                        </a:rPr>
+                        <a:t>32.99</a:t>
+                      </a:r>
+                      <a:endParaRPr lang="en-US" sz="1400" b="0" i="0" u="none" strike="noStrike">
+                        <a:effectLst/>
+                        <a:latin typeface="Arial" panose="020B0604020202020204" pitchFamily="34" charset="0"/>
+                      </a:endParaRPr>
+                    </a:p>
+                  </a:txBody>
+                  <a:tcPr marL="58440" marR="58440" marT="8117" marB="0"/>
+                </a:tc>
+                <a:tc>
+                  <a:txBody>
+                    <a:bodyPr/>
+                    <a:lstStyle/>
+                    <a:p>
+                      <a:pPr marL="0" marR="0" algn="ctr" fontAlgn="t">
+                        <a:lnSpc>
+                          <a:spcPct val="107000"/>
+                        </a:lnSpc>
+                        <a:spcBef>
+                          <a:spcPts val="0"/>
+                        </a:spcBef>
+                        <a:spcAft>
+                          <a:spcPts val="0"/>
+                        </a:spcAft>
+                      </a:pPr>
+                      <a:r>
+                        <a:rPr lang="en-US" sz="1400" b="0" u="none" strike="noStrike">
+                          <a:effectLst/>
+                        </a:rPr>
+                        <a:t>1</a:t>
+                      </a:r>
+                      <a:endParaRPr lang="en-US" sz="1400" b="0" i="0" u="none" strike="noStrike">
+                        <a:effectLst/>
+                        <a:latin typeface="Arial" panose="020B0604020202020204" pitchFamily="34" charset="0"/>
+                      </a:endParaRPr>
+                    </a:p>
+                  </a:txBody>
+                  <a:tcPr marL="58440" marR="58440" marT="8117" marB="0"/>
+                </a:tc>
+                <a:extLst>
+                  <a:ext uri="{0D108BD9-81ED-4DB2-BD59-A6C34878D82A}">
+                    <a16:rowId xmlns:a16="http://schemas.microsoft.com/office/drawing/2014/main" val="2300233094"/>
+                  </a:ext>
+                </a:extLst>
+              </a:tr>
+              <a:tr h="313908">
+                <a:tc>
+                  <a:txBody>
+                    <a:bodyPr/>
+                    <a:lstStyle/>
+                    <a:p>
+                      <a:pPr marL="0" marR="0" algn="l" fontAlgn="t">
+                        <a:lnSpc>
+                          <a:spcPct val="107000"/>
+                        </a:lnSpc>
+                        <a:spcBef>
+                          <a:spcPts val="0"/>
+                        </a:spcBef>
+                        <a:spcAft>
+                          <a:spcPts val="0"/>
+                        </a:spcAft>
+                      </a:pPr>
+                      <a:r>
+                        <a:rPr lang="en-US" sz="1400" b="1" u="none" strike="noStrike">
+                          <a:solidFill>
+                            <a:srgbClr val="000000"/>
+                          </a:solidFill>
+                          <a:effectLst/>
+                        </a:rPr>
+                        <a:t>Motor w</a:t>
+                      </a:r>
+                      <a:endParaRPr lang="en-US" sz="1400" b="0" i="0" u="none" strike="noStrike">
+                        <a:effectLst/>
+                        <a:latin typeface="Arial" panose="020B0604020202020204" pitchFamily="34" charset="0"/>
+                      </a:endParaRPr>
+                    </a:p>
+                  </a:txBody>
+                  <a:tcPr marL="58440" marR="58440" marT="8117" marB="0"/>
+                </a:tc>
+                <a:tc>
+                  <a:txBody>
+                    <a:bodyPr/>
+                    <a:lstStyle/>
+                    <a:p>
+                      <a:pPr marL="0" marR="0" algn="ctr" fontAlgn="t">
+                        <a:lnSpc>
+                          <a:spcPct val="107000"/>
+                        </a:lnSpc>
+                        <a:spcBef>
+                          <a:spcPts val="0"/>
+                        </a:spcBef>
+                        <a:spcAft>
+                          <a:spcPts val="0"/>
+                        </a:spcAft>
+                      </a:pPr>
+                      <a:r>
+                        <a:rPr lang="en-US" sz="1400" b="0" u="none" strike="noStrike">
+                          <a:effectLst/>
+                        </a:rPr>
+                        <a:t>Nema 23</a:t>
+                      </a:r>
+                      <a:endParaRPr lang="en-US" sz="1400" b="0" i="0" u="none" strike="noStrike">
+                        <a:effectLst/>
+                        <a:latin typeface="Arial" panose="020B0604020202020204" pitchFamily="34" charset="0"/>
+                      </a:endParaRPr>
+                    </a:p>
+                  </a:txBody>
+                  <a:tcPr marL="58440" marR="58440" marT="8117" marB="0"/>
+                </a:tc>
+                <a:tc>
+                  <a:txBody>
+                    <a:bodyPr/>
+                    <a:lstStyle/>
+                    <a:p>
+                      <a:pPr marL="0" marR="0" algn="ctr" fontAlgn="t">
+                        <a:lnSpc>
+                          <a:spcPct val="107000"/>
+                        </a:lnSpc>
+                        <a:spcBef>
+                          <a:spcPts val="0"/>
+                        </a:spcBef>
+                        <a:spcAft>
+                          <a:spcPts val="0"/>
+                        </a:spcAft>
+                      </a:pPr>
+                      <a:r>
+                        <a:rPr lang="en-US" sz="1400" b="0" u="none" strike="noStrike">
+                          <a:effectLst/>
+                        </a:rPr>
+                        <a:t>$30.73</a:t>
+                      </a:r>
+                      <a:endParaRPr lang="en-US" sz="1400" b="0" i="0" u="none" strike="noStrike">
+                        <a:effectLst/>
+                        <a:latin typeface="Arial" panose="020B0604020202020204" pitchFamily="34" charset="0"/>
+                      </a:endParaRPr>
+                    </a:p>
+                  </a:txBody>
+                  <a:tcPr marL="58440" marR="58440" marT="8117" marB="0"/>
+                </a:tc>
+                <a:tc>
+                  <a:txBody>
+                    <a:bodyPr/>
+                    <a:lstStyle/>
+                    <a:p>
+                      <a:pPr marL="0" marR="0" algn="ctr" fontAlgn="t">
+                        <a:lnSpc>
+                          <a:spcPct val="107000"/>
+                        </a:lnSpc>
+                        <a:spcBef>
+                          <a:spcPts val="0"/>
+                        </a:spcBef>
+                        <a:spcAft>
+                          <a:spcPts val="0"/>
+                        </a:spcAft>
+                      </a:pPr>
+                      <a:r>
+                        <a:rPr lang="en-US" sz="1400" b="0" u="none" strike="noStrike">
+                          <a:effectLst/>
+                        </a:rPr>
+                        <a:t>1</a:t>
+                      </a:r>
+                      <a:endParaRPr lang="en-US" sz="1400" b="0" i="0" u="none" strike="noStrike">
+                        <a:effectLst/>
+                        <a:latin typeface="Arial" panose="020B0604020202020204" pitchFamily="34" charset="0"/>
+                      </a:endParaRPr>
+                    </a:p>
+                  </a:txBody>
+                  <a:tcPr marL="58440" marR="58440" marT="8117" marB="0"/>
+                </a:tc>
+                <a:extLst>
+                  <a:ext uri="{0D108BD9-81ED-4DB2-BD59-A6C34878D82A}">
+                    <a16:rowId xmlns:a16="http://schemas.microsoft.com/office/drawing/2014/main" val="780600686"/>
+                  </a:ext>
+                </a:extLst>
+              </a:tr>
+              <a:tr h="585815">
+                <a:tc>
+                  <a:txBody>
+                    <a:bodyPr/>
+                    <a:lstStyle/>
+                    <a:p>
+                      <a:pPr marL="0" marR="0" algn="l" fontAlgn="t">
+                        <a:lnSpc>
+                          <a:spcPct val="107000"/>
+                        </a:lnSpc>
+                        <a:spcBef>
+                          <a:spcPts val="0"/>
+                        </a:spcBef>
+                        <a:spcAft>
+                          <a:spcPts val="0"/>
+                        </a:spcAft>
+                      </a:pPr>
+                      <a:r>
+                        <a:rPr lang="en-US" sz="1400" b="1" u="none" strike="noStrike">
+                          <a:solidFill>
+                            <a:srgbClr val="000000"/>
+                          </a:solidFill>
+                          <a:effectLst/>
+                        </a:rPr>
+                        <a:t>Motor x-y-z</a:t>
+                      </a:r>
+                      <a:endParaRPr lang="en-US" sz="1400" b="0" i="0" u="none" strike="noStrike">
+                        <a:effectLst/>
+                        <a:latin typeface="Arial" panose="020B0604020202020204" pitchFamily="34" charset="0"/>
+                      </a:endParaRPr>
+                    </a:p>
+                  </a:txBody>
+                  <a:tcPr marL="58440" marR="58440" marT="8117" marB="0"/>
+                </a:tc>
+                <a:tc>
+                  <a:txBody>
+                    <a:bodyPr/>
+                    <a:lstStyle/>
+                    <a:p>
+                      <a:pPr marL="0" marR="0" algn="ctr" fontAlgn="t">
+                        <a:lnSpc>
+                          <a:spcPct val="107000"/>
+                        </a:lnSpc>
+                        <a:spcBef>
+                          <a:spcPts val="0"/>
+                        </a:spcBef>
+                        <a:spcAft>
+                          <a:spcPts val="0"/>
+                        </a:spcAft>
+                      </a:pPr>
+                      <a:r>
+                        <a:rPr lang="en-US" sz="1400" b="0" u="none" strike="noStrike">
+                          <a:effectLst/>
+                        </a:rPr>
+                        <a:t>9.5-11kg*cm Servo Motor</a:t>
+                      </a:r>
+                      <a:endParaRPr lang="en-US" sz="1400" b="0" i="0" u="none" strike="noStrike">
+                        <a:effectLst/>
+                        <a:latin typeface="Arial" panose="020B0604020202020204" pitchFamily="34" charset="0"/>
+                      </a:endParaRPr>
+                    </a:p>
+                  </a:txBody>
+                  <a:tcPr marL="58440" marR="58440" marT="8117" marB="0"/>
+                </a:tc>
+                <a:tc>
+                  <a:txBody>
+                    <a:bodyPr/>
+                    <a:lstStyle/>
+                    <a:p>
+                      <a:pPr marL="0" marR="0" algn="ctr" fontAlgn="t">
+                        <a:lnSpc>
+                          <a:spcPct val="107000"/>
+                        </a:lnSpc>
+                        <a:spcBef>
+                          <a:spcPts val="0"/>
+                        </a:spcBef>
+                        <a:spcAft>
+                          <a:spcPts val="0"/>
+                        </a:spcAft>
+                      </a:pPr>
+                      <a:r>
+                        <a:rPr lang="en-US" sz="1400" b="0" u="none" strike="noStrike">
+                          <a:effectLst/>
+                        </a:rPr>
+                        <a:t>$17.59</a:t>
+                      </a:r>
+                      <a:endParaRPr lang="en-US" sz="1400" b="0" i="0" u="none" strike="noStrike">
+                        <a:effectLst/>
+                        <a:latin typeface="Arial" panose="020B0604020202020204" pitchFamily="34" charset="0"/>
+                      </a:endParaRPr>
+                    </a:p>
+                  </a:txBody>
+                  <a:tcPr marL="58440" marR="58440" marT="8117" marB="0"/>
+                </a:tc>
+                <a:tc>
+                  <a:txBody>
+                    <a:bodyPr/>
+                    <a:lstStyle/>
+                    <a:p>
+                      <a:pPr marL="0" marR="0" algn="ctr" fontAlgn="t">
+                        <a:lnSpc>
+                          <a:spcPct val="107000"/>
+                        </a:lnSpc>
+                        <a:spcBef>
+                          <a:spcPts val="0"/>
+                        </a:spcBef>
+                        <a:spcAft>
+                          <a:spcPts val="0"/>
+                        </a:spcAft>
+                      </a:pPr>
+                      <a:r>
+                        <a:rPr lang="en-US" sz="1400" b="0" u="none" strike="noStrike">
+                          <a:effectLst/>
+                        </a:rPr>
+                        <a:t>3</a:t>
+                      </a:r>
+                      <a:endParaRPr lang="en-US" sz="1400" b="0" i="0" u="none" strike="noStrike">
+                        <a:effectLst/>
+                        <a:latin typeface="Arial" panose="020B0604020202020204" pitchFamily="34" charset="0"/>
+                      </a:endParaRPr>
+                    </a:p>
+                  </a:txBody>
+                  <a:tcPr marL="58440" marR="58440" marT="8117" marB="0"/>
+                </a:tc>
+                <a:extLst>
+                  <a:ext uri="{0D108BD9-81ED-4DB2-BD59-A6C34878D82A}">
+                    <a16:rowId xmlns:a16="http://schemas.microsoft.com/office/drawing/2014/main" val="2753080893"/>
+                  </a:ext>
+                </a:extLst>
+              </a:tr>
+              <a:tr h="585815">
+                <a:tc>
+                  <a:txBody>
+                    <a:bodyPr/>
+                    <a:lstStyle/>
+                    <a:p>
+                      <a:pPr marL="0" marR="0" algn="l" fontAlgn="t">
+                        <a:lnSpc>
+                          <a:spcPct val="107000"/>
+                        </a:lnSpc>
+                        <a:spcBef>
+                          <a:spcPts val="0"/>
+                        </a:spcBef>
+                        <a:spcAft>
+                          <a:spcPts val="0"/>
+                        </a:spcAft>
+                      </a:pPr>
+                      <a:r>
+                        <a:rPr lang="en-US" sz="1400" b="1" u="none" strike="noStrike" dirty="0">
+                          <a:solidFill>
+                            <a:srgbClr val="000000"/>
+                          </a:solidFill>
+                          <a:effectLst/>
+                        </a:rPr>
+                        <a:t>Charge Controller/BMS</a:t>
+                      </a:r>
+                      <a:endParaRPr lang="en-US" sz="1400" b="0" i="0" u="none" strike="noStrike" dirty="0">
+                        <a:effectLst/>
+                        <a:latin typeface="Arial" panose="020B0604020202020204" pitchFamily="34" charset="0"/>
+                      </a:endParaRPr>
+                    </a:p>
+                  </a:txBody>
+                  <a:tcPr marL="58440" marR="58440" marT="8117" marB="0"/>
+                </a:tc>
+                <a:tc>
+                  <a:txBody>
+                    <a:bodyPr/>
+                    <a:lstStyle/>
+                    <a:p>
+                      <a:pPr marL="0" marR="0" algn="ctr" fontAlgn="t">
+                        <a:lnSpc>
+                          <a:spcPct val="107000"/>
+                        </a:lnSpc>
+                        <a:spcBef>
+                          <a:spcPts val="0"/>
+                        </a:spcBef>
+                        <a:spcAft>
+                          <a:spcPts val="0"/>
+                        </a:spcAft>
+                      </a:pPr>
+                      <a:r>
+                        <a:rPr lang="en-US" sz="1400" b="0" u="none" strike="noStrike">
+                          <a:solidFill>
+                            <a:srgbClr val="333333"/>
+                          </a:solidFill>
+                          <a:effectLst/>
+                        </a:rPr>
+                        <a:t>Smaraad SR11004</a:t>
+                      </a:r>
+                      <a:endParaRPr lang="en-US" sz="1400" b="0" i="0" u="none" strike="noStrike">
+                        <a:effectLst/>
+                        <a:latin typeface="Arial" panose="020B0604020202020204" pitchFamily="34" charset="0"/>
+                      </a:endParaRPr>
+                    </a:p>
+                  </a:txBody>
+                  <a:tcPr marL="58440" marR="58440" marT="8117" marB="0"/>
+                </a:tc>
+                <a:tc>
+                  <a:txBody>
+                    <a:bodyPr/>
+                    <a:lstStyle/>
+                    <a:p>
+                      <a:pPr marL="0" marR="0" algn="ctr" fontAlgn="t">
+                        <a:lnSpc>
+                          <a:spcPct val="107000"/>
+                        </a:lnSpc>
+                        <a:spcBef>
+                          <a:spcPts val="0"/>
+                        </a:spcBef>
+                        <a:spcAft>
+                          <a:spcPts val="0"/>
+                        </a:spcAft>
+                      </a:pPr>
+                      <a:r>
+                        <a:rPr lang="en-US" sz="1400" b="0" u="none" strike="noStrike">
+                          <a:effectLst/>
+                        </a:rPr>
+                        <a:t>$39.99</a:t>
+                      </a:r>
+                      <a:endParaRPr lang="en-US" sz="1400" b="0" i="0" u="none" strike="noStrike">
+                        <a:effectLst/>
+                        <a:latin typeface="Arial" panose="020B0604020202020204" pitchFamily="34" charset="0"/>
+                      </a:endParaRPr>
+                    </a:p>
+                  </a:txBody>
+                  <a:tcPr marL="58440" marR="58440" marT="8117" marB="0"/>
+                </a:tc>
+                <a:tc>
+                  <a:txBody>
+                    <a:bodyPr/>
+                    <a:lstStyle/>
+                    <a:p>
+                      <a:pPr marL="0" marR="0" algn="ctr" fontAlgn="t">
+                        <a:lnSpc>
+                          <a:spcPct val="107000"/>
+                        </a:lnSpc>
+                        <a:spcBef>
+                          <a:spcPts val="0"/>
+                        </a:spcBef>
+                        <a:spcAft>
+                          <a:spcPts val="0"/>
+                        </a:spcAft>
+                      </a:pPr>
+                      <a:r>
+                        <a:rPr lang="en-US" sz="1400" b="0" u="none" strike="noStrike">
+                          <a:effectLst/>
+                        </a:rPr>
+                        <a:t>1</a:t>
+                      </a:r>
+                      <a:endParaRPr lang="en-US" sz="1400" b="0" i="0" u="none" strike="noStrike">
+                        <a:effectLst/>
+                        <a:latin typeface="Arial" panose="020B0604020202020204" pitchFamily="34" charset="0"/>
+                      </a:endParaRPr>
+                    </a:p>
+                  </a:txBody>
+                  <a:tcPr marL="58440" marR="58440" marT="8117" marB="0"/>
+                </a:tc>
+                <a:extLst>
+                  <a:ext uri="{0D108BD9-81ED-4DB2-BD59-A6C34878D82A}">
+                    <a16:rowId xmlns:a16="http://schemas.microsoft.com/office/drawing/2014/main" val="856609424"/>
+                  </a:ext>
+                </a:extLst>
+              </a:tr>
+              <a:tr h="313908">
+                <a:tc>
+                  <a:txBody>
+                    <a:bodyPr/>
+                    <a:lstStyle/>
+                    <a:p>
+                      <a:pPr marL="0" marR="0" algn="l" fontAlgn="t">
+                        <a:lnSpc>
+                          <a:spcPct val="107000"/>
+                        </a:lnSpc>
+                        <a:spcBef>
+                          <a:spcPts val="0"/>
+                        </a:spcBef>
+                        <a:spcAft>
+                          <a:spcPts val="0"/>
+                        </a:spcAft>
+                      </a:pPr>
+                      <a:r>
+                        <a:rPr lang="en-US" sz="1400" b="1" u="none" strike="noStrike">
+                          <a:solidFill>
+                            <a:srgbClr val="000000"/>
+                          </a:solidFill>
+                          <a:effectLst/>
+                        </a:rPr>
+                        <a:t>Solar Panel</a:t>
+                      </a:r>
+                      <a:endParaRPr lang="en-US" sz="1400" b="0" i="0" u="none" strike="noStrike">
+                        <a:effectLst/>
+                        <a:latin typeface="Arial" panose="020B0604020202020204" pitchFamily="34" charset="0"/>
+                      </a:endParaRPr>
+                    </a:p>
+                  </a:txBody>
+                  <a:tcPr marL="58440" marR="58440" marT="8117" marB="0"/>
+                </a:tc>
+                <a:tc>
+                  <a:txBody>
+                    <a:bodyPr/>
+                    <a:lstStyle/>
+                    <a:p>
+                      <a:pPr marL="0" marR="0" algn="ctr" fontAlgn="t">
+                        <a:lnSpc>
+                          <a:spcPct val="107000"/>
+                        </a:lnSpc>
+                        <a:spcBef>
+                          <a:spcPts val="0"/>
+                        </a:spcBef>
+                        <a:spcAft>
+                          <a:spcPts val="0"/>
+                        </a:spcAft>
+                      </a:pPr>
+                      <a:r>
+                        <a:rPr lang="en-US" sz="1400" b="0" u="none" strike="noStrike">
+                          <a:effectLst/>
+                        </a:rPr>
+                        <a:t>RNG-50D-SS</a:t>
+                      </a:r>
+                      <a:endParaRPr lang="en-US" sz="1400" b="0" i="0" u="none" strike="noStrike">
+                        <a:effectLst/>
+                        <a:latin typeface="Arial" panose="020B0604020202020204" pitchFamily="34" charset="0"/>
+                      </a:endParaRPr>
+                    </a:p>
+                  </a:txBody>
+                  <a:tcPr marL="58440" marR="58440" marT="8117" marB="0"/>
+                </a:tc>
+                <a:tc>
+                  <a:txBody>
+                    <a:bodyPr/>
+                    <a:lstStyle/>
+                    <a:p>
+                      <a:pPr marL="0" marR="0" algn="ctr" fontAlgn="t">
+                        <a:lnSpc>
+                          <a:spcPct val="107000"/>
+                        </a:lnSpc>
+                        <a:spcBef>
+                          <a:spcPts val="0"/>
+                        </a:spcBef>
+                        <a:spcAft>
+                          <a:spcPts val="0"/>
+                        </a:spcAft>
+                      </a:pPr>
+                      <a:r>
+                        <a:rPr lang="en-US" sz="1400" b="0" u="none" strike="noStrike">
+                          <a:effectLst/>
+                        </a:rPr>
+                        <a:t>$49.99</a:t>
+                      </a:r>
+                      <a:endParaRPr lang="en-US" sz="1400" b="0" i="0" u="none" strike="noStrike">
+                        <a:effectLst/>
+                        <a:latin typeface="Arial" panose="020B0604020202020204" pitchFamily="34" charset="0"/>
+                      </a:endParaRPr>
+                    </a:p>
+                  </a:txBody>
+                  <a:tcPr marL="58440" marR="58440" marT="8117" marB="0"/>
+                </a:tc>
+                <a:tc>
+                  <a:txBody>
+                    <a:bodyPr/>
+                    <a:lstStyle/>
+                    <a:p>
+                      <a:pPr marL="0" marR="0" algn="ctr" fontAlgn="t">
+                        <a:lnSpc>
+                          <a:spcPct val="107000"/>
+                        </a:lnSpc>
+                        <a:spcBef>
+                          <a:spcPts val="0"/>
+                        </a:spcBef>
+                        <a:spcAft>
+                          <a:spcPts val="0"/>
+                        </a:spcAft>
+                      </a:pPr>
+                      <a:r>
+                        <a:rPr lang="en-US" sz="1400" b="0" u="none" strike="noStrike" dirty="0">
+                          <a:effectLst/>
+                        </a:rPr>
+                        <a:t>1</a:t>
+                      </a:r>
+                      <a:endParaRPr lang="en-US" sz="1400" b="0" i="0" u="none" strike="noStrike" dirty="0">
+                        <a:effectLst/>
+                        <a:latin typeface="Arial" panose="020B0604020202020204" pitchFamily="34" charset="0"/>
+                      </a:endParaRPr>
+                    </a:p>
+                  </a:txBody>
+                  <a:tcPr marL="58440" marR="58440" marT="8117" marB="0"/>
+                </a:tc>
+                <a:extLst>
+                  <a:ext uri="{0D108BD9-81ED-4DB2-BD59-A6C34878D82A}">
+                    <a16:rowId xmlns:a16="http://schemas.microsoft.com/office/drawing/2014/main" val="1796577323"/>
+                  </a:ext>
+                </a:extLst>
+              </a:tr>
+              <a:tr h="585815">
+                <a:tc>
+                  <a:txBody>
+                    <a:bodyPr/>
+                    <a:lstStyle/>
+                    <a:p>
+                      <a:pPr marL="0" marR="0" algn="l" fontAlgn="t">
+                        <a:lnSpc>
+                          <a:spcPct val="107000"/>
+                        </a:lnSpc>
+                        <a:spcBef>
+                          <a:spcPts val="0"/>
+                        </a:spcBef>
+                        <a:spcAft>
+                          <a:spcPts val="0"/>
+                        </a:spcAft>
+                      </a:pPr>
+                      <a:r>
+                        <a:rPr lang="en-US" sz="1400" b="1" u="none" strike="noStrike">
+                          <a:solidFill>
+                            <a:srgbClr val="000000"/>
+                          </a:solidFill>
+                          <a:effectLst/>
+                        </a:rPr>
+                        <a:t>Microcontroller</a:t>
+                      </a:r>
+                      <a:endParaRPr lang="en-US" sz="1400" b="0" i="0" u="none" strike="noStrike">
+                        <a:effectLst/>
+                        <a:latin typeface="Arial" panose="020B0604020202020204" pitchFamily="34" charset="0"/>
+                      </a:endParaRPr>
+                    </a:p>
+                  </a:txBody>
+                  <a:tcPr marL="58440" marR="58440" marT="8117" marB="0"/>
+                </a:tc>
+                <a:tc>
+                  <a:txBody>
+                    <a:bodyPr/>
+                    <a:lstStyle/>
+                    <a:p>
+                      <a:pPr marL="0" marR="0" algn="ctr" fontAlgn="t">
+                        <a:lnSpc>
+                          <a:spcPct val="107000"/>
+                        </a:lnSpc>
+                        <a:spcBef>
+                          <a:spcPts val="0"/>
+                        </a:spcBef>
+                        <a:spcAft>
+                          <a:spcPts val="0"/>
+                        </a:spcAft>
+                      </a:pPr>
+                      <a:r>
+                        <a:rPr lang="en-US" sz="1400" b="0" u="none" strike="noStrike">
+                          <a:effectLst/>
+                        </a:rPr>
+                        <a:t>ESP32-C6-DEVKITC-1-N8</a:t>
+                      </a:r>
+                      <a:endParaRPr lang="en-US" sz="1400" b="0" i="0" u="none" strike="noStrike">
+                        <a:effectLst/>
+                        <a:latin typeface="Arial" panose="020B0604020202020204" pitchFamily="34" charset="0"/>
+                      </a:endParaRPr>
+                    </a:p>
+                  </a:txBody>
+                  <a:tcPr marL="58440" marR="58440" marT="8117" marB="0"/>
+                </a:tc>
+                <a:tc>
+                  <a:txBody>
+                    <a:bodyPr/>
+                    <a:lstStyle/>
+                    <a:p>
+                      <a:pPr marL="0" marR="0" algn="ctr" fontAlgn="t">
+                        <a:lnSpc>
+                          <a:spcPct val="107000"/>
+                        </a:lnSpc>
+                        <a:spcBef>
+                          <a:spcPts val="0"/>
+                        </a:spcBef>
+                        <a:spcAft>
+                          <a:spcPts val="0"/>
+                        </a:spcAft>
+                      </a:pPr>
+                      <a:r>
+                        <a:rPr lang="en-US" sz="1400" b="0" u="none" strike="noStrike">
+                          <a:effectLst/>
+                        </a:rPr>
+                        <a:t>$9.00</a:t>
+                      </a:r>
+                      <a:endParaRPr lang="en-US" sz="1400" b="0" i="0" u="none" strike="noStrike">
+                        <a:effectLst/>
+                        <a:latin typeface="Arial" panose="020B0604020202020204" pitchFamily="34" charset="0"/>
+                      </a:endParaRPr>
+                    </a:p>
+                  </a:txBody>
+                  <a:tcPr marL="58440" marR="58440" marT="8117" marB="0"/>
+                </a:tc>
+                <a:tc>
+                  <a:txBody>
+                    <a:bodyPr/>
+                    <a:lstStyle/>
+                    <a:p>
+                      <a:pPr marL="0" marR="0" algn="ctr" fontAlgn="t">
+                        <a:lnSpc>
+                          <a:spcPct val="107000"/>
+                        </a:lnSpc>
+                        <a:spcBef>
+                          <a:spcPts val="0"/>
+                        </a:spcBef>
+                        <a:spcAft>
+                          <a:spcPts val="0"/>
+                        </a:spcAft>
+                      </a:pPr>
+                      <a:r>
+                        <a:rPr lang="en-US" sz="1400" b="0" u="none" strike="noStrike">
+                          <a:effectLst/>
+                        </a:rPr>
+                        <a:t>1</a:t>
+                      </a:r>
+                      <a:endParaRPr lang="en-US" sz="1400" b="0" i="0" u="none" strike="noStrike">
+                        <a:effectLst/>
+                        <a:latin typeface="Arial" panose="020B0604020202020204" pitchFamily="34" charset="0"/>
+                      </a:endParaRPr>
+                    </a:p>
+                  </a:txBody>
+                  <a:tcPr marL="58440" marR="58440" marT="8117" marB="0"/>
+                </a:tc>
+                <a:extLst>
+                  <a:ext uri="{0D108BD9-81ED-4DB2-BD59-A6C34878D82A}">
+                    <a16:rowId xmlns:a16="http://schemas.microsoft.com/office/drawing/2014/main" val="819059613"/>
+                  </a:ext>
+                </a:extLst>
+              </a:tr>
+              <a:tr h="313908">
+                <a:tc>
+                  <a:txBody>
+                    <a:bodyPr/>
+                    <a:lstStyle/>
+                    <a:p>
+                      <a:pPr marL="0" marR="0" algn="l" fontAlgn="t">
+                        <a:lnSpc>
+                          <a:spcPct val="107000"/>
+                        </a:lnSpc>
+                        <a:spcBef>
+                          <a:spcPts val="0"/>
+                        </a:spcBef>
+                        <a:spcAft>
+                          <a:spcPts val="0"/>
+                        </a:spcAft>
+                      </a:pPr>
+                      <a:r>
+                        <a:rPr lang="en-US" sz="1400" b="1" u="none" strike="noStrike">
+                          <a:solidFill>
+                            <a:srgbClr val="000000"/>
+                          </a:solidFill>
+                          <a:effectLst/>
+                        </a:rPr>
+                        <a:t>External Antenna</a:t>
+                      </a:r>
+                      <a:endParaRPr lang="en-US" sz="1400" b="0" i="0" u="none" strike="noStrike">
+                        <a:effectLst/>
+                        <a:latin typeface="Arial" panose="020B0604020202020204" pitchFamily="34" charset="0"/>
+                      </a:endParaRPr>
+                    </a:p>
+                  </a:txBody>
+                  <a:tcPr marL="58440" marR="58440" marT="8117" marB="0"/>
+                </a:tc>
+                <a:tc>
+                  <a:txBody>
+                    <a:bodyPr/>
+                    <a:lstStyle/>
+                    <a:p>
+                      <a:pPr marL="0" marR="0" algn="ctr" fontAlgn="t">
+                        <a:lnSpc>
+                          <a:spcPct val="107000"/>
+                        </a:lnSpc>
+                        <a:spcBef>
+                          <a:spcPts val="0"/>
+                        </a:spcBef>
+                        <a:spcAft>
+                          <a:spcPts val="0"/>
+                        </a:spcAft>
+                      </a:pPr>
+                      <a:r>
+                        <a:rPr lang="en-US" sz="1400" b="0" u="none" strike="noStrike">
+                          <a:effectLst/>
+                        </a:rPr>
+                        <a:t>Wlaniot 2.4G</a:t>
+                      </a:r>
+                      <a:endParaRPr lang="en-US" sz="1400" b="0" i="0" u="none" strike="noStrike">
+                        <a:effectLst/>
+                        <a:latin typeface="Arial" panose="020B0604020202020204" pitchFamily="34" charset="0"/>
+                      </a:endParaRPr>
+                    </a:p>
+                  </a:txBody>
+                  <a:tcPr marL="58440" marR="58440" marT="8117" marB="0"/>
+                </a:tc>
+                <a:tc>
+                  <a:txBody>
+                    <a:bodyPr/>
+                    <a:lstStyle/>
+                    <a:p>
+                      <a:pPr marL="0" marR="0" algn="ctr" fontAlgn="t">
+                        <a:lnSpc>
+                          <a:spcPct val="107000"/>
+                        </a:lnSpc>
+                        <a:spcBef>
+                          <a:spcPts val="0"/>
+                        </a:spcBef>
+                        <a:spcAft>
+                          <a:spcPts val="0"/>
+                        </a:spcAft>
+                      </a:pPr>
+                      <a:r>
+                        <a:rPr lang="en-US" sz="1400" b="0" u="none" strike="noStrike">
+                          <a:solidFill>
+                            <a:srgbClr val="000000"/>
+                          </a:solidFill>
+                          <a:effectLst/>
+                        </a:rPr>
+                        <a:t>$17.98</a:t>
+                      </a:r>
+                      <a:endParaRPr lang="en-US" sz="1400" b="0" i="0" u="none" strike="noStrike">
+                        <a:effectLst/>
+                        <a:latin typeface="Arial" panose="020B0604020202020204" pitchFamily="34" charset="0"/>
+                      </a:endParaRPr>
+                    </a:p>
+                  </a:txBody>
+                  <a:tcPr marL="58440" marR="58440" marT="8117" marB="0"/>
+                </a:tc>
+                <a:tc>
+                  <a:txBody>
+                    <a:bodyPr/>
+                    <a:lstStyle/>
+                    <a:p>
+                      <a:pPr marL="0" marR="0" algn="ctr" fontAlgn="t">
+                        <a:lnSpc>
+                          <a:spcPct val="107000"/>
+                        </a:lnSpc>
+                        <a:spcBef>
+                          <a:spcPts val="0"/>
+                        </a:spcBef>
+                        <a:spcAft>
+                          <a:spcPts val="0"/>
+                        </a:spcAft>
+                      </a:pPr>
+                      <a:r>
+                        <a:rPr lang="en-US" sz="1400" b="0" u="none" strike="noStrike">
+                          <a:effectLst/>
+                        </a:rPr>
+                        <a:t>2</a:t>
+                      </a:r>
+                      <a:endParaRPr lang="en-US" sz="1400" b="0" i="0" u="none" strike="noStrike">
+                        <a:effectLst/>
+                        <a:latin typeface="Arial" panose="020B0604020202020204" pitchFamily="34" charset="0"/>
+                      </a:endParaRPr>
+                    </a:p>
+                  </a:txBody>
+                  <a:tcPr marL="58440" marR="58440" marT="8117" marB="0"/>
+                </a:tc>
+                <a:extLst>
+                  <a:ext uri="{0D108BD9-81ED-4DB2-BD59-A6C34878D82A}">
+                    <a16:rowId xmlns:a16="http://schemas.microsoft.com/office/drawing/2014/main" val="2098978605"/>
+                  </a:ext>
+                </a:extLst>
+              </a:tr>
+              <a:tr h="313908">
+                <a:tc>
+                  <a:txBody>
+                    <a:bodyPr/>
+                    <a:lstStyle/>
+                    <a:p>
+                      <a:pPr marL="0" marR="0" algn="l" fontAlgn="t">
+                        <a:lnSpc>
+                          <a:spcPct val="107000"/>
+                        </a:lnSpc>
+                        <a:spcBef>
+                          <a:spcPts val="0"/>
+                        </a:spcBef>
+                        <a:spcAft>
+                          <a:spcPts val="0"/>
+                        </a:spcAft>
+                      </a:pPr>
+                      <a:r>
+                        <a:rPr lang="en-US" sz="1400" b="1" u="none" strike="noStrike">
+                          <a:solidFill>
+                            <a:srgbClr val="000000"/>
+                          </a:solidFill>
+                          <a:effectLst/>
+                        </a:rPr>
+                        <a:t>MicroSD card</a:t>
+                      </a:r>
+                      <a:endParaRPr lang="en-US" sz="1400" b="0" i="0" u="none" strike="noStrike">
+                        <a:effectLst/>
+                        <a:latin typeface="Arial" panose="020B0604020202020204" pitchFamily="34" charset="0"/>
+                      </a:endParaRPr>
+                    </a:p>
+                  </a:txBody>
+                  <a:tcPr marL="58440" marR="58440" marT="8117" marB="0"/>
+                </a:tc>
+                <a:tc>
+                  <a:txBody>
+                    <a:bodyPr/>
+                    <a:lstStyle/>
+                    <a:p>
+                      <a:pPr marL="0" marR="0" algn="ctr" fontAlgn="t">
+                        <a:lnSpc>
+                          <a:spcPct val="107000"/>
+                        </a:lnSpc>
+                        <a:spcBef>
+                          <a:spcPts val="0"/>
+                        </a:spcBef>
+                        <a:spcAft>
+                          <a:spcPts val="0"/>
+                        </a:spcAft>
+                      </a:pPr>
+                      <a:r>
+                        <a:rPr lang="en-US" sz="1400" b="0" u="none" strike="noStrike">
+                          <a:effectLst/>
+                        </a:rPr>
+                        <a:t>5251</a:t>
+                      </a:r>
+                      <a:endParaRPr lang="en-US" sz="1400" b="0" i="0" u="none" strike="noStrike">
+                        <a:effectLst/>
+                        <a:latin typeface="Arial" panose="020B0604020202020204" pitchFamily="34" charset="0"/>
+                      </a:endParaRPr>
+                    </a:p>
+                  </a:txBody>
+                  <a:tcPr marL="58440" marR="58440" marT="8117" marB="0"/>
+                </a:tc>
+                <a:tc>
+                  <a:txBody>
+                    <a:bodyPr/>
+                    <a:lstStyle/>
+                    <a:p>
+                      <a:pPr marL="0" marR="0" algn="ctr" fontAlgn="t">
+                        <a:lnSpc>
+                          <a:spcPct val="107000"/>
+                        </a:lnSpc>
+                        <a:spcBef>
+                          <a:spcPts val="0"/>
+                        </a:spcBef>
+                        <a:spcAft>
+                          <a:spcPts val="0"/>
+                        </a:spcAft>
+                      </a:pPr>
+                      <a:r>
+                        <a:rPr lang="en-US" sz="1400" b="0" u="none" strike="noStrike">
+                          <a:effectLst/>
+                        </a:rPr>
+                        <a:t>$4.50</a:t>
+                      </a:r>
+                      <a:endParaRPr lang="en-US" sz="1400" b="0" i="0" u="none" strike="noStrike">
+                        <a:effectLst/>
+                        <a:latin typeface="Arial" panose="020B0604020202020204" pitchFamily="34" charset="0"/>
+                      </a:endParaRPr>
+                    </a:p>
+                  </a:txBody>
+                  <a:tcPr marL="58440" marR="58440" marT="8117" marB="0"/>
+                </a:tc>
+                <a:tc>
+                  <a:txBody>
+                    <a:bodyPr/>
+                    <a:lstStyle/>
+                    <a:p>
+                      <a:pPr marL="0" marR="0" algn="ctr" fontAlgn="t">
+                        <a:lnSpc>
+                          <a:spcPct val="107000"/>
+                        </a:lnSpc>
+                        <a:spcBef>
+                          <a:spcPts val="0"/>
+                        </a:spcBef>
+                        <a:spcAft>
+                          <a:spcPts val="0"/>
+                        </a:spcAft>
+                      </a:pPr>
+                      <a:r>
+                        <a:rPr lang="en-US" sz="1400" b="0" u="none" strike="noStrike">
+                          <a:effectLst/>
+                        </a:rPr>
+                        <a:t>2</a:t>
+                      </a:r>
+                      <a:endParaRPr lang="en-US" sz="1400" b="0" i="0" u="none" strike="noStrike">
+                        <a:effectLst/>
+                        <a:latin typeface="Arial" panose="020B0604020202020204" pitchFamily="34" charset="0"/>
+                      </a:endParaRPr>
+                    </a:p>
+                  </a:txBody>
+                  <a:tcPr marL="58440" marR="58440" marT="8117" marB="0"/>
+                </a:tc>
+                <a:extLst>
+                  <a:ext uri="{0D108BD9-81ED-4DB2-BD59-A6C34878D82A}">
+                    <a16:rowId xmlns:a16="http://schemas.microsoft.com/office/drawing/2014/main" val="1909271804"/>
+                  </a:ext>
+                </a:extLst>
+              </a:tr>
+              <a:tr h="585815">
+                <a:tc>
+                  <a:txBody>
+                    <a:bodyPr/>
+                    <a:lstStyle/>
+                    <a:p>
+                      <a:pPr marL="0" marR="0" algn="l" fontAlgn="t">
+                        <a:lnSpc>
+                          <a:spcPct val="107000"/>
+                        </a:lnSpc>
+                        <a:spcBef>
+                          <a:spcPts val="0"/>
+                        </a:spcBef>
+                        <a:spcAft>
+                          <a:spcPts val="0"/>
+                        </a:spcAft>
+                      </a:pPr>
+                      <a:r>
+                        <a:rPr lang="en-US" sz="1400" b="1" u="none" strike="noStrike">
+                          <a:solidFill>
+                            <a:srgbClr val="000000"/>
+                          </a:solidFill>
+                          <a:effectLst/>
+                        </a:rPr>
+                        <a:t>MicroSD card breakout board+</a:t>
+                      </a:r>
+                      <a:endParaRPr lang="en-US" sz="1400" b="0" i="0" u="none" strike="noStrike">
+                        <a:effectLst/>
+                        <a:latin typeface="Arial" panose="020B0604020202020204" pitchFamily="34" charset="0"/>
+                      </a:endParaRPr>
+                    </a:p>
+                  </a:txBody>
+                  <a:tcPr marL="58440" marR="58440" marT="8117" marB="0"/>
+                </a:tc>
+                <a:tc>
+                  <a:txBody>
+                    <a:bodyPr/>
+                    <a:lstStyle/>
+                    <a:p>
+                      <a:pPr marL="0" marR="0" algn="ctr" fontAlgn="t">
+                        <a:lnSpc>
+                          <a:spcPct val="107000"/>
+                        </a:lnSpc>
+                        <a:spcBef>
+                          <a:spcPts val="0"/>
+                        </a:spcBef>
+                        <a:spcAft>
+                          <a:spcPts val="0"/>
+                        </a:spcAft>
+                      </a:pPr>
+                      <a:r>
+                        <a:rPr lang="en-US" sz="1400" b="0" u="none" strike="noStrike">
+                          <a:effectLst/>
+                        </a:rPr>
+                        <a:t>254</a:t>
+                      </a:r>
+                      <a:endParaRPr lang="en-US" sz="1400" b="0" i="0" u="none" strike="noStrike">
+                        <a:effectLst/>
+                        <a:latin typeface="Arial" panose="020B0604020202020204" pitchFamily="34" charset="0"/>
+                      </a:endParaRPr>
+                    </a:p>
+                  </a:txBody>
+                  <a:tcPr marL="58440" marR="58440" marT="8117" marB="0"/>
+                </a:tc>
+                <a:tc>
+                  <a:txBody>
+                    <a:bodyPr/>
+                    <a:lstStyle/>
+                    <a:p>
+                      <a:pPr marL="0" marR="0" algn="ctr" fontAlgn="t">
+                        <a:lnSpc>
+                          <a:spcPct val="107000"/>
+                        </a:lnSpc>
+                        <a:spcBef>
+                          <a:spcPts val="0"/>
+                        </a:spcBef>
+                        <a:spcAft>
+                          <a:spcPts val="0"/>
+                        </a:spcAft>
+                      </a:pPr>
+                      <a:r>
+                        <a:rPr lang="en-US" sz="1400" b="0" u="none" strike="noStrike">
+                          <a:effectLst/>
+                        </a:rPr>
+                        <a:t>$7.50</a:t>
+                      </a:r>
+                      <a:endParaRPr lang="en-US" sz="1400" b="0" i="0" u="none" strike="noStrike">
+                        <a:effectLst/>
+                        <a:latin typeface="Arial" panose="020B0604020202020204" pitchFamily="34" charset="0"/>
+                      </a:endParaRPr>
+                    </a:p>
+                  </a:txBody>
+                  <a:tcPr marL="58440" marR="58440" marT="8117" marB="0"/>
+                </a:tc>
+                <a:tc>
+                  <a:txBody>
+                    <a:bodyPr/>
+                    <a:lstStyle/>
+                    <a:p>
+                      <a:pPr marL="0" marR="0" algn="ctr" fontAlgn="t">
+                        <a:lnSpc>
+                          <a:spcPct val="107000"/>
+                        </a:lnSpc>
+                        <a:spcBef>
+                          <a:spcPts val="0"/>
+                        </a:spcBef>
+                        <a:spcAft>
+                          <a:spcPts val="0"/>
+                        </a:spcAft>
+                      </a:pPr>
+                      <a:r>
+                        <a:rPr lang="en-US" sz="1400" b="0" u="none" strike="noStrike" dirty="0">
+                          <a:effectLst/>
+                        </a:rPr>
+                        <a:t>1</a:t>
+                      </a:r>
+                      <a:endParaRPr lang="en-US" sz="1400" b="0" i="0" u="none" strike="noStrike" dirty="0">
+                        <a:effectLst/>
+                        <a:latin typeface="Arial" panose="020B0604020202020204" pitchFamily="34" charset="0"/>
+                      </a:endParaRPr>
+                    </a:p>
+                  </a:txBody>
+                  <a:tcPr marL="58440" marR="58440" marT="8117" marB="0"/>
+                </a:tc>
+                <a:extLst>
+                  <a:ext uri="{0D108BD9-81ED-4DB2-BD59-A6C34878D82A}">
+                    <a16:rowId xmlns:a16="http://schemas.microsoft.com/office/drawing/2014/main" val="4071391095"/>
+                  </a:ext>
+                </a:extLst>
+              </a:tr>
+            </a:tbl>
+          </a:graphicData>
+        </a:graphic>
+      </p:graphicFrame>
+    </p:spTree>
+    <p:extLst>
+      <p:ext uri="{BB962C8B-B14F-4D97-AF65-F5344CB8AC3E}">
+        <p14:creationId xmlns:p14="http://schemas.microsoft.com/office/powerpoint/2010/main" val="2322256766"/>
+      </p:ext>
+    </p:extLst>
+  </p:cSld>
+  <p:clrMapOvr>
+    <a:masterClrMapping/>
+  </p:clrMapOvr>
+</p:sld>
+</file>
+
+<file path=ppt/slides/slide22.xml><?xml version="1.0" encoding="utf-8"?>
+<p:sld xmlns:a="http://schemas.openxmlformats.org/drawingml/2006/main" xmlns:r="http://schemas.openxmlformats.org/officeDocument/2006/relationships" xmlns:p="http://schemas.openxmlformats.org/presentationml/2006/main">
+  <p:cSld>
+    <p:bg>
+      <p:bgPr>
+        <a:solidFill>
+          <a:schemeClr val="bg1"/>
+        </a:solidFill>
+        <a:effectLst/>
+      </p:bgPr>
+    </p:bg>
+    <p:spTree>
+      <p:nvGrpSpPr>
+        <p:cNvPr id="1" name=""/>
+        <p:cNvGrpSpPr/>
+        <p:nvPr/>
+      </p:nvGrpSpPr>
+      <p:grpSpPr>
+        <a:xfrm>
+          <a:off x="0" y="0"/>
+          <a:ext cx="0" cy="0"/>
+          <a:chOff x="0" y="0"/>
+          <a:chExt cx="0" cy="0"/>
+        </a:xfrm>
+      </p:grpSpPr>
+      <p:sp useBgFill="1">
+        <p:nvSpPr>
+          <p:cNvPr id="9" name="Rectangle 8">
+            <a:extLst>
+              <a:ext uri="{FF2B5EF4-FFF2-40B4-BE49-F238E27FC236}">
+                <a16:creationId xmlns:a16="http://schemas.microsoft.com/office/drawing/2014/main" id="{0AF33C27-9C85-4B30-9AD7-879D48AFE4FF}"/>
+              </a:ext>
+              <a:ext uri="{C183D7F6-B498-43B3-948B-1728B52AA6E4}">
+                <adec:decorative xmlns:adec="http://schemas.microsoft.com/office/drawing/2017/decorative" val="1"/>
+              </a:ext>
+            </a:extLst>
+          </p:cNvPr>
+          <p:cNvSpPr>
+            <a:spLocks noGrp="1" noRot="1" noChangeAspect="1" noMove="1" noResize="1" noEditPoints="1" noAdjustHandles="1" noChangeArrowheads="1" noChangeShapeType="1" noTextEdit="1"/>
+          </p:cNvSpPr>
+          <p:nvPr>
+            <p:extLst>
+              <p:ext uri="{386F3935-93C4-4BCD-93E2-E3B085C9AB24}">
+                <p16:designElem xmlns:p16="http://schemas.microsoft.com/office/powerpoint/2015/main" val="1"/>
+              </p:ext>
+            </p:extLst>
+          </p:nvPr>
+        </p:nvSpPr>
+        <p:spPr>
+          <a:xfrm>
+            <a:off x="0" y="0"/>
+            <a:ext cx="12191999" cy="6858000"/>
+          </a:xfrm>
+          <a:prstGeom prst="rect">
+            <a:avLst/>
+          </a:prstGeom>
+          <a:ln>
+            <a:noFill/>
+          </a:ln>
+        </p:spPr>
+        <p:style>
+          <a:lnRef idx="2">
+            <a:schemeClr val="accent1">
+              <a:shade val="50000"/>
+            </a:schemeClr>
+          </a:lnRef>
+          <a:fillRef idx="1">
+            <a:schemeClr val="accent1"/>
+          </a:fillRef>
+          <a:effectRef idx="0">
+            <a:schemeClr val="accent1"/>
+          </a:effectRef>
+          <a:fontRef idx="minor">
+            <a:schemeClr val="lt1"/>
+          </a:fontRef>
+        </p:style>
+        <p:txBody>
+          <a:bodyPr rtlCol="0" anchor="ctr"/>
+          <a:lstStyle/>
+          <a:p>
+            <a:pPr algn="ctr"/>
+            <a:endParaRPr lang="en-US"/>
+          </a:p>
+        </p:txBody>
+      </p:sp>
+      <p:sp>
+        <p:nvSpPr>
+          <p:cNvPr id="11" name="Rectangle 10">
+            <a:extLst>
+              <a:ext uri="{FF2B5EF4-FFF2-40B4-BE49-F238E27FC236}">
+                <a16:creationId xmlns:a16="http://schemas.microsoft.com/office/drawing/2014/main" id="{6D5089DD-882D-4413-B8BF-4798BFD84A98}"/>
+              </a:ext>
+              <a:ext uri="{C183D7F6-B498-43B3-948B-1728B52AA6E4}">
+                <adec:decorative xmlns:adec="http://schemas.microsoft.com/office/drawing/2017/decorative" val="1"/>
+              </a:ext>
+            </a:extLst>
+          </p:cNvPr>
+          <p:cNvSpPr>
+            <a:spLocks noGrp="1" noRot="1" noChangeAspect="1" noMove="1" noResize="1" noEditPoints="1" noAdjustHandles="1" noChangeArrowheads="1" noChangeShapeType="1" noTextEdit="1"/>
+          </p:cNvSpPr>
+          <p:nvPr>
+            <p:extLst>
+              <p:ext uri="{386F3935-93C4-4BCD-93E2-E3B085C9AB24}">
+                <p16:designElem xmlns:p16="http://schemas.microsoft.com/office/powerpoint/2015/main" val="1"/>
+              </p:ext>
+            </p:extLst>
+          </p:nvPr>
+        </p:nvSpPr>
+        <p:spPr>
+          <a:xfrm>
+            <a:off x="7537704" y="0"/>
+            <a:ext cx="4654296" cy="6858000"/>
+          </a:xfrm>
+          <a:prstGeom prst="rect">
+            <a:avLst/>
+          </a:prstGeom>
+          <a:solidFill>
+            <a:schemeClr val="accent2"/>
+          </a:solidFill>
+          <a:ln>
+            <a:noFill/>
+          </a:ln>
+        </p:spPr>
+        <p:style>
+          <a:lnRef idx="2">
+            <a:schemeClr val="accent1">
+              <a:shade val="50000"/>
+            </a:schemeClr>
+          </a:lnRef>
+          <a:fillRef idx="1">
+            <a:schemeClr val="accent1"/>
+          </a:fillRef>
+          <a:effectRef idx="0">
+            <a:schemeClr val="accent1"/>
+          </a:effectRef>
+          <a:fontRef idx="minor">
+            <a:schemeClr val="lt1"/>
+          </a:fontRef>
+        </p:style>
+        <p:txBody>
+          <a:bodyPr rtlCol="0" anchor="ctr"/>
+          <a:lstStyle/>
+          <a:p>
+            <a:pPr algn="ctr"/>
+            <a:endParaRPr lang="en-US"/>
+          </a:p>
+        </p:txBody>
+      </p:sp>
+      <p:sp>
+        <p:nvSpPr>
+          <p:cNvPr id="2" name="Title 1">
+            <a:extLst>
+              <a:ext uri="{FF2B5EF4-FFF2-40B4-BE49-F238E27FC236}">
+                <a16:creationId xmlns:a16="http://schemas.microsoft.com/office/drawing/2014/main" id="{275ED6A7-2F0A-BD21-64E8-F1005FC97052}"/>
+              </a:ext>
+            </a:extLst>
+          </p:cNvPr>
+          <p:cNvSpPr>
+            <a:spLocks noGrp="1"/>
+          </p:cNvSpPr>
+          <p:nvPr>
+            <p:ph type="title"/>
+          </p:nvPr>
+        </p:nvSpPr>
+        <p:spPr>
+          <a:xfrm>
+            <a:off x="8181171" y="2681103"/>
+            <a:ext cx="3363974" cy="1495794"/>
+          </a:xfrm>
+          <a:noFill/>
+          <a:ln>
+            <a:solidFill>
+              <a:srgbClr val="FFFFFF"/>
+            </a:solidFill>
+          </a:ln>
+        </p:spPr>
+        <p:txBody>
+          <a:bodyPr wrap="square">
+            <a:normAutofit/>
+          </a:bodyPr>
+          <a:lstStyle/>
+          <a:p>
+            <a:r>
+              <a:rPr lang="en-US">
+                <a:solidFill>
+                  <a:srgbClr val="FFFFFF"/>
+                </a:solidFill>
+              </a:rPr>
+              <a:t>PCB’s Budget </a:t>
+            </a:r>
+          </a:p>
+        </p:txBody>
+      </p:sp>
+      <p:graphicFrame>
+        <p:nvGraphicFramePr>
+          <p:cNvPr id="4" name="Content Placeholder 3">
+            <a:extLst>
+              <a:ext uri="{FF2B5EF4-FFF2-40B4-BE49-F238E27FC236}">
+                <a16:creationId xmlns:a16="http://schemas.microsoft.com/office/drawing/2014/main" id="{81833236-4608-D71A-67D5-8CC8AD0E5AFF}"/>
+              </a:ext>
+            </a:extLst>
+          </p:cNvPr>
+          <p:cNvGraphicFramePr>
+            <a:graphicFrameLocks noGrp="1"/>
+          </p:cNvGraphicFramePr>
+          <p:nvPr>
+            <p:ph idx="1"/>
+            <p:extLst>
+              <p:ext uri="{D42A27DB-BD31-4B8C-83A1-F6EECF244321}">
+                <p14:modId xmlns:p14="http://schemas.microsoft.com/office/powerpoint/2010/main" val="3646054702"/>
+              </p:ext>
+            </p:extLst>
+          </p:nvPr>
+        </p:nvGraphicFramePr>
+        <p:xfrm>
+          <a:off x="920750" y="1859912"/>
+          <a:ext cx="5651502" cy="4039992"/>
+        </p:xfrm>
+        <a:graphic>
+          <a:graphicData uri="http://schemas.openxmlformats.org/drawingml/2006/table">
+            <a:tbl>
+              <a:tblPr firstRow="1" firstCol="1" bandRow="1">
+                <a:tableStyleId>{912C8C85-51F0-491E-9774-3900AFEF0FD7}</a:tableStyleId>
+              </a:tblPr>
+              <a:tblGrid>
+                <a:gridCol w="1843933">
+                  <a:extLst>
+                    <a:ext uri="{9D8B030D-6E8A-4147-A177-3AD203B41FA5}">
+                      <a16:colId xmlns:a16="http://schemas.microsoft.com/office/drawing/2014/main" val="2445436093"/>
+                    </a:ext>
+                  </a:extLst>
+                </a:gridCol>
+                <a:gridCol w="2263289">
+                  <a:extLst>
+                    <a:ext uri="{9D8B030D-6E8A-4147-A177-3AD203B41FA5}">
+                      <a16:colId xmlns:a16="http://schemas.microsoft.com/office/drawing/2014/main" val="2383889591"/>
+                    </a:ext>
+                  </a:extLst>
+                </a:gridCol>
+                <a:gridCol w="765313">
+                  <a:extLst>
+                    <a:ext uri="{9D8B030D-6E8A-4147-A177-3AD203B41FA5}">
+                      <a16:colId xmlns:a16="http://schemas.microsoft.com/office/drawing/2014/main" val="3530454130"/>
+                    </a:ext>
+                  </a:extLst>
+                </a:gridCol>
+                <a:gridCol w="778967">
+                  <a:extLst>
+                    <a:ext uri="{9D8B030D-6E8A-4147-A177-3AD203B41FA5}">
+                      <a16:colId xmlns:a16="http://schemas.microsoft.com/office/drawing/2014/main" val="4118255209"/>
+                    </a:ext>
+                  </a:extLst>
+                </a:gridCol>
+              </a:tblGrid>
+              <a:tr h="231562">
+                <a:tc>
+                  <a:txBody>
+                    <a:bodyPr/>
+                    <a:lstStyle/>
+                    <a:p>
+                      <a:pPr marL="0" marR="0" algn="ctr">
+                        <a:lnSpc>
+                          <a:spcPct val="107000"/>
+                        </a:lnSpc>
+                        <a:spcBef>
+                          <a:spcPts val="0"/>
+                        </a:spcBef>
+                        <a:spcAft>
+                          <a:spcPts val="0"/>
+                        </a:spcAft>
+                      </a:pPr>
+                      <a:r>
+                        <a:rPr lang="en-US" sz="1400" dirty="0">
+                          <a:effectLst/>
+                        </a:rPr>
+                        <a:t>Component</a:t>
+                      </a:r>
+                      <a:endParaRPr lang="en-US" sz="1400" dirty="0">
+                        <a:effectLst/>
+                        <a:latin typeface="Times New Roman" panose="02020603050405020304" pitchFamily="18" charset="0"/>
+                        <a:ea typeface="Calibri" panose="020F0502020204030204" pitchFamily="34" charset="0"/>
+                        <a:cs typeface="Arial" panose="020B0604020202020204" pitchFamily="34" charset="0"/>
+                      </a:endParaRPr>
+                    </a:p>
+                  </a:txBody>
+                  <a:tcPr marL="39176" marR="39176" marT="0" marB="0"/>
+                </a:tc>
+                <a:tc>
+                  <a:txBody>
+                    <a:bodyPr/>
+                    <a:lstStyle/>
+                    <a:p>
+                      <a:pPr marL="0" marR="0" algn="ctr">
+                        <a:lnSpc>
+                          <a:spcPct val="107000"/>
+                        </a:lnSpc>
+                        <a:spcBef>
+                          <a:spcPts val="0"/>
+                        </a:spcBef>
+                        <a:spcAft>
+                          <a:spcPts val="0"/>
+                        </a:spcAft>
+                      </a:pPr>
+                      <a:r>
+                        <a:rPr lang="en-US" sz="1400">
+                          <a:effectLst/>
+                        </a:rPr>
+                        <a:t>Name</a:t>
+                      </a:r>
+                      <a:endParaRPr lang="en-US" sz="1400">
+                        <a:effectLst/>
+                        <a:latin typeface="Times New Roman" panose="02020603050405020304" pitchFamily="18" charset="0"/>
+                        <a:ea typeface="Calibri" panose="020F0502020204030204" pitchFamily="34" charset="0"/>
+                        <a:cs typeface="Arial" panose="020B0604020202020204" pitchFamily="34" charset="0"/>
+                      </a:endParaRPr>
+                    </a:p>
+                  </a:txBody>
+                  <a:tcPr marL="39176" marR="39176" marT="0" marB="0"/>
+                </a:tc>
+                <a:tc>
+                  <a:txBody>
+                    <a:bodyPr/>
+                    <a:lstStyle/>
+                    <a:p>
+                      <a:pPr marL="0" marR="0" algn="ctr">
+                        <a:lnSpc>
+                          <a:spcPct val="107000"/>
+                        </a:lnSpc>
+                        <a:spcBef>
+                          <a:spcPts val="0"/>
+                        </a:spcBef>
+                        <a:spcAft>
+                          <a:spcPts val="0"/>
+                        </a:spcAft>
+                      </a:pPr>
+                      <a:r>
+                        <a:rPr lang="en-US" sz="1400">
+                          <a:effectLst/>
+                        </a:rPr>
+                        <a:t>Price</a:t>
+                      </a:r>
+                      <a:endParaRPr lang="en-US" sz="1400">
+                        <a:effectLst/>
+                        <a:latin typeface="Times New Roman" panose="02020603050405020304" pitchFamily="18" charset="0"/>
+                        <a:ea typeface="Calibri" panose="020F0502020204030204" pitchFamily="34" charset="0"/>
+                        <a:cs typeface="Arial" panose="020B0604020202020204" pitchFamily="34" charset="0"/>
+                      </a:endParaRPr>
+                    </a:p>
+                  </a:txBody>
+                  <a:tcPr marL="39176" marR="39176" marT="0" marB="0"/>
+                </a:tc>
+                <a:tc>
+                  <a:txBody>
+                    <a:bodyPr/>
+                    <a:lstStyle/>
+                    <a:p>
+                      <a:pPr marL="0" marR="0" algn="ctr">
+                        <a:lnSpc>
+                          <a:spcPct val="107000"/>
+                        </a:lnSpc>
+                        <a:spcBef>
+                          <a:spcPts val="0"/>
+                        </a:spcBef>
+                        <a:spcAft>
+                          <a:spcPts val="0"/>
+                        </a:spcAft>
+                      </a:pPr>
+                      <a:r>
+                        <a:rPr lang="en-US" sz="1400">
+                          <a:effectLst/>
+                        </a:rPr>
+                        <a:t>Quantity</a:t>
+                      </a:r>
+                      <a:endParaRPr lang="en-US" sz="1400">
+                        <a:effectLst/>
+                        <a:latin typeface="Times New Roman" panose="02020603050405020304" pitchFamily="18" charset="0"/>
+                        <a:ea typeface="Calibri" panose="020F0502020204030204" pitchFamily="34" charset="0"/>
+                        <a:cs typeface="Arial" panose="020B0604020202020204" pitchFamily="34" charset="0"/>
+                      </a:endParaRPr>
+                    </a:p>
+                  </a:txBody>
+                  <a:tcPr marL="39176" marR="39176" marT="0" marB="0"/>
+                </a:tc>
+                <a:extLst>
+                  <a:ext uri="{0D108BD9-81ED-4DB2-BD59-A6C34878D82A}">
+                    <a16:rowId xmlns:a16="http://schemas.microsoft.com/office/drawing/2014/main" val="3524663808"/>
+                  </a:ext>
+                </a:extLst>
+              </a:tr>
+              <a:tr h="231562">
+                <a:tc>
+                  <a:txBody>
+                    <a:bodyPr/>
+                    <a:lstStyle/>
+                    <a:p>
+                      <a:pPr marL="0" marR="0" algn="l">
+                        <a:lnSpc>
+                          <a:spcPct val="107000"/>
+                        </a:lnSpc>
+                        <a:spcBef>
+                          <a:spcPts val="0"/>
+                        </a:spcBef>
+                        <a:spcAft>
+                          <a:spcPts val="0"/>
+                        </a:spcAft>
+                      </a:pPr>
+                      <a:r>
+                        <a:rPr lang="en-US" sz="1400" dirty="0">
+                          <a:effectLst/>
+                        </a:rPr>
+                        <a:t>Microcontroller for PCB</a:t>
+                      </a:r>
+                      <a:endParaRPr lang="en-US" sz="1400" dirty="0">
+                        <a:effectLst/>
+                        <a:latin typeface="Times New Roman" panose="02020603050405020304" pitchFamily="18" charset="0"/>
+                        <a:ea typeface="Calibri" panose="020F0502020204030204" pitchFamily="34" charset="0"/>
+                        <a:cs typeface="Arial" panose="020B0604020202020204" pitchFamily="34" charset="0"/>
+                      </a:endParaRPr>
+                    </a:p>
+                  </a:txBody>
+                  <a:tcPr marL="39176" marR="39176" marT="0" marB="0"/>
+                </a:tc>
+                <a:tc>
+                  <a:txBody>
+                    <a:bodyPr/>
+                    <a:lstStyle/>
+                    <a:p>
+                      <a:pPr marL="0" marR="0" algn="ctr">
+                        <a:lnSpc>
+                          <a:spcPct val="107000"/>
+                        </a:lnSpc>
+                        <a:spcBef>
+                          <a:spcPts val="0"/>
+                        </a:spcBef>
+                        <a:spcAft>
+                          <a:spcPts val="0"/>
+                        </a:spcAft>
+                      </a:pPr>
+                      <a:r>
+                        <a:rPr lang="en-US" sz="1400">
+                          <a:effectLst/>
+                        </a:rPr>
+                        <a:t>ESP32-C6-WROOM-1U</a:t>
+                      </a:r>
+                      <a:endParaRPr lang="en-US" sz="1400">
+                        <a:effectLst/>
+                        <a:latin typeface="Times New Roman" panose="02020603050405020304" pitchFamily="18" charset="0"/>
+                        <a:ea typeface="Calibri" panose="020F0502020204030204" pitchFamily="34" charset="0"/>
+                        <a:cs typeface="Arial" panose="020B0604020202020204" pitchFamily="34" charset="0"/>
+                      </a:endParaRPr>
+                    </a:p>
+                  </a:txBody>
+                  <a:tcPr marL="39176" marR="39176" marT="0" marB="0"/>
+                </a:tc>
+                <a:tc>
+                  <a:txBody>
+                    <a:bodyPr/>
+                    <a:lstStyle/>
+                    <a:p>
+                      <a:pPr marL="0" marR="0" algn="ctr">
+                        <a:lnSpc>
+                          <a:spcPct val="107000"/>
+                        </a:lnSpc>
+                        <a:spcBef>
+                          <a:spcPts val="0"/>
+                        </a:spcBef>
+                        <a:spcAft>
+                          <a:spcPts val="0"/>
+                        </a:spcAft>
+                      </a:pPr>
+                      <a:r>
+                        <a:rPr lang="en-US" sz="1400">
+                          <a:effectLst/>
+                        </a:rPr>
+                        <a:t>$3.48</a:t>
+                      </a:r>
+                      <a:endParaRPr lang="en-US" sz="1400">
+                        <a:effectLst/>
+                        <a:latin typeface="Times New Roman" panose="02020603050405020304" pitchFamily="18" charset="0"/>
+                        <a:ea typeface="Calibri" panose="020F0502020204030204" pitchFamily="34" charset="0"/>
+                        <a:cs typeface="Arial" panose="020B0604020202020204" pitchFamily="34" charset="0"/>
+                      </a:endParaRPr>
+                    </a:p>
+                  </a:txBody>
+                  <a:tcPr marL="39176" marR="39176" marT="0" marB="0"/>
+                </a:tc>
+                <a:tc>
+                  <a:txBody>
+                    <a:bodyPr/>
+                    <a:lstStyle/>
+                    <a:p>
+                      <a:pPr marL="0" marR="0" algn="ctr">
+                        <a:lnSpc>
+                          <a:spcPct val="107000"/>
+                        </a:lnSpc>
+                        <a:spcBef>
+                          <a:spcPts val="0"/>
+                        </a:spcBef>
+                        <a:spcAft>
+                          <a:spcPts val="0"/>
+                        </a:spcAft>
+                      </a:pPr>
+                      <a:r>
+                        <a:rPr lang="en-US" sz="1400">
+                          <a:effectLst/>
+                        </a:rPr>
+                        <a:t>1</a:t>
+                      </a:r>
+                      <a:endParaRPr lang="en-US" sz="1400">
+                        <a:effectLst/>
+                        <a:latin typeface="Times New Roman" panose="02020603050405020304" pitchFamily="18" charset="0"/>
+                        <a:ea typeface="Calibri" panose="020F0502020204030204" pitchFamily="34" charset="0"/>
+                        <a:cs typeface="Arial" panose="020B0604020202020204" pitchFamily="34" charset="0"/>
+                      </a:endParaRPr>
+                    </a:p>
+                  </a:txBody>
+                  <a:tcPr marL="39176" marR="39176" marT="0" marB="0"/>
+                </a:tc>
+                <a:extLst>
+                  <a:ext uri="{0D108BD9-81ED-4DB2-BD59-A6C34878D82A}">
+                    <a16:rowId xmlns:a16="http://schemas.microsoft.com/office/drawing/2014/main" val="1187142238"/>
+                  </a:ext>
+                </a:extLst>
+              </a:tr>
+              <a:tr h="231562">
+                <a:tc>
+                  <a:txBody>
+                    <a:bodyPr/>
+                    <a:lstStyle/>
+                    <a:p>
+                      <a:pPr marL="0" marR="0" algn="l">
+                        <a:lnSpc>
+                          <a:spcPct val="107000"/>
+                        </a:lnSpc>
+                        <a:spcBef>
+                          <a:spcPts val="0"/>
+                        </a:spcBef>
+                        <a:spcAft>
+                          <a:spcPts val="0"/>
+                        </a:spcAft>
+                      </a:pPr>
+                      <a:r>
+                        <a:rPr lang="en-US" sz="1400">
+                          <a:effectLst/>
+                        </a:rPr>
+                        <a:t>Stepper Motor Controller </a:t>
+                      </a:r>
+                      <a:endParaRPr lang="en-US" sz="1400">
+                        <a:effectLst/>
+                        <a:latin typeface="Times New Roman" panose="02020603050405020304" pitchFamily="18" charset="0"/>
+                        <a:ea typeface="Calibri" panose="020F0502020204030204" pitchFamily="34" charset="0"/>
+                        <a:cs typeface="Arial" panose="020B0604020202020204" pitchFamily="34" charset="0"/>
+                      </a:endParaRPr>
+                    </a:p>
+                  </a:txBody>
+                  <a:tcPr marL="39176" marR="39176" marT="0" marB="0"/>
+                </a:tc>
+                <a:tc>
+                  <a:txBody>
+                    <a:bodyPr/>
+                    <a:lstStyle/>
+                    <a:p>
+                      <a:pPr marL="0" marR="0" algn="ctr">
+                        <a:lnSpc>
+                          <a:spcPct val="107000"/>
+                        </a:lnSpc>
+                        <a:spcBef>
+                          <a:spcPts val="0"/>
+                        </a:spcBef>
+                        <a:spcAft>
+                          <a:spcPts val="0"/>
+                        </a:spcAft>
+                      </a:pPr>
+                      <a:r>
+                        <a:rPr lang="en-US" sz="1400" dirty="0">
+                          <a:effectLst/>
+                        </a:rPr>
+                        <a:t>DRV8833PW</a:t>
+                      </a:r>
+                      <a:endParaRPr lang="en-US" sz="1400" dirty="0">
+                        <a:effectLst/>
+                        <a:latin typeface="Times New Roman" panose="02020603050405020304" pitchFamily="18" charset="0"/>
+                        <a:ea typeface="Calibri" panose="020F0502020204030204" pitchFamily="34" charset="0"/>
+                        <a:cs typeface="Arial" panose="020B0604020202020204" pitchFamily="34" charset="0"/>
+                      </a:endParaRPr>
+                    </a:p>
+                  </a:txBody>
+                  <a:tcPr marL="39176" marR="39176" marT="0" marB="0"/>
+                </a:tc>
+                <a:tc>
+                  <a:txBody>
+                    <a:bodyPr/>
+                    <a:lstStyle/>
+                    <a:p>
+                      <a:pPr marL="0" marR="0" algn="ctr">
+                        <a:lnSpc>
+                          <a:spcPct val="107000"/>
+                        </a:lnSpc>
+                        <a:spcBef>
+                          <a:spcPts val="0"/>
+                        </a:spcBef>
+                        <a:spcAft>
+                          <a:spcPts val="0"/>
+                        </a:spcAft>
+                      </a:pPr>
+                      <a:r>
+                        <a:rPr lang="en-US" sz="1400">
+                          <a:effectLst/>
+                        </a:rPr>
+                        <a:t>$2.84</a:t>
+                      </a:r>
+                      <a:endParaRPr lang="en-US" sz="1400">
+                        <a:effectLst/>
+                        <a:latin typeface="Times New Roman" panose="02020603050405020304" pitchFamily="18" charset="0"/>
+                        <a:ea typeface="Calibri" panose="020F0502020204030204" pitchFamily="34" charset="0"/>
+                        <a:cs typeface="Arial" panose="020B0604020202020204" pitchFamily="34" charset="0"/>
+                      </a:endParaRPr>
+                    </a:p>
+                  </a:txBody>
+                  <a:tcPr marL="39176" marR="39176" marT="0" marB="0"/>
+                </a:tc>
+                <a:tc>
+                  <a:txBody>
+                    <a:bodyPr/>
+                    <a:lstStyle/>
+                    <a:p>
+                      <a:pPr marL="0" marR="0" algn="ctr">
+                        <a:lnSpc>
+                          <a:spcPct val="107000"/>
+                        </a:lnSpc>
+                        <a:spcBef>
+                          <a:spcPts val="0"/>
+                        </a:spcBef>
+                        <a:spcAft>
+                          <a:spcPts val="0"/>
+                        </a:spcAft>
+                      </a:pPr>
+                      <a:r>
+                        <a:rPr lang="en-US" sz="1400">
+                          <a:effectLst/>
+                        </a:rPr>
+                        <a:t>1</a:t>
+                      </a:r>
+                      <a:endParaRPr lang="en-US" sz="1400">
+                        <a:effectLst/>
+                        <a:latin typeface="Times New Roman" panose="02020603050405020304" pitchFamily="18" charset="0"/>
+                        <a:ea typeface="Calibri" panose="020F0502020204030204" pitchFamily="34" charset="0"/>
+                        <a:cs typeface="Arial" panose="020B0604020202020204" pitchFamily="34" charset="0"/>
+                      </a:endParaRPr>
+                    </a:p>
+                  </a:txBody>
+                  <a:tcPr marL="39176" marR="39176" marT="0" marB="0"/>
+                </a:tc>
+                <a:extLst>
+                  <a:ext uri="{0D108BD9-81ED-4DB2-BD59-A6C34878D82A}">
+                    <a16:rowId xmlns:a16="http://schemas.microsoft.com/office/drawing/2014/main" val="484768603"/>
+                  </a:ext>
+                </a:extLst>
+              </a:tr>
+              <a:tr h="231562">
+                <a:tc>
+                  <a:txBody>
+                    <a:bodyPr/>
+                    <a:lstStyle/>
+                    <a:p>
+                      <a:pPr marL="0" marR="0" algn="l">
+                        <a:lnSpc>
+                          <a:spcPct val="107000"/>
+                        </a:lnSpc>
+                        <a:spcBef>
+                          <a:spcPts val="0"/>
+                        </a:spcBef>
+                        <a:spcAft>
+                          <a:spcPts val="0"/>
+                        </a:spcAft>
+                      </a:pPr>
+                      <a:r>
+                        <a:rPr lang="en-US" sz="1400">
+                          <a:effectLst/>
+                        </a:rPr>
+                        <a:t>Servos Motor Controller</a:t>
+                      </a:r>
+                      <a:endParaRPr lang="en-US" sz="1400">
+                        <a:effectLst/>
+                        <a:latin typeface="Times New Roman" panose="02020603050405020304" pitchFamily="18" charset="0"/>
+                        <a:ea typeface="Calibri" panose="020F0502020204030204" pitchFamily="34" charset="0"/>
+                        <a:cs typeface="Arial" panose="020B0604020202020204" pitchFamily="34" charset="0"/>
+                      </a:endParaRPr>
+                    </a:p>
+                  </a:txBody>
+                  <a:tcPr marL="39176" marR="39176" marT="0" marB="0"/>
+                </a:tc>
+                <a:tc>
+                  <a:txBody>
+                    <a:bodyPr/>
+                    <a:lstStyle/>
+                    <a:p>
+                      <a:pPr marL="0" marR="0" algn="ctr">
+                        <a:lnSpc>
+                          <a:spcPct val="107000"/>
+                        </a:lnSpc>
+                        <a:spcBef>
+                          <a:spcPts val="0"/>
+                        </a:spcBef>
+                        <a:spcAft>
+                          <a:spcPts val="0"/>
+                        </a:spcAft>
+                      </a:pPr>
+                      <a:r>
+                        <a:rPr lang="en-US" sz="1400">
+                          <a:effectLst/>
+                        </a:rPr>
+                        <a:t>PCA9685PW,112</a:t>
+                      </a:r>
+                      <a:endParaRPr lang="en-US" sz="1400">
+                        <a:effectLst/>
+                        <a:latin typeface="Times New Roman" panose="02020603050405020304" pitchFamily="18" charset="0"/>
+                        <a:ea typeface="Calibri" panose="020F0502020204030204" pitchFamily="34" charset="0"/>
+                        <a:cs typeface="Arial" panose="020B0604020202020204" pitchFamily="34" charset="0"/>
+                      </a:endParaRPr>
+                    </a:p>
+                  </a:txBody>
+                  <a:tcPr marL="39176" marR="39176" marT="0" marB="0"/>
+                </a:tc>
+                <a:tc>
+                  <a:txBody>
+                    <a:bodyPr/>
+                    <a:lstStyle/>
+                    <a:p>
+                      <a:pPr marL="0" marR="0" algn="ctr">
+                        <a:lnSpc>
+                          <a:spcPct val="107000"/>
+                        </a:lnSpc>
+                        <a:spcBef>
+                          <a:spcPts val="0"/>
+                        </a:spcBef>
+                        <a:spcAft>
+                          <a:spcPts val="0"/>
+                        </a:spcAft>
+                      </a:pPr>
+                      <a:r>
+                        <a:rPr lang="en-US" sz="1400">
+                          <a:effectLst/>
+                        </a:rPr>
+                        <a:t>$2.64</a:t>
+                      </a:r>
+                      <a:endParaRPr lang="en-US" sz="1400">
+                        <a:effectLst/>
+                        <a:latin typeface="Times New Roman" panose="02020603050405020304" pitchFamily="18" charset="0"/>
+                        <a:ea typeface="Calibri" panose="020F0502020204030204" pitchFamily="34" charset="0"/>
+                        <a:cs typeface="Arial" panose="020B0604020202020204" pitchFamily="34" charset="0"/>
+                      </a:endParaRPr>
+                    </a:p>
+                  </a:txBody>
+                  <a:tcPr marL="39176" marR="39176" marT="0" marB="0"/>
+                </a:tc>
+                <a:tc>
+                  <a:txBody>
+                    <a:bodyPr/>
+                    <a:lstStyle/>
+                    <a:p>
+                      <a:pPr marL="0" marR="0" algn="ctr">
+                        <a:lnSpc>
+                          <a:spcPct val="107000"/>
+                        </a:lnSpc>
+                        <a:spcBef>
+                          <a:spcPts val="0"/>
+                        </a:spcBef>
+                        <a:spcAft>
+                          <a:spcPts val="0"/>
+                        </a:spcAft>
+                      </a:pPr>
+                      <a:r>
+                        <a:rPr lang="en-US" sz="1400">
+                          <a:effectLst/>
+                        </a:rPr>
+                        <a:t>1</a:t>
+                      </a:r>
+                      <a:endParaRPr lang="en-US" sz="1400">
+                        <a:effectLst/>
+                        <a:latin typeface="Times New Roman" panose="02020603050405020304" pitchFamily="18" charset="0"/>
+                        <a:ea typeface="Calibri" panose="020F0502020204030204" pitchFamily="34" charset="0"/>
+                        <a:cs typeface="Arial" panose="020B0604020202020204" pitchFamily="34" charset="0"/>
+                      </a:endParaRPr>
+                    </a:p>
+                  </a:txBody>
+                  <a:tcPr marL="39176" marR="39176" marT="0" marB="0"/>
+                </a:tc>
+                <a:extLst>
+                  <a:ext uri="{0D108BD9-81ED-4DB2-BD59-A6C34878D82A}">
+                    <a16:rowId xmlns:a16="http://schemas.microsoft.com/office/drawing/2014/main" val="1660823539"/>
+                  </a:ext>
+                </a:extLst>
+              </a:tr>
+              <a:tr h="231562">
+                <a:tc>
+                  <a:txBody>
+                    <a:bodyPr/>
+                    <a:lstStyle/>
+                    <a:p>
+                      <a:pPr marL="0" marR="0" algn="l">
+                        <a:lnSpc>
+                          <a:spcPct val="107000"/>
+                        </a:lnSpc>
+                        <a:spcBef>
+                          <a:spcPts val="0"/>
+                        </a:spcBef>
+                        <a:spcAft>
+                          <a:spcPts val="0"/>
+                        </a:spcAft>
+                      </a:pPr>
+                      <a:r>
+                        <a:rPr lang="en-US" sz="1400">
+                          <a:effectLst/>
+                        </a:rPr>
+                        <a:t>3.3V Regulator</a:t>
+                      </a:r>
+                      <a:endParaRPr lang="en-US" sz="1400">
+                        <a:effectLst/>
+                        <a:latin typeface="Times New Roman" panose="02020603050405020304" pitchFamily="18" charset="0"/>
+                        <a:ea typeface="Calibri" panose="020F0502020204030204" pitchFamily="34" charset="0"/>
+                        <a:cs typeface="Arial" panose="020B0604020202020204" pitchFamily="34" charset="0"/>
+                      </a:endParaRPr>
+                    </a:p>
+                  </a:txBody>
+                  <a:tcPr marL="39176" marR="39176" marT="0" marB="0"/>
+                </a:tc>
+                <a:tc>
+                  <a:txBody>
+                    <a:bodyPr/>
+                    <a:lstStyle/>
+                    <a:p>
+                      <a:pPr marL="0" marR="0" algn="ctr">
+                        <a:lnSpc>
+                          <a:spcPct val="107000"/>
+                        </a:lnSpc>
+                        <a:spcBef>
+                          <a:spcPts val="0"/>
+                        </a:spcBef>
+                        <a:spcAft>
+                          <a:spcPts val="0"/>
+                        </a:spcAft>
+                      </a:pPr>
+                      <a:r>
+                        <a:rPr lang="en-US" sz="1400" dirty="0">
+                          <a:effectLst/>
+                        </a:rPr>
+                        <a:t>TPS54JA20</a:t>
+                      </a:r>
+                      <a:endParaRPr lang="en-US" sz="1400" dirty="0">
+                        <a:effectLst/>
+                        <a:latin typeface="Times New Roman" panose="02020603050405020304" pitchFamily="18" charset="0"/>
+                        <a:ea typeface="Calibri" panose="020F0502020204030204" pitchFamily="34" charset="0"/>
+                        <a:cs typeface="Arial" panose="020B0604020202020204" pitchFamily="34" charset="0"/>
+                      </a:endParaRPr>
+                    </a:p>
+                  </a:txBody>
+                  <a:tcPr marL="39176" marR="39176" marT="0" marB="0"/>
+                </a:tc>
+                <a:tc>
+                  <a:txBody>
+                    <a:bodyPr/>
+                    <a:lstStyle/>
+                    <a:p>
+                      <a:pPr marL="0" marR="0" algn="ctr">
+                        <a:lnSpc>
+                          <a:spcPct val="107000"/>
+                        </a:lnSpc>
+                        <a:spcBef>
+                          <a:spcPts val="0"/>
+                        </a:spcBef>
+                        <a:spcAft>
+                          <a:spcPts val="0"/>
+                        </a:spcAft>
+                      </a:pPr>
+                      <a:r>
+                        <a:rPr lang="en-US" sz="1400">
+                          <a:effectLst/>
+                        </a:rPr>
+                        <a:t>$1.50</a:t>
+                      </a:r>
+                      <a:endParaRPr lang="en-US" sz="1400">
+                        <a:effectLst/>
+                        <a:latin typeface="Times New Roman" panose="02020603050405020304" pitchFamily="18" charset="0"/>
+                        <a:ea typeface="Calibri" panose="020F0502020204030204" pitchFamily="34" charset="0"/>
+                        <a:cs typeface="Arial" panose="020B0604020202020204" pitchFamily="34" charset="0"/>
+                      </a:endParaRPr>
+                    </a:p>
+                  </a:txBody>
+                  <a:tcPr marL="39176" marR="39176" marT="0" marB="0"/>
+                </a:tc>
+                <a:tc>
+                  <a:txBody>
+                    <a:bodyPr/>
+                    <a:lstStyle/>
+                    <a:p>
+                      <a:pPr marL="0" marR="0" algn="ctr">
+                        <a:lnSpc>
+                          <a:spcPct val="107000"/>
+                        </a:lnSpc>
+                        <a:spcBef>
+                          <a:spcPts val="0"/>
+                        </a:spcBef>
+                        <a:spcAft>
+                          <a:spcPts val="0"/>
+                        </a:spcAft>
+                      </a:pPr>
+                      <a:r>
+                        <a:rPr lang="en-US" sz="1400">
+                          <a:effectLst/>
+                        </a:rPr>
+                        <a:t>1</a:t>
+                      </a:r>
+                      <a:endParaRPr lang="en-US" sz="1400">
+                        <a:effectLst/>
+                        <a:latin typeface="Times New Roman" panose="02020603050405020304" pitchFamily="18" charset="0"/>
+                        <a:ea typeface="Calibri" panose="020F0502020204030204" pitchFamily="34" charset="0"/>
+                        <a:cs typeface="Arial" panose="020B0604020202020204" pitchFamily="34" charset="0"/>
+                      </a:endParaRPr>
+                    </a:p>
+                  </a:txBody>
+                  <a:tcPr marL="39176" marR="39176" marT="0" marB="0"/>
+                </a:tc>
+                <a:extLst>
+                  <a:ext uri="{0D108BD9-81ED-4DB2-BD59-A6C34878D82A}">
+                    <a16:rowId xmlns:a16="http://schemas.microsoft.com/office/drawing/2014/main" val="3901819813"/>
+                  </a:ext>
+                </a:extLst>
+              </a:tr>
+              <a:tr h="231562">
+                <a:tc>
+                  <a:txBody>
+                    <a:bodyPr/>
+                    <a:lstStyle/>
+                    <a:p>
+                      <a:pPr marL="0" marR="0" algn="l">
+                        <a:lnSpc>
+                          <a:spcPct val="107000"/>
+                        </a:lnSpc>
+                        <a:spcBef>
+                          <a:spcPts val="0"/>
+                        </a:spcBef>
+                        <a:spcAft>
+                          <a:spcPts val="0"/>
+                        </a:spcAft>
+                      </a:pPr>
+                      <a:r>
+                        <a:rPr lang="en-US" sz="1400">
+                          <a:effectLst/>
+                        </a:rPr>
+                        <a:t>5V Regulator</a:t>
+                      </a:r>
+                      <a:endParaRPr lang="en-US" sz="1400">
+                        <a:effectLst/>
+                        <a:latin typeface="Times New Roman" panose="02020603050405020304" pitchFamily="18" charset="0"/>
+                        <a:ea typeface="Calibri" panose="020F0502020204030204" pitchFamily="34" charset="0"/>
+                        <a:cs typeface="Arial" panose="020B0604020202020204" pitchFamily="34" charset="0"/>
+                      </a:endParaRPr>
+                    </a:p>
+                  </a:txBody>
+                  <a:tcPr marL="39176" marR="39176" marT="0" marB="0"/>
+                </a:tc>
+                <a:tc>
+                  <a:txBody>
+                    <a:bodyPr/>
+                    <a:lstStyle/>
+                    <a:p>
+                      <a:pPr marL="0" marR="0" algn="ctr">
+                        <a:lnSpc>
+                          <a:spcPct val="107000"/>
+                        </a:lnSpc>
+                        <a:spcBef>
+                          <a:spcPts val="0"/>
+                        </a:spcBef>
+                        <a:spcAft>
+                          <a:spcPts val="0"/>
+                        </a:spcAft>
+                      </a:pPr>
+                      <a:r>
+                        <a:rPr lang="en-US" sz="1400">
+                          <a:effectLst/>
+                        </a:rPr>
+                        <a:t>TPS54JA20</a:t>
+                      </a:r>
+                      <a:endParaRPr lang="en-US" sz="1400">
+                        <a:effectLst/>
+                        <a:latin typeface="Times New Roman" panose="02020603050405020304" pitchFamily="18" charset="0"/>
+                        <a:ea typeface="Calibri" panose="020F0502020204030204" pitchFamily="34" charset="0"/>
+                        <a:cs typeface="Arial" panose="020B0604020202020204" pitchFamily="34" charset="0"/>
+                      </a:endParaRPr>
+                    </a:p>
+                  </a:txBody>
+                  <a:tcPr marL="39176" marR="39176" marT="0" marB="0"/>
+                </a:tc>
+                <a:tc>
+                  <a:txBody>
+                    <a:bodyPr/>
+                    <a:lstStyle/>
+                    <a:p>
+                      <a:pPr marL="0" marR="0" algn="ctr">
+                        <a:lnSpc>
+                          <a:spcPct val="107000"/>
+                        </a:lnSpc>
+                        <a:spcBef>
+                          <a:spcPts val="0"/>
+                        </a:spcBef>
+                        <a:spcAft>
+                          <a:spcPts val="0"/>
+                        </a:spcAft>
+                      </a:pPr>
+                      <a:r>
+                        <a:rPr lang="en-US" sz="1400">
+                          <a:effectLst/>
+                        </a:rPr>
+                        <a:t>$1.50</a:t>
+                      </a:r>
+                      <a:endParaRPr lang="en-US" sz="1400">
+                        <a:effectLst/>
+                        <a:latin typeface="Times New Roman" panose="02020603050405020304" pitchFamily="18" charset="0"/>
+                        <a:ea typeface="Calibri" panose="020F0502020204030204" pitchFamily="34" charset="0"/>
+                        <a:cs typeface="Arial" panose="020B0604020202020204" pitchFamily="34" charset="0"/>
+                      </a:endParaRPr>
+                    </a:p>
+                  </a:txBody>
+                  <a:tcPr marL="39176" marR="39176" marT="0" marB="0"/>
+                </a:tc>
+                <a:tc>
+                  <a:txBody>
+                    <a:bodyPr/>
+                    <a:lstStyle/>
+                    <a:p>
+                      <a:pPr marL="0" marR="0" algn="ctr">
+                        <a:lnSpc>
+                          <a:spcPct val="107000"/>
+                        </a:lnSpc>
+                        <a:spcBef>
+                          <a:spcPts val="0"/>
+                        </a:spcBef>
+                        <a:spcAft>
+                          <a:spcPts val="0"/>
+                        </a:spcAft>
+                      </a:pPr>
+                      <a:r>
+                        <a:rPr lang="en-US" sz="1400">
+                          <a:effectLst/>
+                        </a:rPr>
+                        <a:t>1</a:t>
+                      </a:r>
+                      <a:endParaRPr lang="en-US" sz="1400">
+                        <a:effectLst/>
+                        <a:latin typeface="Times New Roman" panose="02020603050405020304" pitchFamily="18" charset="0"/>
+                        <a:ea typeface="Calibri" panose="020F0502020204030204" pitchFamily="34" charset="0"/>
+                        <a:cs typeface="Arial" panose="020B0604020202020204" pitchFamily="34" charset="0"/>
+                      </a:endParaRPr>
+                    </a:p>
+                  </a:txBody>
+                  <a:tcPr marL="39176" marR="39176" marT="0" marB="0"/>
+                </a:tc>
+                <a:extLst>
+                  <a:ext uri="{0D108BD9-81ED-4DB2-BD59-A6C34878D82A}">
+                    <a16:rowId xmlns:a16="http://schemas.microsoft.com/office/drawing/2014/main" val="2982375037"/>
+                  </a:ext>
+                </a:extLst>
+              </a:tr>
+              <a:tr h="231562">
+                <a:tc>
+                  <a:txBody>
+                    <a:bodyPr/>
+                    <a:lstStyle/>
+                    <a:p>
+                      <a:pPr marL="0" marR="0" algn="l">
+                        <a:lnSpc>
+                          <a:spcPct val="107000"/>
+                        </a:lnSpc>
+                        <a:spcBef>
+                          <a:spcPts val="0"/>
+                        </a:spcBef>
+                        <a:spcAft>
+                          <a:spcPts val="0"/>
+                        </a:spcAft>
+                      </a:pPr>
+                      <a:r>
+                        <a:rPr lang="en-US" sz="1400">
+                          <a:effectLst/>
+                        </a:rPr>
+                        <a:t>USB-A Connector</a:t>
+                      </a:r>
+                      <a:endParaRPr lang="en-US" sz="1400">
+                        <a:effectLst/>
+                        <a:latin typeface="Times New Roman" panose="02020603050405020304" pitchFamily="18" charset="0"/>
+                        <a:ea typeface="Calibri" panose="020F0502020204030204" pitchFamily="34" charset="0"/>
+                        <a:cs typeface="Arial" panose="020B0604020202020204" pitchFamily="34" charset="0"/>
+                      </a:endParaRPr>
+                    </a:p>
+                  </a:txBody>
+                  <a:tcPr marL="39176" marR="39176" marT="0" marB="0"/>
+                </a:tc>
+                <a:tc>
+                  <a:txBody>
+                    <a:bodyPr/>
+                    <a:lstStyle/>
+                    <a:p>
+                      <a:pPr marL="0" marR="0" algn="ctr">
+                        <a:lnSpc>
+                          <a:spcPct val="107000"/>
+                        </a:lnSpc>
+                        <a:spcBef>
+                          <a:spcPts val="0"/>
+                        </a:spcBef>
+                        <a:spcAft>
+                          <a:spcPts val="0"/>
+                        </a:spcAft>
+                      </a:pPr>
+                      <a:r>
+                        <a:rPr lang="en-US" sz="1400">
+                          <a:effectLst/>
+                        </a:rPr>
+                        <a:t>2057-USB-AP-S-RA-SMT-ND</a:t>
+                      </a:r>
+                      <a:endParaRPr lang="en-US" sz="1400">
+                        <a:effectLst/>
+                        <a:latin typeface="Times New Roman" panose="02020603050405020304" pitchFamily="18" charset="0"/>
+                        <a:ea typeface="Calibri" panose="020F0502020204030204" pitchFamily="34" charset="0"/>
+                        <a:cs typeface="Arial" panose="020B0604020202020204" pitchFamily="34" charset="0"/>
+                      </a:endParaRPr>
+                    </a:p>
+                  </a:txBody>
+                  <a:tcPr marL="39176" marR="39176" marT="0" marB="0"/>
+                </a:tc>
+                <a:tc>
+                  <a:txBody>
+                    <a:bodyPr/>
+                    <a:lstStyle/>
+                    <a:p>
+                      <a:pPr marL="0" marR="0" algn="ctr">
+                        <a:lnSpc>
+                          <a:spcPct val="107000"/>
+                        </a:lnSpc>
+                        <a:spcBef>
+                          <a:spcPts val="0"/>
+                        </a:spcBef>
+                        <a:spcAft>
+                          <a:spcPts val="0"/>
+                        </a:spcAft>
+                      </a:pPr>
+                      <a:r>
+                        <a:rPr lang="en-US" sz="1400">
+                          <a:effectLst/>
+                        </a:rPr>
+                        <a:t>$0.55</a:t>
+                      </a:r>
+                      <a:endParaRPr lang="en-US" sz="1400">
+                        <a:effectLst/>
+                        <a:latin typeface="Times New Roman" panose="02020603050405020304" pitchFamily="18" charset="0"/>
+                        <a:ea typeface="Calibri" panose="020F0502020204030204" pitchFamily="34" charset="0"/>
+                        <a:cs typeface="Arial" panose="020B0604020202020204" pitchFamily="34" charset="0"/>
+                      </a:endParaRPr>
+                    </a:p>
+                  </a:txBody>
+                  <a:tcPr marL="39176" marR="39176" marT="0" marB="0"/>
+                </a:tc>
+                <a:tc>
+                  <a:txBody>
+                    <a:bodyPr/>
+                    <a:lstStyle/>
+                    <a:p>
+                      <a:pPr marL="0" marR="0" algn="ctr">
+                        <a:lnSpc>
+                          <a:spcPct val="107000"/>
+                        </a:lnSpc>
+                        <a:spcBef>
+                          <a:spcPts val="0"/>
+                        </a:spcBef>
+                        <a:spcAft>
+                          <a:spcPts val="0"/>
+                        </a:spcAft>
+                      </a:pPr>
+                      <a:r>
+                        <a:rPr lang="en-US" sz="1400">
+                          <a:effectLst/>
+                        </a:rPr>
+                        <a:t>3</a:t>
+                      </a:r>
+                      <a:endParaRPr lang="en-US" sz="1400">
+                        <a:effectLst/>
+                        <a:latin typeface="Times New Roman" panose="02020603050405020304" pitchFamily="18" charset="0"/>
+                        <a:ea typeface="Calibri" panose="020F0502020204030204" pitchFamily="34" charset="0"/>
+                        <a:cs typeface="Arial" panose="020B0604020202020204" pitchFamily="34" charset="0"/>
+                      </a:endParaRPr>
+                    </a:p>
+                  </a:txBody>
+                  <a:tcPr marL="39176" marR="39176" marT="0" marB="0"/>
+                </a:tc>
+                <a:extLst>
+                  <a:ext uri="{0D108BD9-81ED-4DB2-BD59-A6C34878D82A}">
+                    <a16:rowId xmlns:a16="http://schemas.microsoft.com/office/drawing/2014/main" val="3839636813"/>
+                  </a:ext>
+                </a:extLst>
+              </a:tr>
+              <a:tr h="231562">
+                <a:tc>
+                  <a:txBody>
+                    <a:bodyPr/>
+                    <a:lstStyle/>
+                    <a:p>
+                      <a:pPr marL="0" marR="0" algn="l">
+                        <a:lnSpc>
+                          <a:spcPct val="107000"/>
+                        </a:lnSpc>
+                        <a:spcBef>
+                          <a:spcPts val="0"/>
+                        </a:spcBef>
+                        <a:spcAft>
+                          <a:spcPts val="0"/>
+                        </a:spcAft>
+                      </a:pPr>
+                      <a:r>
+                        <a:rPr lang="en-US" sz="1400">
+                          <a:effectLst/>
+                        </a:rPr>
+                        <a:t>Sensor-MUX</a:t>
+                      </a:r>
+                      <a:endParaRPr lang="en-US" sz="1400">
+                        <a:effectLst/>
+                        <a:latin typeface="Times New Roman" panose="02020603050405020304" pitchFamily="18" charset="0"/>
+                        <a:ea typeface="Calibri" panose="020F0502020204030204" pitchFamily="34" charset="0"/>
+                        <a:cs typeface="Arial" panose="020B0604020202020204" pitchFamily="34" charset="0"/>
+                      </a:endParaRPr>
+                    </a:p>
+                  </a:txBody>
+                  <a:tcPr marL="39176" marR="39176" marT="0" marB="0"/>
+                </a:tc>
+                <a:tc>
+                  <a:txBody>
+                    <a:bodyPr/>
+                    <a:lstStyle/>
+                    <a:p>
+                      <a:pPr marL="0" marR="0" algn="ctr">
+                        <a:lnSpc>
+                          <a:spcPct val="107000"/>
+                        </a:lnSpc>
+                        <a:spcBef>
+                          <a:spcPts val="0"/>
+                        </a:spcBef>
+                        <a:spcAft>
+                          <a:spcPts val="0"/>
+                        </a:spcAft>
+                      </a:pPr>
+                      <a:r>
+                        <a:rPr lang="en-US" sz="1400">
+                          <a:effectLst/>
+                        </a:rPr>
+                        <a:t>TCA9548APWR</a:t>
+                      </a:r>
+                      <a:endParaRPr lang="en-US" sz="1400">
+                        <a:effectLst/>
+                        <a:latin typeface="Times New Roman" panose="02020603050405020304" pitchFamily="18" charset="0"/>
+                        <a:ea typeface="Calibri" panose="020F0502020204030204" pitchFamily="34" charset="0"/>
+                        <a:cs typeface="Arial" panose="020B0604020202020204" pitchFamily="34" charset="0"/>
+                      </a:endParaRPr>
+                    </a:p>
+                  </a:txBody>
+                  <a:tcPr marL="39176" marR="39176" marT="0" marB="0"/>
+                </a:tc>
+                <a:tc>
+                  <a:txBody>
+                    <a:bodyPr/>
+                    <a:lstStyle/>
+                    <a:p>
+                      <a:pPr marL="0" marR="0" algn="ctr">
+                        <a:lnSpc>
+                          <a:spcPct val="107000"/>
+                        </a:lnSpc>
+                        <a:spcBef>
+                          <a:spcPts val="0"/>
+                        </a:spcBef>
+                        <a:spcAft>
+                          <a:spcPts val="0"/>
+                        </a:spcAft>
+                      </a:pPr>
+                      <a:r>
+                        <a:rPr lang="en-US" sz="1400">
+                          <a:effectLst/>
+                        </a:rPr>
+                        <a:t>$1.78</a:t>
+                      </a:r>
+                      <a:endParaRPr lang="en-US" sz="1400">
+                        <a:effectLst/>
+                        <a:latin typeface="Times New Roman" panose="02020603050405020304" pitchFamily="18" charset="0"/>
+                        <a:ea typeface="Calibri" panose="020F0502020204030204" pitchFamily="34" charset="0"/>
+                        <a:cs typeface="Arial" panose="020B0604020202020204" pitchFamily="34" charset="0"/>
+                      </a:endParaRPr>
+                    </a:p>
+                  </a:txBody>
+                  <a:tcPr marL="39176" marR="39176" marT="0" marB="0"/>
+                </a:tc>
+                <a:tc>
+                  <a:txBody>
+                    <a:bodyPr/>
+                    <a:lstStyle/>
+                    <a:p>
+                      <a:pPr marL="0" marR="0" algn="ctr">
+                        <a:lnSpc>
+                          <a:spcPct val="107000"/>
+                        </a:lnSpc>
+                        <a:spcBef>
+                          <a:spcPts val="0"/>
+                        </a:spcBef>
+                        <a:spcAft>
+                          <a:spcPts val="0"/>
+                        </a:spcAft>
+                      </a:pPr>
+                      <a:r>
+                        <a:rPr lang="en-US" sz="1400">
+                          <a:effectLst/>
+                        </a:rPr>
+                        <a:t>1</a:t>
+                      </a:r>
+                      <a:endParaRPr lang="en-US" sz="1400">
+                        <a:effectLst/>
+                        <a:latin typeface="Times New Roman" panose="02020603050405020304" pitchFamily="18" charset="0"/>
+                        <a:ea typeface="Calibri" panose="020F0502020204030204" pitchFamily="34" charset="0"/>
+                        <a:cs typeface="Arial" panose="020B0604020202020204" pitchFamily="34" charset="0"/>
+                      </a:endParaRPr>
+                    </a:p>
+                  </a:txBody>
+                  <a:tcPr marL="39176" marR="39176" marT="0" marB="0"/>
+                </a:tc>
+                <a:extLst>
+                  <a:ext uri="{0D108BD9-81ED-4DB2-BD59-A6C34878D82A}">
+                    <a16:rowId xmlns:a16="http://schemas.microsoft.com/office/drawing/2014/main" val="1154056316"/>
+                  </a:ext>
+                </a:extLst>
+              </a:tr>
+              <a:tr h="231562">
+                <a:tc>
+                  <a:txBody>
+                    <a:bodyPr/>
+                    <a:lstStyle/>
+                    <a:p>
+                      <a:pPr marL="0" marR="0" algn="l">
+                        <a:lnSpc>
+                          <a:spcPct val="107000"/>
+                        </a:lnSpc>
+                        <a:spcBef>
+                          <a:spcPts val="0"/>
+                        </a:spcBef>
+                        <a:spcAft>
+                          <a:spcPts val="0"/>
+                        </a:spcAft>
+                      </a:pPr>
+                      <a:r>
+                        <a:rPr lang="en-US" sz="1400">
+                          <a:effectLst/>
+                        </a:rPr>
+                        <a:t>Sensor</a:t>
+                      </a:r>
+                      <a:endParaRPr lang="en-US" sz="1400">
+                        <a:effectLst/>
+                        <a:latin typeface="Times New Roman" panose="02020603050405020304" pitchFamily="18" charset="0"/>
+                        <a:ea typeface="Calibri" panose="020F0502020204030204" pitchFamily="34" charset="0"/>
+                        <a:cs typeface="Arial" panose="020B0604020202020204" pitchFamily="34" charset="0"/>
+                      </a:endParaRPr>
+                    </a:p>
+                  </a:txBody>
+                  <a:tcPr marL="39176" marR="39176" marT="0" marB="0"/>
+                </a:tc>
+                <a:tc>
+                  <a:txBody>
+                    <a:bodyPr/>
+                    <a:lstStyle/>
+                    <a:p>
+                      <a:pPr marL="0" marR="0" algn="ctr">
+                        <a:lnSpc>
+                          <a:spcPct val="107000"/>
+                        </a:lnSpc>
+                        <a:spcBef>
+                          <a:spcPts val="0"/>
+                        </a:spcBef>
+                        <a:spcAft>
+                          <a:spcPts val="0"/>
+                        </a:spcAft>
+                      </a:pPr>
+                      <a:r>
+                        <a:rPr lang="en-US" sz="1400">
+                          <a:effectLst/>
+                        </a:rPr>
+                        <a:t>VEML7700</a:t>
+                      </a:r>
+                      <a:endParaRPr lang="en-US" sz="1400">
+                        <a:effectLst/>
+                        <a:latin typeface="Times New Roman" panose="02020603050405020304" pitchFamily="18" charset="0"/>
+                        <a:ea typeface="Calibri" panose="020F0502020204030204" pitchFamily="34" charset="0"/>
+                        <a:cs typeface="Arial" panose="020B0604020202020204" pitchFamily="34" charset="0"/>
+                      </a:endParaRPr>
+                    </a:p>
+                  </a:txBody>
+                  <a:tcPr marL="39176" marR="39176" marT="0" marB="0"/>
+                </a:tc>
+                <a:tc>
+                  <a:txBody>
+                    <a:bodyPr/>
+                    <a:lstStyle/>
+                    <a:p>
+                      <a:pPr marL="0" marR="0" algn="ctr">
+                        <a:lnSpc>
+                          <a:spcPct val="107000"/>
+                        </a:lnSpc>
+                        <a:spcBef>
+                          <a:spcPts val="0"/>
+                        </a:spcBef>
+                        <a:spcAft>
+                          <a:spcPts val="0"/>
+                        </a:spcAft>
+                      </a:pPr>
+                      <a:r>
+                        <a:rPr lang="en-US" sz="1400">
+                          <a:effectLst/>
+                        </a:rPr>
+                        <a:t>$1.88</a:t>
+                      </a:r>
+                      <a:endParaRPr lang="en-US" sz="1400">
+                        <a:effectLst/>
+                        <a:latin typeface="Times New Roman" panose="02020603050405020304" pitchFamily="18" charset="0"/>
+                        <a:ea typeface="Calibri" panose="020F0502020204030204" pitchFamily="34" charset="0"/>
+                        <a:cs typeface="Arial" panose="020B0604020202020204" pitchFamily="34" charset="0"/>
+                      </a:endParaRPr>
+                    </a:p>
+                  </a:txBody>
+                  <a:tcPr marL="39176" marR="39176" marT="0" marB="0"/>
+                </a:tc>
+                <a:tc>
+                  <a:txBody>
+                    <a:bodyPr/>
+                    <a:lstStyle/>
+                    <a:p>
+                      <a:pPr marL="0" marR="0" algn="ctr">
+                        <a:lnSpc>
+                          <a:spcPct val="107000"/>
+                        </a:lnSpc>
+                        <a:spcBef>
+                          <a:spcPts val="0"/>
+                        </a:spcBef>
+                        <a:spcAft>
+                          <a:spcPts val="0"/>
+                        </a:spcAft>
+                      </a:pPr>
+                      <a:r>
+                        <a:rPr lang="en-US" sz="1400">
+                          <a:effectLst/>
+                        </a:rPr>
+                        <a:t>5</a:t>
+                      </a:r>
+                      <a:endParaRPr lang="en-US" sz="1400">
+                        <a:effectLst/>
+                        <a:latin typeface="Times New Roman" panose="02020603050405020304" pitchFamily="18" charset="0"/>
+                        <a:ea typeface="Calibri" panose="020F0502020204030204" pitchFamily="34" charset="0"/>
+                        <a:cs typeface="Arial" panose="020B0604020202020204" pitchFamily="34" charset="0"/>
+                      </a:endParaRPr>
+                    </a:p>
+                  </a:txBody>
+                  <a:tcPr marL="39176" marR="39176" marT="0" marB="0"/>
+                </a:tc>
+                <a:extLst>
+                  <a:ext uri="{0D108BD9-81ED-4DB2-BD59-A6C34878D82A}">
+                    <a16:rowId xmlns:a16="http://schemas.microsoft.com/office/drawing/2014/main" val="2645284100"/>
+                  </a:ext>
+                </a:extLst>
+              </a:tr>
+              <a:tr h="431917">
+                <a:tc>
+                  <a:txBody>
+                    <a:bodyPr/>
+                    <a:lstStyle/>
+                    <a:p>
+                      <a:pPr marL="0" marR="0" algn="l">
+                        <a:lnSpc>
+                          <a:spcPct val="107000"/>
+                        </a:lnSpc>
+                        <a:spcBef>
+                          <a:spcPts val="0"/>
+                        </a:spcBef>
+                        <a:spcAft>
+                          <a:spcPts val="0"/>
+                        </a:spcAft>
+                      </a:pPr>
+                      <a:r>
+                        <a:rPr lang="en-US" sz="1400">
+                          <a:effectLst/>
+                        </a:rPr>
+                        <a:t>USB-to-UART Bridge Controller</a:t>
+                      </a:r>
+                      <a:endParaRPr lang="en-US" sz="1400">
+                        <a:effectLst/>
+                        <a:latin typeface="Times New Roman" panose="02020603050405020304" pitchFamily="18" charset="0"/>
+                        <a:ea typeface="Calibri" panose="020F0502020204030204" pitchFamily="34" charset="0"/>
+                        <a:cs typeface="Arial" panose="020B0604020202020204" pitchFamily="34" charset="0"/>
+                      </a:endParaRPr>
+                    </a:p>
+                  </a:txBody>
+                  <a:tcPr marL="39176" marR="39176" marT="0" marB="0"/>
+                </a:tc>
+                <a:tc>
+                  <a:txBody>
+                    <a:bodyPr/>
+                    <a:lstStyle/>
+                    <a:p>
+                      <a:pPr marL="0" marR="0" algn="ctr">
+                        <a:lnSpc>
+                          <a:spcPct val="107000"/>
+                        </a:lnSpc>
+                        <a:spcBef>
+                          <a:spcPts val="0"/>
+                        </a:spcBef>
+                        <a:spcAft>
+                          <a:spcPts val="0"/>
+                        </a:spcAft>
+                      </a:pPr>
+                      <a:r>
+                        <a:rPr lang="en-US" sz="1400">
+                          <a:effectLst/>
+                        </a:rPr>
+                        <a:t>CP2102N-A02-GQFN28</a:t>
+                      </a:r>
+                      <a:endParaRPr lang="en-US" sz="1400">
+                        <a:effectLst/>
+                        <a:latin typeface="Times New Roman" panose="02020603050405020304" pitchFamily="18" charset="0"/>
+                        <a:ea typeface="Calibri" panose="020F0502020204030204" pitchFamily="34" charset="0"/>
+                        <a:cs typeface="Arial" panose="020B0604020202020204" pitchFamily="34" charset="0"/>
+                      </a:endParaRPr>
+                    </a:p>
+                  </a:txBody>
+                  <a:tcPr marL="39176" marR="39176" marT="0" marB="0"/>
+                </a:tc>
+                <a:tc>
+                  <a:txBody>
+                    <a:bodyPr/>
+                    <a:lstStyle/>
+                    <a:p>
+                      <a:pPr marL="0" marR="0" algn="ctr">
+                        <a:lnSpc>
+                          <a:spcPct val="107000"/>
+                        </a:lnSpc>
+                        <a:spcBef>
+                          <a:spcPts val="0"/>
+                        </a:spcBef>
+                        <a:spcAft>
+                          <a:spcPts val="0"/>
+                        </a:spcAft>
+                      </a:pPr>
+                      <a:r>
+                        <a:rPr lang="en-US" sz="1400">
+                          <a:effectLst/>
+                        </a:rPr>
+                        <a:t>$4.07</a:t>
+                      </a:r>
+                      <a:endParaRPr lang="en-US" sz="1400">
+                        <a:effectLst/>
+                        <a:latin typeface="Times New Roman" panose="02020603050405020304" pitchFamily="18" charset="0"/>
+                        <a:ea typeface="Calibri" panose="020F0502020204030204" pitchFamily="34" charset="0"/>
+                        <a:cs typeface="Arial" panose="020B0604020202020204" pitchFamily="34" charset="0"/>
+                      </a:endParaRPr>
+                    </a:p>
+                  </a:txBody>
+                  <a:tcPr marL="39176" marR="39176" marT="0" marB="0"/>
+                </a:tc>
+                <a:tc>
+                  <a:txBody>
+                    <a:bodyPr/>
+                    <a:lstStyle/>
+                    <a:p>
+                      <a:pPr marL="0" marR="0" algn="ctr">
+                        <a:lnSpc>
+                          <a:spcPct val="107000"/>
+                        </a:lnSpc>
+                        <a:spcBef>
+                          <a:spcPts val="0"/>
+                        </a:spcBef>
+                        <a:spcAft>
+                          <a:spcPts val="0"/>
+                        </a:spcAft>
+                      </a:pPr>
+                      <a:r>
+                        <a:rPr lang="en-US" sz="1400">
+                          <a:effectLst/>
+                        </a:rPr>
+                        <a:t>1</a:t>
+                      </a:r>
+                      <a:endParaRPr lang="en-US" sz="1400">
+                        <a:effectLst/>
+                        <a:latin typeface="Times New Roman" panose="02020603050405020304" pitchFamily="18" charset="0"/>
+                        <a:ea typeface="Calibri" panose="020F0502020204030204" pitchFamily="34" charset="0"/>
+                        <a:cs typeface="Arial" panose="020B0604020202020204" pitchFamily="34" charset="0"/>
+                      </a:endParaRPr>
+                    </a:p>
+                  </a:txBody>
+                  <a:tcPr marL="39176" marR="39176" marT="0" marB="0"/>
+                </a:tc>
+                <a:extLst>
+                  <a:ext uri="{0D108BD9-81ED-4DB2-BD59-A6C34878D82A}">
+                    <a16:rowId xmlns:a16="http://schemas.microsoft.com/office/drawing/2014/main" val="4127249361"/>
+                  </a:ext>
+                </a:extLst>
+              </a:tr>
+              <a:tr h="231562">
+                <a:tc>
+                  <a:txBody>
+                    <a:bodyPr/>
+                    <a:lstStyle/>
+                    <a:p>
+                      <a:pPr marL="0" marR="0" algn="l">
+                        <a:lnSpc>
+                          <a:spcPct val="107000"/>
+                        </a:lnSpc>
+                        <a:spcBef>
+                          <a:spcPts val="0"/>
+                        </a:spcBef>
+                        <a:spcAft>
+                          <a:spcPts val="0"/>
+                        </a:spcAft>
+                      </a:pPr>
+                      <a:r>
+                        <a:rPr lang="en-US" sz="1400">
+                          <a:effectLst/>
+                        </a:rPr>
+                        <a:t>MicroSD Socket</a:t>
+                      </a:r>
+                      <a:endParaRPr lang="en-US" sz="1400">
+                        <a:effectLst/>
+                        <a:latin typeface="Times New Roman" panose="02020603050405020304" pitchFamily="18" charset="0"/>
+                        <a:ea typeface="Calibri" panose="020F0502020204030204" pitchFamily="34" charset="0"/>
+                        <a:cs typeface="Arial" panose="020B0604020202020204" pitchFamily="34" charset="0"/>
+                      </a:endParaRPr>
+                    </a:p>
+                  </a:txBody>
+                  <a:tcPr marL="39176" marR="39176" marT="0" marB="0"/>
+                </a:tc>
+                <a:tc>
+                  <a:txBody>
+                    <a:bodyPr/>
+                    <a:lstStyle/>
+                    <a:p>
+                      <a:pPr marL="0" marR="0" algn="ctr">
+                        <a:lnSpc>
+                          <a:spcPct val="107000"/>
+                        </a:lnSpc>
+                        <a:spcBef>
+                          <a:spcPts val="0"/>
+                        </a:spcBef>
+                        <a:spcAft>
+                          <a:spcPts val="0"/>
+                        </a:spcAft>
+                      </a:pPr>
+                      <a:r>
+                        <a:rPr lang="en-US" sz="1400">
+                          <a:effectLst/>
+                        </a:rPr>
+                        <a:t>1660</a:t>
+                      </a:r>
+                      <a:endParaRPr lang="en-US" sz="1400">
+                        <a:effectLst/>
+                        <a:latin typeface="Times New Roman" panose="02020603050405020304" pitchFamily="18" charset="0"/>
+                        <a:ea typeface="Calibri" panose="020F0502020204030204" pitchFamily="34" charset="0"/>
+                        <a:cs typeface="Arial" panose="020B0604020202020204" pitchFamily="34" charset="0"/>
+                      </a:endParaRPr>
+                    </a:p>
+                  </a:txBody>
+                  <a:tcPr marL="39176" marR="39176" marT="0" marB="0"/>
+                </a:tc>
+                <a:tc>
+                  <a:txBody>
+                    <a:bodyPr/>
+                    <a:lstStyle/>
+                    <a:p>
+                      <a:pPr marL="0" marR="0" algn="ctr">
+                        <a:lnSpc>
+                          <a:spcPct val="107000"/>
+                        </a:lnSpc>
+                        <a:spcBef>
+                          <a:spcPts val="0"/>
+                        </a:spcBef>
+                        <a:spcAft>
+                          <a:spcPts val="0"/>
+                        </a:spcAft>
+                      </a:pPr>
+                      <a:r>
+                        <a:rPr lang="en-US" sz="1400">
+                          <a:effectLst/>
+                        </a:rPr>
+                        <a:t>$1.95</a:t>
+                      </a:r>
+                      <a:endParaRPr lang="en-US" sz="1400">
+                        <a:effectLst/>
+                        <a:latin typeface="Times New Roman" panose="02020603050405020304" pitchFamily="18" charset="0"/>
+                        <a:ea typeface="Calibri" panose="020F0502020204030204" pitchFamily="34" charset="0"/>
+                        <a:cs typeface="Arial" panose="020B0604020202020204" pitchFamily="34" charset="0"/>
+                      </a:endParaRPr>
+                    </a:p>
+                  </a:txBody>
+                  <a:tcPr marL="39176" marR="39176" marT="0" marB="0"/>
+                </a:tc>
+                <a:tc>
+                  <a:txBody>
+                    <a:bodyPr/>
+                    <a:lstStyle/>
+                    <a:p>
+                      <a:pPr marL="0" marR="0" algn="ctr">
+                        <a:lnSpc>
+                          <a:spcPct val="107000"/>
+                        </a:lnSpc>
+                        <a:spcBef>
+                          <a:spcPts val="0"/>
+                        </a:spcBef>
+                        <a:spcAft>
+                          <a:spcPts val="0"/>
+                        </a:spcAft>
+                      </a:pPr>
+                      <a:r>
+                        <a:rPr lang="en-US" sz="1400">
+                          <a:effectLst/>
+                        </a:rPr>
+                        <a:t>1</a:t>
+                      </a:r>
+                      <a:endParaRPr lang="en-US" sz="1400">
+                        <a:effectLst/>
+                        <a:latin typeface="Times New Roman" panose="02020603050405020304" pitchFamily="18" charset="0"/>
+                        <a:ea typeface="Calibri" panose="020F0502020204030204" pitchFamily="34" charset="0"/>
+                        <a:cs typeface="Arial" panose="020B0604020202020204" pitchFamily="34" charset="0"/>
+                      </a:endParaRPr>
+                    </a:p>
+                  </a:txBody>
+                  <a:tcPr marL="39176" marR="39176" marT="0" marB="0"/>
+                </a:tc>
+                <a:extLst>
+                  <a:ext uri="{0D108BD9-81ED-4DB2-BD59-A6C34878D82A}">
+                    <a16:rowId xmlns:a16="http://schemas.microsoft.com/office/drawing/2014/main" val="3774571545"/>
+                  </a:ext>
+                </a:extLst>
+              </a:tr>
+              <a:tr h="431917">
+                <a:tc>
+                  <a:txBody>
+                    <a:bodyPr/>
+                    <a:lstStyle/>
+                    <a:p>
+                      <a:pPr marL="0" marR="0" algn="l">
+                        <a:lnSpc>
+                          <a:spcPct val="107000"/>
+                        </a:lnSpc>
+                        <a:spcBef>
+                          <a:spcPts val="0"/>
+                        </a:spcBef>
+                        <a:spcAft>
+                          <a:spcPts val="0"/>
+                        </a:spcAft>
+                      </a:pPr>
+                      <a:r>
+                        <a:rPr lang="en-US" sz="1400" dirty="0">
+                          <a:effectLst/>
+                        </a:rPr>
+                        <a:t>Misc.</a:t>
+                      </a:r>
+                      <a:endParaRPr lang="en-US" sz="1400" dirty="0">
+                        <a:effectLst/>
+                        <a:latin typeface="Times New Roman" panose="02020603050405020304" pitchFamily="18" charset="0"/>
+                        <a:ea typeface="Calibri" panose="020F0502020204030204" pitchFamily="34" charset="0"/>
+                        <a:cs typeface="Arial" panose="020B0604020202020204" pitchFamily="34" charset="0"/>
+                      </a:endParaRPr>
+                    </a:p>
+                  </a:txBody>
+                  <a:tcPr marL="39176" marR="39176" marT="0" marB="0"/>
+                </a:tc>
+                <a:tc>
+                  <a:txBody>
+                    <a:bodyPr/>
+                    <a:lstStyle/>
+                    <a:p>
+                      <a:pPr marL="0" marR="0" algn="ctr">
+                        <a:lnSpc>
+                          <a:spcPct val="107000"/>
+                        </a:lnSpc>
+                        <a:spcBef>
+                          <a:spcPts val="0"/>
+                        </a:spcBef>
+                        <a:spcAft>
+                          <a:spcPts val="0"/>
+                        </a:spcAft>
+                      </a:pPr>
+                      <a:r>
+                        <a:rPr lang="en-US" sz="1400" dirty="0">
+                          <a:effectLst/>
+                        </a:rPr>
+                        <a:t>Resistors, Capacitors, </a:t>
+                      </a:r>
+                      <a:r>
+                        <a:rPr lang="en-US" sz="1400" dirty="0" err="1">
+                          <a:effectLst/>
+                        </a:rPr>
+                        <a:t>Inductr</a:t>
+                      </a:r>
+                      <a:r>
+                        <a:rPr lang="en-US" sz="1400" dirty="0">
+                          <a:effectLst/>
+                        </a:rPr>
+                        <a:t>, Jumpers, Etc.….</a:t>
+                      </a:r>
+                      <a:endParaRPr lang="en-US" sz="1400" dirty="0">
+                        <a:effectLst/>
+                        <a:latin typeface="Times New Roman" panose="02020603050405020304" pitchFamily="18" charset="0"/>
+                        <a:ea typeface="Calibri" panose="020F0502020204030204" pitchFamily="34" charset="0"/>
+                        <a:cs typeface="Arial" panose="020B0604020202020204" pitchFamily="34" charset="0"/>
+                      </a:endParaRPr>
+                    </a:p>
+                  </a:txBody>
+                  <a:tcPr marL="39176" marR="39176" marT="0" marB="0"/>
+                </a:tc>
+                <a:tc>
+                  <a:txBody>
+                    <a:bodyPr/>
+                    <a:lstStyle/>
+                    <a:p>
+                      <a:pPr marL="0" marR="0" algn="ctr">
+                        <a:lnSpc>
+                          <a:spcPct val="107000"/>
+                        </a:lnSpc>
+                        <a:spcBef>
+                          <a:spcPts val="0"/>
+                        </a:spcBef>
+                        <a:spcAft>
+                          <a:spcPts val="0"/>
+                        </a:spcAft>
+                      </a:pPr>
+                      <a:r>
+                        <a:rPr lang="en-US" sz="1400">
+                          <a:effectLst/>
+                        </a:rPr>
+                        <a:t>~$20.00</a:t>
+                      </a:r>
+                      <a:endParaRPr lang="en-US" sz="1400">
+                        <a:effectLst/>
+                        <a:latin typeface="Times New Roman" panose="02020603050405020304" pitchFamily="18" charset="0"/>
+                        <a:ea typeface="Calibri" panose="020F0502020204030204" pitchFamily="34" charset="0"/>
+                        <a:cs typeface="Arial" panose="020B0604020202020204" pitchFamily="34" charset="0"/>
+                      </a:endParaRPr>
+                    </a:p>
+                  </a:txBody>
+                  <a:tcPr marL="39176" marR="39176" marT="0" marB="0"/>
+                </a:tc>
+                <a:tc>
+                  <a:txBody>
+                    <a:bodyPr/>
+                    <a:lstStyle/>
+                    <a:p>
+                      <a:pPr marL="0" marR="0" algn="ctr">
+                        <a:lnSpc>
+                          <a:spcPct val="107000"/>
+                        </a:lnSpc>
+                        <a:spcBef>
+                          <a:spcPts val="0"/>
+                        </a:spcBef>
+                        <a:spcAft>
+                          <a:spcPts val="0"/>
+                        </a:spcAft>
+                      </a:pPr>
+                      <a:r>
+                        <a:rPr lang="en-US" sz="1400" dirty="0">
+                          <a:effectLst/>
+                        </a:rPr>
+                        <a:t> </a:t>
+                      </a:r>
+                      <a:endParaRPr lang="en-US" sz="1400" dirty="0">
+                        <a:effectLst/>
+                        <a:latin typeface="Times New Roman" panose="02020603050405020304" pitchFamily="18" charset="0"/>
+                        <a:ea typeface="Calibri" panose="020F0502020204030204" pitchFamily="34" charset="0"/>
+                        <a:cs typeface="Arial" panose="020B0604020202020204" pitchFamily="34" charset="0"/>
+                      </a:endParaRPr>
+                    </a:p>
+                  </a:txBody>
+                  <a:tcPr marL="39176" marR="39176" marT="0" marB="0"/>
+                </a:tc>
+                <a:extLst>
+                  <a:ext uri="{0D108BD9-81ED-4DB2-BD59-A6C34878D82A}">
+                    <a16:rowId xmlns:a16="http://schemas.microsoft.com/office/drawing/2014/main" val="2016033614"/>
+                  </a:ext>
+                </a:extLst>
+              </a:tr>
+            </a:tbl>
+          </a:graphicData>
+        </a:graphic>
+      </p:graphicFrame>
+    </p:spTree>
+    <p:extLst>
+      <p:ext uri="{BB962C8B-B14F-4D97-AF65-F5344CB8AC3E}">
+        <p14:creationId xmlns:p14="http://schemas.microsoft.com/office/powerpoint/2010/main" val="2513110536"/>
       </p:ext>
     </p:extLst>
   </p:cSld>

--- a/Documents/CDR_Presentation.pptx
+++ b/Documents/CDR_Presentation.pptx
@@ -12,21 +12,27 @@
     <p:sldId id="267" r:id="rId6"/>
     <p:sldId id="268" r:id="rId7"/>
     <p:sldId id="260" r:id="rId8"/>
-    <p:sldId id="264" r:id="rId9"/>
-    <p:sldId id="261" r:id="rId10"/>
-    <p:sldId id="262" r:id="rId11"/>
-    <p:sldId id="269" r:id="rId12"/>
-    <p:sldId id="263" r:id="rId13"/>
-    <p:sldId id="265" r:id="rId14"/>
-    <p:sldId id="270" r:id="rId15"/>
-    <p:sldId id="271" r:id="rId16"/>
-    <p:sldId id="272" r:id="rId17"/>
-    <p:sldId id="273" r:id="rId18"/>
-    <p:sldId id="266" r:id="rId19"/>
-    <p:sldId id="277" r:id="rId20"/>
-    <p:sldId id="274" r:id="rId21"/>
-    <p:sldId id="275" r:id="rId22"/>
-    <p:sldId id="276" r:id="rId23"/>
+    <p:sldId id="278" r:id="rId9"/>
+    <p:sldId id="279" r:id="rId10"/>
+    <p:sldId id="280" r:id="rId11"/>
+    <p:sldId id="264" r:id="rId12"/>
+    <p:sldId id="281" r:id="rId13"/>
+    <p:sldId id="282" r:id="rId14"/>
+    <p:sldId id="283" r:id="rId15"/>
+    <p:sldId id="261" r:id="rId16"/>
+    <p:sldId id="262" r:id="rId17"/>
+    <p:sldId id="269" r:id="rId18"/>
+    <p:sldId id="263" r:id="rId19"/>
+    <p:sldId id="265" r:id="rId20"/>
+    <p:sldId id="270" r:id="rId21"/>
+    <p:sldId id="271" r:id="rId22"/>
+    <p:sldId id="272" r:id="rId23"/>
+    <p:sldId id="273" r:id="rId24"/>
+    <p:sldId id="266" r:id="rId25"/>
+    <p:sldId id="277" r:id="rId26"/>
+    <p:sldId id="274" r:id="rId27"/>
+    <p:sldId id="275" r:id="rId28"/>
+    <p:sldId id="276" r:id="rId29"/>
   </p:sldIdLst>
   <p:sldSz cx="12192000" cy="6858000"/>
   <p:notesSz cx="6858000" cy="9144000"/>
@@ -4225,6 +4231,522 @@
           <p:cNvPr id="2" name="Title 1">
             <a:extLst>
               <a:ext uri="{FF2B5EF4-FFF2-40B4-BE49-F238E27FC236}">
+                <a16:creationId xmlns:a16="http://schemas.microsoft.com/office/drawing/2014/main" id="{75B0633F-E41D-04F2-71F9-3D27F3FE8EEF}"/>
+              </a:ext>
+            </a:extLst>
+          </p:cNvPr>
+          <p:cNvSpPr>
+            <a:spLocks noGrp="1"/>
+          </p:cNvSpPr>
+          <p:nvPr>
+            <p:ph type="title"/>
+          </p:nvPr>
+        </p:nvSpPr>
+        <p:spPr/>
+        <p:txBody>
+          <a:bodyPr/>
+          <a:lstStyle/>
+          <a:p>
+            <a:r>
+              <a:rPr lang="en-US" sz="1800" dirty="0">
+                <a:effectLst/>
+                <a:latin typeface="Times New Roman" panose="02020603050405020304" pitchFamily="18" charset="0"/>
+                <a:ea typeface="Calibri" panose="020F0502020204030204" pitchFamily="34" charset="0"/>
+              </a:rPr>
+              <a:t>MCU</a:t>
+            </a:r>
+            <a:endParaRPr lang="en-US" dirty="0"/>
+          </a:p>
+        </p:txBody>
+      </p:sp>
+      <p:sp>
+        <p:nvSpPr>
+          <p:cNvPr id="3" name="Content Placeholder 2">
+            <a:extLst>
+              <a:ext uri="{FF2B5EF4-FFF2-40B4-BE49-F238E27FC236}">
+                <a16:creationId xmlns:a16="http://schemas.microsoft.com/office/drawing/2014/main" id="{FBF0FCA7-3CDC-D992-8083-C2574BF954CC}"/>
+              </a:ext>
+            </a:extLst>
+          </p:cNvPr>
+          <p:cNvSpPr>
+            <a:spLocks noGrp="1"/>
+          </p:cNvSpPr>
+          <p:nvPr>
+            <p:ph idx="1"/>
+          </p:nvPr>
+        </p:nvSpPr>
+        <p:spPr/>
+        <p:txBody>
+          <a:bodyPr/>
+          <a:lstStyle/>
+          <a:p>
+            <a:endParaRPr lang="en-US"/>
+          </a:p>
+        </p:txBody>
+      </p:sp>
+    </p:spTree>
+    <p:extLst>
+      <p:ext uri="{BB962C8B-B14F-4D97-AF65-F5344CB8AC3E}">
+        <p14:creationId xmlns:p14="http://schemas.microsoft.com/office/powerpoint/2010/main" val="333528318"/>
+      </p:ext>
+    </p:extLst>
+  </p:cSld>
+  <p:clrMapOvr>
+    <a:masterClrMapping/>
+  </p:clrMapOvr>
+</p:sld>
+</file>
+
+<file path=ppt/slides/slide11.xml><?xml version="1.0" encoding="utf-8"?>
+<p:sld xmlns:a="http://schemas.openxmlformats.org/drawingml/2006/main" xmlns:r="http://schemas.openxmlformats.org/officeDocument/2006/relationships" xmlns:p="http://schemas.openxmlformats.org/presentationml/2006/main">
+  <p:cSld>
+    <p:spTree>
+      <p:nvGrpSpPr>
+        <p:cNvPr id="1" name=""/>
+        <p:cNvGrpSpPr/>
+        <p:nvPr/>
+      </p:nvGrpSpPr>
+      <p:grpSpPr>
+        <a:xfrm>
+          <a:off x="0" y="0"/>
+          <a:ext cx="0" cy="0"/>
+          <a:chOff x="0" y="0"/>
+          <a:chExt cx="0" cy="0"/>
+        </a:xfrm>
+      </p:grpSpPr>
+      <p:sp>
+        <p:nvSpPr>
+          <p:cNvPr id="2" name="Title 1">
+            <a:extLst>
+              <a:ext uri="{FF2B5EF4-FFF2-40B4-BE49-F238E27FC236}">
+                <a16:creationId xmlns:a16="http://schemas.microsoft.com/office/drawing/2014/main" id="{BB18B88F-A920-F17D-DA16-AFE2F81DA06E}"/>
+              </a:ext>
+            </a:extLst>
+          </p:cNvPr>
+          <p:cNvSpPr>
+            <a:spLocks noGrp="1"/>
+          </p:cNvSpPr>
+          <p:nvPr>
+            <p:ph type="title"/>
+          </p:nvPr>
+        </p:nvSpPr>
+        <p:spPr/>
+        <p:txBody>
+          <a:bodyPr/>
+          <a:lstStyle/>
+          <a:p>
+            <a:r>
+              <a:rPr lang="en-US" sz="1800" dirty="0">
+                <a:effectLst/>
+                <a:latin typeface="Times New Roman" panose="02020603050405020304" pitchFamily="18" charset="0"/>
+                <a:ea typeface="Yu Gothic Light" panose="020B0300000000000000" pitchFamily="34" charset="-128"/>
+                <a:cs typeface="Times New Roman" panose="02020603050405020304" pitchFamily="18" charset="0"/>
+              </a:rPr>
+              <a:t>Voltage Regulation</a:t>
+            </a:r>
+            <a:endParaRPr lang="en-US" dirty="0"/>
+          </a:p>
+        </p:txBody>
+      </p:sp>
+      <p:sp>
+        <p:nvSpPr>
+          <p:cNvPr id="3" name="Content Placeholder 2">
+            <a:extLst>
+              <a:ext uri="{FF2B5EF4-FFF2-40B4-BE49-F238E27FC236}">
+                <a16:creationId xmlns:a16="http://schemas.microsoft.com/office/drawing/2014/main" id="{DD4B9E65-35BC-5E3A-C062-0187642DBCE3}"/>
+              </a:ext>
+            </a:extLst>
+          </p:cNvPr>
+          <p:cNvSpPr>
+            <a:spLocks noGrp="1"/>
+          </p:cNvSpPr>
+          <p:nvPr>
+            <p:ph idx="1"/>
+          </p:nvPr>
+        </p:nvSpPr>
+        <p:spPr/>
+        <p:txBody>
+          <a:bodyPr/>
+          <a:lstStyle/>
+          <a:p>
+            <a:endParaRPr lang="en-US" dirty="0"/>
+          </a:p>
+        </p:txBody>
+      </p:sp>
+    </p:spTree>
+    <p:extLst>
+      <p:ext uri="{BB962C8B-B14F-4D97-AF65-F5344CB8AC3E}">
+        <p14:creationId xmlns:p14="http://schemas.microsoft.com/office/powerpoint/2010/main" val="1712144836"/>
+      </p:ext>
+    </p:extLst>
+  </p:cSld>
+  <p:clrMapOvr>
+    <a:masterClrMapping/>
+  </p:clrMapOvr>
+</p:sld>
+</file>
+
+<file path=ppt/slides/slide12.xml><?xml version="1.0" encoding="utf-8"?>
+<p:sld xmlns:a="http://schemas.openxmlformats.org/drawingml/2006/main" xmlns:r="http://schemas.openxmlformats.org/officeDocument/2006/relationships" xmlns:p="http://schemas.openxmlformats.org/presentationml/2006/main">
+  <p:cSld>
+    <p:spTree>
+      <p:nvGrpSpPr>
+        <p:cNvPr id="1" name=""/>
+        <p:cNvGrpSpPr/>
+        <p:nvPr/>
+      </p:nvGrpSpPr>
+      <p:grpSpPr>
+        <a:xfrm>
+          <a:off x="0" y="0"/>
+          <a:ext cx="0" cy="0"/>
+          <a:chOff x="0" y="0"/>
+          <a:chExt cx="0" cy="0"/>
+        </a:xfrm>
+      </p:grpSpPr>
+      <p:sp>
+        <p:nvSpPr>
+          <p:cNvPr id="2" name="Title 1">
+            <a:extLst>
+              <a:ext uri="{FF2B5EF4-FFF2-40B4-BE49-F238E27FC236}">
+                <a16:creationId xmlns:a16="http://schemas.microsoft.com/office/drawing/2014/main" id="{ED98E8D6-44D6-72A0-C30D-D22846AFA2C9}"/>
+              </a:ext>
+            </a:extLst>
+          </p:cNvPr>
+          <p:cNvSpPr>
+            <a:spLocks noGrp="1"/>
+          </p:cNvSpPr>
+          <p:nvPr>
+            <p:ph type="title"/>
+          </p:nvPr>
+        </p:nvSpPr>
+        <p:spPr/>
+        <p:txBody>
+          <a:bodyPr/>
+          <a:lstStyle/>
+          <a:p>
+            <a:r>
+              <a:rPr lang="en-US" sz="1800" dirty="0">
+                <a:effectLst/>
+                <a:latin typeface="Times New Roman" panose="02020603050405020304" pitchFamily="18" charset="0"/>
+                <a:ea typeface="Calibri" panose="020F0502020204030204" pitchFamily="34" charset="0"/>
+              </a:rPr>
+              <a:t>Charge Controller</a:t>
+            </a:r>
+            <a:endParaRPr lang="en-US" dirty="0"/>
+          </a:p>
+        </p:txBody>
+      </p:sp>
+      <p:sp>
+        <p:nvSpPr>
+          <p:cNvPr id="3" name="Content Placeholder 2">
+            <a:extLst>
+              <a:ext uri="{FF2B5EF4-FFF2-40B4-BE49-F238E27FC236}">
+                <a16:creationId xmlns:a16="http://schemas.microsoft.com/office/drawing/2014/main" id="{D6A6DB4B-885C-70A0-401B-91DDD609355A}"/>
+              </a:ext>
+            </a:extLst>
+          </p:cNvPr>
+          <p:cNvSpPr>
+            <a:spLocks noGrp="1"/>
+          </p:cNvSpPr>
+          <p:nvPr>
+            <p:ph idx="1"/>
+          </p:nvPr>
+        </p:nvSpPr>
+        <p:spPr/>
+        <p:txBody>
+          <a:bodyPr/>
+          <a:lstStyle/>
+          <a:p>
+            <a:endParaRPr lang="en-US"/>
+          </a:p>
+        </p:txBody>
+      </p:sp>
+    </p:spTree>
+    <p:extLst>
+      <p:ext uri="{BB962C8B-B14F-4D97-AF65-F5344CB8AC3E}">
+        <p14:creationId xmlns:p14="http://schemas.microsoft.com/office/powerpoint/2010/main" val="1536916265"/>
+      </p:ext>
+    </p:extLst>
+  </p:cSld>
+  <p:clrMapOvr>
+    <a:masterClrMapping/>
+  </p:clrMapOvr>
+</p:sld>
+</file>
+
+<file path=ppt/slides/slide13.xml><?xml version="1.0" encoding="utf-8"?>
+<p:sld xmlns:a="http://schemas.openxmlformats.org/drawingml/2006/main" xmlns:r="http://schemas.openxmlformats.org/officeDocument/2006/relationships" xmlns:p="http://schemas.openxmlformats.org/presentationml/2006/main">
+  <p:cSld>
+    <p:spTree>
+      <p:nvGrpSpPr>
+        <p:cNvPr id="1" name=""/>
+        <p:cNvGrpSpPr/>
+        <p:nvPr/>
+      </p:nvGrpSpPr>
+      <p:grpSpPr>
+        <a:xfrm>
+          <a:off x="0" y="0"/>
+          <a:ext cx="0" cy="0"/>
+          <a:chOff x="0" y="0"/>
+          <a:chExt cx="0" cy="0"/>
+        </a:xfrm>
+      </p:grpSpPr>
+      <p:sp>
+        <p:nvSpPr>
+          <p:cNvPr id="2" name="Title 1">
+            <a:extLst>
+              <a:ext uri="{FF2B5EF4-FFF2-40B4-BE49-F238E27FC236}">
+                <a16:creationId xmlns:a16="http://schemas.microsoft.com/office/drawing/2014/main" id="{1E2730C8-D67F-9A89-D3D9-C8B87FD55C3F}"/>
+              </a:ext>
+            </a:extLst>
+          </p:cNvPr>
+          <p:cNvSpPr>
+            <a:spLocks noGrp="1"/>
+          </p:cNvSpPr>
+          <p:nvPr>
+            <p:ph type="title"/>
+          </p:nvPr>
+        </p:nvSpPr>
+        <p:spPr/>
+        <p:txBody>
+          <a:bodyPr/>
+          <a:lstStyle/>
+          <a:p>
+            <a:r>
+              <a:rPr lang="en-US" sz="1800" dirty="0">
+                <a:effectLst/>
+                <a:latin typeface="Times New Roman" panose="02020603050405020304" pitchFamily="18" charset="0"/>
+                <a:ea typeface="Calibri" panose="020F0502020204030204" pitchFamily="34" charset="0"/>
+              </a:rPr>
+              <a:t>Reflectors</a:t>
+            </a:r>
+            <a:endParaRPr lang="en-US" dirty="0"/>
+          </a:p>
+        </p:txBody>
+      </p:sp>
+      <p:sp>
+        <p:nvSpPr>
+          <p:cNvPr id="3" name="Content Placeholder 2">
+            <a:extLst>
+              <a:ext uri="{FF2B5EF4-FFF2-40B4-BE49-F238E27FC236}">
+                <a16:creationId xmlns:a16="http://schemas.microsoft.com/office/drawing/2014/main" id="{AB390944-275C-66F6-80B0-95E6AC60E33E}"/>
+              </a:ext>
+            </a:extLst>
+          </p:cNvPr>
+          <p:cNvSpPr>
+            <a:spLocks noGrp="1"/>
+          </p:cNvSpPr>
+          <p:nvPr>
+            <p:ph idx="1"/>
+          </p:nvPr>
+        </p:nvSpPr>
+        <p:spPr/>
+        <p:txBody>
+          <a:bodyPr/>
+          <a:lstStyle/>
+          <a:p>
+            <a:endParaRPr lang="en-US"/>
+          </a:p>
+        </p:txBody>
+      </p:sp>
+    </p:spTree>
+    <p:extLst>
+      <p:ext uri="{BB962C8B-B14F-4D97-AF65-F5344CB8AC3E}">
+        <p14:creationId xmlns:p14="http://schemas.microsoft.com/office/powerpoint/2010/main" val="2655691565"/>
+      </p:ext>
+    </p:extLst>
+  </p:cSld>
+  <p:clrMapOvr>
+    <a:masterClrMapping/>
+  </p:clrMapOvr>
+</p:sld>
+</file>
+
+<file path=ppt/slides/slide14.xml><?xml version="1.0" encoding="utf-8"?>
+<p:sld xmlns:a="http://schemas.openxmlformats.org/drawingml/2006/main" xmlns:r="http://schemas.openxmlformats.org/officeDocument/2006/relationships" xmlns:p="http://schemas.openxmlformats.org/presentationml/2006/main">
+  <p:cSld>
+    <p:spTree>
+      <p:nvGrpSpPr>
+        <p:cNvPr id="1" name=""/>
+        <p:cNvGrpSpPr/>
+        <p:nvPr/>
+      </p:nvGrpSpPr>
+      <p:grpSpPr>
+        <a:xfrm>
+          <a:off x="0" y="0"/>
+          <a:ext cx="0" cy="0"/>
+          <a:chOff x="0" y="0"/>
+          <a:chExt cx="0" cy="0"/>
+        </a:xfrm>
+      </p:grpSpPr>
+      <p:sp>
+        <p:nvSpPr>
+          <p:cNvPr id="2" name="Title 1">
+            <a:extLst>
+              <a:ext uri="{FF2B5EF4-FFF2-40B4-BE49-F238E27FC236}">
+                <a16:creationId xmlns:a16="http://schemas.microsoft.com/office/drawing/2014/main" id="{5A1CCC90-20EC-32DD-502E-B34C2780238C}"/>
+              </a:ext>
+            </a:extLst>
+          </p:cNvPr>
+          <p:cNvSpPr>
+            <a:spLocks noGrp="1"/>
+          </p:cNvSpPr>
+          <p:nvPr>
+            <p:ph type="title"/>
+          </p:nvPr>
+        </p:nvSpPr>
+        <p:spPr/>
+        <p:txBody>
+          <a:bodyPr/>
+          <a:lstStyle/>
+          <a:p>
+            <a:endParaRPr lang="en-US"/>
+          </a:p>
+        </p:txBody>
+      </p:sp>
+      <p:sp>
+        <p:nvSpPr>
+          <p:cNvPr id="3" name="Content Placeholder 2">
+            <a:extLst>
+              <a:ext uri="{FF2B5EF4-FFF2-40B4-BE49-F238E27FC236}">
+                <a16:creationId xmlns:a16="http://schemas.microsoft.com/office/drawing/2014/main" id="{9CFB37C5-4961-345B-EF78-3E25AD812BC3}"/>
+              </a:ext>
+            </a:extLst>
+          </p:cNvPr>
+          <p:cNvSpPr>
+            <a:spLocks noGrp="1"/>
+          </p:cNvSpPr>
+          <p:nvPr>
+            <p:ph idx="1"/>
+          </p:nvPr>
+        </p:nvSpPr>
+        <p:spPr/>
+        <p:txBody>
+          <a:bodyPr/>
+          <a:lstStyle/>
+          <a:p>
+            <a:endParaRPr lang="en-US"/>
+          </a:p>
+        </p:txBody>
+      </p:sp>
+    </p:spTree>
+    <p:extLst>
+      <p:ext uri="{BB962C8B-B14F-4D97-AF65-F5344CB8AC3E}">
+        <p14:creationId xmlns:p14="http://schemas.microsoft.com/office/powerpoint/2010/main" val="4139715796"/>
+      </p:ext>
+    </p:extLst>
+  </p:cSld>
+  <p:clrMapOvr>
+    <a:masterClrMapping/>
+  </p:clrMapOvr>
+</p:sld>
+</file>
+
+<file path=ppt/slides/slide15.xml><?xml version="1.0" encoding="utf-8"?>
+<p:sld xmlns:a="http://schemas.openxmlformats.org/drawingml/2006/main" xmlns:r="http://schemas.openxmlformats.org/officeDocument/2006/relationships" xmlns:p="http://schemas.openxmlformats.org/presentationml/2006/main">
+  <p:cSld>
+    <p:spTree>
+      <p:nvGrpSpPr>
+        <p:cNvPr id="1" name=""/>
+        <p:cNvGrpSpPr/>
+        <p:nvPr/>
+      </p:nvGrpSpPr>
+      <p:grpSpPr>
+        <a:xfrm>
+          <a:off x="0" y="0"/>
+          <a:ext cx="0" cy="0"/>
+          <a:chOff x="0" y="0"/>
+          <a:chExt cx="0" cy="0"/>
+        </a:xfrm>
+      </p:grpSpPr>
+      <p:sp>
+        <p:nvSpPr>
+          <p:cNvPr id="2" name="Title 1">
+            <a:extLst>
+              <a:ext uri="{FF2B5EF4-FFF2-40B4-BE49-F238E27FC236}">
+                <a16:creationId xmlns:a16="http://schemas.microsoft.com/office/drawing/2014/main" id="{1B4C723B-6E52-CA05-CB13-3E45C371D3D7}"/>
+              </a:ext>
+            </a:extLst>
+          </p:cNvPr>
+          <p:cNvSpPr>
+            <a:spLocks noGrp="1"/>
+          </p:cNvSpPr>
+          <p:nvPr>
+            <p:ph type="title"/>
+          </p:nvPr>
+        </p:nvSpPr>
+        <p:spPr/>
+        <p:txBody>
+          <a:bodyPr/>
+          <a:lstStyle/>
+          <a:p>
+            <a:r>
+              <a:rPr lang="en-US" dirty="0"/>
+              <a:t>Comparison and Selection of Software</a:t>
+            </a:r>
+          </a:p>
+        </p:txBody>
+      </p:sp>
+      <p:sp>
+        <p:nvSpPr>
+          <p:cNvPr id="3" name="Content Placeholder 2">
+            <a:extLst>
+              <a:ext uri="{FF2B5EF4-FFF2-40B4-BE49-F238E27FC236}">
+                <a16:creationId xmlns:a16="http://schemas.microsoft.com/office/drawing/2014/main" id="{D77444A8-AA20-1B0E-DB4C-19B7DCC36971}"/>
+              </a:ext>
+            </a:extLst>
+          </p:cNvPr>
+          <p:cNvSpPr>
+            <a:spLocks noGrp="1"/>
+          </p:cNvSpPr>
+          <p:nvPr>
+            <p:ph idx="1"/>
+          </p:nvPr>
+        </p:nvSpPr>
+        <p:spPr/>
+        <p:txBody>
+          <a:bodyPr/>
+          <a:lstStyle/>
+          <a:p>
+            <a:endParaRPr lang="en-US"/>
+          </a:p>
+        </p:txBody>
+      </p:sp>
+    </p:spTree>
+    <p:extLst>
+      <p:ext uri="{BB962C8B-B14F-4D97-AF65-F5344CB8AC3E}">
+        <p14:creationId xmlns:p14="http://schemas.microsoft.com/office/powerpoint/2010/main" val="3156607132"/>
+      </p:ext>
+    </p:extLst>
+  </p:cSld>
+  <p:clrMapOvr>
+    <a:masterClrMapping/>
+  </p:clrMapOvr>
+</p:sld>
+</file>
+
+<file path=ppt/slides/slide16.xml><?xml version="1.0" encoding="utf-8"?>
+<p:sld xmlns:a="http://schemas.openxmlformats.org/drawingml/2006/main" xmlns:r="http://schemas.openxmlformats.org/officeDocument/2006/relationships" xmlns:p="http://schemas.openxmlformats.org/presentationml/2006/main">
+  <p:cSld>
+    <p:spTree>
+      <p:nvGrpSpPr>
+        <p:cNvPr id="1" name=""/>
+        <p:cNvGrpSpPr/>
+        <p:nvPr/>
+      </p:nvGrpSpPr>
+      <p:grpSpPr>
+        <a:xfrm>
+          <a:off x="0" y="0"/>
+          <a:ext cx="0" cy="0"/>
+          <a:chOff x="0" y="0"/>
+          <a:chExt cx="0" cy="0"/>
+        </a:xfrm>
+      </p:grpSpPr>
+      <p:sp>
+        <p:nvSpPr>
+          <p:cNvPr id="2" name="Title 1">
+            <a:extLst>
+              <a:ext uri="{FF2B5EF4-FFF2-40B4-BE49-F238E27FC236}">
                 <a16:creationId xmlns:a16="http://schemas.microsoft.com/office/drawing/2014/main" id="{1CF73548-BAA2-9628-D15F-2F7BCC0FE63D}"/>
               </a:ext>
             </a:extLst>
@@ -4286,7 +4808,7 @@
 </p:sld>
 </file>
 
-<file path=ppt/slides/slide11.xml><?xml version="1.0" encoding="utf-8"?>
+<file path=ppt/slides/slide17.xml><?xml version="1.0" encoding="utf-8"?>
 <p:sld xmlns:a="http://schemas.openxmlformats.org/drawingml/2006/main" xmlns:r="http://schemas.openxmlformats.org/officeDocument/2006/relationships" xmlns:p="http://schemas.openxmlformats.org/presentationml/2006/main">
   <p:cSld>
     <p:spTree>
@@ -4366,7 +4888,7 @@
 </p:sld>
 </file>
 
-<file path=ppt/slides/slide12.xml><?xml version="1.0" encoding="utf-8"?>
+<file path=ppt/slides/slide18.xml><?xml version="1.0" encoding="utf-8"?>
 <p:sld xmlns:a="http://schemas.openxmlformats.org/drawingml/2006/main" xmlns:r="http://schemas.openxmlformats.org/officeDocument/2006/relationships" xmlns:p="http://schemas.openxmlformats.org/presentationml/2006/main">
   <p:cSld>
     <p:spTree>
@@ -4449,7 +4971,7 @@
 </p:sld>
 </file>
 
-<file path=ppt/slides/slide13.xml><?xml version="1.0" encoding="utf-8"?>
+<file path=ppt/slides/slide19.xml><?xml version="1.0" encoding="utf-8"?>
 <p:sld xmlns:a="http://schemas.openxmlformats.org/drawingml/2006/main" xmlns:r="http://schemas.openxmlformats.org/officeDocument/2006/relationships" xmlns:p="http://schemas.openxmlformats.org/presentationml/2006/main">
   <p:cSld>
     <p:spTree>
@@ -4523,1225 +5045,6 @@
     <p:extLst>
       <p:ext uri="{BB962C8B-B14F-4D97-AF65-F5344CB8AC3E}">
         <p14:creationId xmlns:p14="http://schemas.microsoft.com/office/powerpoint/2010/main" val="591317440"/>
-      </p:ext>
-    </p:extLst>
-  </p:cSld>
-  <p:clrMapOvr>
-    <a:masterClrMapping/>
-  </p:clrMapOvr>
-</p:sld>
-</file>
-
-<file path=ppt/slides/slide14.xml><?xml version="1.0" encoding="utf-8"?>
-<p:sld xmlns:a="http://schemas.openxmlformats.org/drawingml/2006/main" xmlns:r="http://schemas.openxmlformats.org/officeDocument/2006/relationships" xmlns:p="http://schemas.openxmlformats.org/presentationml/2006/main">
-  <p:cSld>
-    <p:bg>
-      <p:bgPr>
-        <a:solidFill>
-          <a:schemeClr val="accent2"/>
-        </a:solidFill>
-        <a:effectLst/>
-      </p:bgPr>
-    </p:bg>
-    <p:spTree>
-      <p:nvGrpSpPr>
-        <p:cNvPr id="1" name=""/>
-        <p:cNvGrpSpPr/>
-        <p:nvPr/>
-      </p:nvGrpSpPr>
-      <p:grpSpPr>
-        <a:xfrm>
-          <a:off x="0" y="0"/>
-          <a:ext cx="0" cy="0"/>
-          <a:chOff x="0" y="0"/>
-          <a:chExt cx="0" cy="0"/>
-        </a:xfrm>
-      </p:grpSpPr>
-      <p:sp>
-        <p:nvSpPr>
-          <p:cNvPr id="2" name="Title 1">
-            <a:extLst>
-              <a:ext uri="{FF2B5EF4-FFF2-40B4-BE49-F238E27FC236}">
-                <a16:creationId xmlns:a16="http://schemas.microsoft.com/office/drawing/2014/main" id="{4D384A80-AAA5-EC5D-A7E5-1981A892CCA0}"/>
-              </a:ext>
-            </a:extLst>
-          </p:cNvPr>
-          <p:cNvSpPr>
-            <a:spLocks noGrp="1"/>
-          </p:cNvSpPr>
-          <p:nvPr>
-            <p:ph type="title"/>
-          </p:nvPr>
-        </p:nvSpPr>
-        <p:spPr>
-          <a:xfrm>
-            <a:off x="8787865" y="2921173"/>
-            <a:ext cx="2745667" cy="1015663"/>
-          </a:xfrm>
-        </p:spPr>
-        <p:txBody>
-          <a:bodyPr vert="horz" lIns="182880" tIns="182880" rIns="182880" bIns="182880" rtlCol="0" anchor="ctr" anchorCtr="1">
-            <a:normAutofit fontScale="90000"/>
-          </a:bodyPr>
-          <a:lstStyle/>
-          <a:p>
-            <a:r>
-              <a:rPr lang="en-US" sz="2000" dirty="0"/>
-              <a:t>Stepper Motor Controller PCB</a:t>
-            </a:r>
-          </a:p>
-        </p:txBody>
-      </p:sp>
-      <p:sp>
-        <p:nvSpPr>
-          <p:cNvPr id="19" name="Rectangle 18">
-            <a:extLst>
-              <a:ext uri="{FF2B5EF4-FFF2-40B4-BE49-F238E27FC236}">
-                <a16:creationId xmlns:a16="http://schemas.microsoft.com/office/drawing/2014/main" id="{B8AFBB67-2575-4F5A-96CF-CD2EB02A1EF0}"/>
-              </a:ext>
-              <a:ext uri="{C183D7F6-B498-43B3-948B-1728B52AA6E4}">
-                <adec:decorative xmlns:adec="http://schemas.microsoft.com/office/drawing/2017/decorative" val="1"/>
-              </a:ext>
-            </a:extLst>
-          </p:cNvPr>
-          <p:cNvSpPr>
-            <a:spLocks noGrp="1" noRot="1" noChangeAspect="1" noMove="1" noResize="1" noEditPoints="1" noAdjustHandles="1" noChangeArrowheads="1" noChangeShapeType="1" noTextEdit="1"/>
-          </p:cNvSpPr>
-          <p:nvPr>
-            <p:extLst>
-              <p:ext uri="{386F3935-93C4-4BCD-93E2-E3B085C9AB24}">
-                <p16:designElem xmlns:p16="http://schemas.microsoft.com/office/powerpoint/2015/main" val="1"/>
-              </p:ext>
-            </p:extLst>
-          </p:nvPr>
-        </p:nvSpPr>
-        <p:spPr>
-          <a:xfrm>
-            <a:off x="0" y="0"/>
-            <a:ext cx="8135425" cy="6858000"/>
-          </a:xfrm>
-          <a:prstGeom prst="rect">
-            <a:avLst/>
-          </a:prstGeom>
-          <a:solidFill>
-            <a:schemeClr val="bg1"/>
-          </a:solidFill>
-          <a:ln>
-            <a:noFill/>
-          </a:ln>
-        </p:spPr>
-        <p:style>
-          <a:lnRef idx="2">
-            <a:schemeClr val="accent1">
-              <a:shade val="50000"/>
-            </a:schemeClr>
-          </a:lnRef>
-          <a:fillRef idx="1">
-            <a:schemeClr val="accent1"/>
-          </a:fillRef>
-          <a:effectRef idx="0">
-            <a:schemeClr val="accent1"/>
-          </a:effectRef>
-          <a:fontRef idx="minor">
-            <a:schemeClr val="lt1"/>
-          </a:fontRef>
-        </p:style>
-        <p:txBody>
-          <a:bodyPr rtlCol="0" anchor="ctr"/>
-          <a:lstStyle/>
-          <a:p>
-            <a:pPr algn="ctr"/>
-            <a:endParaRPr lang="en-US"/>
-          </a:p>
-        </p:txBody>
-      </p:sp>
-      <p:pic>
-        <p:nvPicPr>
-          <p:cNvPr id="4" name="Content Placeholder 3" descr="A red circuit board with blue and red text&#10;&#10;Description automatically generated">
-            <a:extLst>
-              <a:ext uri="{FF2B5EF4-FFF2-40B4-BE49-F238E27FC236}">
-                <a16:creationId xmlns:a16="http://schemas.microsoft.com/office/drawing/2014/main" id="{4A1981EC-2F4E-2697-47EB-401816A56DE9}"/>
-              </a:ext>
-            </a:extLst>
-          </p:cNvPr>
-          <p:cNvPicPr>
-            <a:picLocks noGrp="1" noChangeAspect="1"/>
-          </p:cNvPicPr>
-          <p:nvPr>
-            <p:ph idx="1"/>
-          </p:nvPr>
-        </p:nvPicPr>
-        <p:blipFill>
-          <a:blip r:embed="rId2"/>
-          <a:stretch>
-            <a:fillRect/>
-          </a:stretch>
-        </p:blipFill>
-        <p:spPr>
-          <a:xfrm>
-            <a:off x="1608119" y="640080"/>
-            <a:ext cx="4947345" cy="5263134"/>
-          </a:xfrm>
-          <a:prstGeom prst="rect">
-            <a:avLst/>
-          </a:prstGeom>
-        </p:spPr>
-      </p:pic>
-    </p:spTree>
-    <p:extLst>
-      <p:ext uri="{BB962C8B-B14F-4D97-AF65-F5344CB8AC3E}">
-        <p14:creationId xmlns:p14="http://schemas.microsoft.com/office/powerpoint/2010/main" val="2202771365"/>
-      </p:ext>
-    </p:extLst>
-  </p:cSld>
-  <p:clrMapOvr>
-    <a:masterClrMapping/>
-  </p:clrMapOvr>
-</p:sld>
-</file>
-
-<file path=ppt/slides/slide15.xml><?xml version="1.0" encoding="utf-8"?>
-<p:sld xmlns:a="http://schemas.openxmlformats.org/drawingml/2006/main" xmlns:r="http://schemas.openxmlformats.org/officeDocument/2006/relationships" xmlns:p="http://schemas.openxmlformats.org/presentationml/2006/main">
-  <p:cSld>
-    <p:bg>
-      <p:bgPr>
-        <a:solidFill>
-          <a:schemeClr val="accent2"/>
-        </a:solidFill>
-        <a:effectLst/>
-      </p:bgPr>
-    </p:bg>
-    <p:spTree>
-      <p:nvGrpSpPr>
-        <p:cNvPr id="1" name=""/>
-        <p:cNvGrpSpPr/>
-        <p:nvPr/>
-      </p:nvGrpSpPr>
-      <p:grpSpPr>
-        <a:xfrm>
-          <a:off x="0" y="0"/>
-          <a:ext cx="0" cy="0"/>
-          <a:chOff x="0" y="0"/>
-          <a:chExt cx="0" cy="0"/>
-        </a:xfrm>
-      </p:grpSpPr>
-      <p:sp>
-        <p:nvSpPr>
-          <p:cNvPr id="2" name="Title 1">
-            <a:extLst>
-              <a:ext uri="{FF2B5EF4-FFF2-40B4-BE49-F238E27FC236}">
-                <a16:creationId xmlns:a16="http://schemas.microsoft.com/office/drawing/2014/main" id="{39105729-2C0E-7710-3C46-45AFE24F62BF}"/>
-              </a:ext>
-            </a:extLst>
-          </p:cNvPr>
-          <p:cNvSpPr>
-            <a:spLocks noGrp="1"/>
-          </p:cNvSpPr>
-          <p:nvPr>
-            <p:ph type="title"/>
-          </p:nvPr>
-        </p:nvSpPr>
-        <p:spPr>
-          <a:xfrm>
-            <a:off x="8787865" y="2921173"/>
-            <a:ext cx="2745667" cy="1015663"/>
-          </a:xfrm>
-        </p:spPr>
-        <p:txBody>
-          <a:bodyPr vert="horz" lIns="182880" tIns="182880" rIns="182880" bIns="182880" rtlCol="0" anchor="ctr">
-            <a:normAutofit/>
-          </a:bodyPr>
-          <a:lstStyle/>
-          <a:p>
-            <a:r>
-              <a:rPr lang="en-US" sz="2000"/>
-              <a:t>MCU PCB</a:t>
-            </a:r>
-          </a:p>
-        </p:txBody>
-      </p:sp>
-      <p:sp>
-        <p:nvSpPr>
-          <p:cNvPr id="9" name="Rectangle 8">
-            <a:extLst>
-              <a:ext uri="{FF2B5EF4-FFF2-40B4-BE49-F238E27FC236}">
-                <a16:creationId xmlns:a16="http://schemas.microsoft.com/office/drawing/2014/main" id="{B8AFBB67-2575-4F5A-96CF-CD2EB02A1EF0}"/>
-              </a:ext>
-              <a:ext uri="{C183D7F6-B498-43B3-948B-1728B52AA6E4}">
-                <adec:decorative xmlns:adec="http://schemas.microsoft.com/office/drawing/2017/decorative" val="1"/>
-              </a:ext>
-            </a:extLst>
-          </p:cNvPr>
-          <p:cNvSpPr>
-            <a:spLocks noGrp="1" noRot="1" noChangeAspect="1" noMove="1" noResize="1" noEditPoints="1" noAdjustHandles="1" noChangeArrowheads="1" noChangeShapeType="1" noTextEdit="1"/>
-          </p:cNvSpPr>
-          <p:nvPr>
-            <p:extLst>
-              <p:ext uri="{386F3935-93C4-4BCD-93E2-E3B085C9AB24}">
-                <p16:designElem xmlns:p16="http://schemas.microsoft.com/office/powerpoint/2015/main" val="1"/>
-              </p:ext>
-            </p:extLst>
-          </p:nvPr>
-        </p:nvSpPr>
-        <p:spPr>
-          <a:xfrm>
-            <a:off x="0" y="0"/>
-            <a:ext cx="8135425" cy="6858000"/>
-          </a:xfrm>
-          <a:prstGeom prst="rect">
-            <a:avLst/>
-          </a:prstGeom>
-          <a:solidFill>
-            <a:schemeClr val="bg1"/>
-          </a:solidFill>
-          <a:ln>
-            <a:noFill/>
-          </a:ln>
-        </p:spPr>
-        <p:style>
-          <a:lnRef idx="2">
-            <a:schemeClr val="accent1">
-              <a:shade val="50000"/>
-            </a:schemeClr>
-          </a:lnRef>
-          <a:fillRef idx="1">
-            <a:schemeClr val="accent1"/>
-          </a:fillRef>
-          <a:effectRef idx="0">
-            <a:schemeClr val="accent1"/>
-          </a:effectRef>
-          <a:fontRef idx="minor">
-            <a:schemeClr val="lt1"/>
-          </a:fontRef>
-        </p:style>
-        <p:txBody>
-          <a:bodyPr rtlCol="0" anchor="ctr"/>
-          <a:lstStyle/>
-          <a:p>
-            <a:pPr algn="ctr"/>
-            <a:endParaRPr lang="en-US"/>
-          </a:p>
-        </p:txBody>
-      </p:sp>
-      <p:pic>
-        <p:nvPicPr>
-          <p:cNvPr id="4" name="Content Placeholder 3" descr="A red circuit board with blue and yellow text&#10;&#10;Description automatically generated">
-            <a:extLst>
-              <a:ext uri="{FF2B5EF4-FFF2-40B4-BE49-F238E27FC236}">
-                <a16:creationId xmlns:a16="http://schemas.microsoft.com/office/drawing/2014/main" id="{248DBF48-04F6-F3CF-A468-A4217F187E4E}"/>
-              </a:ext>
-            </a:extLst>
-          </p:cNvPr>
-          <p:cNvPicPr>
-            <a:picLocks noGrp="1" noChangeAspect="1"/>
-          </p:cNvPicPr>
-          <p:nvPr>
-            <p:ph idx="1"/>
-          </p:nvPr>
-        </p:nvPicPr>
-        <p:blipFill>
-          <a:blip r:embed="rId2"/>
-          <a:stretch>
-            <a:fillRect/>
-          </a:stretch>
-        </p:blipFill>
-        <p:spPr>
-          <a:xfrm>
-            <a:off x="668238" y="984566"/>
-            <a:ext cx="6827107" cy="4574161"/>
-          </a:xfrm>
-          <a:prstGeom prst="rect">
-            <a:avLst/>
-          </a:prstGeom>
-        </p:spPr>
-      </p:pic>
-    </p:spTree>
-    <p:extLst>
-      <p:ext uri="{BB962C8B-B14F-4D97-AF65-F5344CB8AC3E}">
-        <p14:creationId xmlns:p14="http://schemas.microsoft.com/office/powerpoint/2010/main" val="1280469958"/>
-      </p:ext>
-    </p:extLst>
-  </p:cSld>
-  <p:clrMapOvr>
-    <a:masterClrMapping/>
-  </p:clrMapOvr>
-</p:sld>
-</file>
-
-<file path=ppt/slides/slide16.xml><?xml version="1.0" encoding="utf-8"?>
-<p:sld xmlns:a="http://schemas.openxmlformats.org/drawingml/2006/main" xmlns:r="http://schemas.openxmlformats.org/officeDocument/2006/relationships" xmlns:p="http://schemas.openxmlformats.org/presentationml/2006/main">
-  <p:cSld>
-    <p:bg>
-      <p:bgPr>
-        <a:solidFill>
-          <a:schemeClr val="accent2"/>
-        </a:solidFill>
-        <a:effectLst/>
-      </p:bgPr>
-    </p:bg>
-    <p:spTree>
-      <p:nvGrpSpPr>
-        <p:cNvPr id="1" name=""/>
-        <p:cNvGrpSpPr/>
-        <p:nvPr/>
-      </p:nvGrpSpPr>
-      <p:grpSpPr>
-        <a:xfrm>
-          <a:off x="0" y="0"/>
-          <a:ext cx="0" cy="0"/>
-          <a:chOff x="0" y="0"/>
-          <a:chExt cx="0" cy="0"/>
-        </a:xfrm>
-      </p:grpSpPr>
-      <p:sp>
-        <p:nvSpPr>
-          <p:cNvPr id="2" name="Title 1">
-            <a:extLst>
-              <a:ext uri="{FF2B5EF4-FFF2-40B4-BE49-F238E27FC236}">
-                <a16:creationId xmlns:a16="http://schemas.microsoft.com/office/drawing/2014/main" id="{F616B74A-6D2D-4259-4A43-8AEAD62D7B28}"/>
-              </a:ext>
-            </a:extLst>
-          </p:cNvPr>
-          <p:cNvSpPr>
-            <a:spLocks noGrp="1"/>
-          </p:cNvSpPr>
-          <p:nvPr>
-            <p:ph type="title"/>
-          </p:nvPr>
-        </p:nvSpPr>
-        <p:spPr>
-          <a:xfrm>
-            <a:off x="8787865" y="2921173"/>
-            <a:ext cx="2745667" cy="1015663"/>
-          </a:xfrm>
-        </p:spPr>
-        <p:txBody>
-          <a:bodyPr vert="horz" lIns="182880" tIns="182880" rIns="182880" bIns="182880" rtlCol="0" anchor="ctr">
-            <a:normAutofit/>
-          </a:bodyPr>
-          <a:lstStyle/>
-          <a:p>
-            <a:r>
-              <a:rPr lang="en-US" sz="1700"/>
-              <a:t>SErVo Motor controller PCB</a:t>
-            </a:r>
-          </a:p>
-        </p:txBody>
-      </p:sp>
-      <p:sp>
-        <p:nvSpPr>
-          <p:cNvPr id="9" name="Rectangle 8">
-            <a:extLst>
-              <a:ext uri="{FF2B5EF4-FFF2-40B4-BE49-F238E27FC236}">
-                <a16:creationId xmlns:a16="http://schemas.microsoft.com/office/drawing/2014/main" id="{B8AFBB67-2575-4F5A-96CF-CD2EB02A1EF0}"/>
-              </a:ext>
-              <a:ext uri="{C183D7F6-B498-43B3-948B-1728B52AA6E4}">
-                <adec:decorative xmlns:adec="http://schemas.microsoft.com/office/drawing/2017/decorative" val="1"/>
-              </a:ext>
-            </a:extLst>
-          </p:cNvPr>
-          <p:cNvSpPr>
-            <a:spLocks noGrp="1" noRot="1" noChangeAspect="1" noMove="1" noResize="1" noEditPoints="1" noAdjustHandles="1" noChangeArrowheads="1" noChangeShapeType="1" noTextEdit="1"/>
-          </p:cNvSpPr>
-          <p:nvPr>
-            <p:extLst>
-              <p:ext uri="{386F3935-93C4-4BCD-93E2-E3B085C9AB24}">
-                <p16:designElem xmlns:p16="http://schemas.microsoft.com/office/powerpoint/2015/main" val="1"/>
-              </p:ext>
-            </p:extLst>
-          </p:nvPr>
-        </p:nvSpPr>
-        <p:spPr>
-          <a:xfrm>
-            <a:off x="0" y="0"/>
-            <a:ext cx="8135425" cy="6858000"/>
-          </a:xfrm>
-          <a:prstGeom prst="rect">
-            <a:avLst/>
-          </a:prstGeom>
-          <a:solidFill>
-            <a:schemeClr val="bg1"/>
-          </a:solidFill>
-          <a:ln>
-            <a:noFill/>
-          </a:ln>
-        </p:spPr>
-        <p:style>
-          <a:lnRef idx="2">
-            <a:schemeClr val="accent1">
-              <a:shade val="50000"/>
-            </a:schemeClr>
-          </a:lnRef>
-          <a:fillRef idx="1">
-            <a:schemeClr val="accent1"/>
-          </a:fillRef>
-          <a:effectRef idx="0">
-            <a:schemeClr val="accent1"/>
-          </a:effectRef>
-          <a:fontRef idx="minor">
-            <a:schemeClr val="lt1"/>
-          </a:fontRef>
-        </p:style>
-        <p:txBody>
-          <a:bodyPr rtlCol="0" anchor="ctr"/>
-          <a:lstStyle/>
-          <a:p>
-            <a:pPr algn="ctr"/>
-            <a:endParaRPr lang="en-US"/>
-          </a:p>
-        </p:txBody>
-      </p:sp>
-      <p:pic>
-        <p:nvPicPr>
-          <p:cNvPr id="4" name="Content Placeholder 3" descr="A red circuit board with many small holes&#10;&#10;Description automatically generated with medium confidence">
-            <a:extLst>
-              <a:ext uri="{FF2B5EF4-FFF2-40B4-BE49-F238E27FC236}">
-                <a16:creationId xmlns:a16="http://schemas.microsoft.com/office/drawing/2014/main" id="{48882CD6-B291-3F45-5AF0-CE702CFB1E14}"/>
-              </a:ext>
-            </a:extLst>
-          </p:cNvPr>
-          <p:cNvPicPr>
-            <a:picLocks noGrp="1" noChangeAspect="1"/>
-          </p:cNvPicPr>
-          <p:nvPr>
-            <p:ph idx="1"/>
-          </p:nvPr>
-        </p:nvPicPr>
-        <p:blipFill>
-          <a:blip r:embed="rId2"/>
-          <a:stretch>
-            <a:fillRect/>
-          </a:stretch>
-        </p:blipFill>
-        <p:spPr>
-          <a:xfrm>
-            <a:off x="1989696" y="640080"/>
-            <a:ext cx="4184191" cy="5263134"/>
-          </a:xfrm>
-          <a:prstGeom prst="rect">
-            <a:avLst/>
-          </a:prstGeom>
-        </p:spPr>
-      </p:pic>
-    </p:spTree>
-    <p:extLst>
-      <p:ext uri="{BB962C8B-B14F-4D97-AF65-F5344CB8AC3E}">
-        <p14:creationId xmlns:p14="http://schemas.microsoft.com/office/powerpoint/2010/main" val="4103262010"/>
-      </p:ext>
-    </p:extLst>
-  </p:cSld>
-  <p:clrMapOvr>
-    <a:masterClrMapping/>
-  </p:clrMapOvr>
-</p:sld>
-</file>
-
-<file path=ppt/slides/slide17.xml><?xml version="1.0" encoding="utf-8"?>
-<p:sld xmlns:a="http://schemas.openxmlformats.org/drawingml/2006/main" xmlns:r="http://schemas.openxmlformats.org/officeDocument/2006/relationships" xmlns:p="http://schemas.openxmlformats.org/presentationml/2006/main">
-  <p:cSld>
-    <p:bg>
-      <p:bgPr>
-        <a:solidFill>
-          <a:schemeClr val="accent2"/>
-        </a:solidFill>
-        <a:effectLst/>
-      </p:bgPr>
-    </p:bg>
-    <p:spTree>
-      <p:nvGrpSpPr>
-        <p:cNvPr id="1" name=""/>
-        <p:cNvGrpSpPr/>
-        <p:nvPr/>
-      </p:nvGrpSpPr>
-      <p:grpSpPr>
-        <a:xfrm>
-          <a:off x="0" y="0"/>
-          <a:ext cx="0" cy="0"/>
-          <a:chOff x="0" y="0"/>
-          <a:chExt cx="0" cy="0"/>
-        </a:xfrm>
-      </p:grpSpPr>
-      <p:sp>
-        <p:nvSpPr>
-          <p:cNvPr id="2" name="Title 1">
-            <a:extLst>
-              <a:ext uri="{FF2B5EF4-FFF2-40B4-BE49-F238E27FC236}">
-                <a16:creationId xmlns:a16="http://schemas.microsoft.com/office/drawing/2014/main" id="{26F97713-9F59-2538-C4C1-17D8984CFE2F}"/>
-              </a:ext>
-            </a:extLst>
-          </p:cNvPr>
-          <p:cNvSpPr>
-            <a:spLocks noGrp="1"/>
-          </p:cNvSpPr>
-          <p:nvPr>
-            <p:ph type="title"/>
-          </p:nvPr>
-        </p:nvSpPr>
-        <p:spPr>
-          <a:xfrm>
-            <a:off x="8787865" y="2921173"/>
-            <a:ext cx="2745667" cy="1015663"/>
-          </a:xfrm>
-        </p:spPr>
-        <p:txBody>
-          <a:bodyPr vert="horz" lIns="182880" tIns="182880" rIns="182880" bIns="182880" rtlCol="0" anchor="ctr">
-            <a:normAutofit/>
-          </a:bodyPr>
-          <a:lstStyle/>
-          <a:p>
-            <a:r>
-              <a:rPr lang="en-US" sz="2000"/>
-              <a:t>Sensors PCB</a:t>
-            </a:r>
-          </a:p>
-        </p:txBody>
-      </p:sp>
-      <p:sp>
-        <p:nvSpPr>
-          <p:cNvPr id="13" name="Rectangle 12">
-            <a:extLst>
-              <a:ext uri="{FF2B5EF4-FFF2-40B4-BE49-F238E27FC236}">
-                <a16:creationId xmlns:a16="http://schemas.microsoft.com/office/drawing/2014/main" id="{B8AFBB67-2575-4F5A-96CF-CD2EB02A1EF0}"/>
-              </a:ext>
-              <a:ext uri="{C183D7F6-B498-43B3-948B-1728B52AA6E4}">
-                <adec:decorative xmlns:adec="http://schemas.microsoft.com/office/drawing/2017/decorative" val="1"/>
-              </a:ext>
-            </a:extLst>
-          </p:cNvPr>
-          <p:cNvSpPr>
-            <a:spLocks noGrp="1" noRot="1" noChangeAspect="1" noMove="1" noResize="1" noEditPoints="1" noAdjustHandles="1" noChangeArrowheads="1" noChangeShapeType="1" noTextEdit="1"/>
-          </p:cNvSpPr>
-          <p:nvPr>
-            <p:extLst>
-              <p:ext uri="{386F3935-93C4-4BCD-93E2-E3B085C9AB24}">
-                <p16:designElem xmlns:p16="http://schemas.microsoft.com/office/powerpoint/2015/main" val="1"/>
-              </p:ext>
-            </p:extLst>
-          </p:nvPr>
-        </p:nvSpPr>
-        <p:spPr>
-          <a:xfrm>
-            <a:off x="0" y="0"/>
-            <a:ext cx="8135425" cy="6858000"/>
-          </a:xfrm>
-          <a:prstGeom prst="rect">
-            <a:avLst/>
-          </a:prstGeom>
-          <a:solidFill>
-            <a:schemeClr val="bg1"/>
-          </a:solidFill>
-          <a:ln>
-            <a:noFill/>
-          </a:ln>
-        </p:spPr>
-        <p:style>
-          <a:lnRef idx="2">
-            <a:schemeClr val="accent1">
-              <a:shade val="50000"/>
-            </a:schemeClr>
-          </a:lnRef>
-          <a:fillRef idx="1">
-            <a:schemeClr val="accent1"/>
-          </a:fillRef>
-          <a:effectRef idx="0">
-            <a:schemeClr val="accent1"/>
-          </a:effectRef>
-          <a:fontRef idx="minor">
-            <a:schemeClr val="lt1"/>
-          </a:fontRef>
-        </p:style>
-        <p:txBody>
-          <a:bodyPr rtlCol="0" anchor="ctr"/>
-          <a:lstStyle/>
-          <a:p>
-            <a:pPr algn="ctr"/>
-            <a:endParaRPr lang="en-US"/>
-          </a:p>
-        </p:txBody>
-      </p:sp>
-      <p:pic>
-        <p:nvPicPr>
-          <p:cNvPr id="4" name="Content Placeholder 3" descr="A red square with yellow text&#10;&#10;Description automatically generated">
-            <a:extLst>
-              <a:ext uri="{FF2B5EF4-FFF2-40B4-BE49-F238E27FC236}">
-                <a16:creationId xmlns:a16="http://schemas.microsoft.com/office/drawing/2014/main" id="{194024DA-DAA8-7632-5987-67EF8F7A81E1}"/>
-              </a:ext>
-            </a:extLst>
-          </p:cNvPr>
-          <p:cNvPicPr>
-            <a:picLocks noGrp="1" noChangeAspect="1"/>
-          </p:cNvPicPr>
-          <p:nvPr>
-            <p:ph idx="1"/>
-          </p:nvPr>
-        </p:nvPicPr>
-        <p:blipFill>
-          <a:blip r:embed="rId2"/>
-          <a:stretch>
-            <a:fillRect/>
-          </a:stretch>
-        </p:blipFill>
-        <p:spPr>
-          <a:xfrm>
-            <a:off x="1456804" y="640080"/>
-            <a:ext cx="5249975" cy="5263134"/>
-          </a:xfrm>
-          <a:prstGeom prst="rect">
-            <a:avLst/>
-          </a:prstGeom>
-        </p:spPr>
-      </p:pic>
-    </p:spTree>
-    <p:extLst>
-      <p:ext uri="{BB962C8B-B14F-4D97-AF65-F5344CB8AC3E}">
-        <p14:creationId xmlns:p14="http://schemas.microsoft.com/office/powerpoint/2010/main" val="1327332876"/>
-      </p:ext>
-    </p:extLst>
-  </p:cSld>
-  <p:clrMapOvr>
-    <a:masterClrMapping/>
-  </p:clrMapOvr>
-</p:sld>
-</file>
-
-<file path=ppt/slides/slide18.xml><?xml version="1.0" encoding="utf-8"?>
-<p:sld xmlns:a="http://schemas.openxmlformats.org/drawingml/2006/main" xmlns:r="http://schemas.openxmlformats.org/officeDocument/2006/relationships" xmlns:p="http://schemas.openxmlformats.org/presentationml/2006/main">
-  <p:cSld>
-    <p:spTree>
-      <p:nvGrpSpPr>
-        <p:cNvPr id="1" name=""/>
-        <p:cNvGrpSpPr/>
-        <p:nvPr/>
-      </p:nvGrpSpPr>
-      <p:grpSpPr>
-        <a:xfrm>
-          <a:off x="0" y="0"/>
-          <a:ext cx="0" cy="0"/>
-          <a:chOff x="0" y="0"/>
-          <a:chExt cx="0" cy="0"/>
-        </a:xfrm>
-      </p:grpSpPr>
-      <p:sp>
-        <p:nvSpPr>
-          <p:cNvPr id="2" name="Title 1">
-            <a:extLst>
-              <a:ext uri="{FF2B5EF4-FFF2-40B4-BE49-F238E27FC236}">
-                <a16:creationId xmlns:a16="http://schemas.microsoft.com/office/drawing/2014/main" id="{57706169-67A3-ECF7-7B7A-B1A2F508FCB4}"/>
-              </a:ext>
-            </a:extLst>
-          </p:cNvPr>
-          <p:cNvSpPr>
-            <a:spLocks noGrp="1"/>
-          </p:cNvSpPr>
-          <p:nvPr>
-            <p:ph type="title"/>
-          </p:nvPr>
-        </p:nvSpPr>
-        <p:spPr/>
-        <p:txBody>
-          <a:bodyPr/>
-          <a:lstStyle/>
-          <a:p>
-            <a:r>
-              <a:rPr lang="en-US" dirty="0"/>
-              <a:t>Administrative Contents</a:t>
-            </a:r>
-          </a:p>
-        </p:txBody>
-      </p:sp>
-      <p:sp>
-        <p:nvSpPr>
-          <p:cNvPr id="3" name="Content Placeholder 2">
-            <a:extLst>
-              <a:ext uri="{FF2B5EF4-FFF2-40B4-BE49-F238E27FC236}">
-                <a16:creationId xmlns:a16="http://schemas.microsoft.com/office/drawing/2014/main" id="{68F14EEB-BB2E-6B59-B1EB-B72F95D8849F}"/>
-              </a:ext>
-            </a:extLst>
-          </p:cNvPr>
-          <p:cNvSpPr>
-            <a:spLocks noGrp="1"/>
-          </p:cNvSpPr>
-          <p:nvPr>
-            <p:ph idx="1"/>
-          </p:nvPr>
-        </p:nvSpPr>
-        <p:spPr/>
-        <p:txBody>
-          <a:bodyPr/>
-          <a:lstStyle/>
-          <a:p>
-            <a:endParaRPr lang="en-US"/>
-          </a:p>
-        </p:txBody>
-      </p:sp>
-    </p:spTree>
-    <p:extLst>
-      <p:ext uri="{BB962C8B-B14F-4D97-AF65-F5344CB8AC3E}">
-        <p14:creationId xmlns:p14="http://schemas.microsoft.com/office/powerpoint/2010/main" val="2607790585"/>
-      </p:ext>
-    </p:extLst>
-  </p:cSld>
-  <p:clrMapOvr>
-    <a:masterClrMapping/>
-  </p:clrMapOvr>
-</p:sld>
-</file>
-
-<file path=ppt/slides/slide19.xml><?xml version="1.0" encoding="utf-8"?>
-<p:sld xmlns:a="http://schemas.openxmlformats.org/drawingml/2006/main" xmlns:r="http://schemas.openxmlformats.org/officeDocument/2006/relationships" xmlns:p="http://schemas.openxmlformats.org/presentationml/2006/main">
-  <p:cSld>
-    <p:spTree>
-      <p:nvGrpSpPr>
-        <p:cNvPr id="1" name=""/>
-        <p:cNvGrpSpPr/>
-        <p:nvPr/>
-      </p:nvGrpSpPr>
-      <p:grpSpPr>
-        <a:xfrm>
-          <a:off x="0" y="0"/>
-          <a:ext cx="0" cy="0"/>
-          <a:chOff x="0" y="0"/>
-          <a:chExt cx="0" cy="0"/>
-        </a:xfrm>
-      </p:grpSpPr>
-      <p:sp>
-        <p:nvSpPr>
-          <p:cNvPr id="2" name="Title 1">
-            <a:extLst>
-              <a:ext uri="{FF2B5EF4-FFF2-40B4-BE49-F238E27FC236}">
-                <a16:creationId xmlns:a16="http://schemas.microsoft.com/office/drawing/2014/main" id="{6CDBCBA2-C25F-AF76-39FC-EED12692A3B5}"/>
-              </a:ext>
-            </a:extLst>
-          </p:cNvPr>
-          <p:cNvSpPr>
-            <a:spLocks noGrp="1"/>
-          </p:cNvSpPr>
-          <p:nvPr>
-            <p:ph type="title"/>
-          </p:nvPr>
-        </p:nvSpPr>
-        <p:spPr/>
-        <p:txBody>
-          <a:bodyPr/>
-          <a:lstStyle/>
-          <a:p>
-            <a:r>
-              <a:rPr lang="en-US" dirty="0"/>
-              <a:t>Overall Budget and Financing</a:t>
-            </a:r>
-          </a:p>
-        </p:txBody>
-      </p:sp>
-      <p:graphicFrame>
-        <p:nvGraphicFramePr>
-          <p:cNvPr id="4" name="Content Placeholder 3">
-            <a:extLst>
-              <a:ext uri="{FF2B5EF4-FFF2-40B4-BE49-F238E27FC236}">
-                <a16:creationId xmlns:a16="http://schemas.microsoft.com/office/drawing/2014/main" id="{BAD1F839-7F50-F9E2-6FD7-CDDAC097B866}"/>
-              </a:ext>
-            </a:extLst>
-          </p:cNvPr>
-          <p:cNvGraphicFramePr>
-            <a:graphicFrameLocks noGrp="1"/>
-          </p:cNvGraphicFramePr>
-          <p:nvPr>
-            <p:ph idx="1"/>
-            <p:extLst>
-              <p:ext uri="{D42A27DB-BD31-4B8C-83A1-F6EECF244321}">
-                <p14:modId xmlns:p14="http://schemas.microsoft.com/office/powerpoint/2010/main" val="4225518248"/>
-              </p:ext>
-            </p:extLst>
-          </p:nvPr>
-        </p:nvGraphicFramePr>
-        <p:xfrm>
-          <a:off x="1163383" y="2686494"/>
-          <a:ext cx="2135505" cy="1196594"/>
-        </p:xfrm>
-        <a:graphic>
-          <a:graphicData uri="http://schemas.openxmlformats.org/drawingml/2006/table">
-            <a:tbl>
-              <a:tblPr firstRow="1" firstCol="1" bandRow="1">
-                <a:tableStyleId>{5C22544A-7EE6-4342-B048-85BDC9FD1C3A}</a:tableStyleId>
-              </a:tblPr>
-              <a:tblGrid>
-                <a:gridCol w="1368425">
-                  <a:extLst>
-                    <a:ext uri="{9D8B030D-6E8A-4147-A177-3AD203B41FA5}">
-                      <a16:colId xmlns:a16="http://schemas.microsoft.com/office/drawing/2014/main" val="2840465823"/>
-                    </a:ext>
-                  </a:extLst>
-                </a:gridCol>
-                <a:gridCol w="767080">
-                  <a:extLst>
-                    <a:ext uri="{9D8B030D-6E8A-4147-A177-3AD203B41FA5}">
-                      <a16:colId xmlns:a16="http://schemas.microsoft.com/office/drawing/2014/main" val="3900967370"/>
-                    </a:ext>
-                  </a:extLst>
-                </a:gridCol>
-              </a:tblGrid>
-              <a:tr h="204470">
-                <a:tc>
-                  <a:txBody>
-                    <a:bodyPr/>
-                    <a:lstStyle/>
-                    <a:p>
-                      <a:pPr marL="0" marR="0" algn="l">
-                        <a:lnSpc>
-                          <a:spcPct val="107000"/>
-                        </a:lnSpc>
-                        <a:spcBef>
-                          <a:spcPts val="0"/>
-                        </a:spcBef>
-                        <a:spcAft>
-                          <a:spcPts val="0"/>
-                        </a:spcAft>
-                      </a:pPr>
-                      <a:r>
-                        <a:rPr lang="en-US" sz="1200">
-                          <a:effectLst/>
-                        </a:rPr>
-                        <a:t>Sub-System</a:t>
-                      </a:r>
-                      <a:endParaRPr lang="en-US" sz="1200">
-                        <a:effectLst/>
-                        <a:latin typeface="Times New Roman" panose="02020603050405020304" pitchFamily="18" charset="0"/>
-                        <a:ea typeface="Calibri" panose="020F0502020204030204" pitchFamily="34" charset="0"/>
-                        <a:cs typeface="Arial" panose="020B0604020202020204" pitchFamily="34" charset="0"/>
-                      </a:endParaRPr>
-                    </a:p>
-                  </a:txBody>
-                  <a:tcPr marL="68580" marR="68580" marT="0" marB="0"/>
-                </a:tc>
-                <a:tc>
-                  <a:txBody>
-                    <a:bodyPr/>
-                    <a:lstStyle/>
-                    <a:p>
-                      <a:pPr marL="0" marR="0" algn="l">
-                        <a:lnSpc>
-                          <a:spcPct val="107000"/>
-                        </a:lnSpc>
-                        <a:spcBef>
-                          <a:spcPts val="0"/>
-                        </a:spcBef>
-                        <a:spcAft>
-                          <a:spcPts val="0"/>
-                        </a:spcAft>
-                      </a:pPr>
-                      <a:r>
-                        <a:rPr lang="en-US" sz="1200">
-                          <a:effectLst/>
-                        </a:rPr>
-                        <a:t>Budget</a:t>
-                      </a:r>
-                      <a:endParaRPr lang="en-US" sz="1200">
-                        <a:effectLst/>
-                        <a:latin typeface="Times New Roman" panose="02020603050405020304" pitchFamily="18" charset="0"/>
-                        <a:ea typeface="Calibri" panose="020F0502020204030204" pitchFamily="34" charset="0"/>
-                        <a:cs typeface="Arial" panose="020B0604020202020204" pitchFamily="34" charset="0"/>
-                      </a:endParaRPr>
-                    </a:p>
-                  </a:txBody>
-                  <a:tcPr marL="68580" marR="68580" marT="0" marB="0"/>
-                </a:tc>
-                <a:extLst>
-                  <a:ext uri="{0D108BD9-81ED-4DB2-BD59-A6C34878D82A}">
-                    <a16:rowId xmlns:a16="http://schemas.microsoft.com/office/drawing/2014/main" val="863703131"/>
-                  </a:ext>
-                </a:extLst>
-              </a:tr>
-              <a:tr h="204470">
-                <a:tc>
-                  <a:txBody>
-                    <a:bodyPr/>
-                    <a:lstStyle/>
-                    <a:p>
-                      <a:pPr marL="0" marR="0" algn="l">
-                        <a:lnSpc>
-                          <a:spcPct val="107000"/>
-                        </a:lnSpc>
-                        <a:spcBef>
-                          <a:spcPts val="0"/>
-                        </a:spcBef>
-                        <a:spcAft>
-                          <a:spcPts val="0"/>
-                        </a:spcAft>
-                      </a:pPr>
-                      <a:r>
-                        <a:rPr lang="en-US" sz="1200">
-                          <a:effectLst/>
-                        </a:rPr>
-                        <a:t>PSU and Solar</a:t>
-                      </a:r>
-                      <a:endParaRPr lang="en-US" sz="1200">
-                        <a:effectLst/>
-                        <a:latin typeface="Times New Roman" panose="02020603050405020304" pitchFamily="18" charset="0"/>
-                        <a:ea typeface="Calibri" panose="020F0502020204030204" pitchFamily="34" charset="0"/>
-                        <a:cs typeface="Arial" panose="020B0604020202020204" pitchFamily="34" charset="0"/>
-                      </a:endParaRPr>
-                    </a:p>
-                  </a:txBody>
-                  <a:tcPr marL="68580" marR="68580" marT="0" marB="0"/>
-                </a:tc>
-                <a:tc>
-                  <a:txBody>
-                    <a:bodyPr/>
-                    <a:lstStyle/>
-                    <a:p>
-                      <a:pPr marL="0" marR="0" algn="l">
-                        <a:lnSpc>
-                          <a:spcPct val="107000"/>
-                        </a:lnSpc>
-                        <a:spcBef>
-                          <a:spcPts val="0"/>
-                        </a:spcBef>
-                        <a:spcAft>
-                          <a:spcPts val="0"/>
-                        </a:spcAft>
-                      </a:pPr>
-                      <a:r>
-                        <a:rPr lang="en-US" sz="1200">
-                          <a:effectLst/>
-                        </a:rPr>
-                        <a:t>$ 150.00</a:t>
-                      </a:r>
-                      <a:endParaRPr lang="en-US" sz="1200">
-                        <a:effectLst/>
-                        <a:latin typeface="Times New Roman" panose="02020603050405020304" pitchFamily="18" charset="0"/>
-                        <a:ea typeface="Calibri" panose="020F0502020204030204" pitchFamily="34" charset="0"/>
-                        <a:cs typeface="Arial" panose="020B0604020202020204" pitchFamily="34" charset="0"/>
-                      </a:endParaRPr>
-                    </a:p>
-                  </a:txBody>
-                  <a:tcPr marL="68580" marR="68580" marT="0" marB="0"/>
-                </a:tc>
-                <a:extLst>
-                  <a:ext uri="{0D108BD9-81ED-4DB2-BD59-A6C34878D82A}">
-                    <a16:rowId xmlns:a16="http://schemas.microsoft.com/office/drawing/2014/main" val="2363865402"/>
-                  </a:ext>
-                </a:extLst>
-              </a:tr>
-              <a:tr h="204470">
-                <a:tc>
-                  <a:txBody>
-                    <a:bodyPr/>
-                    <a:lstStyle/>
-                    <a:p>
-                      <a:pPr marL="0" marR="0" algn="l">
-                        <a:lnSpc>
-                          <a:spcPct val="107000"/>
-                        </a:lnSpc>
-                        <a:spcBef>
-                          <a:spcPts val="0"/>
-                        </a:spcBef>
-                        <a:spcAft>
-                          <a:spcPts val="0"/>
-                        </a:spcAft>
-                      </a:pPr>
-                      <a:r>
-                        <a:rPr lang="en-US" sz="1200">
-                          <a:effectLst/>
-                        </a:rPr>
-                        <a:t>Frame/Reflector</a:t>
-                      </a:r>
-                      <a:endParaRPr lang="en-US" sz="1200">
-                        <a:effectLst/>
-                        <a:latin typeface="Times New Roman" panose="02020603050405020304" pitchFamily="18" charset="0"/>
-                        <a:ea typeface="Calibri" panose="020F0502020204030204" pitchFamily="34" charset="0"/>
-                        <a:cs typeface="Arial" panose="020B0604020202020204" pitchFamily="34" charset="0"/>
-                      </a:endParaRPr>
-                    </a:p>
-                  </a:txBody>
-                  <a:tcPr marL="68580" marR="68580" marT="0" marB="0"/>
-                </a:tc>
-                <a:tc>
-                  <a:txBody>
-                    <a:bodyPr/>
-                    <a:lstStyle/>
-                    <a:p>
-                      <a:pPr marL="0" marR="0" algn="l">
-                        <a:lnSpc>
-                          <a:spcPct val="107000"/>
-                        </a:lnSpc>
-                        <a:spcBef>
-                          <a:spcPts val="0"/>
-                        </a:spcBef>
-                        <a:spcAft>
-                          <a:spcPts val="0"/>
-                        </a:spcAft>
-                      </a:pPr>
-                      <a:r>
-                        <a:rPr lang="en-US" sz="1200">
-                          <a:effectLst/>
-                        </a:rPr>
-                        <a:t>$ 200.00</a:t>
-                      </a:r>
-                      <a:endParaRPr lang="en-US" sz="1200">
-                        <a:effectLst/>
-                        <a:latin typeface="Times New Roman" panose="02020603050405020304" pitchFamily="18" charset="0"/>
-                        <a:ea typeface="Calibri" panose="020F0502020204030204" pitchFamily="34" charset="0"/>
-                        <a:cs typeface="Arial" panose="020B0604020202020204" pitchFamily="34" charset="0"/>
-                      </a:endParaRPr>
-                    </a:p>
-                  </a:txBody>
-                  <a:tcPr marL="68580" marR="68580" marT="0" marB="0"/>
-                </a:tc>
-                <a:extLst>
-                  <a:ext uri="{0D108BD9-81ED-4DB2-BD59-A6C34878D82A}">
-                    <a16:rowId xmlns:a16="http://schemas.microsoft.com/office/drawing/2014/main" val="4135400101"/>
-                  </a:ext>
-                </a:extLst>
-              </a:tr>
-              <a:tr h="204470">
-                <a:tc>
-                  <a:txBody>
-                    <a:bodyPr/>
-                    <a:lstStyle/>
-                    <a:p>
-                      <a:pPr marL="0" marR="0" algn="l">
-                        <a:lnSpc>
-                          <a:spcPct val="107000"/>
-                        </a:lnSpc>
-                        <a:spcBef>
-                          <a:spcPts val="0"/>
-                        </a:spcBef>
-                        <a:spcAft>
-                          <a:spcPts val="0"/>
-                        </a:spcAft>
-                      </a:pPr>
-                      <a:r>
-                        <a:rPr lang="en-US" sz="1200" dirty="0">
-                          <a:effectLst/>
-                        </a:rPr>
-                        <a:t>PCBs and Electrical</a:t>
-                      </a:r>
-                      <a:endParaRPr lang="en-US" sz="1200" dirty="0">
-                        <a:effectLst/>
-                        <a:latin typeface="Times New Roman" panose="02020603050405020304" pitchFamily="18" charset="0"/>
-                        <a:ea typeface="Calibri" panose="020F0502020204030204" pitchFamily="34" charset="0"/>
-                        <a:cs typeface="Arial" panose="020B0604020202020204" pitchFamily="34" charset="0"/>
-                      </a:endParaRPr>
-                    </a:p>
-                  </a:txBody>
-                  <a:tcPr marL="68580" marR="68580" marT="0" marB="0"/>
-                </a:tc>
-                <a:tc>
-                  <a:txBody>
-                    <a:bodyPr/>
-                    <a:lstStyle/>
-                    <a:p>
-                      <a:pPr marL="0" marR="0" algn="l">
-                        <a:lnSpc>
-                          <a:spcPct val="107000"/>
-                        </a:lnSpc>
-                        <a:spcBef>
-                          <a:spcPts val="0"/>
-                        </a:spcBef>
-                        <a:spcAft>
-                          <a:spcPts val="0"/>
-                        </a:spcAft>
-                      </a:pPr>
-                      <a:r>
-                        <a:rPr lang="en-US" sz="1200">
-                          <a:effectLst/>
-                        </a:rPr>
-                        <a:t>$ 100.00</a:t>
-                      </a:r>
-                      <a:endParaRPr lang="en-US" sz="1200">
-                        <a:effectLst/>
-                        <a:latin typeface="Times New Roman" panose="02020603050405020304" pitchFamily="18" charset="0"/>
-                        <a:ea typeface="Calibri" panose="020F0502020204030204" pitchFamily="34" charset="0"/>
-                        <a:cs typeface="Arial" panose="020B0604020202020204" pitchFamily="34" charset="0"/>
-                      </a:endParaRPr>
-                    </a:p>
-                  </a:txBody>
-                  <a:tcPr marL="68580" marR="68580" marT="0" marB="0"/>
-                </a:tc>
-                <a:extLst>
-                  <a:ext uri="{0D108BD9-81ED-4DB2-BD59-A6C34878D82A}">
-                    <a16:rowId xmlns:a16="http://schemas.microsoft.com/office/drawing/2014/main" val="3790946879"/>
-                  </a:ext>
-                </a:extLst>
-              </a:tr>
-              <a:tr h="204470">
-                <a:tc>
-                  <a:txBody>
-                    <a:bodyPr/>
-                    <a:lstStyle/>
-                    <a:p>
-                      <a:pPr marL="0" marR="0" algn="l">
-                        <a:lnSpc>
-                          <a:spcPct val="107000"/>
-                        </a:lnSpc>
-                        <a:spcBef>
-                          <a:spcPts val="0"/>
-                        </a:spcBef>
-                        <a:spcAft>
-                          <a:spcPts val="0"/>
-                        </a:spcAft>
-                      </a:pPr>
-                      <a:r>
-                        <a:rPr lang="en-US" sz="1200">
-                          <a:effectLst/>
-                        </a:rPr>
-                        <a:t>Total</a:t>
-                      </a:r>
-                      <a:endParaRPr lang="en-US" sz="1200">
-                        <a:effectLst/>
-                        <a:latin typeface="Times New Roman" panose="02020603050405020304" pitchFamily="18" charset="0"/>
-                        <a:ea typeface="Calibri" panose="020F0502020204030204" pitchFamily="34" charset="0"/>
-                        <a:cs typeface="Arial" panose="020B0604020202020204" pitchFamily="34" charset="0"/>
-                      </a:endParaRPr>
-                    </a:p>
-                  </a:txBody>
-                  <a:tcPr marL="68580" marR="68580" marT="0" marB="0"/>
-                </a:tc>
-                <a:tc>
-                  <a:txBody>
-                    <a:bodyPr/>
-                    <a:lstStyle/>
-                    <a:p>
-                      <a:pPr marL="0" marR="0" algn="l">
-                        <a:lnSpc>
-                          <a:spcPct val="107000"/>
-                        </a:lnSpc>
-                        <a:spcBef>
-                          <a:spcPts val="0"/>
-                        </a:spcBef>
-                        <a:spcAft>
-                          <a:spcPts val="0"/>
-                        </a:spcAft>
-                      </a:pPr>
-                      <a:r>
-                        <a:rPr lang="en-US" sz="1200" dirty="0">
-                          <a:effectLst/>
-                        </a:rPr>
-                        <a:t>$ 450.00</a:t>
-                      </a:r>
-                      <a:endParaRPr lang="en-US" sz="1200" dirty="0">
-                        <a:effectLst/>
-                        <a:latin typeface="Times New Roman" panose="02020603050405020304" pitchFamily="18" charset="0"/>
-                        <a:ea typeface="Calibri" panose="020F0502020204030204" pitchFamily="34" charset="0"/>
-                        <a:cs typeface="Arial" panose="020B0604020202020204" pitchFamily="34" charset="0"/>
-                      </a:endParaRPr>
-                    </a:p>
-                  </a:txBody>
-                  <a:tcPr marL="68580" marR="68580" marT="0" marB="0"/>
-                </a:tc>
-                <a:extLst>
-                  <a:ext uri="{0D108BD9-81ED-4DB2-BD59-A6C34878D82A}">
-                    <a16:rowId xmlns:a16="http://schemas.microsoft.com/office/drawing/2014/main" val="3518819983"/>
-                  </a:ext>
-                </a:extLst>
-              </a:tr>
-            </a:tbl>
-          </a:graphicData>
-        </a:graphic>
-      </p:graphicFrame>
-    </p:spTree>
-    <p:extLst>
-      <p:ext uri="{BB962C8B-B14F-4D97-AF65-F5344CB8AC3E}">
-        <p14:creationId xmlns:p14="http://schemas.microsoft.com/office/powerpoint/2010/main" val="194640937"/>
       </p:ext>
     </p:extLst>
   </p:cSld>
@@ -5887,6 +5190,1505 @@
 </file>
 
 <file path=ppt/slides/slide20.xml><?xml version="1.0" encoding="utf-8"?>
+<p:sld xmlns:a="http://schemas.openxmlformats.org/drawingml/2006/main" xmlns:r="http://schemas.openxmlformats.org/officeDocument/2006/relationships" xmlns:p="http://schemas.openxmlformats.org/presentationml/2006/main">
+  <p:cSld>
+    <p:bg>
+      <p:bgPr>
+        <a:solidFill>
+          <a:schemeClr val="accent2"/>
+        </a:solidFill>
+        <a:effectLst/>
+      </p:bgPr>
+    </p:bg>
+    <p:spTree>
+      <p:nvGrpSpPr>
+        <p:cNvPr id="1" name=""/>
+        <p:cNvGrpSpPr/>
+        <p:nvPr/>
+      </p:nvGrpSpPr>
+      <p:grpSpPr>
+        <a:xfrm>
+          <a:off x="0" y="0"/>
+          <a:ext cx="0" cy="0"/>
+          <a:chOff x="0" y="0"/>
+          <a:chExt cx="0" cy="0"/>
+        </a:xfrm>
+      </p:grpSpPr>
+      <p:sp>
+        <p:nvSpPr>
+          <p:cNvPr id="2" name="Title 1">
+            <a:extLst>
+              <a:ext uri="{FF2B5EF4-FFF2-40B4-BE49-F238E27FC236}">
+                <a16:creationId xmlns:a16="http://schemas.microsoft.com/office/drawing/2014/main" id="{4D384A80-AAA5-EC5D-A7E5-1981A892CCA0}"/>
+              </a:ext>
+            </a:extLst>
+          </p:cNvPr>
+          <p:cNvSpPr>
+            <a:spLocks noGrp="1"/>
+          </p:cNvSpPr>
+          <p:nvPr>
+            <p:ph type="title"/>
+          </p:nvPr>
+        </p:nvSpPr>
+        <p:spPr>
+          <a:xfrm>
+            <a:off x="8787865" y="2921173"/>
+            <a:ext cx="2745667" cy="1015663"/>
+          </a:xfrm>
+        </p:spPr>
+        <p:txBody>
+          <a:bodyPr vert="horz" lIns="182880" tIns="182880" rIns="182880" bIns="182880" rtlCol="0" anchor="ctr" anchorCtr="1">
+            <a:normAutofit fontScale="90000"/>
+          </a:bodyPr>
+          <a:lstStyle/>
+          <a:p>
+            <a:r>
+              <a:rPr lang="en-US" sz="2000" dirty="0"/>
+              <a:t>Stepper Motor Controller PCB</a:t>
+            </a:r>
+          </a:p>
+        </p:txBody>
+      </p:sp>
+      <p:sp>
+        <p:nvSpPr>
+          <p:cNvPr id="19" name="Rectangle 18">
+            <a:extLst>
+              <a:ext uri="{FF2B5EF4-FFF2-40B4-BE49-F238E27FC236}">
+                <a16:creationId xmlns:a16="http://schemas.microsoft.com/office/drawing/2014/main" id="{B8AFBB67-2575-4F5A-96CF-CD2EB02A1EF0}"/>
+              </a:ext>
+              <a:ext uri="{C183D7F6-B498-43B3-948B-1728B52AA6E4}">
+                <adec:decorative xmlns:adec="http://schemas.microsoft.com/office/drawing/2017/decorative" val="1"/>
+              </a:ext>
+            </a:extLst>
+          </p:cNvPr>
+          <p:cNvSpPr>
+            <a:spLocks noGrp="1" noRot="1" noChangeAspect="1" noMove="1" noResize="1" noEditPoints="1" noAdjustHandles="1" noChangeArrowheads="1" noChangeShapeType="1" noTextEdit="1"/>
+          </p:cNvSpPr>
+          <p:nvPr>
+            <p:extLst>
+              <p:ext uri="{386F3935-93C4-4BCD-93E2-E3B085C9AB24}">
+                <p16:designElem xmlns:p16="http://schemas.microsoft.com/office/powerpoint/2015/main" val="1"/>
+              </p:ext>
+            </p:extLst>
+          </p:nvPr>
+        </p:nvSpPr>
+        <p:spPr>
+          <a:xfrm>
+            <a:off x="0" y="0"/>
+            <a:ext cx="8135425" cy="6858000"/>
+          </a:xfrm>
+          <a:prstGeom prst="rect">
+            <a:avLst/>
+          </a:prstGeom>
+          <a:solidFill>
+            <a:schemeClr val="bg1"/>
+          </a:solidFill>
+          <a:ln>
+            <a:noFill/>
+          </a:ln>
+        </p:spPr>
+        <p:style>
+          <a:lnRef idx="2">
+            <a:schemeClr val="accent1">
+              <a:shade val="50000"/>
+            </a:schemeClr>
+          </a:lnRef>
+          <a:fillRef idx="1">
+            <a:schemeClr val="accent1"/>
+          </a:fillRef>
+          <a:effectRef idx="0">
+            <a:schemeClr val="accent1"/>
+          </a:effectRef>
+          <a:fontRef idx="minor">
+            <a:schemeClr val="lt1"/>
+          </a:fontRef>
+        </p:style>
+        <p:txBody>
+          <a:bodyPr rtlCol="0" anchor="ctr"/>
+          <a:lstStyle/>
+          <a:p>
+            <a:pPr algn="ctr"/>
+            <a:endParaRPr lang="en-US"/>
+          </a:p>
+        </p:txBody>
+      </p:sp>
+      <p:pic>
+        <p:nvPicPr>
+          <p:cNvPr id="4" name="Content Placeholder 3" descr="A red circuit board with blue and red text&#10;&#10;Description automatically generated">
+            <a:extLst>
+              <a:ext uri="{FF2B5EF4-FFF2-40B4-BE49-F238E27FC236}">
+                <a16:creationId xmlns:a16="http://schemas.microsoft.com/office/drawing/2014/main" id="{4A1981EC-2F4E-2697-47EB-401816A56DE9}"/>
+              </a:ext>
+            </a:extLst>
+          </p:cNvPr>
+          <p:cNvPicPr>
+            <a:picLocks noGrp="1" noChangeAspect="1"/>
+          </p:cNvPicPr>
+          <p:nvPr>
+            <p:ph idx="1"/>
+          </p:nvPr>
+        </p:nvPicPr>
+        <p:blipFill>
+          <a:blip r:embed="rId2"/>
+          <a:stretch>
+            <a:fillRect/>
+          </a:stretch>
+        </p:blipFill>
+        <p:spPr>
+          <a:xfrm>
+            <a:off x="1608119" y="640080"/>
+            <a:ext cx="4947345" cy="5263134"/>
+          </a:xfrm>
+          <a:prstGeom prst="rect">
+            <a:avLst/>
+          </a:prstGeom>
+        </p:spPr>
+      </p:pic>
+    </p:spTree>
+    <p:extLst>
+      <p:ext uri="{BB962C8B-B14F-4D97-AF65-F5344CB8AC3E}">
+        <p14:creationId xmlns:p14="http://schemas.microsoft.com/office/powerpoint/2010/main" val="2202771365"/>
+      </p:ext>
+    </p:extLst>
+  </p:cSld>
+  <p:clrMapOvr>
+    <a:masterClrMapping/>
+  </p:clrMapOvr>
+</p:sld>
+</file>
+
+<file path=ppt/slides/slide21.xml><?xml version="1.0" encoding="utf-8"?>
+<p:sld xmlns:a="http://schemas.openxmlformats.org/drawingml/2006/main" xmlns:r="http://schemas.openxmlformats.org/officeDocument/2006/relationships" xmlns:p="http://schemas.openxmlformats.org/presentationml/2006/main">
+  <p:cSld>
+    <p:bg>
+      <p:bgPr>
+        <a:solidFill>
+          <a:schemeClr val="accent2"/>
+        </a:solidFill>
+        <a:effectLst/>
+      </p:bgPr>
+    </p:bg>
+    <p:spTree>
+      <p:nvGrpSpPr>
+        <p:cNvPr id="1" name=""/>
+        <p:cNvGrpSpPr/>
+        <p:nvPr/>
+      </p:nvGrpSpPr>
+      <p:grpSpPr>
+        <a:xfrm>
+          <a:off x="0" y="0"/>
+          <a:ext cx="0" cy="0"/>
+          <a:chOff x="0" y="0"/>
+          <a:chExt cx="0" cy="0"/>
+        </a:xfrm>
+      </p:grpSpPr>
+      <p:sp>
+        <p:nvSpPr>
+          <p:cNvPr id="2" name="Title 1">
+            <a:extLst>
+              <a:ext uri="{FF2B5EF4-FFF2-40B4-BE49-F238E27FC236}">
+                <a16:creationId xmlns:a16="http://schemas.microsoft.com/office/drawing/2014/main" id="{39105729-2C0E-7710-3C46-45AFE24F62BF}"/>
+              </a:ext>
+            </a:extLst>
+          </p:cNvPr>
+          <p:cNvSpPr>
+            <a:spLocks noGrp="1"/>
+          </p:cNvSpPr>
+          <p:nvPr>
+            <p:ph type="title"/>
+          </p:nvPr>
+        </p:nvSpPr>
+        <p:spPr>
+          <a:xfrm>
+            <a:off x="8787865" y="2921173"/>
+            <a:ext cx="2745667" cy="1015663"/>
+          </a:xfrm>
+        </p:spPr>
+        <p:txBody>
+          <a:bodyPr vert="horz" lIns="182880" tIns="182880" rIns="182880" bIns="182880" rtlCol="0" anchor="ctr">
+            <a:normAutofit/>
+          </a:bodyPr>
+          <a:lstStyle/>
+          <a:p>
+            <a:r>
+              <a:rPr lang="en-US" sz="2000"/>
+              <a:t>MCU PCB</a:t>
+            </a:r>
+          </a:p>
+        </p:txBody>
+      </p:sp>
+      <p:sp>
+        <p:nvSpPr>
+          <p:cNvPr id="9" name="Rectangle 8">
+            <a:extLst>
+              <a:ext uri="{FF2B5EF4-FFF2-40B4-BE49-F238E27FC236}">
+                <a16:creationId xmlns:a16="http://schemas.microsoft.com/office/drawing/2014/main" id="{B8AFBB67-2575-4F5A-96CF-CD2EB02A1EF0}"/>
+              </a:ext>
+              <a:ext uri="{C183D7F6-B498-43B3-948B-1728B52AA6E4}">
+                <adec:decorative xmlns:adec="http://schemas.microsoft.com/office/drawing/2017/decorative" val="1"/>
+              </a:ext>
+            </a:extLst>
+          </p:cNvPr>
+          <p:cNvSpPr>
+            <a:spLocks noGrp="1" noRot="1" noChangeAspect="1" noMove="1" noResize="1" noEditPoints="1" noAdjustHandles="1" noChangeArrowheads="1" noChangeShapeType="1" noTextEdit="1"/>
+          </p:cNvSpPr>
+          <p:nvPr>
+            <p:extLst>
+              <p:ext uri="{386F3935-93C4-4BCD-93E2-E3B085C9AB24}">
+                <p16:designElem xmlns:p16="http://schemas.microsoft.com/office/powerpoint/2015/main" val="1"/>
+              </p:ext>
+            </p:extLst>
+          </p:nvPr>
+        </p:nvSpPr>
+        <p:spPr>
+          <a:xfrm>
+            <a:off x="0" y="0"/>
+            <a:ext cx="8135425" cy="6858000"/>
+          </a:xfrm>
+          <a:prstGeom prst="rect">
+            <a:avLst/>
+          </a:prstGeom>
+          <a:solidFill>
+            <a:schemeClr val="bg1"/>
+          </a:solidFill>
+          <a:ln>
+            <a:noFill/>
+          </a:ln>
+        </p:spPr>
+        <p:style>
+          <a:lnRef idx="2">
+            <a:schemeClr val="accent1">
+              <a:shade val="50000"/>
+            </a:schemeClr>
+          </a:lnRef>
+          <a:fillRef idx="1">
+            <a:schemeClr val="accent1"/>
+          </a:fillRef>
+          <a:effectRef idx="0">
+            <a:schemeClr val="accent1"/>
+          </a:effectRef>
+          <a:fontRef idx="minor">
+            <a:schemeClr val="lt1"/>
+          </a:fontRef>
+        </p:style>
+        <p:txBody>
+          <a:bodyPr rtlCol="0" anchor="ctr"/>
+          <a:lstStyle/>
+          <a:p>
+            <a:pPr algn="ctr"/>
+            <a:endParaRPr lang="en-US"/>
+          </a:p>
+        </p:txBody>
+      </p:sp>
+      <p:pic>
+        <p:nvPicPr>
+          <p:cNvPr id="4" name="Content Placeholder 3" descr="A red circuit board with blue and yellow text&#10;&#10;Description automatically generated">
+            <a:extLst>
+              <a:ext uri="{FF2B5EF4-FFF2-40B4-BE49-F238E27FC236}">
+                <a16:creationId xmlns:a16="http://schemas.microsoft.com/office/drawing/2014/main" id="{248DBF48-04F6-F3CF-A468-A4217F187E4E}"/>
+              </a:ext>
+            </a:extLst>
+          </p:cNvPr>
+          <p:cNvPicPr>
+            <a:picLocks noGrp="1" noChangeAspect="1"/>
+          </p:cNvPicPr>
+          <p:nvPr>
+            <p:ph idx="1"/>
+          </p:nvPr>
+        </p:nvPicPr>
+        <p:blipFill>
+          <a:blip r:embed="rId2"/>
+          <a:stretch>
+            <a:fillRect/>
+          </a:stretch>
+        </p:blipFill>
+        <p:spPr>
+          <a:xfrm>
+            <a:off x="668238" y="984566"/>
+            <a:ext cx="6827107" cy="4574161"/>
+          </a:xfrm>
+          <a:prstGeom prst="rect">
+            <a:avLst/>
+          </a:prstGeom>
+        </p:spPr>
+      </p:pic>
+    </p:spTree>
+    <p:extLst>
+      <p:ext uri="{BB962C8B-B14F-4D97-AF65-F5344CB8AC3E}">
+        <p14:creationId xmlns:p14="http://schemas.microsoft.com/office/powerpoint/2010/main" val="1280469958"/>
+      </p:ext>
+    </p:extLst>
+  </p:cSld>
+  <p:clrMapOvr>
+    <a:masterClrMapping/>
+  </p:clrMapOvr>
+</p:sld>
+</file>
+
+<file path=ppt/slides/slide22.xml><?xml version="1.0" encoding="utf-8"?>
+<p:sld xmlns:a="http://schemas.openxmlformats.org/drawingml/2006/main" xmlns:r="http://schemas.openxmlformats.org/officeDocument/2006/relationships" xmlns:p="http://schemas.openxmlformats.org/presentationml/2006/main">
+  <p:cSld>
+    <p:bg>
+      <p:bgPr>
+        <a:solidFill>
+          <a:schemeClr val="accent2"/>
+        </a:solidFill>
+        <a:effectLst/>
+      </p:bgPr>
+    </p:bg>
+    <p:spTree>
+      <p:nvGrpSpPr>
+        <p:cNvPr id="1" name=""/>
+        <p:cNvGrpSpPr/>
+        <p:nvPr/>
+      </p:nvGrpSpPr>
+      <p:grpSpPr>
+        <a:xfrm>
+          <a:off x="0" y="0"/>
+          <a:ext cx="0" cy="0"/>
+          <a:chOff x="0" y="0"/>
+          <a:chExt cx="0" cy="0"/>
+        </a:xfrm>
+      </p:grpSpPr>
+      <p:sp>
+        <p:nvSpPr>
+          <p:cNvPr id="2" name="Title 1">
+            <a:extLst>
+              <a:ext uri="{FF2B5EF4-FFF2-40B4-BE49-F238E27FC236}">
+                <a16:creationId xmlns:a16="http://schemas.microsoft.com/office/drawing/2014/main" id="{F616B74A-6D2D-4259-4A43-8AEAD62D7B28}"/>
+              </a:ext>
+            </a:extLst>
+          </p:cNvPr>
+          <p:cNvSpPr>
+            <a:spLocks noGrp="1"/>
+          </p:cNvSpPr>
+          <p:nvPr>
+            <p:ph type="title"/>
+          </p:nvPr>
+        </p:nvSpPr>
+        <p:spPr>
+          <a:xfrm>
+            <a:off x="8787865" y="2921173"/>
+            <a:ext cx="2745667" cy="1015663"/>
+          </a:xfrm>
+        </p:spPr>
+        <p:txBody>
+          <a:bodyPr vert="horz" lIns="182880" tIns="182880" rIns="182880" bIns="182880" rtlCol="0" anchor="ctr">
+            <a:normAutofit/>
+          </a:bodyPr>
+          <a:lstStyle/>
+          <a:p>
+            <a:r>
+              <a:rPr lang="en-US" sz="1700"/>
+              <a:t>SErVo Motor controller PCB</a:t>
+            </a:r>
+          </a:p>
+        </p:txBody>
+      </p:sp>
+      <p:sp>
+        <p:nvSpPr>
+          <p:cNvPr id="9" name="Rectangle 8">
+            <a:extLst>
+              <a:ext uri="{FF2B5EF4-FFF2-40B4-BE49-F238E27FC236}">
+                <a16:creationId xmlns:a16="http://schemas.microsoft.com/office/drawing/2014/main" id="{B8AFBB67-2575-4F5A-96CF-CD2EB02A1EF0}"/>
+              </a:ext>
+              <a:ext uri="{C183D7F6-B498-43B3-948B-1728B52AA6E4}">
+                <adec:decorative xmlns:adec="http://schemas.microsoft.com/office/drawing/2017/decorative" val="1"/>
+              </a:ext>
+            </a:extLst>
+          </p:cNvPr>
+          <p:cNvSpPr>
+            <a:spLocks noGrp="1" noRot="1" noChangeAspect="1" noMove="1" noResize="1" noEditPoints="1" noAdjustHandles="1" noChangeArrowheads="1" noChangeShapeType="1" noTextEdit="1"/>
+          </p:cNvSpPr>
+          <p:nvPr>
+            <p:extLst>
+              <p:ext uri="{386F3935-93C4-4BCD-93E2-E3B085C9AB24}">
+                <p16:designElem xmlns:p16="http://schemas.microsoft.com/office/powerpoint/2015/main" val="1"/>
+              </p:ext>
+            </p:extLst>
+          </p:nvPr>
+        </p:nvSpPr>
+        <p:spPr>
+          <a:xfrm>
+            <a:off x="0" y="0"/>
+            <a:ext cx="8135425" cy="6858000"/>
+          </a:xfrm>
+          <a:prstGeom prst="rect">
+            <a:avLst/>
+          </a:prstGeom>
+          <a:solidFill>
+            <a:schemeClr val="bg1"/>
+          </a:solidFill>
+          <a:ln>
+            <a:noFill/>
+          </a:ln>
+        </p:spPr>
+        <p:style>
+          <a:lnRef idx="2">
+            <a:schemeClr val="accent1">
+              <a:shade val="50000"/>
+            </a:schemeClr>
+          </a:lnRef>
+          <a:fillRef idx="1">
+            <a:schemeClr val="accent1"/>
+          </a:fillRef>
+          <a:effectRef idx="0">
+            <a:schemeClr val="accent1"/>
+          </a:effectRef>
+          <a:fontRef idx="minor">
+            <a:schemeClr val="lt1"/>
+          </a:fontRef>
+        </p:style>
+        <p:txBody>
+          <a:bodyPr rtlCol="0" anchor="ctr"/>
+          <a:lstStyle/>
+          <a:p>
+            <a:pPr algn="ctr"/>
+            <a:endParaRPr lang="en-US"/>
+          </a:p>
+        </p:txBody>
+      </p:sp>
+      <p:pic>
+        <p:nvPicPr>
+          <p:cNvPr id="4" name="Content Placeholder 3" descr="A red circuit board with many small holes&#10;&#10;Description automatically generated with medium confidence">
+            <a:extLst>
+              <a:ext uri="{FF2B5EF4-FFF2-40B4-BE49-F238E27FC236}">
+                <a16:creationId xmlns:a16="http://schemas.microsoft.com/office/drawing/2014/main" id="{48882CD6-B291-3F45-5AF0-CE702CFB1E14}"/>
+              </a:ext>
+            </a:extLst>
+          </p:cNvPr>
+          <p:cNvPicPr>
+            <a:picLocks noGrp="1" noChangeAspect="1"/>
+          </p:cNvPicPr>
+          <p:nvPr>
+            <p:ph idx="1"/>
+          </p:nvPr>
+        </p:nvPicPr>
+        <p:blipFill>
+          <a:blip r:embed="rId2"/>
+          <a:stretch>
+            <a:fillRect/>
+          </a:stretch>
+        </p:blipFill>
+        <p:spPr>
+          <a:xfrm>
+            <a:off x="1989696" y="640080"/>
+            <a:ext cx="4184191" cy="5263134"/>
+          </a:xfrm>
+          <a:prstGeom prst="rect">
+            <a:avLst/>
+          </a:prstGeom>
+        </p:spPr>
+      </p:pic>
+    </p:spTree>
+    <p:extLst>
+      <p:ext uri="{BB962C8B-B14F-4D97-AF65-F5344CB8AC3E}">
+        <p14:creationId xmlns:p14="http://schemas.microsoft.com/office/powerpoint/2010/main" val="4103262010"/>
+      </p:ext>
+    </p:extLst>
+  </p:cSld>
+  <p:clrMapOvr>
+    <a:masterClrMapping/>
+  </p:clrMapOvr>
+</p:sld>
+</file>
+
+<file path=ppt/slides/slide23.xml><?xml version="1.0" encoding="utf-8"?>
+<p:sld xmlns:a="http://schemas.openxmlformats.org/drawingml/2006/main" xmlns:r="http://schemas.openxmlformats.org/officeDocument/2006/relationships" xmlns:p="http://schemas.openxmlformats.org/presentationml/2006/main">
+  <p:cSld>
+    <p:bg>
+      <p:bgPr>
+        <a:solidFill>
+          <a:schemeClr val="accent2"/>
+        </a:solidFill>
+        <a:effectLst/>
+      </p:bgPr>
+    </p:bg>
+    <p:spTree>
+      <p:nvGrpSpPr>
+        <p:cNvPr id="1" name=""/>
+        <p:cNvGrpSpPr/>
+        <p:nvPr/>
+      </p:nvGrpSpPr>
+      <p:grpSpPr>
+        <a:xfrm>
+          <a:off x="0" y="0"/>
+          <a:ext cx="0" cy="0"/>
+          <a:chOff x="0" y="0"/>
+          <a:chExt cx="0" cy="0"/>
+        </a:xfrm>
+      </p:grpSpPr>
+      <p:sp>
+        <p:nvSpPr>
+          <p:cNvPr id="2" name="Title 1">
+            <a:extLst>
+              <a:ext uri="{FF2B5EF4-FFF2-40B4-BE49-F238E27FC236}">
+                <a16:creationId xmlns:a16="http://schemas.microsoft.com/office/drawing/2014/main" id="{26F97713-9F59-2538-C4C1-17D8984CFE2F}"/>
+              </a:ext>
+            </a:extLst>
+          </p:cNvPr>
+          <p:cNvSpPr>
+            <a:spLocks noGrp="1"/>
+          </p:cNvSpPr>
+          <p:nvPr>
+            <p:ph type="title"/>
+          </p:nvPr>
+        </p:nvSpPr>
+        <p:spPr>
+          <a:xfrm>
+            <a:off x="8787865" y="2921173"/>
+            <a:ext cx="2745667" cy="1015663"/>
+          </a:xfrm>
+        </p:spPr>
+        <p:txBody>
+          <a:bodyPr vert="horz" lIns="182880" tIns="182880" rIns="182880" bIns="182880" rtlCol="0" anchor="ctr">
+            <a:normAutofit/>
+          </a:bodyPr>
+          <a:lstStyle/>
+          <a:p>
+            <a:r>
+              <a:rPr lang="en-US" sz="2000"/>
+              <a:t>Sensors PCB</a:t>
+            </a:r>
+          </a:p>
+        </p:txBody>
+      </p:sp>
+      <p:sp>
+        <p:nvSpPr>
+          <p:cNvPr id="13" name="Rectangle 12">
+            <a:extLst>
+              <a:ext uri="{FF2B5EF4-FFF2-40B4-BE49-F238E27FC236}">
+                <a16:creationId xmlns:a16="http://schemas.microsoft.com/office/drawing/2014/main" id="{B8AFBB67-2575-4F5A-96CF-CD2EB02A1EF0}"/>
+              </a:ext>
+              <a:ext uri="{C183D7F6-B498-43B3-948B-1728B52AA6E4}">
+                <adec:decorative xmlns:adec="http://schemas.microsoft.com/office/drawing/2017/decorative" val="1"/>
+              </a:ext>
+            </a:extLst>
+          </p:cNvPr>
+          <p:cNvSpPr>
+            <a:spLocks noGrp="1" noRot="1" noChangeAspect="1" noMove="1" noResize="1" noEditPoints="1" noAdjustHandles="1" noChangeArrowheads="1" noChangeShapeType="1" noTextEdit="1"/>
+          </p:cNvSpPr>
+          <p:nvPr>
+            <p:extLst>
+              <p:ext uri="{386F3935-93C4-4BCD-93E2-E3B085C9AB24}">
+                <p16:designElem xmlns:p16="http://schemas.microsoft.com/office/powerpoint/2015/main" val="1"/>
+              </p:ext>
+            </p:extLst>
+          </p:nvPr>
+        </p:nvSpPr>
+        <p:spPr>
+          <a:xfrm>
+            <a:off x="0" y="0"/>
+            <a:ext cx="8135425" cy="6858000"/>
+          </a:xfrm>
+          <a:prstGeom prst="rect">
+            <a:avLst/>
+          </a:prstGeom>
+          <a:solidFill>
+            <a:schemeClr val="bg1"/>
+          </a:solidFill>
+          <a:ln>
+            <a:noFill/>
+          </a:ln>
+        </p:spPr>
+        <p:style>
+          <a:lnRef idx="2">
+            <a:schemeClr val="accent1">
+              <a:shade val="50000"/>
+            </a:schemeClr>
+          </a:lnRef>
+          <a:fillRef idx="1">
+            <a:schemeClr val="accent1"/>
+          </a:fillRef>
+          <a:effectRef idx="0">
+            <a:schemeClr val="accent1"/>
+          </a:effectRef>
+          <a:fontRef idx="minor">
+            <a:schemeClr val="lt1"/>
+          </a:fontRef>
+        </p:style>
+        <p:txBody>
+          <a:bodyPr rtlCol="0" anchor="ctr"/>
+          <a:lstStyle/>
+          <a:p>
+            <a:pPr algn="ctr"/>
+            <a:endParaRPr lang="en-US"/>
+          </a:p>
+        </p:txBody>
+      </p:sp>
+      <p:pic>
+        <p:nvPicPr>
+          <p:cNvPr id="4" name="Content Placeholder 3" descr="A red square with yellow text&#10;&#10;Description automatically generated">
+            <a:extLst>
+              <a:ext uri="{FF2B5EF4-FFF2-40B4-BE49-F238E27FC236}">
+                <a16:creationId xmlns:a16="http://schemas.microsoft.com/office/drawing/2014/main" id="{194024DA-DAA8-7632-5987-67EF8F7A81E1}"/>
+              </a:ext>
+            </a:extLst>
+          </p:cNvPr>
+          <p:cNvPicPr>
+            <a:picLocks noGrp="1" noChangeAspect="1"/>
+          </p:cNvPicPr>
+          <p:nvPr>
+            <p:ph idx="1"/>
+          </p:nvPr>
+        </p:nvPicPr>
+        <p:blipFill>
+          <a:blip r:embed="rId2"/>
+          <a:stretch>
+            <a:fillRect/>
+          </a:stretch>
+        </p:blipFill>
+        <p:spPr>
+          <a:xfrm>
+            <a:off x="1456804" y="640080"/>
+            <a:ext cx="5249975" cy="5263134"/>
+          </a:xfrm>
+          <a:prstGeom prst="rect">
+            <a:avLst/>
+          </a:prstGeom>
+        </p:spPr>
+      </p:pic>
+    </p:spTree>
+    <p:extLst>
+      <p:ext uri="{BB962C8B-B14F-4D97-AF65-F5344CB8AC3E}">
+        <p14:creationId xmlns:p14="http://schemas.microsoft.com/office/powerpoint/2010/main" val="1327332876"/>
+      </p:ext>
+    </p:extLst>
+  </p:cSld>
+  <p:clrMapOvr>
+    <a:masterClrMapping/>
+  </p:clrMapOvr>
+</p:sld>
+</file>
+
+<file path=ppt/slides/slide24.xml><?xml version="1.0" encoding="utf-8"?>
+<p:sld xmlns:a="http://schemas.openxmlformats.org/drawingml/2006/main" xmlns:r="http://schemas.openxmlformats.org/officeDocument/2006/relationships" xmlns:p="http://schemas.openxmlformats.org/presentationml/2006/main">
+  <p:cSld>
+    <p:spTree>
+      <p:nvGrpSpPr>
+        <p:cNvPr id="1" name=""/>
+        <p:cNvGrpSpPr/>
+        <p:nvPr/>
+      </p:nvGrpSpPr>
+      <p:grpSpPr>
+        <a:xfrm>
+          <a:off x="0" y="0"/>
+          <a:ext cx="0" cy="0"/>
+          <a:chOff x="0" y="0"/>
+          <a:chExt cx="0" cy="0"/>
+        </a:xfrm>
+      </p:grpSpPr>
+      <p:sp>
+        <p:nvSpPr>
+          <p:cNvPr id="2" name="Title 1">
+            <a:extLst>
+              <a:ext uri="{FF2B5EF4-FFF2-40B4-BE49-F238E27FC236}">
+                <a16:creationId xmlns:a16="http://schemas.microsoft.com/office/drawing/2014/main" id="{57706169-67A3-ECF7-7B7A-B1A2F508FCB4}"/>
+              </a:ext>
+            </a:extLst>
+          </p:cNvPr>
+          <p:cNvSpPr>
+            <a:spLocks noGrp="1"/>
+          </p:cNvSpPr>
+          <p:nvPr>
+            <p:ph type="title"/>
+          </p:nvPr>
+        </p:nvSpPr>
+        <p:spPr/>
+        <p:txBody>
+          <a:bodyPr/>
+          <a:lstStyle/>
+          <a:p>
+            <a:r>
+              <a:rPr lang="en-US" dirty="0"/>
+              <a:t>Administrative Contents</a:t>
+            </a:r>
+          </a:p>
+        </p:txBody>
+      </p:sp>
+      <p:sp>
+        <p:nvSpPr>
+          <p:cNvPr id="3" name="Content Placeholder 2">
+            <a:extLst>
+              <a:ext uri="{FF2B5EF4-FFF2-40B4-BE49-F238E27FC236}">
+                <a16:creationId xmlns:a16="http://schemas.microsoft.com/office/drawing/2014/main" id="{68F14EEB-BB2E-6B59-B1EB-B72F95D8849F}"/>
+              </a:ext>
+            </a:extLst>
+          </p:cNvPr>
+          <p:cNvSpPr>
+            <a:spLocks noGrp="1"/>
+          </p:cNvSpPr>
+          <p:nvPr>
+            <p:ph idx="1"/>
+          </p:nvPr>
+        </p:nvSpPr>
+        <p:spPr/>
+        <p:txBody>
+          <a:bodyPr/>
+          <a:lstStyle/>
+          <a:p>
+            <a:endParaRPr lang="en-US"/>
+          </a:p>
+        </p:txBody>
+      </p:sp>
+    </p:spTree>
+    <p:extLst>
+      <p:ext uri="{BB962C8B-B14F-4D97-AF65-F5344CB8AC3E}">
+        <p14:creationId xmlns:p14="http://schemas.microsoft.com/office/powerpoint/2010/main" val="2607790585"/>
+      </p:ext>
+    </p:extLst>
+  </p:cSld>
+  <p:clrMapOvr>
+    <a:masterClrMapping/>
+  </p:clrMapOvr>
+</p:sld>
+</file>
+
+<file path=ppt/slides/slide25.xml><?xml version="1.0" encoding="utf-8"?>
+<p:sld xmlns:a="http://schemas.openxmlformats.org/drawingml/2006/main" xmlns:r="http://schemas.openxmlformats.org/officeDocument/2006/relationships" xmlns:p="http://schemas.openxmlformats.org/presentationml/2006/main">
+  <p:cSld>
+    <p:spTree>
+      <p:nvGrpSpPr>
+        <p:cNvPr id="1" name=""/>
+        <p:cNvGrpSpPr/>
+        <p:nvPr/>
+      </p:nvGrpSpPr>
+      <p:grpSpPr>
+        <a:xfrm>
+          <a:off x="0" y="0"/>
+          <a:ext cx="0" cy="0"/>
+          <a:chOff x="0" y="0"/>
+          <a:chExt cx="0" cy="0"/>
+        </a:xfrm>
+      </p:grpSpPr>
+      <p:sp>
+        <p:nvSpPr>
+          <p:cNvPr id="2" name="Title 1">
+            <a:extLst>
+              <a:ext uri="{FF2B5EF4-FFF2-40B4-BE49-F238E27FC236}">
+                <a16:creationId xmlns:a16="http://schemas.microsoft.com/office/drawing/2014/main" id="{6CDBCBA2-C25F-AF76-39FC-EED12692A3B5}"/>
+              </a:ext>
+            </a:extLst>
+          </p:cNvPr>
+          <p:cNvSpPr>
+            <a:spLocks noGrp="1"/>
+          </p:cNvSpPr>
+          <p:nvPr>
+            <p:ph type="title"/>
+          </p:nvPr>
+        </p:nvSpPr>
+        <p:spPr/>
+        <p:txBody>
+          <a:bodyPr/>
+          <a:lstStyle/>
+          <a:p>
+            <a:r>
+              <a:rPr lang="en-US" dirty="0"/>
+              <a:t>Overall Budget and Financing</a:t>
+            </a:r>
+          </a:p>
+        </p:txBody>
+      </p:sp>
+      <p:graphicFrame>
+        <p:nvGraphicFramePr>
+          <p:cNvPr id="4" name="Content Placeholder 3">
+            <a:extLst>
+              <a:ext uri="{FF2B5EF4-FFF2-40B4-BE49-F238E27FC236}">
+                <a16:creationId xmlns:a16="http://schemas.microsoft.com/office/drawing/2014/main" id="{BAD1F839-7F50-F9E2-6FD7-CDDAC097B866}"/>
+              </a:ext>
+            </a:extLst>
+          </p:cNvPr>
+          <p:cNvGraphicFramePr>
+            <a:graphicFrameLocks noGrp="1"/>
+          </p:cNvGraphicFramePr>
+          <p:nvPr>
+            <p:ph idx="1"/>
+            <p:extLst>
+              <p:ext uri="{D42A27DB-BD31-4B8C-83A1-F6EECF244321}">
+                <p14:modId xmlns:p14="http://schemas.microsoft.com/office/powerpoint/2010/main" val="476298611"/>
+              </p:ext>
+            </p:extLst>
+          </p:nvPr>
+        </p:nvGraphicFramePr>
+        <p:xfrm>
+          <a:off x="2231136" y="2740434"/>
+          <a:ext cx="5867835" cy="2419394"/>
+        </p:xfrm>
+        <a:graphic>
+          <a:graphicData uri="http://schemas.openxmlformats.org/drawingml/2006/table">
+            <a:tbl>
+              <a:tblPr firstRow="1" firstCol="1" bandRow="1">
+                <a:tableStyleId>{5C22544A-7EE6-4342-B048-85BDC9FD1C3A}</a:tableStyleId>
+              </a:tblPr>
+              <a:tblGrid>
+                <a:gridCol w="1316274">
+                  <a:extLst>
+                    <a:ext uri="{9D8B030D-6E8A-4147-A177-3AD203B41FA5}">
+                      <a16:colId xmlns:a16="http://schemas.microsoft.com/office/drawing/2014/main" val="2840465823"/>
+                    </a:ext>
+                  </a:extLst>
+                </a:gridCol>
+                <a:gridCol w="1098559">
+                  <a:extLst>
+                    <a:ext uri="{9D8B030D-6E8A-4147-A177-3AD203B41FA5}">
+                      <a16:colId xmlns:a16="http://schemas.microsoft.com/office/drawing/2014/main" val="3900967370"/>
+                    </a:ext>
+                  </a:extLst>
+                </a:gridCol>
+                <a:gridCol w="1614872">
+                  <a:extLst>
+                    <a:ext uri="{9D8B030D-6E8A-4147-A177-3AD203B41FA5}">
+                      <a16:colId xmlns:a16="http://schemas.microsoft.com/office/drawing/2014/main" val="262004308"/>
+                    </a:ext>
+                  </a:extLst>
+                </a:gridCol>
+                <a:gridCol w="1838130">
+                  <a:extLst>
+                    <a:ext uri="{9D8B030D-6E8A-4147-A177-3AD203B41FA5}">
+                      <a16:colId xmlns:a16="http://schemas.microsoft.com/office/drawing/2014/main" val="3072163211"/>
+                    </a:ext>
+                  </a:extLst>
+                </a:gridCol>
+              </a:tblGrid>
+              <a:tr h="320173">
+                <a:tc>
+                  <a:txBody>
+                    <a:bodyPr/>
+                    <a:lstStyle/>
+                    <a:p>
+                      <a:pPr marL="0" marR="0" algn="l">
+                        <a:lnSpc>
+                          <a:spcPct val="107000"/>
+                        </a:lnSpc>
+                        <a:spcBef>
+                          <a:spcPts val="0"/>
+                        </a:spcBef>
+                        <a:spcAft>
+                          <a:spcPts val="0"/>
+                        </a:spcAft>
+                      </a:pPr>
+                      <a:r>
+                        <a:rPr lang="en-US" sz="1200">
+                          <a:effectLst/>
+                        </a:rPr>
+                        <a:t>Sub-System</a:t>
+                      </a:r>
+                      <a:endParaRPr lang="en-US" sz="1200">
+                        <a:effectLst/>
+                        <a:latin typeface="Times New Roman" panose="02020603050405020304" pitchFamily="18" charset="0"/>
+                        <a:ea typeface="Calibri" panose="020F0502020204030204" pitchFamily="34" charset="0"/>
+                        <a:cs typeface="Arial" panose="020B0604020202020204" pitchFamily="34" charset="0"/>
+                      </a:endParaRPr>
+                    </a:p>
+                  </a:txBody>
+                  <a:tcPr marL="68580" marR="68580" marT="0" marB="0"/>
+                </a:tc>
+                <a:tc>
+                  <a:txBody>
+                    <a:bodyPr/>
+                    <a:lstStyle/>
+                    <a:p>
+                      <a:pPr marL="0" marR="0" algn="l">
+                        <a:lnSpc>
+                          <a:spcPct val="107000"/>
+                        </a:lnSpc>
+                        <a:spcBef>
+                          <a:spcPts val="0"/>
+                        </a:spcBef>
+                        <a:spcAft>
+                          <a:spcPts val="0"/>
+                        </a:spcAft>
+                      </a:pPr>
+                      <a:r>
+                        <a:rPr lang="en-US" sz="1200" dirty="0">
+                          <a:effectLst/>
+                        </a:rPr>
+                        <a:t>Budget</a:t>
+                      </a:r>
+                      <a:endParaRPr lang="en-US" sz="1200" dirty="0">
+                        <a:effectLst/>
+                        <a:latin typeface="Times New Roman" panose="02020603050405020304" pitchFamily="18" charset="0"/>
+                        <a:ea typeface="Calibri" panose="020F0502020204030204" pitchFamily="34" charset="0"/>
+                        <a:cs typeface="Arial" panose="020B0604020202020204" pitchFamily="34" charset="0"/>
+                      </a:endParaRPr>
+                    </a:p>
+                  </a:txBody>
+                  <a:tcPr marL="68580" marR="68580" marT="0" marB="0"/>
+                </a:tc>
+                <a:tc>
+                  <a:txBody>
+                    <a:bodyPr/>
+                    <a:lstStyle/>
+                    <a:p>
+                      <a:pPr marL="0" marR="0" algn="l">
+                        <a:lnSpc>
+                          <a:spcPct val="107000"/>
+                        </a:lnSpc>
+                        <a:spcBef>
+                          <a:spcPts val="0"/>
+                        </a:spcBef>
+                        <a:spcAft>
+                          <a:spcPts val="0"/>
+                        </a:spcAft>
+                      </a:pPr>
+                      <a:r>
+                        <a:rPr lang="en-US" sz="1200" dirty="0">
+                          <a:effectLst/>
+                          <a:latin typeface="Times New Roman" panose="02020603050405020304" pitchFamily="18" charset="0"/>
+                          <a:ea typeface="Calibri" panose="020F0502020204030204" pitchFamily="34" charset="0"/>
+                          <a:cs typeface="Arial" panose="020B0604020202020204" pitchFamily="34" charset="0"/>
+                        </a:rPr>
+                        <a:t>Sponsor</a:t>
+                      </a:r>
+                    </a:p>
+                  </a:txBody>
+                  <a:tcPr marL="68580" marR="68580" marT="0" marB="0"/>
+                </a:tc>
+                <a:tc>
+                  <a:txBody>
+                    <a:bodyPr/>
+                    <a:lstStyle/>
+                    <a:p>
+                      <a:pPr marL="0" marR="0" algn="l">
+                        <a:lnSpc>
+                          <a:spcPct val="107000"/>
+                        </a:lnSpc>
+                        <a:spcBef>
+                          <a:spcPts val="0"/>
+                        </a:spcBef>
+                        <a:spcAft>
+                          <a:spcPts val="0"/>
+                        </a:spcAft>
+                      </a:pPr>
+                      <a:r>
+                        <a:rPr lang="en-US" sz="1200" dirty="0">
+                          <a:effectLst/>
+                          <a:latin typeface="Times New Roman" panose="02020603050405020304" pitchFamily="18" charset="0"/>
+                          <a:ea typeface="Calibri" panose="020F0502020204030204" pitchFamily="34" charset="0"/>
+                          <a:cs typeface="Arial" panose="020B0604020202020204" pitchFamily="34" charset="0"/>
+                        </a:rPr>
+                        <a:t>Additional Budget</a:t>
+                      </a:r>
+                    </a:p>
+                  </a:txBody>
+                  <a:tcPr marL="68580" marR="68580" marT="0" marB="0"/>
+                </a:tc>
+                <a:extLst>
+                  <a:ext uri="{0D108BD9-81ED-4DB2-BD59-A6C34878D82A}">
+                    <a16:rowId xmlns:a16="http://schemas.microsoft.com/office/drawing/2014/main" val="863703131"/>
+                  </a:ext>
+                </a:extLst>
+              </a:tr>
+              <a:tr h="593016">
+                <a:tc>
+                  <a:txBody>
+                    <a:bodyPr/>
+                    <a:lstStyle/>
+                    <a:p>
+                      <a:pPr marL="0" marR="0" algn="l">
+                        <a:lnSpc>
+                          <a:spcPct val="107000"/>
+                        </a:lnSpc>
+                        <a:spcBef>
+                          <a:spcPts val="0"/>
+                        </a:spcBef>
+                        <a:spcAft>
+                          <a:spcPts val="0"/>
+                        </a:spcAft>
+                      </a:pPr>
+                      <a:r>
+                        <a:rPr lang="en-US" sz="1200">
+                          <a:effectLst/>
+                        </a:rPr>
+                        <a:t>PSU and Solar</a:t>
+                      </a:r>
+                      <a:endParaRPr lang="en-US" sz="1200">
+                        <a:effectLst/>
+                        <a:latin typeface="Times New Roman" panose="02020603050405020304" pitchFamily="18" charset="0"/>
+                        <a:ea typeface="Calibri" panose="020F0502020204030204" pitchFamily="34" charset="0"/>
+                        <a:cs typeface="Arial" panose="020B0604020202020204" pitchFamily="34" charset="0"/>
+                      </a:endParaRPr>
+                    </a:p>
+                  </a:txBody>
+                  <a:tcPr marL="68580" marR="68580" marT="0" marB="0"/>
+                </a:tc>
+                <a:tc>
+                  <a:txBody>
+                    <a:bodyPr/>
+                    <a:lstStyle/>
+                    <a:p>
+                      <a:pPr marL="0" marR="0" algn="l">
+                        <a:lnSpc>
+                          <a:spcPct val="107000"/>
+                        </a:lnSpc>
+                        <a:spcBef>
+                          <a:spcPts val="0"/>
+                        </a:spcBef>
+                        <a:spcAft>
+                          <a:spcPts val="0"/>
+                        </a:spcAft>
+                      </a:pPr>
+                      <a:r>
+                        <a:rPr lang="en-US" sz="1200">
+                          <a:effectLst/>
+                        </a:rPr>
+                        <a:t>$ 150.00</a:t>
+                      </a:r>
+                      <a:endParaRPr lang="en-US" sz="1200">
+                        <a:effectLst/>
+                        <a:latin typeface="Times New Roman" panose="02020603050405020304" pitchFamily="18" charset="0"/>
+                        <a:ea typeface="Calibri" panose="020F0502020204030204" pitchFamily="34" charset="0"/>
+                        <a:cs typeface="Arial" panose="020B0604020202020204" pitchFamily="34" charset="0"/>
+                      </a:endParaRPr>
+                    </a:p>
+                  </a:txBody>
+                  <a:tcPr marL="68580" marR="68580" marT="0" marB="0"/>
+                </a:tc>
+                <a:tc>
+                  <a:txBody>
+                    <a:bodyPr/>
+                    <a:lstStyle/>
+                    <a:p>
+                      <a:pPr marL="0" marR="0" algn="l">
+                        <a:lnSpc>
+                          <a:spcPct val="107000"/>
+                        </a:lnSpc>
+                        <a:spcBef>
+                          <a:spcPts val="0"/>
+                        </a:spcBef>
+                        <a:spcAft>
+                          <a:spcPts val="0"/>
+                        </a:spcAft>
+                      </a:pPr>
+                      <a:endParaRPr lang="en-US" sz="1200" dirty="0">
+                        <a:effectLst/>
+                        <a:latin typeface="Times New Roman" panose="02020603050405020304" pitchFamily="18" charset="0"/>
+                        <a:ea typeface="Calibri" panose="020F0502020204030204" pitchFamily="34" charset="0"/>
+                        <a:cs typeface="Arial" panose="020B0604020202020204" pitchFamily="34" charset="0"/>
+                      </a:endParaRPr>
+                    </a:p>
+                  </a:txBody>
+                  <a:tcPr marL="68580" marR="68580" marT="0" marB="0"/>
+                </a:tc>
+                <a:tc>
+                  <a:txBody>
+                    <a:bodyPr/>
+                    <a:lstStyle/>
+                    <a:p>
+                      <a:pPr marL="0" marR="0" algn="l">
+                        <a:lnSpc>
+                          <a:spcPct val="107000"/>
+                        </a:lnSpc>
+                        <a:spcBef>
+                          <a:spcPts val="0"/>
+                        </a:spcBef>
+                        <a:spcAft>
+                          <a:spcPts val="0"/>
+                        </a:spcAft>
+                      </a:pPr>
+                      <a:endParaRPr lang="en-US" sz="1200">
+                        <a:effectLst/>
+                        <a:latin typeface="Times New Roman" panose="02020603050405020304" pitchFamily="18" charset="0"/>
+                        <a:ea typeface="Calibri" panose="020F0502020204030204" pitchFamily="34" charset="0"/>
+                        <a:cs typeface="Arial" panose="020B0604020202020204" pitchFamily="34" charset="0"/>
+                      </a:endParaRPr>
+                    </a:p>
+                  </a:txBody>
+                  <a:tcPr marL="68580" marR="68580" marT="0" marB="0"/>
+                </a:tc>
+                <a:extLst>
+                  <a:ext uri="{0D108BD9-81ED-4DB2-BD59-A6C34878D82A}">
+                    <a16:rowId xmlns:a16="http://schemas.microsoft.com/office/drawing/2014/main" val="2363865402"/>
+                  </a:ext>
+                </a:extLst>
+              </a:tr>
+              <a:tr h="593016">
+                <a:tc>
+                  <a:txBody>
+                    <a:bodyPr/>
+                    <a:lstStyle/>
+                    <a:p>
+                      <a:pPr marL="0" marR="0" algn="l">
+                        <a:lnSpc>
+                          <a:spcPct val="107000"/>
+                        </a:lnSpc>
+                        <a:spcBef>
+                          <a:spcPts val="0"/>
+                        </a:spcBef>
+                        <a:spcAft>
+                          <a:spcPts val="0"/>
+                        </a:spcAft>
+                      </a:pPr>
+                      <a:r>
+                        <a:rPr lang="en-US" sz="1200">
+                          <a:effectLst/>
+                        </a:rPr>
+                        <a:t>Frame/Reflector</a:t>
+                      </a:r>
+                      <a:endParaRPr lang="en-US" sz="1200">
+                        <a:effectLst/>
+                        <a:latin typeface="Times New Roman" panose="02020603050405020304" pitchFamily="18" charset="0"/>
+                        <a:ea typeface="Calibri" panose="020F0502020204030204" pitchFamily="34" charset="0"/>
+                        <a:cs typeface="Arial" panose="020B0604020202020204" pitchFamily="34" charset="0"/>
+                      </a:endParaRPr>
+                    </a:p>
+                  </a:txBody>
+                  <a:tcPr marL="68580" marR="68580" marT="0" marB="0"/>
+                </a:tc>
+                <a:tc>
+                  <a:txBody>
+                    <a:bodyPr/>
+                    <a:lstStyle/>
+                    <a:p>
+                      <a:pPr marL="0" marR="0" algn="l">
+                        <a:lnSpc>
+                          <a:spcPct val="107000"/>
+                        </a:lnSpc>
+                        <a:spcBef>
+                          <a:spcPts val="0"/>
+                        </a:spcBef>
+                        <a:spcAft>
+                          <a:spcPts val="0"/>
+                        </a:spcAft>
+                      </a:pPr>
+                      <a:r>
+                        <a:rPr lang="en-US" sz="1200">
+                          <a:effectLst/>
+                        </a:rPr>
+                        <a:t>$ 200.00</a:t>
+                      </a:r>
+                      <a:endParaRPr lang="en-US" sz="1200">
+                        <a:effectLst/>
+                        <a:latin typeface="Times New Roman" panose="02020603050405020304" pitchFamily="18" charset="0"/>
+                        <a:ea typeface="Calibri" panose="020F0502020204030204" pitchFamily="34" charset="0"/>
+                        <a:cs typeface="Arial" panose="020B0604020202020204" pitchFamily="34" charset="0"/>
+                      </a:endParaRPr>
+                    </a:p>
+                  </a:txBody>
+                  <a:tcPr marL="68580" marR="68580" marT="0" marB="0"/>
+                </a:tc>
+                <a:tc>
+                  <a:txBody>
+                    <a:bodyPr/>
+                    <a:lstStyle/>
+                    <a:p>
+                      <a:pPr marL="0" marR="0" algn="l">
+                        <a:lnSpc>
+                          <a:spcPct val="107000"/>
+                        </a:lnSpc>
+                        <a:spcBef>
+                          <a:spcPts val="0"/>
+                        </a:spcBef>
+                        <a:spcAft>
+                          <a:spcPts val="0"/>
+                        </a:spcAft>
+                      </a:pPr>
+                      <a:endParaRPr lang="en-US" sz="1200">
+                        <a:effectLst/>
+                        <a:latin typeface="Times New Roman" panose="02020603050405020304" pitchFamily="18" charset="0"/>
+                        <a:ea typeface="Calibri" panose="020F0502020204030204" pitchFamily="34" charset="0"/>
+                        <a:cs typeface="Arial" panose="020B0604020202020204" pitchFamily="34" charset="0"/>
+                      </a:endParaRPr>
+                    </a:p>
+                  </a:txBody>
+                  <a:tcPr marL="68580" marR="68580" marT="0" marB="0"/>
+                </a:tc>
+                <a:tc>
+                  <a:txBody>
+                    <a:bodyPr/>
+                    <a:lstStyle/>
+                    <a:p>
+                      <a:pPr marL="0" marR="0" algn="l">
+                        <a:lnSpc>
+                          <a:spcPct val="107000"/>
+                        </a:lnSpc>
+                        <a:spcBef>
+                          <a:spcPts val="0"/>
+                        </a:spcBef>
+                        <a:spcAft>
+                          <a:spcPts val="0"/>
+                        </a:spcAft>
+                      </a:pPr>
+                      <a:endParaRPr lang="en-US" sz="1200">
+                        <a:effectLst/>
+                        <a:latin typeface="Times New Roman" panose="02020603050405020304" pitchFamily="18" charset="0"/>
+                        <a:ea typeface="Calibri" panose="020F0502020204030204" pitchFamily="34" charset="0"/>
+                        <a:cs typeface="Arial" panose="020B0604020202020204" pitchFamily="34" charset="0"/>
+                      </a:endParaRPr>
+                    </a:p>
+                  </a:txBody>
+                  <a:tcPr marL="68580" marR="68580" marT="0" marB="0"/>
+                </a:tc>
+                <a:extLst>
+                  <a:ext uri="{0D108BD9-81ED-4DB2-BD59-A6C34878D82A}">
+                    <a16:rowId xmlns:a16="http://schemas.microsoft.com/office/drawing/2014/main" val="4135400101"/>
+                  </a:ext>
+                </a:extLst>
+              </a:tr>
+              <a:tr h="593016">
+                <a:tc>
+                  <a:txBody>
+                    <a:bodyPr/>
+                    <a:lstStyle/>
+                    <a:p>
+                      <a:pPr marL="0" marR="0" algn="l">
+                        <a:lnSpc>
+                          <a:spcPct val="107000"/>
+                        </a:lnSpc>
+                        <a:spcBef>
+                          <a:spcPts val="0"/>
+                        </a:spcBef>
+                        <a:spcAft>
+                          <a:spcPts val="0"/>
+                        </a:spcAft>
+                      </a:pPr>
+                      <a:r>
+                        <a:rPr lang="en-US" sz="1200" dirty="0">
+                          <a:effectLst/>
+                        </a:rPr>
+                        <a:t>PCBs and Electrical</a:t>
+                      </a:r>
+                      <a:endParaRPr lang="en-US" sz="1200" dirty="0">
+                        <a:effectLst/>
+                        <a:latin typeface="Times New Roman" panose="02020603050405020304" pitchFamily="18" charset="0"/>
+                        <a:ea typeface="Calibri" panose="020F0502020204030204" pitchFamily="34" charset="0"/>
+                        <a:cs typeface="Arial" panose="020B0604020202020204" pitchFamily="34" charset="0"/>
+                      </a:endParaRPr>
+                    </a:p>
+                  </a:txBody>
+                  <a:tcPr marL="68580" marR="68580" marT="0" marB="0"/>
+                </a:tc>
+                <a:tc>
+                  <a:txBody>
+                    <a:bodyPr/>
+                    <a:lstStyle/>
+                    <a:p>
+                      <a:pPr marL="0" marR="0" algn="l">
+                        <a:lnSpc>
+                          <a:spcPct val="107000"/>
+                        </a:lnSpc>
+                        <a:spcBef>
+                          <a:spcPts val="0"/>
+                        </a:spcBef>
+                        <a:spcAft>
+                          <a:spcPts val="0"/>
+                        </a:spcAft>
+                      </a:pPr>
+                      <a:r>
+                        <a:rPr lang="en-US" sz="1200">
+                          <a:effectLst/>
+                        </a:rPr>
+                        <a:t>$ 100.00</a:t>
+                      </a:r>
+                      <a:endParaRPr lang="en-US" sz="1200">
+                        <a:effectLst/>
+                        <a:latin typeface="Times New Roman" panose="02020603050405020304" pitchFamily="18" charset="0"/>
+                        <a:ea typeface="Calibri" panose="020F0502020204030204" pitchFamily="34" charset="0"/>
+                        <a:cs typeface="Arial" panose="020B0604020202020204" pitchFamily="34" charset="0"/>
+                      </a:endParaRPr>
+                    </a:p>
+                  </a:txBody>
+                  <a:tcPr marL="68580" marR="68580" marT="0" marB="0"/>
+                </a:tc>
+                <a:tc>
+                  <a:txBody>
+                    <a:bodyPr/>
+                    <a:lstStyle/>
+                    <a:p>
+                      <a:pPr marL="0" marR="0" algn="l">
+                        <a:lnSpc>
+                          <a:spcPct val="107000"/>
+                        </a:lnSpc>
+                        <a:spcBef>
+                          <a:spcPts val="0"/>
+                        </a:spcBef>
+                        <a:spcAft>
+                          <a:spcPts val="0"/>
+                        </a:spcAft>
+                      </a:pPr>
+                      <a:endParaRPr lang="en-US" sz="1200">
+                        <a:effectLst/>
+                        <a:latin typeface="Times New Roman" panose="02020603050405020304" pitchFamily="18" charset="0"/>
+                        <a:ea typeface="Calibri" panose="020F0502020204030204" pitchFamily="34" charset="0"/>
+                        <a:cs typeface="Arial" panose="020B0604020202020204" pitchFamily="34" charset="0"/>
+                      </a:endParaRPr>
+                    </a:p>
+                  </a:txBody>
+                  <a:tcPr marL="68580" marR="68580" marT="0" marB="0"/>
+                </a:tc>
+                <a:tc>
+                  <a:txBody>
+                    <a:bodyPr/>
+                    <a:lstStyle/>
+                    <a:p>
+                      <a:pPr marL="0" marR="0" algn="l">
+                        <a:lnSpc>
+                          <a:spcPct val="107000"/>
+                        </a:lnSpc>
+                        <a:spcBef>
+                          <a:spcPts val="0"/>
+                        </a:spcBef>
+                        <a:spcAft>
+                          <a:spcPts val="0"/>
+                        </a:spcAft>
+                      </a:pPr>
+                      <a:endParaRPr lang="en-US" sz="1200">
+                        <a:effectLst/>
+                        <a:latin typeface="Times New Roman" panose="02020603050405020304" pitchFamily="18" charset="0"/>
+                        <a:ea typeface="Calibri" panose="020F0502020204030204" pitchFamily="34" charset="0"/>
+                        <a:cs typeface="Arial" panose="020B0604020202020204" pitchFamily="34" charset="0"/>
+                      </a:endParaRPr>
+                    </a:p>
+                  </a:txBody>
+                  <a:tcPr marL="68580" marR="68580" marT="0" marB="0"/>
+                </a:tc>
+                <a:extLst>
+                  <a:ext uri="{0D108BD9-81ED-4DB2-BD59-A6C34878D82A}">
+                    <a16:rowId xmlns:a16="http://schemas.microsoft.com/office/drawing/2014/main" val="3790946879"/>
+                  </a:ext>
+                </a:extLst>
+              </a:tr>
+              <a:tr h="320173">
+                <a:tc>
+                  <a:txBody>
+                    <a:bodyPr/>
+                    <a:lstStyle/>
+                    <a:p>
+                      <a:pPr marL="0" marR="0" algn="l">
+                        <a:lnSpc>
+                          <a:spcPct val="107000"/>
+                        </a:lnSpc>
+                        <a:spcBef>
+                          <a:spcPts val="0"/>
+                        </a:spcBef>
+                        <a:spcAft>
+                          <a:spcPts val="0"/>
+                        </a:spcAft>
+                      </a:pPr>
+                      <a:r>
+                        <a:rPr lang="en-US" sz="1200">
+                          <a:effectLst/>
+                        </a:rPr>
+                        <a:t>Total</a:t>
+                      </a:r>
+                      <a:endParaRPr lang="en-US" sz="1200">
+                        <a:effectLst/>
+                        <a:latin typeface="Times New Roman" panose="02020603050405020304" pitchFamily="18" charset="0"/>
+                        <a:ea typeface="Calibri" panose="020F0502020204030204" pitchFamily="34" charset="0"/>
+                        <a:cs typeface="Arial" panose="020B0604020202020204" pitchFamily="34" charset="0"/>
+                      </a:endParaRPr>
+                    </a:p>
+                  </a:txBody>
+                  <a:tcPr marL="68580" marR="68580" marT="0" marB="0"/>
+                </a:tc>
+                <a:tc>
+                  <a:txBody>
+                    <a:bodyPr/>
+                    <a:lstStyle/>
+                    <a:p>
+                      <a:pPr marL="0" marR="0" algn="l">
+                        <a:lnSpc>
+                          <a:spcPct val="107000"/>
+                        </a:lnSpc>
+                        <a:spcBef>
+                          <a:spcPts val="0"/>
+                        </a:spcBef>
+                        <a:spcAft>
+                          <a:spcPts val="0"/>
+                        </a:spcAft>
+                      </a:pPr>
+                      <a:r>
+                        <a:rPr lang="en-US" sz="1200" dirty="0">
+                          <a:effectLst/>
+                        </a:rPr>
+                        <a:t>$ 450.00</a:t>
+                      </a:r>
+                      <a:endParaRPr lang="en-US" sz="1200" dirty="0">
+                        <a:effectLst/>
+                        <a:latin typeface="Times New Roman" panose="02020603050405020304" pitchFamily="18" charset="0"/>
+                        <a:ea typeface="Calibri" panose="020F0502020204030204" pitchFamily="34" charset="0"/>
+                        <a:cs typeface="Arial" panose="020B0604020202020204" pitchFamily="34" charset="0"/>
+                      </a:endParaRPr>
+                    </a:p>
+                  </a:txBody>
+                  <a:tcPr marL="68580" marR="68580" marT="0" marB="0"/>
+                </a:tc>
+                <a:tc>
+                  <a:txBody>
+                    <a:bodyPr/>
+                    <a:lstStyle/>
+                    <a:p>
+                      <a:pPr marL="0" marR="0" algn="l">
+                        <a:lnSpc>
+                          <a:spcPct val="107000"/>
+                        </a:lnSpc>
+                        <a:spcBef>
+                          <a:spcPts val="0"/>
+                        </a:spcBef>
+                        <a:spcAft>
+                          <a:spcPts val="0"/>
+                        </a:spcAft>
+                      </a:pPr>
+                      <a:endParaRPr lang="en-US" sz="1200" dirty="0">
+                        <a:effectLst/>
+                        <a:latin typeface="Times New Roman" panose="02020603050405020304" pitchFamily="18" charset="0"/>
+                        <a:ea typeface="Calibri" panose="020F0502020204030204" pitchFamily="34" charset="0"/>
+                        <a:cs typeface="Arial" panose="020B0604020202020204" pitchFamily="34" charset="0"/>
+                      </a:endParaRPr>
+                    </a:p>
+                  </a:txBody>
+                  <a:tcPr marL="68580" marR="68580" marT="0" marB="0"/>
+                </a:tc>
+                <a:tc>
+                  <a:txBody>
+                    <a:bodyPr/>
+                    <a:lstStyle/>
+                    <a:p>
+                      <a:pPr marL="0" marR="0" algn="l">
+                        <a:lnSpc>
+                          <a:spcPct val="107000"/>
+                        </a:lnSpc>
+                        <a:spcBef>
+                          <a:spcPts val="0"/>
+                        </a:spcBef>
+                        <a:spcAft>
+                          <a:spcPts val="0"/>
+                        </a:spcAft>
+                      </a:pPr>
+                      <a:endParaRPr lang="en-US" sz="1200" dirty="0">
+                        <a:effectLst/>
+                        <a:latin typeface="Times New Roman" panose="02020603050405020304" pitchFamily="18" charset="0"/>
+                        <a:ea typeface="Calibri" panose="020F0502020204030204" pitchFamily="34" charset="0"/>
+                        <a:cs typeface="Arial" panose="020B0604020202020204" pitchFamily="34" charset="0"/>
+                      </a:endParaRPr>
+                    </a:p>
+                  </a:txBody>
+                  <a:tcPr marL="68580" marR="68580" marT="0" marB="0"/>
+                </a:tc>
+                <a:extLst>
+                  <a:ext uri="{0D108BD9-81ED-4DB2-BD59-A6C34878D82A}">
+                    <a16:rowId xmlns:a16="http://schemas.microsoft.com/office/drawing/2014/main" val="3518819983"/>
+                  </a:ext>
+                </a:extLst>
+              </a:tr>
+            </a:tbl>
+          </a:graphicData>
+        </a:graphic>
+      </p:graphicFrame>
+    </p:spTree>
+    <p:extLst>
+      <p:ext uri="{BB962C8B-B14F-4D97-AF65-F5344CB8AC3E}">
+        <p14:creationId xmlns:p14="http://schemas.microsoft.com/office/powerpoint/2010/main" val="194640937"/>
+      </p:ext>
+    </p:extLst>
+  </p:cSld>
+  <p:clrMapOvr>
+    <a:masterClrMapping/>
+  </p:clrMapOvr>
+</p:sld>
+</file>
+
+<file path=ppt/slides/slide26.xml><?xml version="1.0" encoding="utf-8"?>
 <p:sld xmlns:a="http://schemas.openxmlformats.org/drawingml/2006/main" xmlns:r="http://schemas.openxmlformats.org/officeDocument/2006/relationships" xmlns:p="http://schemas.openxmlformats.org/presentationml/2006/main">
   <p:cSld>
     <p:bg>
@@ -7121,7 +7923,7 @@
 </p:sld>
 </file>
 
-<file path=ppt/slides/slide21.xml><?xml version="1.0" encoding="utf-8"?>
+<file path=ppt/slides/slide27.xml><?xml version="1.0" encoding="utf-8"?>
 <p:sld xmlns:a="http://schemas.openxmlformats.org/drawingml/2006/main" xmlns:r="http://schemas.openxmlformats.org/officeDocument/2006/relationships" xmlns:p="http://schemas.openxmlformats.org/presentationml/2006/main">
   <p:cSld>
     <p:bg>
@@ -8715,7 +9517,7 @@
 </p:sld>
 </file>
 
-<file path=ppt/slides/slide22.xml><?xml version="1.0" encoding="utf-8"?>
+<file path=ppt/slides/slide28.xml><?xml version="1.0" encoding="utf-8"?>
 <p:sld xmlns:a="http://schemas.openxmlformats.org/drawingml/2006/main" xmlns:r="http://schemas.openxmlformats.org/officeDocument/2006/relationships" xmlns:p="http://schemas.openxmlformats.org/presentationml/2006/main">
   <p:cSld>
     <p:bg>
@@ -8924,14 +9726,14 @@
             <p:ph idx="1"/>
             <p:extLst>
               <p:ext uri="{D42A27DB-BD31-4B8C-83A1-F6EECF244321}">
-                <p14:modId xmlns:p14="http://schemas.microsoft.com/office/powerpoint/2010/main" val="3646054702"/>
+                <p14:modId xmlns:p14="http://schemas.microsoft.com/office/powerpoint/2010/main" val="3318901487"/>
               </p:ext>
             </p:extLst>
           </p:nvPr>
         </p:nvGraphicFramePr>
         <p:xfrm>
           <a:off x="920750" y="1859912"/>
-          <a:ext cx="5651502" cy="4039992"/>
+          <a:ext cx="5843944" cy="3829784"/>
         </p:xfrm>
         <a:graphic>
           <a:graphicData uri="http://schemas.openxmlformats.org/drawingml/2006/table">
@@ -8961,7 +9763,7 @@
                     </a:ext>
                   </a:extLst>
                 </a:gridCol>
-                <a:gridCol w="778967">
+                <a:gridCol w="971409">
                   <a:extLst>
                     <a:ext uri="{9D8B030D-6E8A-4147-A177-3AD203B41FA5}">
                       <a16:colId xmlns:a16="http://schemas.microsoft.com/office/drawing/2014/main" val="4118255209"/>
@@ -13289,7 +14091,7 @@
           <p:cNvPr id="2" name="Title 1">
             <a:extLst>
               <a:ext uri="{FF2B5EF4-FFF2-40B4-BE49-F238E27FC236}">
-                <a16:creationId xmlns:a16="http://schemas.microsoft.com/office/drawing/2014/main" id="{BB18B88F-A920-F17D-DA16-AFE2F81DA06E}"/>
+                <a16:creationId xmlns:a16="http://schemas.microsoft.com/office/drawing/2014/main" id="{1B410474-8CF6-C934-C1AF-28B764A1F67D}"/>
               </a:ext>
             </a:extLst>
           </p:cNvPr>
@@ -13305,7 +14107,15 @@
           <a:bodyPr/>
           <a:lstStyle/>
           <a:p>
-            <a:endParaRPr lang="en-US"/>
+            <a:r>
+              <a:rPr lang="en-US" sz="1800" dirty="0">
+                <a:effectLst/>
+                <a:latin typeface="Times New Roman" panose="02020603050405020304" pitchFamily="18" charset="0"/>
+                <a:ea typeface="Calibri" panose="020F0502020204030204" pitchFamily="34" charset="0"/>
+              </a:rPr>
+              <a:t>MCU</a:t>
+            </a:r>
+            <a:endParaRPr lang="en-US" dirty="0"/>
           </a:p>
         </p:txBody>
       </p:sp>
@@ -13314,7 +14124,7 @@
           <p:cNvPr id="3" name="Content Placeholder 2">
             <a:extLst>
               <a:ext uri="{FF2B5EF4-FFF2-40B4-BE49-F238E27FC236}">
-                <a16:creationId xmlns:a16="http://schemas.microsoft.com/office/drawing/2014/main" id="{DD4B9E65-35BC-5E3A-C062-0187642DBCE3}"/>
+                <a16:creationId xmlns:a16="http://schemas.microsoft.com/office/drawing/2014/main" id="{7315A04D-14B7-D86F-7D40-8D58FBC81D20}"/>
               </a:ext>
             </a:extLst>
           </p:cNvPr>
@@ -13330,14 +14140,14 @@
           <a:bodyPr/>
           <a:lstStyle/>
           <a:p>
-            <a:endParaRPr lang="en-US" dirty="0"/>
+            <a:endParaRPr lang="en-US"/>
           </a:p>
         </p:txBody>
       </p:sp>
     </p:spTree>
     <p:extLst>
       <p:ext uri="{BB962C8B-B14F-4D97-AF65-F5344CB8AC3E}">
-        <p14:creationId xmlns:p14="http://schemas.microsoft.com/office/powerpoint/2010/main" val="1712144836"/>
+        <p14:creationId xmlns:p14="http://schemas.microsoft.com/office/powerpoint/2010/main" val="444619307"/>
       </p:ext>
     </p:extLst>
   </p:cSld>
@@ -13369,7 +14179,7 @@
           <p:cNvPr id="2" name="Title 1">
             <a:extLst>
               <a:ext uri="{FF2B5EF4-FFF2-40B4-BE49-F238E27FC236}">
-                <a16:creationId xmlns:a16="http://schemas.microsoft.com/office/drawing/2014/main" id="{1B4C723B-6E52-CA05-CB13-3E45C371D3D7}"/>
+                <a16:creationId xmlns:a16="http://schemas.microsoft.com/office/drawing/2014/main" id="{62BA4A80-744D-EFB3-1B7A-F3003C51B8EE}"/>
               </a:ext>
             </a:extLst>
           </p:cNvPr>
@@ -13386,9 +14196,14 @@
           <a:lstStyle/>
           <a:p>
             <a:r>
-              <a:rPr lang="en-US" dirty="0"/>
-              <a:t>Comparison and Selection of Software</a:t>
+              <a:rPr lang="en-US" sz="1800" dirty="0">
+                <a:effectLst/>
+                <a:latin typeface="Times New Roman" panose="02020603050405020304" pitchFamily="18" charset="0"/>
+                <a:ea typeface="Calibri" panose="020F0502020204030204" pitchFamily="34" charset="0"/>
+              </a:rPr>
+              <a:t>Solar Panels</a:t>
             </a:r>
+            <a:endParaRPr lang="en-US" dirty="0"/>
           </a:p>
         </p:txBody>
       </p:sp>
@@ -13397,7 +14212,7 @@
           <p:cNvPr id="3" name="Content Placeholder 2">
             <a:extLst>
               <a:ext uri="{FF2B5EF4-FFF2-40B4-BE49-F238E27FC236}">
-                <a16:creationId xmlns:a16="http://schemas.microsoft.com/office/drawing/2014/main" id="{D77444A8-AA20-1B0E-DB4C-19B7DCC36971}"/>
+                <a16:creationId xmlns:a16="http://schemas.microsoft.com/office/drawing/2014/main" id="{1F093BAA-77E5-4566-A879-9D3589914661}"/>
               </a:ext>
             </a:extLst>
           </p:cNvPr>
@@ -13420,7 +14235,7 @@
     </p:spTree>
     <p:extLst>
       <p:ext uri="{BB962C8B-B14F-4D97-AF65-F5344CB8AC3E}">
-        <p14:creationId xmlns:p14="http://schemas.microsoft.com/office/powerpoint/2010/main" val="3156607132"/>
+        <p14:creationId xmlns:p14="http://schemas.microsoft.com/office/powerpoint/2010/main" val="4221130382"/>
       </p:ext>
     </p:extLst>
   </p:cSld>
